--- a/Everything（TOOLS）.pptx
+++ b/Everything（TOOLS）.pptx
@@ -238,7 +238,7 @@
           <a:p>
             <a:fld id="{A9CF567E-DE08-437C-BB13-32ABE674C4D5}" type="datetimeFigureOut">
               <a:rPr lang="zh-CN" altLang="en-US" smtClean="0"/>
-              <a:t>2019/12/2</a:t>
+              <a:t>2019/12/28</a:t>
             </a:fld>
             <a:endParaRPr lang="zh-CN" altLang="en-US"/>
           </a:p>
@@ -2872,7 +2872,7 @@
                 <a:ea typeface="微软雅黑" panose="020B0503020204020204" pitchFamily="34" charset="-122"/>
                 <a:sym typeface="Arial" panose="020B0604020202020204" pitchFamily="34" charset="0"/>
               </a:rPr>
-              <a:t>API</a:t>
+              <a:t>JQuery</a:t>
             </a:r>
             <a:endParaRPr lang="zh-CN" altLang="en-US" sz="2800" b="1" dirty="0">
               <a:latin typeface="Arial" panose="020B0604020202020204" pitchFamily="34" charset="0"/>
@@ -2915,7 +2915,7 @@
                 <a:ea typeface="微软雅黑" panose="020B0503020204020204" pitchFamily="34" charset="-122"/>
                 <a:sym typeface="Arial" panose="020B0604020202020204" pitchFamily="34" charset="0"/>
               </a:rPr>
-              <a:t>JQuery</a:t>
+              <a:t>API</a:t>
             </a:r>
           </a:p>
         </p:txBody>
@@ -3386,7 +3386,7 @@
         </p:nvSpPr>
         <p:spPr>
           <a:xfrm>
-            <a:off x="4712739" y="2193772"/>
+            <a:off x="4712739" y="2894530"/>
             <a:ext cx="2646878" cy="830997"/>
           </a:xfrm>
           <a:prstGeom prst="rect">
@@ -3407,94 +3407,6 @@
                 <a:sym typeface="Arial" panose="020B0604020202020204" pitchFamily="34" charset="0"/>
               </a:rPr>
               <a:t>项目展示</a:t>
-            </a:r>
-            <a:endParaRPr lang="en-US" altLang="zh-CN" sz="4800" b="1" dirty="0">
-              <a:latin typeface="Arial" panose="020B0604020202020204" pitchFamily="34" charset="0"/>
-              <a:ea typeface="微软雅黑" panose="020B0503020204020204" pitchFamily="34" charset="-122"/>
-              <a:sym typeface="Arial" panose="020B0604020202020204" pitchFamily="34" charset="0"/>
-            </a:endParaRPr>
-          </a:p>
-        </p:txBody>
-      </p:sp>
-      <p:sp>
-        <p:nvSpPr>
-          <p:cNvPr id="3" name="矩形 2">
-            <a:extLst>
-              <a:ext uri="{FF2B5EF4-FFF2-40B4-BE49-F238E27FC236}">
-                <a16:creationId xmlns:a16="http://schemas.microsoft.com/office/drawing/2014/main" id="{841F5AAA-3E7C-4E4F-B8CD-31D7C4C9B91B}"/>
-              </a:ext>
-            </a:extLst>
-          </p:cNvPr>
-          <p:cNvSpPr/>
-          <p:nvPr/>
-        </p:nvSpPr>
-        <p:spPr>
-          <a:xfrm>
-            <a:off x="4712739" y="3660263"/>
-            <a:ext cx="2646878" cy="830997"/>
-          </a:xfrm>
-          <a:prstGeom prst="rect">
-            <a:avLst/>
-          </a:prstGeom>
-        </p:spPr>
-        <p:txBody>
-          <a:bodyPr wrap="none">
-            <a:spAutoFit/>
-          </a:bodyPr>
-          <a:lstStyle/>
-          <a:p>
-            <a:pPr algn="ctr"/>
-            <a:r>
-              <a:rPr lang="zh-CN" altLang="en-US" sz="4800" b="1">
-                <a:latin typeface="Arial" panose="020B0604020202020204" pitchFamily="34" charset="0"/>
-                <a:ea typeface="微软雅黑" panose="020B0503020204020204" pitchFamily="34" charset="-122"/>
-                <a:sym typeface="Arial" panose="020B0604020202020204" pitchFamily="34" charset="0"/>
-              </a:rPr>
-              <a:t>项目答辩</a:t>
-            </a:r>
-            <a:endParaRPr lang="en-US" altLang="zh-CN" sz="4800" b="1" dirty="0">
-              <a:latin typeface="Arial" panose="020B0604020202020204" pitchFamily="34" charset="0"/>
-              <a:ea typeface="微软雅黑" panose="020B0503020204020204" pitchFamily="34" charset="-122"/>
-              <a:sym typeface="Arial" panose="020B0604020202020204" pitchFamily="34" charset="0"/>
-            </a:endParaRPr>
-          </a:p>
-        </p:txBody>
-      </p:sp>
-      <p:sp>
-        <p:nvSpPr>
-          <p:cNvPr id="4" name="矩形 3">
-            <a:extLst>
-              <a:ext uri="{FF2B5EF4-FFF2-40B4-BE49-F238E27FC236}">
-                <a16:creationId xmlns:a16="http://schemas.microsoft.com/office/drawing/2014/main" id="{9F2DF24A-567F-4735-BE13-03F54BC04A8B}"/>
-              </a:ext>
-            </a:extLst>
-          </p:cNvPr>
-          <p:cNvSpPr/>
-          <p:nvPr/>
-        </p:nvSpPr>
-        <p:spPr>
-          <a:xfrm>
-            <a:off x="5721830" y="2936588"/>
-            <a:ext cx="628697" cy="830997"/>
-          </a:xfrm>
-          <a:prstGeom prst="rect">
-            <a:avLst/>
-          </a:prstGeom>
-        </p:spPr>
-        <p:txBody>
-          <a:bodyPr wrap="none">
-            <a:spAutoFit/>
-          </a:bodyPr>
-          <a:lstStyle/>
-          <a:p>
-            <a:pPr algn="ctr"/>
-            <a:r>
-              <a:rPr lang="en-US" altLang="zh-CN" sz="4800" b="1">
-                <a:latin typeface="Arial" panose="020B0604020202020204" pitchFamily="34" charset="0"/>
-                <a:ea typeface="微软雅黑" panose="020B0503020204020204" pitchFamily="34" charset="-122"/>
-                <a:sym typeface="Arial" panose="020B0604020202020204" pitchFamily="34" charset="0"/>
-              </a:rPr>
-              <a:t>&amp;</a:t>
             </a:r>
             <a:endParaRPr lang="en-US" altLang="zh-CN" sz="4800" b="1" dirty="0">
               <a:latin typeface="Arial" panose="020B0604020202020204" pitchFamily="34" charset="0"/>
@@ -3775,7 +3687,7 @@
         </p:blipFill>
         <p:spPr>
           <a:xfrm>
-            <a:off x="0" y="356349"/>
+            <a:off x="21111" y="434859"/>
             <a:ext cx="3137336" cy="6145301"/>
           </a:xfrm>
           <a:prstGeom prst="rect">
@@ -3783,3649 +3695,6 @@
           </a:prstGeom>
         </p:spPr>
       </p:pic>
-      <p:grpSp>
-        <p:nvGrpSpPr>
-          <p:cNvPr id="77" name="组合 76"/>
-          <p:cNvGrpSpPr/>
-          <p:nvPr/>
-        </p:nvGrpSpPr>
-        <p:grpSpPr>
-          <a:xfrm>
-            <a:off x="-25400" y="646062"/>
-            <a:ext cx="4494766" cy="5563200"/>
-            <a:chOff x="-25400" y="646062"/>
-            <a:chExt cx="4494766" cy="5563200"/>
-          </a:xfrm>
-        </p:grpSpPr>
-        <p:grpSp>
-          <p:nvGrpSpPr>
-            <p:cNvPr id="12" name="组合 11"/>
-            <p:cNvGrpSpPr/>
-            <p:nvPr/>
-          </p:nvGrpSpPr>
-          <p:grpSpPr>
-            <a:xfrm>
-              <a:off x="-25400" y="702733"/>
-              <a:ext cx="4470400" cy="2751667"/>
-              <a:chOff x="-25400" y="702733"/>
-              <a:chExt cx="4470400" cy="2751667"/>
-            </a:xfrm>
-          </p:grpSpPr>
-          <p:sp>
-            <p:nvSpPr>
-              <p:cNvPr id="9" name="任意多边形 8"/>
-              <p:cNvSpPr/>
-              <p:nvPr/>
-            </p:nvSpPr>
-            <p:spPr>
-              <a:xfrm>
-                <a:off x="-8467" y="702733"/>
-                <a:ext cx="4453467" cy="2743200"/>
-              </a:xfrm>
-              <a:custGeom>
-                <a:avLst/>
-                <a:gdLst>
-                  <a:gd name="connsiteX0" fmla="*/ 0 w 4453467"/>
-                  <a:gd name="connsiteY0" fmla="*/ 2743200 h 2743200"/>
-                  <a:gd name="connsiteX1" fmla="*/ 1837267 w 4453467"/>
-                  <a:gd name="connsiteY1" fmla="*/ 0 h 2743200"/>
-                  <a:gd name="connsiteX2" fmla="*/ 4453467 w 4453467"/>
-                  <a:gd name="connsiteY2" fmla="*/ 0 h 2743200"/>
-                </a:gdLst>
-                <a:ahLst/>
-                <a:cxnLst>
-                  <a:cxn ang="0">
-                    <a:pos x="connsiteX0" y="connsiteY0"/>
-                  </a:cxn>
-                  <a:cxn ang="0">
-                    <a:pos x="connsiteX1" y="connsiteY1"/>
-                  </a:cxn>
-                  <a:cxn ang="0">
-                    <a:pos x="connsiteX2" y="connsiteY2"/>
-                  </a:cxn>
-                </a:cxnLst>
-                <a:rect l="l" t="t" r="r" b="b"/>
-                <a:pathLst>
-                  <a:path w="4453467" h="2743200">
-                    <a:moveTo>
-                      <a:pt x="0" y="2743200"/>
-                    </a:moveTo>
-                    <a:lnTo>
-                      <a:pt x="1837267" y="0"/>
-                    </a:lnTo>
-                    <a:lnTo>
-                      <a:pt x="4453467" y="0"/>
-                    </a:lnTo>
-                  </a:path>
-                </a:pathLst>
-              </a:custGeom>
-              <a:noFill/>
-              <a:ln>
-                <a:solidFill>
-                  <a:schemeClr val="bg1">
-                    <a:lumMod val="85000"/>
-                  </a:schemeClr>
-                </a:solidFill>
-              </a:ln>
-            </p:spPr>
-            <p:style>
-              <a:lnRef idx="2">
-                <a:schemeClr val="accent1">
-                  <a:shade val="50000"/>
-                </a:schemeClr>
-              </a:lnRef>
-              <a:fillRef idx="1">
-                <a:schemeClr val="accent1"/>
-              </a:fillRef>
-              <a:effectRef idx="0">
-                <a:schemeClr val="accent1"/>
-              </a:effectRef>
-              <a:fontRef idx="minor">
-                <a:schemeClr val="lt1"/>
-              </a:fontRef>
-            </p:style>
-            <p:txBody>
-              <a:bodyPr rtlCol="0" anchor="ctr"/>
-              <a:lstStyle/>
-              <a:p>
-                <a:pPr algn="ctr"/>
-                <a:endParaRPr lang="zh-CN" altLang="en-US">
-                  <a:latin typeface="Arial" panose="020B0604020202020204" pitchFamily="34" charset="0"/>
-                  <a:ea typeface="微软雅黑" panose="020B0503020204020204" pitchFamily="34" charset="-122"/>
-                  <a:sym typeface="Arial" panose="020B0604020202020204" pitchFamily="34" charset="0"/>
-                </a:endParaRPr>
-              </a:p>
-            </p:txBody>
-          </p:sp>
-          <p:sp>
-            <p:nvSpPr>
-              <p:cNvPr id="10" name="任意多边形 9"/>
-              <p:cNvSpPr/>
-              <p:nvPr/>
-            </p:nvSpPr>
-            <p:spPr>
-              <a:xfrm>
-                <a:off x="-25400" y="1786467"/>
-                <a:ext cx="4445000" cy="1659466"/>
-              </a:xfrm>
-              <a:custGeom>
-                <a:avLst/>
-                <a:gdLst>
-                  <a:gd name="connsiteX0" fmla="*/ 0 w 4445000"/>
-                  <a:gd name="connsiteY0" fmla="*/ 1659466 h 1659466"/>
-                  <a:gd name="connsiteX1" fmla="*/ 2472267 w 4445000"/>
-                  <a:gd name="connsiteY1" fmla="*/ 0 h 1659466"/>
-                  <a:gd name="connsiteX2" fmla="*/ 4445000 w 4445000"/>
-                  <a:gd name="connsiteY2" fmla="*/ 0 h 1659466"/>
-                </a:gdLst>
-                <a:ahLst/>
-                <a:cxnLst>
-                  <a:cxn ang="0">
-                    <a:pos x="connsiteX0" y="connsiteY0"/>
-                  </a:cxn>
-                  <a:cxn ang="0">
-                    <a:pos x="connsiteX1" y="connsiteY1"/>
-                  </a:cxn>
-                  <a:cxn ang="0">
-                    <a:pos x="connsiteX2" y="connsiteY2"/>
-                  </a:cxn>
-                </a:cxnLst>
-                <a:rect l="l" t="t" r="r" b="b"/>
-                <a:pathLst>
-                  <a:path w="4445000" h="1659466">
-                    <a:moveTo>
-                      <a:pt x="0" y="1659466"/>
-                    </a:moveTo>
-                    <a:lnTo>
-                      <a:pt x="2472267" y="0"/>
-                    </a:lnTo>
-                    <a:lnTo>
-                      <a:pt x="4445000" y="0"/>
-                    </a:lnTo>
-                  </a:path>
-                </a:pathLst>
-              </a:custGeom>
-              <a:noFill/>
-              <a:ln>
-                <a:solidFill>
-                  <a:schemeClr val="bg1">
-                    <a:lumMod val="85000"/>
-                  </a:schemeClr>
-                </a:solidFill>
-              </a:ln>
-            </p:spPr>
-            <p:style>
-              <a:lnRef idx="2">
-                <a:schemeClr val="accent1">
-                  <a:shade val="50000"/>
-                </a:schemeClr>
-              </a:lnRef>
-              <a:fillRef idx="1">
-                <a:schemeClr val="accent1"/>
-              </a:fillRef>
-              <a:effectRef idx="0">
-                <a:schemeClr val="accent1"/>
-              </a:effectRef>
-              <a:fontRef idx="minor">
-                <a:schemeClr val="lt1"/>
-              </a:fontRef>
-            </p:style>
-            <p:txBody>
-              <a:bodyPr rtlCol="0" anchor="ctr"/>
-              <a:lstStyle/>
-              <a:p>
-                <a:pPr algn="ctr"/>
-                <a:endParaRPr lang="zh-CN" altLang="en-US">
-                  <a:latin typeface="Arial" panose="020B0604020202020204" pitchFamily="34" charset="0"/>
-                  <a:ea typeface="微软雅黑" panose="020B0503020204020204" pitchFamily="34" charset="-122"/>
-                  <a:sym typeface="Arial" panose="020B0604020202020204" pitchFamily="34" charset="0"/>
-                </a:endParaRPr>
-              </a:p>
-            </p:txBody>
-          </p:sp>
-          <p:sp>
-            <p:nvSpPr>
-              <p:cNvPr id="11" name="任意多边形 10"/>
-              <p:cNvSpPr/>
-              <p:nvPr/>
-            </p:nvSpPr>
-            <p:spPr>
-              <a:xfrm>
-                <a:off x="-25400" y="2861733"/>
-                <a:ext cx="4394200" cy="592667"/>
-              </a:xfrm>
-              <a:custGeom>
-                <a:avLst/>
-                <a:gdLst>
-                  <a:gd name="connsiteX0" fmla="*/ 0 w 4394200"/>
-                  <a:gd name="connsiteY0" fmla="*/ 592667 h 592667"/>
-                  <a:gd name="connsiteX1" fmla="*/ 2912533 w 4394200"/>
-                  <a:gd name="connsiteY1" fmla="*/ 0 h 592667"/>
-                  <a:gd name="connsiteX2" fmla="*/ 4394200 w 4394200"/>
-                  <a:gd name="connsiteY2" fmla="*/ 0 h 592667"/>
-                </a:gdLst>
-                <a:ahLst/>
-                <a:cxnLst>
-                  <a:cxn ang="0">
-                    <a:pos x="connsiteX0" y="connsiteY0"/>
-                  </a:cxn>
-                  <a:cxn ang="0">
-                    <a:pos x="connsiteX1" y="connsiteY1"/>
-                  </a:cxn>
-                  <a:cxn ang="0">
-                    <a:pos x="connsiteX2" y="connsiteY2"/>
-                  </a:cxn>
-                </a:cxnLst>
-                <a:rect l="l" t="t" r="r" b="b"/>
-                <a:pathLst>
-                  <a:path w="4394200" h="592667">
-                    <a:moveTo>
-                      <a:pt x="0" y="592667"/>
-                    </a:moveTo>
-                    <a:lnTo>
-                      <a:pt x="2912533" y="0"/>
-                    </a:lnTo>
-                    <a:lnTo>
-                      <a:pt x="4394200" y="0"/>
-                    </a:lnTo>
-                  </a:path>
-                </a:pathLst>
-              </a:custGeom>
-              <a:noFill/>
-              <a:ln>
-                <a:solidFill>
-                  <a:schemeClr val="bg1">
-                    <a:lumMod val="85000"/>
-                  </a:schemeClr>
-                </a:solidFill>
-              </a:ln>
-            </p:spPr>
-            <p:style>
-              <a:lnRef idx="2">
-                <a:schemeClr val="accent1">
-                  <a:shade val="50000"/>
-                </a:schemeClr>
-              </a:lnRef>
-              <a:fillRef idx="1">
-                <a:schemeClr val="accent1"/>
-              </a:fillRef>
-              <a:effectRef idx="0">
-                <a:schemeClr val="accent1"/>
-              </a:effectRef>
-              <a:fontRef idx="minor">
-                <a:schemeClr val="lt1"/>
-              </a:fontRef>
-            </p:style>
-            <p:txBody>
-              <a:bodyPr rtlCol="0" anchor="ctr"/>
-              <a:lstStyle/>
-              <a:p>
-                <a:pPr algn="ctr"/>
-                <a:endParaRPr lang="zh-CN" altLang="en-US">
-                  <a:latin typeface="Arial" panose="020B0604020202020204" pitchFamily="34" charset="0"/>
-                  <a:ea typeface="微软雅黑" panose="020B0503020204020204" pitchFamily="34" charset="-122"/>
-                  <a:sym typeface="Arial" panose="020B0604020202020204" pitchFamily="34" charset="0"/>
-                </a:endParaRPr>
-              </a:p>
-            </p:txBody>
-          </p:sp>
-        </p:grpSp>
-        <p:grpSp>
-          <p:nvGrpSpPr>
-            <p:cNvPr id="13" name="组合 12"/>
-            <p:cNvGrpSpPr/>
-            <p:nvPr/>
-          </p:nvGrpSpPr>
-          <p:grpSpPr>
-            <a:xfrm flipV="1">
-              <a:off x="-25400" y="3403598"/>
-              <a:ext cx="4470400" cy="2751667"/>
-              <a:chOff x="-25400" y="702733"/>
-              <a:chExt cx="4470400" cy="2751667"/>
-            </a:xfrm>
-          </p:grpSpPr>
-          <p:sp>
-            <p:nvSpPr>
-              <p:cNvPr id="14" name="任意多边形 13"/>
-              <p:cNvSpPr/>
-              <p:nvPr/>
-            </p:nvSpPr>
-            <p:spPr>
-              <a:xfrm>
-                <a:off x="-8467" y="702733"/>
-                <a:ext cx="4453467" cy="2743200"/>
-              </a:xfrm>
-              <a:custGeom>
-                <a:avLst/>
-                <a:gdLst>
-                  <a:gd name="connsiteX0" fmla="*/ 0 w 4453467"/>
-                  <a:gd name="connsiteY0" fmla="*/ 2743200 h 2743200"/>
-                  <a:gd name="connsiteX1" fmla="*/ 1837267 w 4453467"/>
-                  <a:gd name="connsiteY1" fmla="*/ 0 h 2743200"/>
-                  <a:gd name="connsiteX2" fmla="*/ 4453467 w 4453467"/>
-                  <a:gd name="connsiteY2" fmla="*/ 0 h 2743200"/>
-                </a:gdLst>
-                <a:ahLst/>
-                <a:cxnLst>
-                  <a:cxn ang="0">
-                    <a:pos x="connsiteX0" y="connsiteY0"/>
-                  </a:cxn>
-                  <a:cxn ang="0">
-                    <a:pos x="connsiteX1" y="connsiteY1"/>
-                  </a:cxn>
-                  <a:cxn ang="0">
-                    <a:pos x="connsiteX2" y="connsiteY2"/>
-                  </a:cxn>
-                </a:cxnLst>
-                <a:rect l="l" t="t" r="r" b="b"/>
-                <a:pathLst>
-                  <a:path w="4453467" h="2743200">
-                    <a:moveTo>
-                      <a:pt x="0" y="2743200"/>
-                    </a:moveTo>
-                    <a:lnTo>
-                      <a:pt x="1837267" y="0"/>
-                    </a:lnTo>
-                    <a:lnTo>
-                      <a:pt x="4453467" y="0"/>
-                    </a:lnTo>
-                  </a:path>
-                </a:pathLst>
-              </a:custGeom>
-              <a:noFill/>
-              <a:ln>
-                <a:solidFill>
-                  <a:schemeClr val="bg1">
-                    <a:lumMod val="85000"/>
-                  </a:schemeClr>
-                </a:solidFill>
-              </a:ln>
-            </p:spPr>
-            <p:style>
-              <a:lnRef idx="2">
-                <a:schemeClr val="accent1">
-                  <a:shade val="50000"/>
-                </a:schemeClr>
-              </a:lnRef>
-              <a:fillRef idx="1">
-                <a:schemeClr val="accent1"/>
-              </a:fillRef>
-              <a:effectRef idx="0">
-                <a:schemeClr val="accent1"/>
-              </a:effectRef>
-              <a:fontRef idx="minor">
-                <a:schemeClr val="lt1"/>
-              </a:fontRef>
-            </p:style>
-            <p:txBody>
-              <a:bodyPr rtlCol="0" anchor="ctr"/>
-              <a:lstStyle/>
-              <a:p>
-                <a:pPr algn="ctr"/>
-                <a:endParaRPr lang="zh-CN" altLang="en-US">
-                  <a:latin typeface="Arial" panose="020B0604020202020204" pitchFamily="34" charset="0"/>
-                  <a:ea typeface="微软雅黑" panose="020B0503020204020204" pitchFamily="34" charset="-122"/>
-                  <a:sym typeface="Arial" panose="020B0604020202020204" pitchFamily="34" charset="0"/>
-                </a:endParaRPr>
-              </a:p>
-            </p:txBody>
-          </p:sp>
-          <p:sp>
-            <p:nvSpPr>
-              <p:cNvPr id="15" name="任意多边形 14"/>
-              <p:cNvSpPr/>
-              <p:nvPr/>
-            </p:nvSpPr>
-            <p:spPr>
-              <a:xfrm>
-                <a:off x="-25400" y="1786467"/>
-                <a:ext cx="4445000" cy="1659466"/>
-              </a:xfrm>
-              <a:custGeom>
-                <a:avLst/>
-                <a:gdLst>
-                  <a:gd name="connsiteX0" fmla="*/ 0 w 4445000"/>
-                  <a:gd name="connsiteY0" fmla="*/ 1659466 h 1659466"/>
-                  <a:gd name="connsiteX1" fmla="*/ 2472267 w 4445000"/>
-                  <a:gd name="connsiteY1" fmla="*/ 0 h 1659466"/>
-                  <a:gd name="connsiteX2" fmla="*/ 4445000 w 4445000"/>
-                  <a:gd name="connsiteY2" fmla="*/ 0 h 1659466"/>
-                </a:gdLst>
-                <a:ahLst/>
-                <a:cxnLst>
-                  <a:cxn ang="0">
-                    <a:pos x="connsiteX0" y="connsiteY0"/>
-                  </a:cxn>
-                  <a:cxn ang="0">
-                    <a:pos x="connsiteX1" y="connsiteY1"/>
-                  </a:cxn>
-                  <a:cxn ang="0">
-                    <a:pos x="connsiteX2" y="connsiteY2"/>
-                  </a:cxn>
-                </a:cxnLst>
-                <a:rect l="l" t="t" r="r" b="b"/>
-                <a:pathLst>
-                  <a:path w="4445000" h="1659466">
-                    <a:moveTo>
-                      <a:pt x="0" y="1659466"/>
-                    </a:moveTo>
-                    <a:lnTo>
-                      <a:pt x="2472267" y="0"/>
-                    </a:lnTo>
-                    <a:lnTo>
-                      <a:pt x="4445000" y="0"/>
-                    </a:lnTo>
-                  </a:path>
-                </a:pathLst>
-              </a:custGeom>
-              <a:noFill/>
-              <a:ln>
-                <a:solidFill>
-                  <a:schemeClr val="bg1">
-                    <a:lumMod val="85000"/>
-                  </a:schemeClr>
-                </a:solidFill>
-              </a:ln>
-            </p:spPr>
-            <p:style>
-              <a:lnRef idx="2">
-                <a:schemeClr val="accent1">
-                  <a:shade val="50000"/>
-                </a:schemeClr>
-              </a:lnRef>
-              <a:fillRef idx="1">
-                <a:schemeClr val="accent1"/>
-              </a:fillRef>
-              <a:effectRef idx="0">
-                <a:schemeClr val="accent1"/>
-              </a:effectRef>
-              <a:fontRef idx="minor">
-                <a:schemeClr val="lt1"/>
-              </a:fontRef>
-            </p:style>
-            <p:txBody>
-              <a:bodyPr rtlCol="0" anchor="ctr"/>
-              <a:lstStyle/>
-              <a:p>
-                <a:pPr algn="ctr"/>
-                <a:endParaRPr lang="zh-CN" altLang="en-US">
-                  <a:latin typeface="Arial" panose="020B0604020202020204" pitchFamily="34" charset="0"/>
-                  <a:ea typeface="微软雅黑" panose="020B0503020204020204" pitchFamily="34" charset="-122"/>
-                  <a:sym typeface="Arial" panose="020B0604020202020204" pitchFamily="34" charset="0"/>
-                </a:endParaRPr>
-              </a:p>
-            </p:txBody>
-          </p:sp>
-          <p:sp>
-            <p:nvSpPr>
-              <p:cNvPr id="16" name="任意多边形 15"/>
-              <p:cNvSpPr/>
-              <p:nvPr/>
-            </p:nvSpPr>
-            <p:spPr>
-              <a:xfrm>
-                <a:off x="-25400" y="2861733"/>
-                <a:ext cx="4394200" cy="592667"/>
-              </a:xfrm>
-              <a:custGeom>
-                <a:avLst/>
-                <a:gdLst>
-                  <a:gd name="connsiteX0" fmla="*/ 0 w 4394200"/>
-                  <a:gd name="connsiteY0" fmla="*/ 592667 h 592667"/>
-                  <a:gd name="connsiteX1" fmla="*/ 2912533 w 4394200"/>
-                  <a:gd name="connsiteY1" fmla="*/ 0 h 592667"/>
-                  <a:gd name="connsiteX2" fmla="*/ 4394200 w 4394200"/>
-                  <a:gd name="connsiteY2" fmla="*/ 0 h 592667"/>
-                </a:gdLst>
-                <a:ahLst/>
-                <a:cxnLst>
-                  <a:cxn ang="0">
-                    <a:pos x="connsiteX0" y="connsiteY0"/>
-                  </a:cxn>
-                  <a:cxn ang="0">
-                    <a:pos x="connsiteX1" y="connsiteY1"/>
-                  </a:cxn>
-                  <a:cxn ang="0">
-                    <a:pos x="connsiteX2" y="connsiteY2"/>
-                  </a:cxn>
-                </a:cxnLst>
-                <a:rect l="l" t="t" r="r" b="b"/>
-                <a:pathLst>
-                  <a:path w="4394200" h="592667">
-                    <a:moveTo>
-                      <a:pt x="0" y="592667"/>
-                    </a:moveTo>
-                    <a:lnTo>
-                      <a:pt x="2912533" y="0"/>
-                    </a:lnTo>
-                    <a:lnTo>
-                      <a:pt x="4394200" y="0"/>
-                    </a:lnTo>
-                  </a:path>
-                </a:pathLst>
-              </a:custGeom>
-              <a:noFill/>
-              <a:ln>
-                <a:solidFill>
-                  <a:schemeClr val="bg1">
-                    <a:lumMod val="85000"/>
-                  </a:schemeClr>
-                </a:solidFill>
-              </a:ln>
-            </p:spPr>
-            <p:style>
-              <a:lnRef idx="2">
-                <a:schemeClr val="accent1">
-                  <a:shade val="50000"/>
-                </a:schemeClr>
-              </a:lnRef>
-              <a:fillRef idx="1">
-                <a:schemeClr val="accent1"/>
-              </a:fillRef>
-              <a:effectRef idx="0">
-                <a:schemeClr val="accent1"/>
-              </a:effectRef>
-              <a:fontRef idx="minor">
-                <a:schemeClr val="lt1"/>
-              </a:fontRef>
-            </p:style>
-            <p:txBody>
-              <a:bodyPr rtlCol="0" anchor="ctr"/>
-              <a:lstStyle/>
-              <a:p>
-                <a:pPr algn="ctr"/>
-                <a:endParaRPr lang="zh-CN" altLang="en-US">
-                  <a:latin typeface="Arial" panose="020B0604020202020204" pitchFamily="34" charset="0"/>
-                  <a:ea typeface="微软雅黑" panose="020B0503020204020204" pitchFamily="34" charset="-122"/>
-                  <a:sym typeface="Arial" panose="020B0604020202020204" pitchFamily="34" charset="0"/>
-                </a:endParaRPr>
-              </a:p>
-            </p:txBody>
-          </p:sp>
-        </p:grpSp>
-        <p:sp>
-          <p:nvSpPr>
-            <p:cNvPr id="17" name="椭圆 16"/>
-            <p:cNvSpPr/>
-            <p:nvPr/>
-          </p:nvSpPr>
-          <p:spPr>
-            <a:xfrm>
-              <a:off x="4361366" y="646062"/>
-              <a:ext cx="108000" cy="108000"/>
-            </a:xfrm>
-            <a:prstGeom prst="ellipse">
-              <a:avLst/>
-            </a:prstGeom>
-            <a:solidFill>
-              <a:srgbClr val="FF0000"/>
-            </a:solidFill>
-            <a:ln>
-              <a:solidFill>
-                <a:schemeClr val="bg1">
-                  <a:lumMod val="85000"/>
-                </a:schemeClr>
-              </a:solidFill>
-            </a:ln>
-          </p:spPr>
-          <p:style>
-            <a:lnRef idx="2">
-              <a:schemeClr val="accent1">
-                <a:shade val="50000"/>
-              </a:schemeClr>
-            </a:lnRef>
-            <a:fillRef idx="1">
-              <a:schemeClr val="accent1"/>
-            </a:fillRef>
-            <a:effectRef idx="0">
-              <a:schemeClr val="accent1"/>
-            </a:effectRef>
-            <a:fontRef idx="minor">
-              <a:schemeClr val="lt1"/>
-            </a:fontRef>
-          </p:style>
-          <p:txBody>
-            <a:bodyPr rot="0" spcFirstLastPara="0" vertOverflow="overflow" horzOverflow="overflow" vert="horz" wrap="square" lIns="91440" tIns="45720" rIns="91440" bIns="45720" numCol="1" spcCol="0" rtlCol="0" fromWordArt="0" anchor="ctr" anchorCtr="0" forceAA="0" compatLnSpc="1">
-              <a:prstTxWarp prst="textNoShape">
-                <a:avLst/>
-              </a:prstTxWarp>
-              <a:noAutofit/>
-            </a:bodyPr>
-            <a:lstStyle/>
-            <a:p>
-              <a:pPr algn="ctr"/>
-              <a:endParaRPr lang="zh-CN" altLang="en-US">
-                <a:latin typeface="Arial" panose="020B0604020202020204" pitchFamily="34" charset="0"/>
-                <a:ea typeface="微软雅黑" panose="020B0503020204020204" pitchFamily="34" charset="-122"/>
-                <a:sym typeface="Arial" panose="020B0604020202020204" pitchFamily="34" charset="0"/>
-              </a:endParaRPr>
-            </a:p>
-          </p:txBody>
-        </p:sp>
-        <p:sp>
-          <p:nvSpPr>
-            <p:cNvPr id="18" name="椭圆 17"/>
-            <p:cNvSpPr/>
-            <p:nvPr/>
-          </p:nvSpPr>
-          <p:spPr>
-            <a:xfrm>
-              <a:off x="4361366" y="1732467"/>
-              <a:ext cx="108000" cy="108000"/>
-            </a:xfrm>
-            <a:prstGeom prst="ellipse">
-              <a:avLst/>
-            </a:prstGeom>
-            <a:solidFill>
-              <a:srgbClr val="FFC000"/>
-            </a:solidFill>
-            <a:ln>
-              <a:solidFill>
-                <a:schemeClr val="bg1">
-                  <a:lumMod val="85000"/>
-                </a:schemeClr>
-              </a:solidFill>
-            </a:ln>
-          </p:spPr>
-          <p:style>
-            <a:lnRef idx="2">
-              <a:schemeClr val="accent1">
-                <a:shade val="50000"/>
-              </a:schemeClr>
-            </a:lnRef>
-            <a:fillRef idx="1">
-              <a:schemeClr val="accent1"/>
-            </a:fillRef>
-            <a:effectRef idx="0">
-              <a:schemeClr val="accent1"/>
-            </a:effectRef>
-            <a:fontRef idx="minor">
-              <a:schemeClr val="lt1"/>
-            </a:fontRef>
-          </p:style>
-          <p:txBody>
-            <a:bodyPr rot="0" spcFirstLastPara="0" vertOverflow="overflow" horzOverflow="overflow" vert="horz" wrap="square" lIns="91440" tIns="45720" rIns="91440" bIns="45720" numCol="1" spcCol="0" rtlCol="0" fromWordArt="0" anchor="ctr" anchorCtr="0" forceAA="0" compatLnSpc="1">
-              <a:prstTxWarp prst="textNoShape">
-                <a:avLst/>
-              </a:prstTxWarp>
-              <a:noAutofit/>
-            </a:bodyPr>
-            <a:lstStyle/>
-            <a:p>
-              <a:pPr algn="ctr"/>
-              <a:endParaRPr lang="zh-CN" altLang="en-US">
-                <a:latin typeface="Arial" panose="020B0604020202020204" pitchFamily="34" charset="0"/>
-                <a:ea typeface="微软雅黑" panose="020B0503020204020204" pitchFamily="34" charset="-122"/>
-                <a:sym typeface="Arial" panose="020B0604020202020204" pitchFamily="34" charset="0"/>
-              </a:endParaRPr>
-            </a:p>
-          </p:txBody>
-        </p:sp>
-        <p:sp>
-          <p:nvSpPr>
-            <p:cNvPr id="19" name="椭圆 18"/>
-            <p:cNvSpPr/>
-            <p:nvPr/>
-          </p:nvSpPr>
-          <p:spPr>
-            <a:xfrm>
-              <a:off x="4361366" y="2814032"/>
-              <a:ext cx="108000" cy="108000"/>
-            </a:xfrm>
-            <a:prstGeom prst="ellipse">
-              <a:avLst/>
-            </a:prstGeom>
-            <a:solidFill>
-              <a:srgbClr val="FFFF00"/>
-            </a:solidFill>
-            <a:ln>
-              <a:solidFill>
-                <a:schemeClr val="bg1">
-                  <a:lumMod val="85000"/>
-                </a:schemeClr>
-              </a:solidFill>
-            </a:ln>
-          </p:spPr>
-          <p:style>
-            <a:lnRef idx="2">
-              <a:schemeClr val="accent1">
-                <a:shade val="50000"/>
-              </a:schemeClr>
-            </a:lnRef>
-            <a:fillRef idx="1">
-              <a:schemeClr val="accent1"/>
-            </a:fillRef>
-            <a:effectRef idx="0">
-              <a:schemeClr val="accent1"/>
-            </a:effectRef>
-            <a:fontRef idx="minor">
-              <a:schemeClr val="lt1"/>
-            </a:fontRef>
-          </p:style>
-          <p:txBody>
-            <a:bodyPr rot="0" spcFirstLastPara="0" vertOverflow="overflow" horzOverflow="overflow" vert="horz" wrap="square" lIns="91440" tIns="45720" rIns="91440" bIns="45720" numCol="1" spcCol="0" rtlCol="0" fromWordArt="0" anchor="ctr" anchorCtr="0" forceAA="0" compatLnSpc="1">
-              <a:prstTxWarp prst="textNoShape">
-                <a:avLst/>
-              </a:prstTxWarp>
-              <a:noAutofit/>
-            </a:bodyPr>
-            <a:lstStyle/>
-            <a:p>
-              <a:pPr algn="ctr"/>
-              <a:endParaRPr lang="zh-CN" altLang="en-US">
-                <a:latin typeface="Arial" panose="020B0604020202020204" pitchFamily="34" charset="0"/>
-                <a:ea typeface="微软雅黑" panose="020B0503020204020204" pitchFamily="34" charset="-122"/>
-                <a:sym typeface="Arial" panose="020B0604020202020204" pitchFamily="34" charset="0"/>
-              </a:endParaRPr>
-            </a:p>
-          </p:txBody>
-        </p:sp>
-        <p:sp>
-          <p:nvSpPr>
-            <p:cNvPr id="20" name="椭圆 19"/>
-            <p:cNvSpPr/>
-            <p:nvPr/>
-          </p:nvSpPr>
-          <p:spPr>
-            <a:xfrm>
-              <a:off x="4361366" y="3933800"/>
-              <a:ext cx="108000" cy="108000"/>
-            </a:xfrm>
-            <a:prstGeom prst="ellipse">
-              <a:avLst/>
-            </a:prstGeom>
-            <a:solidFill>
-              <a:srgbClr val="92D050"/>
-            </a:solidFill>
-            <a:ln>
-              <a:solidFill>
-                <a:schemeClr val="bg1">
-                  <a:lumMod val="85000"/>
-                </a:schemeClr>
-              </a:solidFill>
-            </a:ln>
-          </p:spPr>
-          <p:style>
-            <a:lnRef idx="2">
-              <a:schemeClr val="accent1">
-                <a:shade val="50000"/>
-              </a:schemeClr>
-            </a:lnRef>
-            <a:fillRef idx="1">
-              <a:schemeClr val="accent1"/>
-            </a:fillRef>
-            <a:effectRef idx="0">
-              <a:schemeClr val="accent1"/>
-            </a:effectRef>
-            <a:fontRef idx="minor">
-              <a:schemeClr val="lt1"/>
-            </a:fontRef>
-          </p:style>
-          <p:txBody>
-            <a:bodyPr rot="0" spcFirstLastPara="0" vertOverflow="overflow" horzOverflow="overflow" vert="horz" wrap="square" lIns="91440" tIns="45720" rIns="91440" bIns="45720" numCol="1" spcCol="0" rtlCol="0" fromWordArt="0" anchor="ctr" anchorCtr="0" forceAA="0" compatLnSpc="1">
-              <a:prstTxWarp prst="textNoShape">
-                <a:avLst/>
-              </a:prstTxWarp>
-              <a:noAutofit/>
-            </a:bodyPr>
-            <a:lstStyle/>
-            <a:p>
-              <a:pPr algn="ctr"/>
-              <a:endParaRPr lang="zh-CN" altLang="en-US">
-                <a:latin typeface="Arial" panose="020B0604020202020204" pitchFamily="34" charset="0"/>
-                <a:ea typeface="微软雅黑" panose="020B0503020204020204" pitchFamily="34" charset="-122"/>
-                <a:sym typeface="Arial" panose="020B0604020202020204" pitchFamily="34" charset="0"/>
-              </a:endParaRPr>
-            </a:p>
-          </p:txBody>
-        </p:sp>
-        <p:sp>
-          <p:nvSpPr>
-            <p:cNvPr id="21" name="椭圆 20"/>
-            <p:cNvSpPr/>
-            <p:nvPr/>
-          </p:nvSpPr>
-          <p:spPr>
-            <a:xfrm>
-              <a:off x="4361366" y="5017531"/>
-              <a:ext cx="108000" cy="108000"/>
-            </a:xfrm>
-            <a:prstGeom prst="ellipse">
-              <a:avLst/>
-            </a:prstGeom>
-            <a:solidFill>
-              <a:srgbClr val="00B0F0"/>
-            </a:solidFill>
-            <a:ln>
-              <a:solidFill>
-                <a:schemeClr val="bg1">
-                  <a:lumMod val="85000"/>
-                </a:schemeClr>
-              </a:solidFill>
-            </a:ln>
-          </p:spPr>
-          <p:style>
-            <a:lnRef idx="2">
-              <a:schemeClr val="accent1">
-                <a:shade val="50000"/>
-              </a:schemeClr>
-            </a:lnRef>
-            <a:fillRef idx="1">
-              <a:schemeClr val="accent1"/>
-            </a:fillRef>
-            <a:effectRef idx="0">
-              <a:schemeClr val="accent1"/>
-            </a:effectRef>
-            <a:fontRef idx="minor">
-              <a:schemeClr val="lt1"/>
-            </a:fontRef>
-          </p:style>
-          <p:txBody>
-            <a:bodyPr rot="0" spcFirstLastPara="0" vertOverflow="overflow" horzOverflow="overflow" vert="horz" wrap="square" lIns="91440" tIns="45720" rIns="91440" bIns="45720" numCol="1" spcCol="0" rtlCol="0" fromWordArt="0" anchor="ctr" anchorCtr="0" forceAA="0" compatLnSpc="1">
-              <a:prstTxWarp prst="textNoShape">
-                <a:avLst/>
-              </a:prstTxWarp>
-              <a:noAutofit/>
-            </a:bodyPr>
-            <a:lstStyle/>
-            <a:p>
-              <a:pPr algn="ctr"/>
-              <a:endParaRPr lang="zh-CN" altLang="en-US">
-                <a:latin typeface="Arial" panose="020B0604020202020204" pitchFamily="34" charset="0"/>
-                <a:ea typeface="微软雅黑" panose="020B0503020204020204" pitchFamily="34" charset="-122"/>
-                <a:sym typeface="Arial" panose="020B0604020202020204" pitchFamily="34" charset="0"/>
-              </a:endParaRPr>
-            </a:p>
-          </p:txBody>
-        </p:sp>
-        <p:sp>
-          <p:nvSpPr>
-            <p:cNvPr id="22" name="椭圆 21"/>
-            <p:cNvSpPr/>
-            <p:nvPr/>
-          </p:nvSpPr>
-          <p:spPr>
-            <a:xfrm>
-              <a:off x="4361366" y="6101262"/>
-              <a:ext cx="108000" cy="108000"/>
-            </a:xfrm>
-            <a:prstGeom prst="ellipse">
-              <a:avLst/>
-            </a:prstGeom>
-            <a:solidFill>
-              <a:srgbClr val="002060"/>
-            </a:solidFill>
-            <a:ln>
-              <a:solidFill>
-                <a:schemeClr val="bg1">
-                  <a:lumMod val="85000"/>
-                </a:schemeClr>
-              </a:solidFill>
-            </a:ln>
-          </p:spPr>
-          <p:style>
-            <a:lnRef idx="2">
-              <a:schemeClr val="accent1">
-                <a:shade val="50000"/>
-              </a:schemeClr>
-            </a:lnRef>
-            <a:fillRef idx="1">
-              <a:schemeClr val="accent1"/>
-            </a:fillRef>
-            <a:effectRef idx="0">
-              <a:schemeClr val="accent1"/>
-            </a:effectRef>
-            <a:fontRef idx="minor">
-              <a:schemeClr val="lt1"/>
-            </a:fontRef>
-          </p:style>
-          <p:txBody>
-            <a:bodyPr rot="0" spcFirstLastPara="0" vertOverflow="overflow" horzOverflow="overflow" vert="horz" wrap="square" lIns="91440" tIns="45720" rIns="91440" bIns="45720" numCol="1" spcCol="0" rtlCol="0" fromWordArt="0" anchor="ctr" anchorCtr="0" forceAA="0" compatLnSpc="1">
-              <a:prstTxWarp prst="textNoShape">
-                <a:avLst/>
-              </a:prstTxWarp>
-              <a:noAutofit/>
-            </a:bodyPr>
-            <a:lstStyle/>
-            <a:p>
-              <a:pPr algn="ctr"/>
-              <a:endParaRPr lang="zh-CN" altLang="en-US">
-                <a:latin typeface="Arial" panose="020B0604020202020204" pitchFamily="34" charset="0"/>
-                <a:ea typeface="微软雅黑" panose="020B0503020204020204" pitchFamily="34" charset="-122"/>
-                <a:sym typeface="Arial" panose="020B0604020202020204" pitchFamily="34" charset="0"/>
-              </a:endParaRPr>
-            </a:p>
-          </p:txBody>
-        </p:sp>
-      </p:grpSp>
-      <p:grpSp>
-        <p:nvGrpSpPr>
-          <p:cNvPr id="78" name="组合 77"/>
-          <p:cNvGrpSpPr/>
-          <p:nvPr/>
-        </p:nvGrpSpPr>
-        <p:grpSpPr>
-          <a:xfrm>
-            <a:off x="4568825" y="438589"/>
-            <a:ext cx="7365281" cy="509896"/>
-            <a:chOff x="4568825" y="438589"/>
-            <a:chExt cx="7365281" cy="509896"/>
-          </a:xfrm>
-        </p:grpSpPr>
-        <p:sp>
-          <p:nvSpPr>
-            <p:cNvPr id="23" name="矩形 22"/>
-            <p:cNvSpPr/>
-            <p:nvPr/>
-          </p:nvSpPr>
-          <p:spPr>
-            <a:xfrm>
-              <a:off x="6961426" y="537179"/>
-              <a:ext cx="4972680" cy="289503"/>
-            </a:xfrm>
-            <a:prstGeom prst="rect">
-              <a:avLst/>
-            </a:prstGeom>
-          </p:spPr>
-          <p:txBody>
-            <a:bodyPr wrap="square">
-              <a:spAutoFit/>
-            </a:bodyPr>
-            <a:lstStyle/>
-            <a:p>
-              <a:pPr>
-                <a:lnSpc>
-                  <a:spcPct val="130000"/>
-                </a:lnSpc>
-              </a:pPr>
-              <a:r>
-                <a:rPr lang="zh-CN" altLang="en-US" sz="1100">
-                  <a:solidFill>
-                    <a:schemeClr val="bg1">
-                      <a:lumMod val="50000"/>
-                    </a:schemeClr>
-                  </a:solidFill>
-                  <a:latin typeface="Arial" panose="020B0604020202020204" pitchFamily="34" charset="0"/>
-                  <a:ea typeface="微软雅黑" panose="020B0503020204020204" pitchFamily="34" charset="-122"/>
-                  <a:sym typeface="Arial" panose="020B0604020202020204" pitchFamily="34" charset="0"/>
-                </a:rPr>
-                <a:t>学会做项目先规划，不像以前直接莽</a:t>
-              </a:r>
-              <a:endParaRPr lang="zh-CN" altLang="en-US" sz="1100" dirty="0">
-                <a:solidFill>
-                  <a:schemeClr val="bg1">
-                    <a:lumMod val="50000"/>
-                  </a:schemeClr>
-                </a:solidFill>
-                <a:latin typeface="Arial" panose="020B0604020202020204" pitchFamily="34" charset="0"/>
-                <a:ea typeface="微软雅黑" panose="020B0503020204020204" pitchFamily="34" charset="-122"/>
-                <a:sym typeface="Arial" panose="020B0604020202020204" pitchFamily="34" charset="0"/>
-              </a:endParaRPr>
-            </a:p>
-          </p:txBody>
-        </p:sp>
-        <p:grpSp>
-          <p:nvGrpSpPr>
-            <p:cNvPr id="24" name="组合 23"/>
-            <p:cNvGrpSpPr/>
-            <p:nvPr/>
-          </p:nvGrpSpPr>
-          <p:grpSpPr>
-            <a:xfrm>
-              <a:off x="4568825" y="438589"/>
-              <a:ext cx="2300757" cy="509896"/>
-              <a:chOff x="888096" y="1000203"/>
-              <a:chExt cx="4259825" cy="944066"/>
-            </a:xfrm>
-          </p:grpSpPr>
-          <p:sp>
-            <p:nvSpPr>
-              <p:cNvPr id="25" name="矩形 24"/>
-              <p:cNvSpPr/>
-              <p:nvPr/>
-            </p:nvSpPr>
-            <p:spPr>
-              <a:xfrm>
-                <a:off x="911225" y="1045634"/>
-                <a:ext cx="4199467" cy="872066"/>
-              </a:xfrm>
-              <a:prstGeom prst="rect">
-                <a:avLst/>
-              </a:prstGeom>
-              <a:noFill/>
-              <a:ln>
-                <a:solidFill>
-                  <a:schemeClr val="bg1">
-                    <a:lumMod val="75000"/>
-                  </a:schemeClr>
-                </a:solidFill>
-              </a:ln>
-            </p:spPr>
-            <p:style>
-              <a:lnRef idx="2">
-                <a:schemeClr val="accent1">
-                  <a:shade val="50000"/>
-                </a:schemeClr>
-              </a:lnRef>
-              <a:fillRef idx="1">
-                <a:schemeClr val="accent1"/>
-              </a:fillRef>
-              <a:effectRef idx="0">
-                <a:schemeClr val="accent1"/>
-              </a:effectRef>
-              <a:fontRef idx="minor">
-                <a:schemeClr val="lt1"/>
-              </a:fontRef>
-            </p:style>
-            <p:txBody>
-              <a:bodyPr rot="0" spcFirstLastPara="0" vertOverflow="overflow" horzOverflow="overflow" vert="horz" wrap="square" lIns="91440" tIns="45720" rIns="91440" bIns="45720" numCol="1" spcCol="0" rtlCol="0" fromWordArt="0" anchor="ctr" anchorCtr="0" forceAA="0" compatLnSpc="1">
-                <a:prstTxWarp prst="textNoShape">
-                  <a:avLst/>
-                </a:prstTxWarp>
-                <a:noAutofit/>
-              </a:bodyPr>
-              <a:lstStyle/>
-              <a:p>
-                <a:pPr algn="ctr"/>
-                <a:endParaRPr lang="zh-CN" altLang="en-US">
-                  <a:latin typeface="Arial" panose="020B0604020202020204" pitchFamily="34" charset="0"/>
-                  <a:ea typeface="微软雅黑" panose="020B0503020204020204" pitchFamily="34" charset="-122"/>
-                  <a:sym typeface="Arial" panose="020B0604020202020204" pitchFamily="34" charset="0"/>
-                </a:endParaRPr>
-              </a:p>
-            </p:txBody>
-          </p:sp>
-          <p:sp>
-            <p:nvSpPr>
-              <p:cNvPr id="26" name="椭圆 25"/>
-              <p:cNvSpPr/>
-              <p:nvPr/>
-            </p:nvSpPr>
-            <p:spPr>
-              <a:xfrm>
-                <a:off x="888096" y="1000203"/>
-                <a:ext cx="72000" cy="72000"/>
-              </a:xfrm>
-              <a:prstGeom prst="ellipse">
-                <a:avLst/>
-              </a:prstGeom>
-              <a:solidFill>
-                <a:schemeClr val="tx1">
-                  <a:lumMod val="65000"/>
-                  <a:lumOff val="35000"/>
-                </a:schemeClr>
-              </a:solidFill>
-              <a:ln>
-                <a:noFill/>
-              </a:ln>
-            </p:spPr>
-            <p:style>
-              <a:lnRef idx="2">
-                <a:schemeClr val="accent1">
-                  <a:shade val="50000"/>
-                </a:schemeClr>
-              </a:lnRef>
-              <a:fillRef idx="1">
-                <a:schemeClr val="accent1"/>
-              </a:fillRef>
-              <a:effectRef idx="0">
-                <a:schemeClr val="accent1"/>
-              </a:effectRef>
-              <a:fontRef idx="minor">
-                <a:schemeClr val="lt1"/>
-              </a:fontRef>
-            </p:style>
-            <p:txBody>
-              <a:bodyPr rot="0" spcFirstLastPara="0" vertOverflow="overflow" horzOverflow="overflow" vert="horz" wrap="square" lIns="91440" tIns="45720" rIns="91440" bIns="45720" numCol="1" spcCol="0" rtlCol="0" fromWordArt="0" anchor="ctr" anchorCtr="0" forceAA="0" compatLnSpc="1">
-                <a:prstTxWarp prst="textNoShape">
-                  <a:avLst/>
-                </a:prstTxWarp>
-                <a:noAutofit/>
-              </a:bodyPr>
-              <a:lstStyle/>
-              <a:p>
-                <a:pPr algn="ctr"/>
-                <a:endParaRPr lang="zh-CN" altLang="en-US">
-                  <a:latin typeface="Arial" panose="020B0604020202020204" pitchFamily="34" charset="0"/>
-                  <a:ea typeface="微软雅黑" panose="020B0503020204020204" pitchFamily="34" charset="-122"/>
-                  <a:sym typeface="Arial" panose="020B0604020202020204" pitchFamily="34" charset="0"/>
-                </a:endParaRPr>
-              </a:p>
-            </p:txBody>
-          </p:sp>
-          <p:sp>
-            <p:nvSpPr>
-              <p:cNvPr id="27" name="椭圆 26"/>
-              <p:cNvSpPr/>
-              <p:nvPr/>
-            </p:nvSpPr>
-            <p:spPr>
-              <a:xfrm>
-                <a:off x="888096" y="1872269"/>
-                <a:ext cx="72000" cy="72000"/>
-              </a:xfrm>
-              <a:prstGeom prst="ellipse">
-                <a:avLst/>
-              </a:prstGeom>
-              <a:solidFill>
-                <a:schemeClr val="tx1">
-                  <a:lumMod val="65000"/>
-                  <a:lumOff val="35000"/>
-                </a:schemeClr>
-              </a:solidFill>
-              <a:ln>
-                <a:noFill/>
-              </a:ln>
-            </p:spPr>
-            <p:style>
-              <a:lnRef idx="2">
-                <a:schemeClr val="accent1">
-                  <a:shade val="50000"/>
-                </a:schemeClr>
-              </a:lnRef>
-              <a:fillRef idx="1">
-                <a:schemeClr val="accent1"/>
-              </a:fillRef>
-              <a:effectRef idx="0">
-                <a:schemeClr val="accent1"/>
-              </a:effectRef>
-              <a:fontRef idx="minor">
-                <a:schemeClr val="lt1"/>
-              </a:fontRef>
-            </p:style>
-            <p:txBody>
-              <a:bodyPr rot="0" spcFirstLastPara="0" vertOverflow="overflow" horzOverflow="overflow" vert="horz" wrap="square" lIns="91440" tIns="45720" rIns="91440" bIns="45720" numCol="1" spcCol="0" rtlCol="0" fromWordArt="0" anchor="ctr" anchorCtr="0" forceAA="0" compatLnSpc="1">
-                <a:prstTxWarp prst="textNoShape">
-                  <a:avLst/>
-                </a:prstTxWarp>
-                <a:noAutofit/>
-              </a:bodyPr>
-              <a:lstStyle/>
-              <a:p>
-                <a:pPr algn="ctr"/>
-                <a:endParaRPr lang="zh-CN" altLang="en-US">
-                  <a:latin typeface="Arial" panose="020B0604020202020204" pitchFamily="34" charset="0"/>
-                  <a:ea typeface="微软雅黑" panose="020B0503020204020204" pitchFamily="34" charset="-122"/>
-                  <a:sym typeface="Arial" panose="020B0604020202020204" pitchFamily="34" charset="0"/>
-                </a:endParaRPr>
-              </a:p>
-            </p:txBody>
-          </p:sp>
-          <p:sp>
-            <p:nvSpPr>
-              <p:cNvPr id="28" name="椭圆 27"/>
-              <p:cNvSpPr/>
-              <p:nvPr/>
-            </p:nvSpPr>
-            <p:spPr>
-              <a:xfrm>
-                <a:off x="5075921" y="1872269"/>
-                <a:ext cx="72000" cy="72000"/>
-              </a:xfrm>
-              <a:prstGeom prst="ellipse">
-                <a:avLst/>
-              </a:prstGeom>
-              <a:solidFill>
-                <a:schemeClr val="tx1">
-                  <a:lumMod val="65000"/>
-                  <a:lumOff val="35000"/>
-                </a:schemeClr>
-              </a:solidFill>
-              <a:ln>
-                <a:noFill/>
-              </a:ln>
-            </p:spPr>
-            <p:style>
-              <a:lnRef idx="2">
-                <a:schemeClr val="accent1">
-                  <a:shade val="50000"/>
-                </a:schemeClr>
-              </a:lnRef>
-              <a:fillRef idx="1">
-                <a:schemeClr val="accent1"/>
-              </a:fillRef>
-              <a:effectRef idx="0">
-                <a:schemeClr val="accent1"/>
-              </a:effectRef>
-              <a:fontRef idx="minor">
-                <a:schemeClr val="lt1"/>
-              </a:fontRef>
-            </p:style>
-            <p:txBody>
-              <a:bodyPr rot="0" spcFirstLastPara="0" vertOverflow="overflow" horzOverflow="overflow" vert="horz" wrap="square" lIns="91440" tIns="45720" rIns="91440" bIns="45720" numCol="1" spcCol="0" rtlCol="0" fromWordArt="0" anchor="ctr" anchorCtr="0" forceAA="0" compatLnSpc="1">
-                <a:prstTxWarp prst="textNoShape">
-                  <a:avLst/>
-                </a:prstTxWarp>
-                <a:noAutofit/>
-              </a:bodyPr>
-              <a:lstStyle/>
-              <a:p>
-                <a:pPr algn="ctr"/>
-                <a:endParaRPr lang="zh-CN" altLang="en-US">
-                  <a:latin typeface="Arial" panose="020B0604020202020204" pitchFamily="34" charset="0"/>
-                  <a:ea typeface="微软雅黑" panose="020B0503020204020204" pitchFamily="34" charset="-122"/>
-                  <a:sym typeface="Arial" panose="020B0604020202020204" pitchFamily="34" charset="0"/>
-                </a:endParaRPr>
-              </a:p>
-            </p:txBody>
-          </p:sp>
-          <p:sp>
-            <p:nvSpPr>
-              <p:cNvPr id="29" name="椭圆 28"/>
-              <p:cNvSpPr/>
-              <p:nvPr/>
-            </p:nvSpPr>
-            <p:spPr>
-              <a:xfrm>
-                <a:off x="5074692" y="1009634"/>
-                <a:ext cx="72000" cy="72000"/>
-              </a:xfrm>
-              <a:prstGeom prst="ellipse">
-                <a:avLst/>
-              </a:prstGeom>
-              <a:solidFill>
-                <a:schemeClr val="tx1">
-                  <a:lumMod val="65000"/>
-                  <a:lumOff val="35000"/>
-                </a:schemeClr>
-              </a:solidFill>
-              <a:ln>
-                <a:noFill/>
-              </a:ln>
-            </p:spPr>
-            <p:style>
-              <a:lnRef idx="2">
-                <a:schemeClr val="accent1">
-                  <a:shade val="50000"/>
-                </a:schemeClr>
-              </a:lnRef>
-              <a:fillRef idx="1">
-                <a:schemeClr val="accent1"/>
-              </a:fillRef>
-              <a:effectRef idx="0">
-                <a:schemeClr val="accent1"/>
-              </a:effectRef>
-              <a:fontRef idx="minor">
-                <a:schemeClr val="lt1"/>
-              </a:fontRef>
-            </p:style>
-            <p:txBody>
-              <a:bodyPr rot="0" spcFirstLastPara="0" vertOverflow="overflow" horzOverflow="overflow" vert="horz" wrap="square" lIns="91440" tIns="45720" rIns="91440" bIns="45720" numCol="1" spcCol="0" rtlCol="0" fromWordArt="0" anchor="ctr" anchorCtr="0" forceAA="0" compatLnSpc="1">
-                <a:prstTxWarp prst="textNoShape">
-                  <a:avLst/>
-                </a:prstTxWarp>
-                <a:noAutofit/>
-              </a:bodyPr>
-              <a:lstStyle/>
-              <a:p>
-                <a:pPr algn="ctr"/>
-                <a:endParaRPr lang="zh-CN" altLang="en-US">
-                  <a:latin typeface="Arial" panose="020B0604020202020204" pitchFamily="34" charset="0"/>
-                  <a:ea typeface="微软雅黑" panose="020B0503020204020204" pitchFamily="34" charset="-122"/>
-                  <a:sym typeface="Arial" panose="020B0604020202020204" pitchFamily="34" charset="0"/>
-                </a:endParaRPr>
-              </a:p>
-            </p:txBody>
-          </p:sp>
-        </p:grpSp>
-        <p:sp>
-          <p:nvSpPr>
-            <p:cNvPr id="30" name="矩形 29"/>
-            <p:cNvSpPr/>
-            <p:nvPr/>
-          </p:nvSpPr>
-          <p:spPr>
-            <a:xfrm>
-              <a:off x="4677733" y="513965"/>
-              <a:ext cx="1569660" cy="369332"/>
-            </a:xfrm>
-            <a:prstGeom prst="rect">
-              <a:avLst/>
-            </a:prstGeom>
-          </p:spPr>
-          <p:txBody>
-            <a:bodyPr wrap="none">
-              <a:spAutoFit/>
-            </a:bodyPr>
-            <a:lstStyle/>
-            <a:p>
-              <a:r>
-                <a:rPr lang="zh-CN" altLang="en-US">
-                  <a:latin typeface="Arial" panose="020B0604020202020204" pitchFamily="34" charset="0"/>
-                  <a:ea typeface="微软雅黑" panose="020B0503020204020204" pitchFamily="34" charset="-122"/>
-                  <a:sym typeface="Arial" panose="020B0604020202020204" pitchFamily="34" charset="0"/>
-                </a:rPr>
-                <a:t>项目实现思路</a:t>
-              </a:r>
-              <a:endParaRPr lang="zh-CN" altLang="en-US" dirty="0">
-                <a:latin typeface="Arial" panose="020B0604020202020204" pitchFamily="34" charset="0"/>
-                <a:ea typeface="微软雅黑" panose="020B0503020204020204" pitchFamily="34" charset="-122"/>
-                <a:sym typeface="Arial" panose="020B0604020202020204" pitchFamily="34" charset="0"/>
-              </a:endParaRPr>
-            </a:p>
-          </p:txBody>
-        </p:sp>
-      </p:grpSp>
-      <p:grpSp>
-        <p:nvGrpSpPr>
-          <p:cNvPr id="79" name="组合 78"/>
-          <p:cNvGrpSpPr/>
-          <p:nvPr/>
-        </p:nvGrpSpPr>
-        <p:grpSpPr>
-          <a:xfrm>
-            <a:off x="4568825" y="1526425"/>
-            <a:ext cx="7365281" cy="509896"/>
-            <a:chOff x="4568825" y="438589"/>
-            <a:chExt cx="7365281" cy="509896"/>
-          </a:xfrm>
-        </p:grpSpPr>
-        <p:sp>
-          <p:nvSpPr>
-            <p:cNvPr id="80" name="矩形 79"/>
-            <p:cNvSpPr/>
-            <p:nvPr/>
-          </p:nvSpPr>
-          <p:spPr>
-            <a:xfrm>
-              <a:off x="6961426" y="546704"/>
-              <a:ext cx="4972680" cy="289503"/>
-            </a:xfrm>
-            <a:prstGeom prst="rect">
-              <a:avLst/>
-            </a:prstGeom>
-          </p:spPr>
-          <p:txBody>
-            <a:bodyPr wrap="square">
-              <a:spAutoFit/>
-            </a:bodyPr>
-            <a:lstStyle/>
-            <a:p>
-              <a:pPr>
-                <a:lnSpc>
-                  <a:spcPct val="130000"/>
-                </a:lnSpc>
-              </a:pPr>
-              <a:r>
-                <a:rPr lang="zh-CN" altLang="en-US" sz="1100">
-                  <a:solidFill>
-                    <a:schemeClr val="bg1">
-                      <a:lumMod val="50000"/>
-                    </a:schemeClr>
-                  </a:solidFill>
-                  <a:latin typeface="Arial" panose="020B0604020202020204" pitchFamily="34" charset="0"/>
-                  <a:ea typeface="微软雅黑" panose="020B0503020204020204" pitchFamily="34" charset="-122"/>
-                  <a:sym typeface="Arial" panose="020B0604020202020204" pitchFamily="34" charset="0"/>
-                </a:rPr>
-                <a:t>本来选台球网站，后选做 </a:t>
-              </a:r>
-              <a:r>
-                <a:rPr lang="en-US" altLang="zh-CN" sz="1100">
-                  <a:solidFill>
-                    <a:schemeClr val="bg1">
-                      <a:lumMod val="50000"/>
-                    </a:schemeClr>
-                  </a:solidFill>
-                  <a:latin typeface="Arial" panose="020B0604020202020204" pitchFamily="34" charset="0"/>
-                  <a:ea typeface="微软雅黑" panose="020B0503020204020204" pitchFamily="34" charset="-122"/>
-                  <a:sym typeface="Arial" panose="020B0604020202020204" pitchFamily="34" charset="0"/>
-                </a:rPr>
-                <a:t>Everything</a:t>
-              </a:r>
-              <a:r>
-                <a:rPr lang="zh-CN" altLang="en-US" sz="1100">
-                  <a:solidFill>
-                    <a:schemeClr val="bg1">
-                      <a:lumMod val="50000"/>
-                    </a:schemeClr>
-                  </a:solidFill>
-                  <a:latin typeface="Arial" panose="020B0604020202020204" pitchFamily="34" charset="0"/>
-                  <a:ea typeface="微软雅黑" panose="020B0503020204020204" pitchFamily="34" charset="-122"/>
-                  <a:sym typeface="Arial" panose="020B0604020202020204" pitchFamily="34" charset="0"/>
-                </a:rPr>
-                <a:t>（</a:t>
-              </a:r>
-              <a:r>
-                <a:rPr lang="en-US" altLang="zh-CN" sz="1100">
-                  <a:solidFill>
-                    <a:schemeClr val="bg1">
-                      <a:lumMod val="50000"/>
-                    </a:schemeClr>
-                  </a:solidFill>
-                  <a:latin typeface="Arial" panose="020B0604020202020204" pitchFamily="34" charset="0"/>
-                  <a:ea typeface="微软雅黑" panose="020B0503020204020204" pitchFamily="34" charset="-122"/>
-                  <a:sym typeface="Arial" panose="020B0604020202020204" pitchFamily="34" charset="0"/>
-                </a:rPr>
-                <a:t>TOOLS</a:t>
-              </a:r>
-              <a:r>
-                <a:rPr lang="zh-CN" altLang="en-US" sz="1100">
-                  <a:solidFill>
-                    <a:schemeClr val="bg1">
-                      <a:lumMod val="50000"/>
-                    </a:schemeClr>
-                  </a:solidFill>
-                  <a:latin typeface="Arial" panose="020B0604020202020204" pitchFamily="34" charset="0"/>
-                  <a:ea typeface="微软雅黑" panose="020B0503020204020204" pitchFamily="34" charset="-122"/>
-                  <a:sym typeface="Arial" panose="020B0604020202020204" pitchFamily="34" charset="0"/>
-                </a:rPr>
-                <a:t>）工具网</a:t>
-              </a:r>
-              <a:endParaRPr lang="zh-CN" altLang="en-US" sz="1100" dirty="0">
-                <a:solidFill>
-                  <a:schemeClr val="bg1">
-                    <a:lumMod val="50000"/>
-                  </a:schemeClr>
-                </a:solidFill>
-                <a:latin typeface="Arial" panose="020B0604020202020204" pitchFamily="34" charset="0"/>
-                <a:ea typeface="微软雅黑" panose="020B0503020204020204" pitchFamily="34" charset="-122"/>
-                <a:sym typeface="Arial" panose="020B0604020202020204" pitchFamily="34" charset="0"/>
-              </a:endParaRPr>
-            </a:p>
-          </p:txBody>
-        </p:sp>
-        <p:grpSp>
-          <p:nvGrpSpPr>
-            <p:cNvPr id="81" name="组合 80"/>
-            <p:cNvGrpSpPr/>
-            <p:nvPr/>
-          </p:nvGrpSpPr>
-          <p:grpSpPr>
-            <a:xfrm>
-              <a:off x="4568825" y="438589"/>
-              <a:ext cx="2300757" cy="509896"/>
-              <a:chOff x="888096" y="1000203"/>
-              <a:chExt cx="4259825" cy="944066"/>
-            </a:xfrm>
-          </p:grpSpPr>
-          <p:sp>
-            <p:nvSpPr>
-              <p:cNvPr id="83" name="矩形 82"/>
-              <p:cNvSpPr/>
-              <p:nvPr/>
-            </p:nvSpPr>
-            <p:spPr>
-              <a:xfrm>
-                <a:off x="911225" y="1045634"/>
-                <a:ext cx="4199467" cy="872066"/>
-              </a:xfrm>
-              <a:prstGeom prst="rect">
-                <a:avLst/>
-              </a:prstGeom>
-              <a:noFill/>
-              <a:ln>
-                <a:solidFill>
-                  <a:schemeClr val="bg1">
-                    <a:lumMod val="75000"/>
-                  </a:schemeClr>
-                </a:solidFill>
-              </a:ln>
-            </p:spPr>
-            <p:style>
-              <a:lnRef idx="2">
-                <a:schemeClr val="accent1">
-                  <a:shade val="50000"/>
-                </a:schemeClr>
-              </a:lnRef>
-              <a:fillRef idx="1">
-                <a:schemeClr val="accent1"/>
-              </a:fillRef>
-              <a:effectRef idx="0">
-                <a:schemeClr val="accent1"/>
-              </a:effectRef>
-              <a:fontRef idx="minor">
-                <a:schemeClr val="lt1"/>
-              </a:fontRef>
-            </p:style>
-            <p:txBody>
-              <a:bodyPr rot="0" spcFirstLastPara="0" vertOverflow="overflow" horzOverflow="overflow" vert="horz" wrap="square" lIns="91440" tIns="45720" rIns="91440" bIns="45720" numCol="1" spcCol="0" rtlCol="0" fromWordArt="0" anchor="ctr" anchorCtr="0" forceAA="0" compatLnSpc="1">
-                <a:prstTxWarp prst="textNoShape">
-                  <a:avLst/>
-                </a:prstTxWarp>
-                <a:noAutofit/>
-              </a:bodyPr>
-              <a:lstStyle/>
-              <a:p>
-                <a:pPr algn="ctr"/>
-                <a:endParaRPr lang="zh-CN" altLang="en-US">
-                  <a:latin typeface="Arial" panose="020B0604020202020204" pitchFamily="34" charset="0"/>
-                  <a:ea typeface="微软雅黑" panose="020B0503020204020204" pitchFamily="34" charset="-122"/>
-                  <a:sym typeface="Arial" panose="020B0604020202020204" pitchFamily="34" charset="0"/>
-                </a:endParaRPr>
-              </a:p>
-            </p:txBody>
-          </p:sp>
-          <p:sp>
-            <p:nvSpPr>
-              <p:cNvPr id="84" name="椭圆 83"/>
-              <p:cNvSpPr/>
-              <p:nvPr/>
-            </p:nvSpPr>
-            <p:spPr>
-              <a:xfrm>
-                <a:off x="888096" y="1000203"/>
-                <a:ext cx="72000" cy="72000"/>
-              </a:xfrm>
-              <a:prstGeom prst="ellipse">
-                <a:avLst/>
-              </a:prstGeom>
-              <a:solidFill>
-                <a:schemeClr val="tx1">
-                  <a:lumMod val="65000"/>
-                  <a:lumOff val="35000"/>
-                </a:schemeClr>
-              </a:solidFill>
-              <a:ln>
-                <a:noFill/>
-              </a:ln>
-            </p:spPr>
-            <p:style>
-              <a:lnRef idx="2">
-                <a:schemeClr val="accent1">
-                  <a:shade val="50000"/>
-                </a:schemeClr>
-              </a:lnRef>
-              <a:fillRef idx="1">
-                <a:schemeClr val="accent1"/>
-              </a:fillRef>
-              <a:effectRef idx="0">
-                <a:schemeClr val="accent1"/>
-              </a:effectRef>
-              <a:fontRef idx="minor">
-                <a:schemeClr val="lt1"/>
-              </a:fontRef>
-            </p:style>
-            <p:txBody>
-              <a:bodyPr rot="0" spcFirstLastPara="0" vertOverflow="overflow" horzOverflow="overflow" vert="horz" wrap="square" lIns="91440" tIns="45720" rIns="91440" bIns="45720" numCol="1" spcCol="0" rtlCol="0" fromWordArt="0" anchor="ctr" anchorCtr="0" forceAA="0" compatLnSpc="1">
-                <a:prstTxWarp prst="textNoShape">
-                  <a:avLst/>
-                </a:prstTxWarp>
-                <a:noAutofit/>
-              </a:bodyPr>
-              <a:lstStyle/>
-              <a:p>
-                <a:pPr algn="ctr"/>
-                <a:endParaRPr lang="zh-CN" altLang="en-US">
-                  <a:latin typeface="Arial" panose="020B0604020202020204" pitchFamily="34" charset="0"/>
-                  <a:ea typeface="微软雅黑" panose="020B0503020204020204" pitchFamily="34" charset="-122"/>
-                  <a:sym typeface="Arial" panose="020B0604020202020204" pitchFamily="34" charset="0"/>
-                </a:endParaRPr>
-              </a:p>
-            </p:txBody>
-          </p:sp>
-          <p:sp>
-            <p:nvSpPr>
-              <p:cNvPr id="85" name="椭圆 84"/>
-              <p:cNvSpPr/>
-              <p:nvPr/>
-            </p:nvSpPr>
-            <p:spPr>
-              <a:xfrm>
-                <a:off x="888096" y="1872269"/>
-                <a:ext cx="72000" cy="72000"/>
-              </a:xfrm>
-              <a:prstGeom prst="ellipse">
-                <a:avLst/>
-              </a:prstGeom>
-              <a:solidFill>
-                <a:schemeClr val="tx1">
-                  <a:lumMod val="65000"/>
-                  <a:lumOff val="35000"/>
-                </a:schemeClr>
-              </a:solidFill>
-              <a:ln>
-                <a:noFill/>
-              </a:ln>
-            </p:spPr>
-            <p:style>
-              <a:lnRef idx="2">
-                <a:schemeClr val="accent1">
-                  <a:shade val="50000"/>
-                </a:schemeClr>
-              </a:lnRef>
-              <a:fillRef idx="1">
-                <a:schemeClr val="accent1"/>
-              </a:fillRef>
-              <a:effectRef idx="0">
-                <a:schemeClr val="accent1"/>
-              </a:effectRef>
-              <a:fontRef idx="minor">
-                <a:schemeClr val="lt1"/>
-              </a:fontRef>
-            </p:style>
-            <p:txBody>
-              <a:bodyPr rot="0" spcFirstLastPara="0" vertOverflow="overflow" horzOverflow="overflow" vert="horz" wrap="square" lIns="91440" tIns="45720" rIns="91440" bIns="45720" numCol="1" spcCol="0" rtlCol="0" fromWordArt="0" anchor="ctr" anchorCtr="0" forceAA="0" compatLnSpc="1">
-                <a:prstTxWarp prst="textNoShape">
-                  <a:avLst/>
-                </a:prstTxWarp>
-                <a:noAutofit/>
-              </a:bodyPr>
-              <a:lstStyle/>
-              <a:p>
-                <a:pPr algn="ctr"/>
-                <a:endParaRPr lang="zh-CN" altLang="en-US">
-                  <a:latin typeface="Arial" panose="020B0604020202020204" pitchFamily="34" charset="0"/>
-                  <a:ea typeface="微软雅黑" panose="020B0503020204020204" pitchFamily="34" charset="-122"/>
-                  <a:sym typeface="Arial" panose="020B0604020202020204" pitchFamily="34" charset="0"/>
-                </a:endParaRPr>
-              </a:p>
-            </p:txBody>
-          </p:sp>
-          <p:sp>
-            <p:nvSpPr>
-              <p:cNvPr id="86" name="椭圆 85"/>
-              <p:cNvSpPr/>
-              <p:nvPr/>
-            </p:nvSpPr>
-            <p:spPr>
-              <a:xfrm>
-                <a:off x="5075921" y="1872269"/>
-                <a:ext cx="72000" cy="72000"/>
-              </a:xfrm>
-              <a:prstGeom prst="ellipse">
-                <a:avLst/>
-              </a:prstGeom>
-              <a:solidFill>
-                <a:schemeClr val="tx1">
-                  <a:lumMod val="65000"/>
-                  <a:lumOff val="35000"/>
-                </a:schemeClr>
-              </a:solidFill>
-              <a:ln>
-                <a:noFill/>
-              </a:ln>
-            </p:spPr>
-            <p:style>
-              <a:lnRef idx="2">
-                <a:schemeClr val="accent1">
-                  <a:shade val="50000"/>
-                </a:schemeClr>
-              </a:lnRef>
-              <a:fillRef idx="1">
-                <a:schemeClr val="accent1"/>
-              </a:fillRef>
-              <a:effectRef idx="0">
-                <a:schemeClr val="accent1"/>
-              </a:effectRef>
-              <a:fontRef idx="minor">
-                <a:schemeClr val="lt1"/>
-              </a:fontRef>
-            </p:style>
-            <p:txBody>
-              <a:bodyPr rot="0" spcFirstLastPara="0" vertOverflow="overflow" horzOverflow="overflow" vert="horz" wrap="square" lIns="91440" tIns="45720" rIns="91440" bIns="45720" numCol="1" spcCol="0" rtlCol="0" fromWordArt="0" anchor="ctr" anchorCtr="0" forceAA="0" compatLnSpc="1">
-                <a:prstTxWarp prst="textNoShape">
-                  <a:avLst/>
-                </a:prstTxWarp>
-                <a:noAutofit/>
-              </a:bodyPr>
-              <a:lstStyle/>
-              <a:p>
-                <a:pPr algn="ctr"/>
-                <a:endParaRPr lang="zh-CN" altLang="en-US">
-                  <a:latin typeface="Arial" panose="020B0604020202020204" pitchFamily="34" charset="0"/>
-                  <a:ea typeface="微软雅黑" panose="020B0503020204020204" pitchFamily="34" charset="-122"/>
-                  <a:sym typeface="Arial" panose="020B0604020202020204" pitchFamily="34" charset="0"/>
-                </a:endParaRPr>
-              </a:p>
-            </p:txBody>
-          </p:sp>
-          <p:sp>
-            <p:nvSpPr>
-              <p:cNvPr id="87" name="椭圆 86"/>
-              <p:cNvSpPr/>
-              <p:nvPr/>
-            </p:nvSpPr>
-            <p:spPr>
-              <a:xfrm>
-                <a:off x="5074692" y="1009634"/>
-                <a:ext cx="72000" cy="72000"/>
-              </a:xfrm>
-              <a:prstGeom prst="ellipse">
-                <a:avLst/>
-              </a:prstGeom>
-              <a:solidFill>
-                <a:schemeClr val="tx1">
-                  <a:lumMod val="65000"/>
-                  <a:lumOff val="35000"/>
-                </a:schemeClr>
-              </a:solidFill>
-              <a:ln>
-                <a:noFill/>
-              </a:ln>
-            </p:spPr>
-            <p:style>
-              <a:lnRef idx="2">
-                <a:schemeClr val="accent1">
-                  <a:shade val="50000"/>
-                </a:schemeClr>
-              </a:lnRef>
-              <a:fillRef idx="1">
-                <a:schemeClr val="accent1"/>
-              </a:fillRef>
-              <a:effectRef idx="0">
-                <a:schemeClr val="accent1"/>
-              </a:effectRef>
-              <a:fontRef idx="minor">
-                <a:schemeClr val="lt1"/>
-              </a:fontRef>
-            </p:style>
-            <p:txBody>
-              <a:bodyPr rot="0" spcFirstLastPara="0" vertOverflow="overflow" horzOverflow="overflow" vert="horz" wrap="square" lIns="91440" tIns="45720" rIns="91440" bIns="45720" numCol="1" spcCol="0" rtlCol="0" fromWordArt="0" anchor="ctr" anchorCtr="0" forceAA="0" compatLnSpc="1">
-                <a:prstTxWarp prst="textNoShape">
-                  <a:avLst/>
-                </a:prstTxWarp>
-                <a:noAutofit/>
-              </a:bodyPr>
-              <a:lstStyle/>
-              <a:p>
-                <a:pPr algn="ctr"/>
-                <a:endParaRPr lang="zh-CN" altLang="en-US">
-                  <a:latin typeface="Arial" panose="020B0604020202020204" pitchFamily="34" charset="0"/>
-                  <a:ea typeface="微软雅黑" panose="020B0503020204020204" pitchFamily="34" charset="-122"/>
-                  <a:sym typeface="Arial" panose="020B0604020202020204" pitchFamily="34" charset="0"/>
-                </a:endParaRPr>
-              </a:p>
-            </p:txBody>
-          </p:sp>
-        </p:grpSp>
-        <p:sp>
-          <p:nvSpPr>
-            <p:cNvPr id="82" name="矩形 81"/>
-            <p:cNvSpPr/>
-            <p:nvPr/>
-          </p:nvSpPr>
-          <p:spPr>
-            <a:xfrm>
-              <a:off x="4677733" y="513965"/>
-              <a:ext cx="1569660" cy="369332"/>
-            </a:xfrm>
-            <a:prstGeom prst="rect">
-              <a:avLst/>
-            </a:prstGeom>
-          </p:spPr>
-          <p:txBody>
-            <a:bodyPr wrap="none">
-              <a:spAutoFit/>
-            </a:bodyPr>
-            <a:lstStyle/>
-            <a:p>
-              <a:r>
-                <a:rPr lang="zh-CN" altLang="en-US">
-                  <a:latin typeface="Arial" panose="020B0604020202020204" pitchFamily="34" charset="0"/>
-                  <a:ea typeface="微软雅黑" panose="020B0503020204020204" pitchFamily="34" charset="-122"/>
-                  <a:sym typeface="Arial" panose="020B0604020202020204" pitchFamily="34" charset="0"/>
-                </a:rPr>
-                <a:t>项目选材路程</a:t>
-              </a:r>
-              <a:endParaRPr lang="zh-CN" altLang="en-US" dirty="0">
-                <a:latin typeface="Arial" panose="020B0604020202020204" pitchFamily="34" charset="0"/>
-                <a:ea typeface="微软雅黑" panose="020B0503020204020204" pitchFamily="34" charset="-122"/>
-                <a:sym typeface="Arial" panose="020B0604020202020204" pitchFamily="34" charset="0"/>
-              </a:endParaRPr>
-            </a:p>
-          </p:txBody>
-        </p:sp>
-      </p:grpSp>
-      <p:grpSp>
-        <p:nvGrpSpPr>
-          <p:cNvPr id="88" name="组合 87"/>
-          <p:cNvGrpSpPr/>
-          <p:nvPr/>
-        </p:nvGrpSpPr>
-        <p:grpSpPr>
-          <a:xfrm>
-            <a:off x="4568825" y="2631798"/>
-            <a:ext cx="7365281" cy="509896"/>
-            <a:chOff x="4568825" y="438589"/>
-            <a:chExt cx="7365281" cy="509896"/>
-          </a:xfrm>
-        </p:grpSpPr>
-        <p:sp>
-          <p:nvSpPr>
-            <p:cNvPr id="89" name="矩形 88"/>
-            <p:cNvSpPr/>
-            <p:nvPr/>
-          </p:nvSpPr>
-          <p:spPr>
-            <a:xfrm>
-              <a:off x="6961426" y="546704"/>
-              <a:ext cx="4972680" cy="289503"/>
-            </a:xfrm>
-            <a:prstGeom prst="rect">
-              <a:avLst/>
-            </a:prstGeom>
-          </p:spPr>
-          <p:txBody>
-            <a:bodyPr wrap="square">
-              <a:spAutoFit/>
-            </a:bodyPr>
-            <a:lstStyle/>
-            <a:p>
-              <a:pPr>
-                <a:lnSpc>
-                  <a:spcPct val="130000"/>
-                </a:lnSpc>
-              </a:pPr>
-              <a:r>
-                <a:rPr lang="zh-CN" altLang="en-US" sz="1100">
-                  <a:solidFill>
-                    <a:schemeClr val="bg1">
-                      <a:lumMod val="50000"/>
-                    </a:schemeClr>
-                  </a:solidFill>
-                  <a:latin typeface="Arial" panose="020B0604020202020204" pitchFamily="34" charset="0"/>
-                  <a:ea typeface="微软雅黑" panose="020B0503020204020204" pitchFamily="34" charset="-122"/>
-                  <a:sym typeface="Arial" panose="020B0604020202020204" pitchFamily="34" charset="0"/>
-                </a:rPr>
-                <a:t>第一次组织项目分工事宜</a:t>
-              </a:r>
-              <a:endParaRPr lang="zh-CN" altLang="en-US" sz="1100" dirty="0">
-                <a:solidFill>
-                  <a:schemeClr val="bg1">
-                    <a:lumMod val="50000"/>
-                  </a:schemeClr>
-                </a:solidFill>
-                <a:latin typeface="Arial" panose="020B0604020202020204" pitchFamily="34" charset="0"/>
-                <a:ea typeface="微软雅黑" panose="020B0503020204020204" pitchFamily="34" charset="-122"/>
-                <a:sym typeface="Arial" panose="020B0604020202020204" pitchFamily="34" charset="0"/>
-              </a:endParaRPr>
-            </a:p>
-          </p:txBody>
-        </p:sp>
-        <p:grpSp>
-          <p:nvGrpSpPr>
-            <p:cNvPr id="90" name="组合 89"/>
-            <p:cNvGrpSpPr/>
-            <p:nvPr/>
-          </p:nvGrpSpPr>
-          <p:grpSpPr>
-            <a:xfrm>
-              <a:off x="4568825" y="438589"/>
-              <a:ext cx="2300757" cy="509896"/>
-              <a:chOff x="888096" y="1000203"/>
-              <a:chExt cx="4259825" cy="944066"/>
-            </a:xfrm>
-          </p:grpSpPr>
-          <p:sp>
-            <p:nvSpPr>
-              <p:cNvPr id="92" name="矩形 91"/>
-              <p:cNvSpPr/>
-              <p:nvPr/>
-            </p:nvSpPr>
-            <p:spPr>
-              <a:xfrm>
-                <a:off x="911225" y="1045634"/>
-                <a:ext cx="4199467" cy="872066"/>
-              </a:xfrm>
-              <a:prstGeom prst="rect">
-                <a:avLst/>
-              </a:prstGeom>
-              <a:noFill/>
-              <a:ln>
-                <a:solidFill>
-                  <a:schemeClr val="bg1">
-                    <a:lumMod val="75000"/>
-                  </a:schemeClr>
-                </a:solidFill>
-              </a:ln>
-            </p:spPr>
-            <p:style>
-              <a:lnRef idx="2">
-                <a:schemeClr val="accent1">
-                  <a:shade val="50000"/>
-                </a:schemeClr>
-              </a:lnRef>
-              <a:fillRef idx="1">
-                <a:schemeClr val="accent1"/>
-              </a:fillRef>
-              <a:effectRef idx="0">
-                <a:schemeClr val="accent1"/>
-              </a:effectRef>
-              <a:fontRef idx="minor">
-                <a:schemeClr val="lt1"/>
-              </a:fontRef>
-            </p:style>
-            <p:txBody>
-              <a:bodyPr rot="0" spcFirstLastPara="0" vertOverflow="overflow" horzOverflow="overflow" vert="horz" wrap="square" lIns="91440" tIns="45720" rIns="91440" bIns="45720" numCol="1" spcCol="0" rtlCol="0" fromWordArt="0" anchor="ctr" anchorCtr="0" forceAA="0" compatLnSpc="1">
-                <a:prstTxWarp prst="textNoShape">
-                  <a:avLst/>
-                </a:prstTxWarp>
-                <a:noAutofit/>
-              </a:bodyPr>
-              <a:lstStyle/>
-              <a:p>
-                <a:pPr algn="ctr"/>
-                <a:endParaRPr lang="zh-CN" altLang="en-US">
-                  <a:latin typeface="Arial" panose="020B0604020202020204" pitchFamily="34" charset="0"/>
-                  <a:ea typeface="微软雅黑" panose="020B0503020204020204" pitchFamily="34" charset="-122"/>
-                  <a:sym typeface="Arial" panose="020B0604020202020204" pitchFamily="34" charset="0"/>
-                </a:endParaRPr>
-              </a:p>
-            </p:txBody>
-          </p:sp>
-          <p:sp>
-            <p:nvSpPr>
-              <p:cNvPr id="93" name="椭圆 92"/>
-              <p:cNvSpPr/>
-              <p:nvPr/>
-            </p:nvSpPr>
-            <p:spPr>
-              <a:xfrm>
-                <a:off x="888096" y="1000203"/>
-                <a:ext cx="72000" cy="72000"/>
-              </a:xfrm>
-              <a:prstGeom prst="ellipse">
-                <a:avLst/>
-              </a:prstGeom>
-              <a:solidFill>
-                <a:schemeClr val="tx1">
-                  <a:lumMod val="65000"/>
-                  <a:lumOff val="35000"/>
-                </a:schemeClr>
-              </a:solidFill>
-              <a:ln>
-                <a:noFill/>
-              </a:ln>
-            </p:spPr>
-            <p:style>
-              <a:lnRef idx="2">
-                <a:schemeClr val="accent1">
-                  <a:shade val="50000"/>
-                </a:schemeClr>
-              </a:lnRef>
-              <a:fillRef idx="1">
-                <a:schemeClr val="accent1"/>
-              </a:fillRef>
-              <a:effectRef idx="0">
-                <a:schemeClr val="accent1"/>
-              </a:effectRef>
-              <a:fontRef idx="minor">
-                <a:schemeClr val="lt1"/>
-              </a:fontRef>
-            </p:style>
-            <p:txBody>
-              <a:bodyPr rot="0" spcFirstLastPara="0" vertOverflow="overflow" horzOverflow="overflow" vert="horz" wrap="square" lIns="91440" tIns="45720" rIns="91440" bIns="45720" numCol="1" spcCol="0" rtlCol="0" fromWordArt="0" anchor="ctr" anchorCtr="0" forceAA="0" compatLnSpc="1">
-                <a:prstTxWarp prst="textNoShape">
-                  <a:avLst/>
-                </a:prstTxWarp>
-                <a:noAutofit/>
-              </a:bodyPr>
-              <a:lstStyle/>
-              <a:p>
-                <a:pPr algn="ctr"/>
-                <a:endParaRPr lang="zh-CN" altLang="en-US">
-                  <a:latin typeface="Arial" panose="020B0604020202020204" pitchFamily="34" charset="0"/>
-                  <a:ea typeface="微软雅黑" panose="020B0503020204020204" pitchFamily="34" charset="-122"/>
-                  <a:sym typeface="Arial" panose="020B0604020202020204" pitchFamily="34" charset="0"/>
-                </a:endParaRPr>
-              </a:p>
-            </p:txBody>
-          </p:sp>
-          <p:sp>
-            <p:nvSpPr>
-              <p:cNvPr id="94" name="椭圆 93"/>
-              <p:cNvSpPr/>
-              <p:nvPr/>
-            </p:nvSpPr>
-            <p:spPr>
-              <a:xfrm>
-                <a:off x="888096" y="1872269"/>
-                <a:ext cx="72000" cy="72000"/>
-              </a:xfrm>
-              <a:prstGeom prst="ellipse">
-                <a:avLst/>
-              </a:prstGeom>
-              <a:solidFill>
-                <a:schemeClr val="tx1">
-                  <a:lumMod val="65000"/>
-                  <a:lumOff val="35000"/>
-                </a:schemeClr>
-              </a:solidFill>
-              <a:ln>
-                <a:noFill/>
-              </a:ln>
-            </p:spPr>
-            <p:style>
-              <a:lnRef idx="2">
-                <a:schemeClr val="accent1">
-                  <a:shade val="50000"/>
-                </a:schemeClr>
-              </a:lnRef>
-              <a:fillRef idx="1">
-                <a:schemeClr val="accent1"/>
-              </a:fillRef>
-              <a:effectRef idx="0">
-                <a:schemeClr val="accent1"/>
-              </a:effectRef>
-              <a:fontRef idx="minor">
-                <a:schemeClr val="lt1"/>
-              </a:fontRef>
-            </p:style>
-            <p:txBody>
-              <a:bodyPr rot="0" spcFirstLastPara="0" vertOverflow="overflow" horzOverflow="overflow" vert="horz" wrap="square" lIns="91440" tIns="45720" rIns="91440" bIns="45720" numCol="1" spcCol="0" rtlCol="0" fromWordArt="0" anchor="ctr" anchorCtr="0" forceAA="0" compatLnSpc="1">
-                <a:prstTxWarp prst="textNoShape">
-                  <a:avLst/>
-                </a:prstTxWarp>
-                <a:noAutofit/>
-              </a:bodyPr>
-              <a:lstStyle/>
-              <a:p>
-                <a:pPr algn="ctr"/>
-                <a:endParaRPr lang="zh-CN" altLang="en-US">
-                  <a:latin typeface="Arial" panose="020B0604020202020204" pitchFamily="34" charset="0"/>
-                  <a:ea typeface="微软雅黑" panose="020B0503020204020204" pitchFamily="34" charset="-122"/>
-                  <a:sym typeface="Arial" panose="020B0604020202020204" pitchFamily="34" charset="0"/>
-                </a:endParaRPr>
-              </a:p>
-            </p:txBody>
-          </p:sp>
-          <p:sp>
-            <p:nvSpPr>
-              <p:cNvPr id="95" name="椭圆 94"/>
-              <p:cNvSpPr/>
-              <p:nvPr/>
-            </p:nvSpPr>
-            <p:spPr>
-              <a:xfrm>
-                <a:off x="5075921" y="1872269"/>
-                <a:ext cx="72000" cy="72000"/>
-              </a:xfrm>
-              <a:prstGeom prst="ellipse">
-                <a:avLst/>
-              </a:prstGeom>
-              <a:solidFill>
-                <a:schemeClr val="tx1">
-                  <a:lumMod val="65000"/>
-                  <a:lumOff val="35000"/>
-                </a:schemeClr>
-              </a:solidFill>
-              <a:ln>
-                <a:noFill/>
-              </a:ln>
-            </p:spPr>
-            <p:style>
-              <a:lnRef idx="2">
-                <a:schemeClr val="accent1">
-                  <a:shade val="50000"/>
-                </a:schemeClr>
-              </a:lnRef>
-              <a:fillRef idx="1">
-                <a:schemeClr val="accent1"/>
-              </a:fillRef>
-              <a:effectRef idx="0">
-                <a:schemeClr val="accent1"/>
-              </a:effectRef>
-              <a:fontRef idx="minor">
-                <a:schemeClr val="lt1"/>
-              </a:fontRef>
-            </p:style>
-            <p:txBody>
-              <a:bodyPr rot="0" spcFirstLastPara="0" vertOverflow="overflow" horzOverflow="overflow" vert="horz" wrap="square" lIns="91440" tIns="45720" rIns="91440" bIns="45720" numCol="1" spcCol="0" rtlCol="0" fromWordArt="0" anchor="ctr" anchorCtr="0" forceAA="0" compatLnSpc="1">
-                <a:prstTxWarp prst="textNoShape">
-                  <a:avLst/>
-                </a:prstTxWarp>
-                <a:noAutofit/>
-              </a:bodyPr>
-              <a:lstStyle/>
-              <a:p>
-                <a:pPr algn="ctr"/>
-                <a:endParaRPr lang="zh-CN" altLang="en-US">
-                  <a:latin typeface="Arial" panose="020B0604020202020204" pitchFamily="34" charset="0"/>
-                  <a:ea typeface="微软雅黑" panose="020B0503020204020204" pitchFamily="34" charset="-122"/>
-                  <a:sym typeface="Arial" panose="020B0604020202020204" pitchFamily="34" charset="0"/>
-                </a:endParaRPr>
-              </a:p>
-            </p:txBody>
-          </p:sp>
-          <p:sp>
-            <p:nvSpPr>
-              <p:cNvPr id="96" name="椭圆 95"/>
-              <p:cNvSpPr/>
-              <p:nvPr/>
-            </p:nvSpPr>
-            <p:spPr>
-              <a:xfrm>
-                <a:off x="5074692" y="1009634"/>
-                <a:ext cx="72000" cy="72000"/>
-              </a:xfrm>
-              <a:prstGeom prst="ellipse">
-                <a:avLst/>
-              </a:prstGeom>
-              <a:solidFill>
-                <a:schemeClr val="tx1">
-                  <a:lumMod val="65000"/>
-                  <a:lumOff val="35000"/>
-                </a:schemeClr>
-              </a:solidFill>
-              <a:ln>
-                <a:noFill/>
-              </a:ln>
-            </p:spPr>
-            <p:style>
-              <a:lnRef idx="2">
-                <a:schemeClr val="accent1">
-                  <a:shade val="50000"/>
-                </a:schemeClr>
-              </a:lnRef>
-              <a:fillRef idx="1">
-                <a:schemeClr val="accent1"/>
-              </a:fillRef>
-              <a:effectRef idx="0">
-                <a:schemeClr val="accent1"/>
-              </a:effectRef>
-              <a:fontRef idx="minor">
-                <a:schemeClr val="lt1"/>
-              </a:fontRef>
-            </p:style>
-            <p:txBody>
-              <a:bodyPr rot="0" spcFirstLastPara="0" vertOverflow="overflow" horzOverflow="overflow" vert="horz" wrap="square" lIns="91440" tIns="45720" rIns="91440" bIns="45720" numCol="1" spcCol="0" rtlCol="0" fromWordArt="0" anchor="ctr" anchorCtr="0" forceAA="0" compatLnSpc="1">
-                <a:prstTxWarp prst="textNoShape">
-                  <a:avLst/>
-                </a:prstTxWarp>
-                <a:noAutofit/>
-              </a:bodyPr>
-              <a:lstStyle/>
-              <a:p>
-                <a:pPr algn="ctr"/>
-                <a:endParaRPr lang="zh-CN" altLang="en-US">
-                  <a:latin typeface="Arial" panose="020B0604020202020204" pitchFamily="34" charset="0"/>
-                  <a:ea typeface="微软雅黑" panose="020B0503020204020204" pitchFamily="34" charset="-122"/>
-                  <a:sym typeface="Arial" panose="020B0604020202020204" pitchFamily="34" charset="0"/>
-                </a:endParaRPr>
-              </a:p>
-            </p:txBody>
-          </p:sp>
-        </p:grpSp>
-        <p:sp>
-          <p:nvSpPr>
-            <p:cNvPr id="91" name="矩形 90"/>
-            <p:cNvSpPr/>
-            <p:nvPr/>
-          </p:nvSpPr>
-          <p:spPr>
-            <a:xfrm>
-              <a:off x="4677733" y="513965"/>
-              <a:ext cx="1569660" cy="369332"/>
-            </a:xfrm>
-            <a:prstGeom prst="rect">
-              <a:avLst/>
-            </a:prstGeom>
-          </p:spPr>
-          <p:txBody>
-            <a:bodyPr wrap="none">
-              <a:spAutoFit/>
-            </a:bodyPr>
-            <a:lstStyle/>
-            <a:p>
-              <a:r>
-                <a:rPr lang="zh-CN" altLang="en-US">
-                  <a:latin typeface="Arial" panose="020B0604020202020204" pitchFamily="34" charset="0"/>
-                  <a:ea typeface="微软雅黑" panose="020B0503020204020204" pitchFamily="34" charset="-122"/>
-                  <a:sym typeface="Arial" panose="020B0604020202020204" pitchFamily="34" charset="0"/>
-                </a:rPr>
-                <a:t>项目分工路程</a:t>
-              </a:r>
-              <a:endParaRPr lang="zh-CN" altLang="en-US" dirty="0">
-                <a:latin typeface="Arial" panose="020B0604020202020204" pitchFamily="34" charset="0"/>
-                <a:ea typeface="微软雅黑" panose="020B0503020204020204" pitchFamily="34" charset="-122"/>
-                <a:sym typeface="Arial" panose="020B0604020202020204" pitchFamily="34" charset="0"/>
-              </a:endParaRPr>
-            </a:p>
-          </p:txBody>
-        </p:sp>
-      </p:grpSp>
-      <p:grpSp>
-        <p:nvGrpSpPr>
-          <p:cNvPr id="97" name="组合 96"/>
-          <p:cNvGrpSpPr/>
-          <p:nvPr/>
-        </p:nvGrpSpPr>
-        <p:grpSpPr>
-          <a:xfrm>
-            <a:off x="4568825" y="3727758"/>
-            <a:ext cx="7365281" cy="509896"/>
-            <a:chOff x="4568825" y="438589"/>
-            <a:chExt cx="7365281" cy="509896"/>
-          </a:xfrm>
-        </p:grpSpPr>
-        <p:sp>
-          <p:nvSpPr>
-            <p:cNvPr id="98" name="矩形 97"/>
-            <p:cNvSpPr/>
-            <p:nvPr/>
-          </p:nvSpPr>
-          <p:spPr>
-            <a:xfrm>
-              <a:off x="6961426" y="537179"/>
-              <a:ext cx="4972680" cy="289503"/>
-            </a:xfrm>
-            <a:prstGeom prst="rect">
-              <a:avLst/>
-            </a:prstGeom>
-          </p:spPr>
-          <p:txBody>
-            <a:bodyPr wrap="square">
-              <a:spAutoFit/>
-            </a:bodyPr>
-            <a:lstStyle/>
-            <a:p>
-              <a:pPr>
-                <a:lnSpc>
-                  <a:spcPct val="130000"/>
-                </a:lnSpc>
-              </a:pPr>
-              <a:r>
-                <a:rPr lang="zh-CN" altLang="en-US" sz="1100">
-                  <a:solidFill>
-                    <a:schemeClr val="bg1">
-                      <a:lumMod val="50000"/>
-                    </a:schemeClr>
-                  </a:solidFill>
-                  <a:latin typeface="Arial" panose="020B0604020202020204" pitchFamily="34" charset="0"/>
-                  <a:ea typeface="微软雅黑" panose="020B0503020204020204" pitchFamily="34" charset="-122"/>
-                  <a:sym typeface="Arial" panose="020B0604020202020204" pitchFamily="34" charset="0"/>
-                </a:rPr>
-                <a:t>按照规划有条不紊的进行</a:t>
-              </a:r>
-              <a:endParaRPr lang="zh-CN" altLang="en-US" sz="1100" dirty="0">
-                <a:solidFill>
-                  <a:schemeClr val="bg1">
-                    <a:lumMod val="50000"/>
-                  </a:schemeClr>
-                </a:solidFill>
-                <a:latin typeface="Arial" panose="020B0604020202020204" pitchFamily="34" charset="0"/>
-                <a:ea typeface="微软雅黑" panose="020B0503020204020204" pitchFamily="34" charset="-122"/>
-                <a:sym typeface="Arial" panose="020B0604020202020204" pitchFamily="34" charset="0"/>
-              </a:endParaRPr>
-            </a:p>
-          </p:txBody>
-        </p:sp>
-        <p:grpSp>
-          <p:nvGrpSpPr>
-            <p:cNvPr id="99" name="组合 98"/>
-            <p:cNvGrpSpPr/>
-            <p:nvPr/>
-          </p:nvGrpSpPr>
-          <p:grpSpPr>
-            <a:xfrm>
-              <a:off x="4568825" y="438589"/>
-              <a:ext cx="2300757" cy="509896"/>
-              <a:chOff x="888096" y="1000203"/>
-              <a:chExt cx="4259825" cy="944066"/>
-            </a:xfrm>
-          </p:grpSpPr>
-          <p:sp>
-            <p:nvSpPr>
-              <p:cNvPr id="101" name="矩形 100"/>
-              <p:cNvSpPr/>
-              <p:nvPr/>
-            </p:nvSpPr>
-            <p:spPr>
-              <a:xfrm>
-                <a:off x="911225" y="1045634"/>
-                <a:ext cx="4199467" cy="872066"/>
-              </a:xfrm>
-              <a:prstGeom prst="rect">
-                <a:avLst/>
-              </a:prstGeom>
-              <a:noFill/>
-              <a:ln>
-                <a:solidFill>
-                  <a:schemeClr val="bg1">
-                    <a:lumMod val="75000"/>
-                  </a:schemeClr>
-                </a:solidFill>
-              </a:ln>
-            </p:spPr>
-            <p:style>
-              <a:lnRef idx="2">
-                <a:schemeClr val="accent1">
-                  <a:shade val="50000"/>
-                </a:schemeClr>
-              </a:lnRef>
-              <a:fillRef idx="1">
-                <a:schemeClr val="accent1"/>
-              </a:fillRef>
-              <a:effectRef idx="0">
-                <a:schemeClr val="accent1"/>
-              </a:effectRef>
-              <a:fontRef idx="minor">
-                <a:schemeClr val="lt1"/>
-              </a:fontRef>
-            </p:style>
-            <p:txBody>
-              <a:bodyPr rot="0" spcFirstLastPara="0" vertOverflow="overflow" horzOverflow="overflow" vert="horz" wrap="square" lIns="91440" tIns="45720" rIns="91440" bIns="45720" numCol="1" spcCol="0" rtlCol="0" fromWordArt="0" anchor="ctr" anchorCtr="0" forceAA="0" compatLnSpc="1">
-                <a:prstTxWarp prst="textNoShape">
-                  <a:avLst/>
-                </a:prstTxWarp>
-                <a:noAutofit/>
-              </a:bodyPr>
-              <a:lstStyle/>
-              <a:p>
-                <a:pPr algn="ctr"/>
-                <a:endParaRPr lang="zh-CN" altLang="en-US">
-                  <a:latin typeface="Arial" panose="020B0604020202020204" pitchFamily="34" charset="0"/>
-                  <a:ea typeface="微软雅黑" panose="020B0503020204020204" pitchFamily="34" charset="-122"/>
-                  <a:sym typeface="Arial" panose="020B0604020202020204" pitchFamily="34" charset="0"/>
-                </a:endParaRPr>
-              </a:p>
-            </p:txBody>
-          </p:sp>
-          <p:sp>
-            <p:nvSpPr>
-              <p:cNvPr id="102" name="椭圆 101"/>
-              <p:cNvSpPr/>
-              <p:nvPr/>
-            </p:nvSpPr>
-            <p:spPr>
-              <a:xfrm>
-                <a:off x="888096" y="1000203"/>
-                <a:ext cx="72000" cy="72000"/>
-              </a:xfrm>
-              <a:prstGeom prst="ellipse">
-                <a:avLst/>
-              </a:prstGeom>
-              <a:solidFill>
-                <a:schemeClr val="tx1">
-                  <a:lumMod val="65000"/>
-                  <a:lumOff val="35000"/>
-                </a:schemeClr>
-              </a:solidFill>
-              <a:ln>
-                <a:noFill/>
-              </a:ln>
-            </p:spPr>
-            <p:style>
-              <a:lnRef idx="2">
-                <a:schemeClr val="accent1">
-                  <a:shade val="50000"/>
-                </a:schemeClr>
-              </a:lnRef>
-              <a:fillRef idx="1">
-                <a:schemeClr val="accent1"/>
-              </a:fillRef>
-              <a:effectRef idx="0">
-                <a:schemeClr val="accent1"/>
-              </a:effectRef>
-              <a:fontRef idx="minor">
-                <a:schemeClr val="lt1"/>
-              </a:fontRef>
-            </p:style>
-            <p:txBody>
-              <a:bodyPr rot="0" spcFirstLastPara="0" vertOverflow="overflow" horzOverflow="overflow" vert="horz" wrap="square" lIns="91440" tIns="45720" rIns="91440" bIns="45720" numCol="1" spcCol="0" rtlCol="0" fromWordArt="0" anchor="ctr" anchorCtr="0" forceAA="0" compatLnSpc="1">
-                <a:prstTxWarp prst="textNoShape">
-                  <a:avLst/>
-                </a:prstTxWarp>
-                <a:noAutofit/>
-              </a:bodyPr>
-              <a:lstStyle/>
-              <a:p>
-                <a:pPr algn="ctr"/>
-                <a:endParaRPr lang="zh-CN" altLang="en-US">
-                  <a:latin typeface="Arial" panose="020B0604020202020204" pitchFamily="34" charset="0"/>
-                  <a:ea typeface="微软雅黑" panose="020B0503020204020204" pitchFamily="34" charset="-122"/>
-                  <a:sym typeface="Arial" panose="020B0604020202020204" pitchFamily="34" charset="0"/>
-                </a:endParaRPr>
-              </a:p>
-            </p:txBody>
-          </p:sp>
-          <p:sp>
-            <p:nvSpPr>
-              <p:cNvPr id="103" name="椭圆 102"/>
-              <p:cNvSpPr/>
-              <p:nvPr/>
-            </p:nvSpPr>
-            <p:spPr>
-              <a:xfrm>
-                <a:off x="888096" y="1872269"/>
-                <a:ext cx="72000" cy="72000"/>
-              </a:xfrm>
-              <a:prstGeom prst="ellipse">
-                <a:avLst/>
-              </a:prstGeom>
-              <a:solidFill>
-                <a:schemeClr val="tx1">
-                  <a:lumMod val="65000"/>
-                  <a:lumOff val="35000"/>
-                </a:schemeClr>
-              </a:solidFill>
-              <a:ln>
-                <a:noFill/>
-              </a:ln>
-            </p:spPr>
-            <p:style>
-              <a:lnRef idx="2">
-                <a:schemeClr val="accent1">
-                  <a:shade val="50000"/>
-                </a:schemeClr>
-              </a:lnRef>
-              <a:fillRef idx="1">
-                <a:schemeClr val="accent1"/>
-              </a:fillRef>
-              <a:effectRef idx="0">
-                <a:schemeClr val="accent1"/>
-              </a:effectRef>
-              <a:fontRef idx="minor">
-                <a:schemeClr val="lt1"/>
-              </a:fontRef>
-            </p:style>
-            <p:txBody>
-              <a:bodyPr rot="0" spcFirstLastPara="0" vertOverflow="overflow" horzOverflow="overflow" vert="horz" wrap="square" lIns="91440" tIns="45720" rIns="91440" bIns="45720" numCol="1" spcCol="0" rtlCol="0" fromWordArt="0" anchor="ctr" anchorCtr="0" forceAA="0" compatLnSpc="1">
-                <a:prstTxWarp prst="textNoShape">
-                  <a:avLst/>
-                </a:prstTxWarp>
-                <a:noAutofit/>
-              </a:bodyPr>
-              <a:lstStyle/>
-              <a:p>
-                <a:pPr algn="ctr"/>
-                <a:endParaRPr lang="zh-CN" altLang="en-US">
-                  <a:latin typeface="Arial" panose="020B0604020202020204" pitchFamily="34" charset="0"/>
-                  <a:ea typeface="微软雅黑" panose="020B0503020204020204" pitchFamily="34" charset="-122"/>
-                  <a:sym typeface="Arial" panose="020B0604020202020204" pitchFamily="34" charset="0"/>
-                </a:endParaRPr>
-              </a:p>
-            </p:txBody>
-          </p:sp>
-          <p:sp>
-            <p:nvSpPr>
-              <p:cNvPr id="104" name="椭圆 103"/>
-              <p:cNvSpPr/>
-              <p:nvPr/>
-            </p:nvSpPr>
-            <p:spPr>
-              <a:xfrm>
-                <a:off x="5075921" y="1872269"/>
-                <a:ext cx="72000" cy="72000"/>
-              </a:xfrm>
-              <a:prstGeom prst="ellipse">
-                <a:avLst/>
-              </a:prstGeom>
-              <a:solidFill>
-                <a:schemeClr val="tx1">
-                  <a:lumMod val="65000"/>
-                  <a:lumOff val="35000"/>
-                </a:schemeClr>
-              </a:solidFill>
-              <a:ln>
-                <a:noFill/>
-              </a:ln>
-            </p:spPr>
-            <p:style>
-              <a:lnRef idx="2">
-                <a:schemeClr val="accent1">
-                  <a:shade val="50000"/>
-                </a:schemeClr>
-              </a:lnRef>
-              <a:fillRef idx="1">
-                <a:schemeClr val="accent1"/>
-              </a:fillRef>
-              <a:effectRef idx="0">
-                <a:schemeClr val="accent1"/>
-              </a:effectRef>
-              <a:fontRef idx="minor">
-                <a:schemeClr val="lt1"/>
-              </a:fontRef>
-            </p:style>
-            <p:txBody>
-              <a:bodyPr rot="0" spcFirstLastPara="0" vertOverflow="overflow" horzOverflow="overflow" vert="horz" wrap="square" lIns="91440" tIns="45720" rIns="91440" bIns="45720" numCol="1" spcCol="0" rtlCol="0" fromWordArt="0" anchor="ctr" anchorCtr="0" forceAA="0" compatLnSpc="1">
-                <a:prstTxWarp prst="textNoShape">
-                  <a:avLst/>
-                </a:prstTxWarp>
-                <a:noAutofit/>
-              </a:bodyPr>
-              <a:lstStyle/>
-              <a:p>
-                <a:pPr algn="ctr"/>
-                <a:endParaRPr lang="zh-CN" altLang="en-US">
-                  <a:latin typeface="Arial" panose="020B0604020202020204" pitchFamily="34" charset="0"/>
-                  <a:ea typeface="微软雅黑" panose="020B0503020204020204" pitchFamily="34" charset="-122"/>
-                  <a:sym typeface="Arial" panose="020B0604020202020204" pitchFamily="34" charset="0"/>
-                </a:endParaRPr>
-              </a:p>
-            </p:txBody>
-          </p:sp>
-          <p:sp>
-            <p:nvSpPr>
-              <p:cNvPr id="105" name="椭圆 104"/>
-              <p:cNvSpPr/>
-              <p:nvPr/>
-            </p:nvSpPr>
-            <p:spPr>
-              <a:xfrm>
-                <a:off x="5074692" y="1009634"/>
-                <a:ext cx="72000" cy="72000"/>
-              </a:xfrm>
-              <a:prstGeom prst="ellipse">
-                <a:avLst/>
-              </a:prstGeom>
-              <a:solidFill>
-                <a:schemeClr val="tx1">
-                  <a:lumMod val="65000"/>
-                  <a:lumOff val="35000"/>
-                </a:schemeClr>
-              </a:solidFill>
-              <a:ln>
-                <a:noFill/>
-              </a:ln>
-            </p:spPr>
-            <p:style>
-              <a:lnRef idx="2">
-                <a:schemeClr val="accent1">
-                  <a:shade val="50000"/>
-                </a:schemeClr>
-              </a:lnRef>
-              <a:fillRef idx="1">
-                <a:schemeClr val="accent1"/>
-              </a:fillRef>
-              <a:effectRef idx="0">
-                <a:schemeClr val="accent1"/>
-              </a:effectRef>
-              <a:fontRef idx="minor">
-                <a:schemeClr val="lt1"/>
-              </a:fontRef>
-            </p:style>
-            <p:txBody>
-              <a:bodyPr rot="0" spcFirstLastPara="0" vertOverflow="overflow" horzOverflow="overflow" vert="horz" wrap="square" lIns="91440" tIns="45720" rIns="91440" bIns="45720" numCol="1" spcCol="0" rtlCol="0" fromWordArt="0" anchor="ctr" anchorCtr="0" forceAA="0" compatLnSpc="1">
-                <a:prstTxWarp prst="textNoShape">
-                  <a:avLst/>
-                </a:prstTxWarp>
-                <a:noAutofit/>
-              </a:bodyPr>
-              <a:lstStyle/>
-              <a:p>
-                <a:pPr algn="ctr"/>
-                <a:endParaRPr lang="zh-CN" altLang="en-US">
-                  <a:latin typeface="Arial" panose="020B0604020202020204" pitchFamily="34" charset="0"/>
-                  <a:ea typeface="微软雅黑" panose="020B0503020204020204" pitchFamily="34" charset="-122"/>
-                  <a:sym typeface="Arial" panose="020B0604020202020204" pitchFamily="34" charset="0"/>
-                </a:endParaRPr>
-              </a:p>
-            </p:txBody>
-          </p:sp>
-        </p:grpSp>
-        <p:sp>
-          <p:nvSpPr>
-            <p:cNvPr id="100" name="矩形 99"/>
-            <p:cNvSpPr/>
-            <p:nvPr/>
-          </p:nvSpPr>
-          <p:spPr>
-            <a:xfrm>
-              <a:off x="4677733" y="513965"/>
-              <a:ext cx="1569660" cy="369332"/>
-            </a:xfrm>
-            <a:prstGeom prst="rect">
-              <a:avLst/>
-            </a:prstGeom>
-          </p:spPr>
-          <p:txBody>
-            <a:bodyPr wrap="none">
-              <a:spAutoFit/>
-            </a:bodyPr>
-            <a:lstStyle/>
-            <a:p>
-              <a:r>
-                <a:rPr lang="zh-CN" altLang="en-US">
-                  <a:latin typeface="Arial" panose="020B0604020202020204" pitchFamily="34" charset="0"/>
-                  <a:ea typeface="微软雅黑" panose="020B0503020204020204" pitchFamily="34" charset="-122"/>
-                  <a:sym typeface="Arial" panose="020B0604020202020204" pitchFamily="34" charset="0"/>
-                </a:rPr>
-                <a:t>项目实现路程</a:t>
-              </a:r>
-              <a:endParaRPr lang="zh-CN" altLang="en-US" dirty="0">
-                <a:latin typeface="Arial" panose="020B0604020202020204" pitchFamily="34" charset="0"/>
-                <a:ea typeface="微软雅黑" panose="020B0503020204020204" pitchFamily="34" charset="-122"/>
-                <a:sym typeface="Arial" panose="020B0604020202020204" pitchFamily="34" charset="0"/>
-              </a:endParaRPr>
-            </a:p>
-          </p:txBody>
-        </p:sp>
-      </p:grpSp>
-      <p:grpSp>
-        <p:nvGrpSpPr>
-          <p:cNvPr id="106" name="组合 105"/>
-          <p:cNvGrpSpPr/>
-          <p:nvPr/>
-        </p:nvGrpSpPr>
-        <p:grpSpPr>
-          <a:xfrm>
-            <a:off x="4568825" y="4815386"/>
-            <a:ext cx="7365281" cy="509896"/>
-            <a:chOff x="4568825" y="438589"/>
-            <a:chExt cx="7365281" cy="509896"/>
-          </a:xfrm>
-        </p:grpSpPr>
-        <p:sp>
-          <p:nvSpPr>
-            <p:cNvPr id="107" name="矩形 106"/>
-            <p:cNvSpPr/>
-            <p:nvPr/>
-          </p:nvSpPr>
-          <p:spPr>
-            <a:xfrm>
-              <a:off x="6961426" y="556229"/>
-              <a:ext cx="4972680" cy="289503"/>
-            </a:xfrm>
-            <a:prstGeom prst="rect">
-              <a:avLst/>
-            </a:prstGeom>
-          </p:spPr>
-          <p:txBody>
-            <a:bodyPr wrap="square">
-              <a:spAutoFit/>
-            </a:bodyPr>
-            <a:lstStyle/>
-            <a:p>
-              <a:pPr>
-                <a:lnSpc>
-                  <a:spcPct val="130000"/>
-                </a:lnSpc>
-              </a:pPr>
-              <a:r>
-                <a:rPr lang="zh-CN" altLang="en-US" sz="1100">
-                  <a:solidFill>
-                    <a:schemeClr val="bg1">
-                      <a:lumMod val="50000"/>
-                    </a:schemeClr>
-                  </a:solidFill>
-                  <a:latin typeface="Arial" panose="020B0604020202020204" pitchFamily="34" charset="0"/>
-                  <a:ea typeface="微软雅黑" panose="020B0503020204020204" pitchFamily="34" charset="-122"/>
-                  <a:sym typeface="Arial" panose="020B0604020202020204" pitchFamily="34" charset="0"/>
-                </a:rPr>
-                <a:t>一一克服中间遇到的难点</a:t>
-              </a:r>
-              <a:endParaRPr lang="zh-CN" altLang="en-US" sz="1100" dirty="0">
-                <a:solidFill>
-                  <a:schemeClr val="bg1">
-                    <a:lumMod val="50000"/>
-                  </a:schemeClr>
-                </a:solidFill>
-                <a:latin typeface="Arial" panose="020B0604020202020204" pitchFamily="34" charset="0"/>
-                <a:ea typeface="微软雅黑" panose="020B0503020204020204" pitchFamily="34" charset="-122"/>
-                <a:sym typeface="Arial" panose="020B0604020202020204" pitchFamily="34" charset="0"/>
-              </a:endParaRPr>
-            </a:p>
-          </p:txBody>
-        </p:sp>
-        <p:grpSp>
-          <p:nvGrpSpPr>
-            <p:cNvPr id="108" name="组合 107"/>
-            <p:cNvGrpSpPr/>
-            <p:nvPr/>
-          </p:nvGrpSpPr>
-          <p:grpSpPr>
-            <a:xfrm>
-              <a:off x="4568825" y="438589"/>
-              <a:ext cx="2300757" cy="509896"/>
-              <a:chOff x="888096" y="1000203"/>
-              <a:chExt cx="4259825" cy="944066"/>
-            </a:xfrm>
-          </p:grpSpPr>
-          <p:sp>
-            <p:nvSpPr>
-              <p:cNvPr id="110" name="矩形 109"/>
-              <p:cNvSpPr/>
-              <p:nvPr/>
-            </p:nvSpPr>
-            <p:spPr>
-              <a:xfrm>
-                <a:off x="911225" y="1045634"/>
-                <a:ext cx="4199467" cy="872066"/>
-              </a:xfrm>
-              <a:prstGeom prst="rect">
-                <a:avLst/>
-              </a:prstGeom>
-              <a:noFill/>
-              <a:ln>
-                <a:solidFill>
-                  <a:schemeClr val="bg1">
-                    <a:lumMod val="75000"/>
-                  </a:schemeClr>
-                </a:solidFill>
-              </a:ln>
-            </p:spPr>
-            <p:style>
-              <a:lnRef idx="2">
-                <a:schemeClr val="accent1">
-                  <a:shade val="50000"/>
-                </a:schemeClr>
-              </a:lnRef>
-              <a:fillRef idx="1">
-                <a:schemeClr val="accent1"/>
-              </a:fillRef>
-              <a:effectRef idx="0">
-                <a:schemeClr val="accent1"/>
-              </a:effectRef>
-              <a:fontRef idx="minor">
-                <a:schemeClr val="lt1"/>
-              </a:fontRef>
-            </p:style>
-            <p:txBody>
-              <a:bodyPr rot="0" spcFirstLastPara="0" vertOverflow="overflow" horzOverflow="overflow" vert="horz" wrap="square" lIns="91440" tIns="45720" rIns="91440" bIns="45720" numCol="1" spcCol="0" rtlCol="0" fromWordArt="0" anchor="ctr" anchorCtr="0" forceAA="0" compatLnSpc="1">
-                <a:prstTxWarp prst="textNoShape">
-                  <a:avLst/>
-                </a:prstTxWarp>
-                <a:noAutofit/>
-              </a:bodyPr>
-              <a:lstStyle/>
-              <a:p>
-                <a:pPr algn="ctr"/>
-                <a:endParaRPr lang="zh-CN" altLang="en-US">
-                  <a:latin typeface="Arial" panose="020B0604020202020204" pitchFamily="34" charset="0"/>
-                  <a:ea typeface="微软雅黑" panose="020B0503020204020204" pitchFamily="34" charset="-122"/>
-                  <a:sym typeface="Arial" panose="020B0604020202020204" pitchFamily="34" charset="0"/>
-                </a:endParaRPr>
-              </a:p>
-            </p:txBody>
-          </p:sp>
-          <p:sp>
-            <p:nvSpPr>
-              <p:cNvPr id="111" name="椭圆 110"/>
-              <p:cNvSpPr/>
-              <p:nvPr/>
-            </p:nvSpPr>
-            <p:spPr>
-              <a:xfrm>
-                <a:off x="888096" y="1000203"/>
-                <a:ext cx="72000" cy="72000"/>
-              </a:xfrm>
-              <a:prstGeom prst="ellipse">
-                <a:avLst/>
-              </a:prstGeom>
-              <a:solidFill>
-                <a:schemeClr val="tx1">
-                  <a:lumMod val="65000"/>
-                  <a:lumOff val="35000"/>
-                </a:schemeClr>
-              </a:solidFill>
-              <a:ln>
-                <a:noFill/>
-              </a:ln>
-            </p:spPr>
-            <p:style>
-              <a:lnRef idx="2">
-                <a:schemeClr val="accent1">
-                  <a:shade val="50000"/>
-                </a:schemeClr>
-              </a:lnRef>
-              <a:fillRef idx="1">
-                <a:schemeClr val="accent1"/>
-              </a:fillRef>
-              <a:effectRef idx="0">
-                <a:schemeClr val="accent1"/>
-              </a:effectRef>
-              <a:fontRef idx="minor">
-                <a:schemeClr val="lt1"/>
-              </a:fontRef>
-            </p:style>
-            <p:txBody>
-              <a:bodyPr rot="0" spcFirstLastPara="0" vertOverflow="overflow" horzOverflow="overflow" vert="horz" wrap="square" lIns="91440" tIns="45720" rIns="91440" bIns="45720" numCol="1" spcCol="0" rtlCol="0" fromWordArt="0" anchor="ctr" anchorCtr="0" forceAA="0" compatLnSpc="1">
-                <a:prstTxWarp prst="textNoShape">
-                  <a:avLst/>
-                </a:prstTxWarp>
-                <a:noAutofit/>
-              </a:bodyPr>
-              <a:lstStyle/>
-              <a:p>
-                <a:pPr algn="ctr"/>
-                <a:endParaRPr lang="zh-CN" altLang="en-US">
-                  <a:latin typeface="Arial" panose="020B0604020202020204" pitchFamily="34" charset="0"/>
-                  <a:ea typeface="微软雅黑" panose="020B0503020204020204" pitchFamily="34" charset="-122"/>
-                  <a:sym typeface="Arial" panose="020B0604020202020204" pitchFamily="34" charset="0"/>
-                </a:endParaRPr>
-              </a:p>
-            </p:txBody>
-          </p:sp>
-          <p:sp>
-            <p:nvSpPr>
-              <p:cNvPr id="112" name="椭圆 111"/>
-              <p:cNvSpPr/>
-              <p:nvPr/>
-            </p:nvSpPr>
-            <p:spPr>
-              <a:xfrm>
-                <a:off x="888096" y="1872269"/>
-                <a:ext cx="72000" cy="72000"/>
-              </a:xfrm>
-              <a:prstGeom prst="ellipse">
-                <a:avLst/>
-              </a:prstGeom>
-              <a:solidFill>
-                <a:schemeClr val="tx1">
-                  <a:lumMod val="65000"/>
-                  <a:lumOff val="35000"/>
-                </a:schemeClr>
-              </a:solidFill>
-              <a:ln>
-                <a:noFill/>
-              </a:ln>
-            </p:spPr>
-            <p:style>
-              <a:lnRef idx="2">
-                <a:schemeClr val="accent1">
-                  <a:shade val="50000"/>
-                </a:schemeClr>
-              </a:lnRef>
-              <a:fillRef idx="1">
-                <a:schemeClr val="accent1"/>
-              </a:fillRef>
-              <a:effectRef idx="0">
-                <a:schemeClr val="accent1"/>
-              </a:effectRef>
-              <a:fontRef idx="minor">
-                <a:schemeClr val="lt1"/>
-              </a:fontRef>
-            </p:style>
-            <p:txBody>
-              <a:bodyPr rot="0" spcFirstLastPara="0" vertOverflow="overflow" horzOverflow="overflow" vert="horz" wrap="square" lIns="91440" tIns="45720" rIns="91440" bIns="45720" numCol="1" spcCol="0" rtlCol="0" fromWordArt="0" anchor="ctr" anchorCtr="0" forceAA="0" compatLnSpc="1">
-                <a:prstTxWarp prst="textNoShape">
-                  <a:avLst/>
-                </a:prstTxWarp>
-                <a:noAutofit/>
-              </a:bodyPr>
-              <a:lstStyle/>
-              <a:p>
-                <a:pPr algn="ctr"/>
-                <a:endParaRPr lang="zh-CN" altLang="en-US">
-                  <a:latin typeface="Arial" panose="020B0604020202020204" pitchFamily="34" charset="0"/>
-                  <a:ea typeface="微软雅黑" panose="020B0503020204020204" pitchFamily="34" charset="-122"/>
-                  <a:sym typeface="Arial" panose="020B0604020202020204" pitchFamily="34" charset="0"/>
-                </a:endParaRPr>
-              </a:p>
-            </p:txBody>
-          </p:sp>
-          <p:sp>
-            <p:nvSpPr>
-              <p:cNvPr id="113" name="椭圆 112"/>
-              <p:cNvSpPr/>
-              <p:nvPr/>
-            </p:nvSpPr>
-            <p:spPr>
-              <a:xfrm>
-                <a:off x="5075921" y="1872269"/>
-                <a:ext cx="72000" cy="72000"/>
-              </a:xfrm>
-              <a:prstGeom prst="ellipse">
-                <a:avLst/>
-              </a:prstGeom>
-              <a:solidFill>
-                <a:schemeClr val="tx1">
-                  <a:lumMod val="65000"/>
-                  <a:lumOff val="35000"/>
-                </a:schemeClr>
-              </a:solidFill>
-              <a:ln>
-                <a:noFill/>
-              </a:ln>
-            </p:spPr>
-            <p:style>
-              <a:lnRef idx="2">
-                <a:schemeClr val="accent1">
-                  <a:shade val="50000"/>
-                </a:schemeClr>
-              </a:lnRef>
-              <a:fillRef idx="1">
-                <a:schemeClr val="accent1"/>
-              </a:fillRef>
-              <a:effectRef idx="0">
-                <a:schemeClr val="accent1"/>
-              </a:effectRef>
-              <a:fontRef idx="minor">
-                <a:schemeClr val="lt1"/>
-              </a:fontRef>
-            </p:style>
-            <p:txBody>
-              <a:bodyPr rot="0" spcFirstLastPara="0" vertOverflow="overflow" horzOverflow="overflow" vert="horz" wrap="square" lIns="91440" tIns="45720" rIns="91440" bIns="45720" numCol="1" spcCol="0" rtlCol="0" fromWordArt="0" anchor="ctr" anchorCtr="0" forceAA="0" compatLnSpc="1">
-                <a:prstTxWarp prst="textNoShape">
-                  <a:avLst/>
-                </a:prstTxWarp>
-                <a:noAutofit/>
-              </a:bodyPr>
-              <a:lstStyle/>
-              <a:p>
-                <a:pPr algn="ctr"/>
-                <a:endParaRPr lang="zh-CN" altLang="en-US">
-                  <a:latin typeface="Arial" panose="020B0604020202020204" pitchFamily="34" charset="0"/>
-                  <a:ea typeface="微软雅黑" panose="020B0503020204020204" pitchFamily="34" charset="-122"/>
-                  <a:sym typeface="Arial" panose="020B0604020202020204" pitchFamily="34" charset="0"/>
-                </a:endParaRPr>
-              </a:p>
-            </p:txBody>
-          </p:sp>
-          <p:sp>
-            <p:nvSpPr>
-              <p:cNvPr id="114" name="椭圆 113"/>
-              <p:cNvSpPr/>
-              <p:nvPr/>
-            </p:nvSpPr>
-            <p:spPr>
-              <a:xfrm>
-                <a:off x="5074692" y="1009634"/>
-                <a:ext cx="72000" cy="72000"/>
-              </a:xfrm>
-              <a:prstGeom prst="ellipse">
-                <a:avLst/>
-              </a:prstGeom>
-              <a:solidFill>
-                <a:schemeClr val="tx1">
-                  <a:lumMod val="65000"/>
-                  <a:lumOff val="35000"/>
-                </a:schemeClr>
-              </a:solidFill>
-              <a:ln>
-                <a:noFill/>
-              </a:ln>
-            </p:spPr>
-            <p:style>
-              <a:lnRef idx="2">
-                <a:schemeClr val="accent1">
-                  <a:shade val="50000"/>
-                </a:schemeClr>
-              </a:lnRef>
-              <a:fillRef idx="1">
-                <a:schemeClr val="accent1"/>
-              </a:fillRef>
-              <a:effectRef idx="0">
-                <a:schemeClr val="accent1"/>
-              </a:effectRef>
-              <a:fontRef idx="minor">
-                <a:schemeClr val="lt1"/>
-              </a:fontRef>
-            </p:style>
-            <p:txBody>
-              <a:bodyPr rot="0" spcFirstLastPara="0" vertOverflow="overflow" horzOverflow="overflow" vert="horz" wrap="square" lIns="91440" tIns="45720" rIns="91440" bIns="45720" numCol="1" spcCol="0" rtlCol="0" fromWordArt="0" anchor="ctr" anchorCtr="0" forceAA="0" compatLnSpc="1">
-                <a:prstTxWarp prst="textNoShape">
-                  <a:avLst/>
-                </a:prstTxWarp>
-                <a:noAutofit/>
-              </a:bodyPr>
-              <a:lstStyle/>
-              <a:p>
-                <a:pPr algn="ctr"/>
-                <a:endParaRPr lang="zh-CN" altLang="en-US">
-                  <a:latin typeface="Arial" panose="020B0604020202020204" pitchFamily="34" charset="0"/>
-                  <a:ea typeface="微软雅黑" panose="020B0503020204020204" pitchFamily="34" charset="-122"/>
-                  <a:sym typeface="Arial" panose="020B0604020202020204" pitchFamily="34" charset="0"/>
-                </a:endParaRPr>
-              </a:p>
-            </p:txBody>
-          </p:sp>
-        </p:grpSp>
-        <p:sp>
-          <p:nvSpPr>
-            <p:cNvPr id="109" name="矩形 108"/>
-            <p:cNvSpPr/>
-            <p:nvPr/>
-          </p:nvSpPr>
-          <p:spPr>
-            <a:xfrm>
-              <a:off x="4677733" y="513965"/>
-              <a:ext cx="1800493" cy="369332"/>
-            </a:xfrm>
-            <a:prstGeom prst="rect">
-              <a:avLst/>
-            </a:prstGeom>
-          </p:spPr>
-          <p:txBody>
-            <a:bodyPr wrap="none">
-              <a:spAutoFit/>
-            </a:bodyPr>
-            <a:lstStyle/>
-            <a:p>
-              <a:r>
-                <a:rPr lang="zh-CN" altLang="en-US">
-                  <a:latin typeface="Arial" panose="020B0604020202020204" pitchFamily="34" charset="0"/>
-                  <a:ea typeface="微软雅黑" panose="020B0503020204020204" pitchFamily="34" charset="-122"/>
-                  <a:sym typeface="Arial" panose="020B0604020202020204" pitchFamily="34" charset="0"/>
-                </a:rPr>
-                <a:t>其中遇到的难点</a:t>
-              </a:r>
-              <a:endParaRPr lang="zh-CN" altLang="en-US" dirty="0">
-                <a:latin typeface="Arial" panose="020B0604020202020204" pitchFamily="34" charset="0"/>
-                <a:ea typeface="微软雅黑" panose="020B0503020204020204" pitchFamily="34" charset="-122"/>
-                <a:sym typeface="Arial" panose="020B0604020202020204" pitchFamily="34" charset="0"/>
-              </a:endParaRPr>
-            </a:p>
-          </p:txBody>
-        </p:sp>
-      </p:grpSp>
-      <p:grpSp>
-        <p:nvGrpSpPr>
-          <p:cNvPr id="115" name="组合 114"/>
-          <p:cNvGrpSpPr/>
-          <p:nvPr/>
-        </p:nvGrpSpPr>
-        <p:grpSpPr>
-          <a:xfrm>
-            <a:off x="4568825" y="5895223"/>
-            <a:ext cx="7365281" cy="509896"/>
-            <a:chOff x="4568825" y="438589"/>
-            <a:chExt cx="7365281" cy="509896"/>
-          </a:xfrm>
-        </p:grpSpPr>
-        <p:sp>
-          <p:nvSpPr>
-            <p:cNvPr id="116" name="矩形 115"/>
-            <p:cNvSpPr/>
-            <p:nvPr/>
-          </p:nvSpPr>
-          <p:spPr>
-            <a:xfrm>
-              <a:off x="6961426" y="546704"/>
-              <a:ext cx="4972680" cy="289503"/>
-            </a:xfrm>
-            <a:prstGeom prst="rect">
-              <a:avLst/>
-            </a:prstGeom>
-          </p:spPr>
-          <p:txBody>
-            <a:bodyPr wrap="square">
-              <a:spAutoFit/>
-            </a:bodyPr>
-            <a:lstStyle/>
-            <a:p>
-              <a:pPr>
-                <a:lnSpc>
-                  <a:spcPct val="130000"/>
-                </a:lnSpc>
-              </a:pPr>
-              <a:r>
-                <a:rPr lang="zh-CN" altLang="en-US" sz="1100">
-                  <a:solidFill>
-                    <a:schemeClr val="bg1">
-                      <a:lumMod val="50000"/>
-                    </a:schemeClr>
-                  </a:solidFill>
-                  <a:latin typeface="Arial" panose="020B0604020202020204" pitchFamily="34" charset="0"/>
-                  <a:ea typeface="微软雅黑" panose="020B0503020204020204" pitchFamily="34" charset="-122"/>
-                  <a:sym typeface="Arial" panose="020B0604020202020204" pitchFamily="34" charset="0"/>
-                </a:rPr>
-                <a:t>满足感是不言而喻的！</a:t>
-              </a:r>
-              <a:endParaRPr lang="zh-CN" altLang="en-US" sz="1100" dirty="0">
-                <a:solidFill>
-                  <a:schemeClr val="bg1">
-                    <a:lumMod val="50000"/>
-                  </a:schemeClr>
-                </a:solidFill>
-                <a:latin typeface="Arial" panose="020B0604020202020204" pitchFamily="34" charset="0"/>
-                <a:ea typeface="微软雅黑" panose="020B0503020204020204" pitchFamily="34" charset="-122"/>
-                <a:sym typeface="Arial" panose="020B0604020202020204" pitchFamily="34" charset="0"/>
-              </a:endParaRPr>
-            </a:p>
-          </p:txBody>
-        </p:sp>
-        <p:grpSp>
-          <p:nvGrpSpPr>
-            <p:cNvPr id="117" name="组合 116"/>
-            <p:cNvGrpSpPr/>
-            <p:nvPr/>
-          </p:nvGrpSpPr>
-          <p:grpSpPr>
-            <a:xfrm>
-              <a:off x="4568825" y="438589"/>
-              <a:ext cx="2300757" cy="509896"/>
-              <a:chOff x="888096" y="1000203"/>
-              <a:chExt cx="4259825" cy="944066"/>
-            </a:xfrm>
-          </p:grpSpPr>
-          <p:sp>
-            <p:nvSpPr>
-              <p:cNvPr id="119" name="矩形 118"/>
-              <p:cNvSpPr/>
-              <p:nvPr/>
-            </p:nvSpPr>
-            <p:spPr>
-              <a:xfrm>
-                <a:off x="911225" y="1045634"/>
-                <a:ext cx="4199467" cy="872066"/>
-              </a:xfrm>
-              <a:prstGeom prst="rect">
-                <a:avLst/>
-              </a:prstGeom>
-              <a:noFill/>
-              <a:ln>
-                <a:solidFill>
-                  <a:schemeClr val="bg1">
-                    <a:lumMod val="75000"/>
-                  </a:schemeClr>
-                </a:solidFill>
-              </a:ln>
-            </p:spPr>
-            <p:style>
-              <a:lnRef idx="2">
-                <a:schemeClr val="accent1">
-                  <a:shade val="50000"/>
-                </a:schemeClr>
-              </a:lnRef>
-              <a:fillRef idx="1">
-                <a:schemeClr val="accent1"/>
-              </a:fillRef>
-              <a:effectRef idx="0">
-                <a:schemeClr val="accent1"/>
-              </a:effectRef>
-              <a:fontRef idx="minor">
-                <a:schemeClr val="lt1"/>
-              </a:fontRef>
-            </p:style>
-            <p:txBody>
-              <a:bodyPr rot="0" spcFirstLastPara="0" vertOverflow="overflow" horzOverflow="overflow" vert="horz" wrap="square" lIns="91440" tIns="45720" rIns="91440" bIns="45720" numCol="1" spcCol="0" rtlCol="0" fromWordArt="0" anchor="ctr" anchorCtr="0" forceAA="0" compatLnSpc="1">
-                <a:prstTxWarp prst="textNoShape">
-                  <a:avLst/>
-                </a:prstTxWarp>
-                <a:noAutofit/>
-              </a:bodyPr>
-              <a:lstStyle/>
-              <a:p>
-                <a:pPr algn="ctr"/>
-                <a:endParaRPr lang="zh-CN" altLang="en-US">
-                  <a:latin typeface="Arial" panose="020B0604020202020204" pitchFamily="34" charset="0"/>
-                  <a:ea typeface="微软雅黑" panose="020B0503020204020204" pitchFamily="34" charset="-122"/>
-                  <a:sym typeface="Arial" panose="020B0604020202020204" pitchFamily="34" charset="0"/>
-                </a:endParaRPr>
-              </a:p>
-            </p:txBody>
-          </p:sp>
-          <p:sp>
-            <p:nvSpPr>
-              <p:cNvPr id="120" name="椭圆 119"/>
-              <p:cNvSpPr/>
-              <p:nvPr/>
-            </p:nvSpPr>
-            <p:spPr>
-              <a:xfrm>
-                <a:off x="888096" y="1000203"/>
-                <a:ext cx="72000" cy="72000"/>
-              </a:xfrm>
-              <a:prstGeom prst="ellipse">
-                <a:avLst/>
-              </a:prstGeom>
-              <a:solidFill>
-                <a:schemeClr val="tx1">
-                  <a:lumMod val="65000"/>
-                  <a:lumOff val="35000"/>
-                </a:schemeClr>
-              </a:solidFill>
-              <a:ln>
-                <a:noFill/>
-              </a:ln>
-            </p:spPr>
-            <p:style>
-              <a:lnRef idx="2">
-                <a:schemeClr val="accent1">
-                  <a:shade val="50000"/>
-                </a:schemeClr>
-              </a:lnRef>
-              <a:fillRef idx="1">
-                <a:schemeClr val="accent1"/>
-              </a:fillRef>
-              <a:effectRef idx="0">
-                <a:schemeClr val="accent1"/>
-              </a:effectRef>
-              <a:fontRef idx="minor">
-                <a:schemeClr val="lt1"/>
-              </a:fontRef>
-            </p:style>
-            <p:txBody>
-              <a:bodyPr rot="0" spcFirstLastPara="0" vertOverflow="overflow" horzOverflow="overflow" vert="horz" wrap="square" lIns="91440" tIns="45720" rIns="91440" bIns="45720" numCol="1" spcCol="0" rtlCol="0" fromWordArt="0" anchor="ctr" anchorCtr="0" forceAA="0" compatLnSpc="1">
-                <a:prstTxWarp prst="textNoShape">
-                  <a:avLst/>
-                </a:prstTxWarp>
-                <a:noAutofit/>
-              </a:bodyPr>
-              <a:lstStyle/>
-              <a:p>
-                <a:pPr algn="ctr"/>
-                <a:endParaRPr lang="zh-CN" altLang="en-US">
-                  <a:latin typeface="Arial" panose="020B0604020202020204" pitchFamily="34" charset="0"/>
-                  <a:ea typeface="微软雅黑" panose="020B0503020204020204" pitchFamily="34" charset="-122"/>
-                  <a:sym typeface="Arial" panose="020B0604020202020204" pitchFamily="34" charset="0"/>
-                </a:endParaRPr>
-              </a:p>
-            </p:txBody>
-          </p:sp>
-          <p:sp>
-            <p:nvSpPr>
-              <p:cNvPr id="121" name="椭圆 120"/>
-              <p:cNvSpPr/>
-              <p:nvPr/>
-            </p:nvSpPr>
-            <p:spPr>
-              <a:xfrm>
-                <a:off x="888096" y="1872269"/>
-                <a:ext cx="72000" cy="72000"/>
-              </a:xfrm>
-              <a:prstGeom prst="ellipse">
-                <a:avLst/>
-              </a:prstGeom>
-              <a:solidFill>
-                <a:schemeClr val="tx1">
-                  <a:lumMod val="65000"/>
-                  <a:lumOff val="35000"/>
-                </a:schemeClr>
-              </a:solidFill>
-              <a:ln>
-                <a:noFill/>
-              </a:ln>
-            </p:spPr>
-            <p:style>
-              <a:lnRef idx="2">
-                <a:schemeClr val="accent1">
-                  <a:shade val="50000"/>
-                </a:schemeClr>
-              </a:lnRef>
-              <a:fillRef idx="1">
-                <a:schemeClr val="accent1"/>
-              </a:fillRef>
-              <a:effectRef idx="0">
-                <a:schemeClr val="accent1"/>
-              </a:effectRef>
-              <a:fontRef idx="minor">
-                <a:schemeClr val="lt1"/>
-              </a:fontRef>
-            </p:style>
-            <p:txBody>
-              <a:bodyPr rot="0" spcFirstLastPara="0" vertOverflow="overflow" horzOverflow="overflow" vert="horz" wrap="square" lIns="91440" tIns="45720" rIns="91440" bIns="45720" numCol="1" spcCol="0" rtlCol="0" fromWordArt="0" anchor="ctr" anchorCtr="0" forceAA="0" compatLnSpc="1">
-                <a:prstTxWarp prst="textNoShape">
-                  <a:avLst/>
-                </a:prstTxWarp>
-                <a:noAutofit/>
-              </a:bodyPr>
-              <a:lstStyle/>
-              <a:p>
-                <a:pPr algn="ctr"/>
-                <a:endParaRPr lang="zh-CN" altLang="en-US">
-                  <a:latin typeface="Arial" panose="020B0604020202020204" pitchFamily="34" charset="0"/>
-                  <a:ea typeface="微软雅黑" panose="020B0503020204020204" pitchFamily="34" charset="-122"/>
-                  <a:sym typeface="Arial" panose="020B0604020202020204" pitchFamily="34" charset="0"/>
-                </a:endParaRPr>
-              </a:p>
-            </p:txBody>
-          </p:sp>
-          <p:sp>
-            <p:nvSpPr>
-              <p:cNvPr id="122" name="椭圆 121"/>
-              <p:cNvSpPr/>
-              <p:nvPr/>
-            </p:nvSpPr>
-            <p:spPr>
-              <a:xfrm>
-                <a:off x="5075921" y="1872269"/>
-                <a:ext cx="72000" cy="72000"/>
-              </a:xfrm>
-              <a:prstGeom prst="ellipse">
-                <a:avLst/>
-              </a:prstGeom>
-              <a:solidFill>
-                <a:schemeClr val="tx1">
-                  <a:lumMod val="65000"/>
-                  <a:lumOff val="35000"/>
-                </a:schemeClr>
-              </a:solidFill>
-              <a:ln>
-                <a:noFill/>
-              </a:ln>
-            </p:spPr>
-            <p:style>
-              <a:lnRef idx="2">
-                <a:schemeClr val="accent1">
-                  <a:shade val="50000"/>
-                </a:schemeClr>
-              </a:lnRef>
-              <a:fillRef idx="1">
-                <a:schemeClr val="accent1"/>
-              </a:fillRef>
-              <a:effectRef idx="0">
-                <a:schemeClr val="accent1"/>
-              </a:effectRef>
-              <a:fontRef idx="minor">
-                <a:schemeClr val="lt1"/>
-              </a:fontRef>
-            </p:style>
-            <p:txBody>
-              <a:bodyPr rot="0" spcFirstLastPara="0" vertOverflow="overflow" horzOverflow="overflow" vert="horz" wrap="square" lIns="91440" tIns="45720" rIns="91440" bIns="45720" numCol="1" spcCol="0" rtlCol="0" fromWordArt="0" anchor="ctr" anchorCtr="0" forceAA="0" compatLnSpc="1">
-                <a:prstTxWarp prst="textNoShape">
-                  <a:avLst/>
-                </a:prstTxWarp>
-                <a:noAutofit/>
-              </a:bodyPr>
-              <a:lstStyle/>
-              <a:p>
-                <a:pPr algn="ctr"/>
-                <a:endParaRPr lang="zh-CN" altLang="en-US">
-                  <a:latin typeface="Arial" panose="020B0604020202020204" pitchFamily="34" charset="0"/>
-                  <a:ea typeface="微软雅黑" panose="020B0503020204020204" pitchFamily="34" charset="-122"/>
-                  <a:sym typeface="Arial" panose="020B0604020202020204" pitchFamily="34" charset="0"/>
-                </a:endParaRPr>
-              </a:p>
-            </p:txBody>
-          </p:sp>
-          <p:sp>
-            <p:nvSpPr>
-              <p:cNvPr id="123" name="椭圆 122"/>
-              <p:cNvSpPr/>
-              <p:nvPr/>
-            </p:nvSpPr>
-            <p:spPr>
-              <a:xfrm>
-                <a:off x="5074692" y="1009634"/>
-                <a:ext cx="72000" cy="72000"/>
-              </a:xfrm>
-              <a:prstGeom prst="ellipse">
-                <a:avLst/>
-              </a:prstGeom>
-              <a:solidFill>
-                <a:schemeClr val="tx1">
-                  <a:lumMod val="65000"/>
-                  <a:lumOff val="35000"/>
-                </a:schemeClr>
-              </a:solidFill>
-              <a:ln>
-                <a:noFill/>
-              </a:ln>
-            </p:spPr>
-            <p:style>
-              <a:lnRef idx="2">
-                <a:schemeClr val="accent1">
-                  <a:shade val="50000"/>
-                </a:schemeClr>
-              </a:lnRef>
-              <a:fillRef idx="1">
-                <a:schemeClr val="accent1"/>
-              </a:fillRef>
-              <a:effectRef idx="0">
-                <a:schemeClr val="accent1"/>
-              </a:effectRef>
-              <a:fontRef idx="minor">
-                <a:schemeClr val="lt1"/>
-              </a:fontRef>
-            </p:style>
-            <p:txBody>
-              <a:bodyPr rot="0" spcFirstLastPara="0" vertOverflow="overflow" horzOverflow="overflow" vert="horz" wrap="square" lIns="91440" tIns="45720" rIns="91440" bIns="45720" numCol="1" spcCol="0" rtlCol="0" fromWordArt="0" anchor="ctr" anchorCtr="0" forceAA="0" compatLnSpc="1">
-                <a:prstTxWarp prst="textNoShape">
-                  <a:avLst/>
-                </a:prstTxWarp>
-                <a:noAutofit/>
-              </a:bodyPr>
-              <a:lstStyle/>
-              <a:p>
-                <a:pPr algn="ctr"/>
-                <a:endParaRPr lang="zh-CN" altLang="en-US">
-                  <a:latin typeface="Arial" panose="020B0604020202020204" pitchFamily="34" charset="0"/>
-                  <a:ea typeface="微软雅黑" panose="020B0503020204020204" pitchFamily="34" charset="-122"/>
-                  <a:sym typeface="Arial" panose="020B0604020202020204" pitchFamily="34" charset="0"/>
-                </a:endParaRPr>
-              </a:p>
-            </p:txBody>
-          </p:sp>
-        </p:grpSp>
-        <p:sp>
-          <p:nvSpPr>
-            <p:cNvPr id="118" name="矩形 117"/>
-            <p:cNvSpPr/>
-            <p:nvPr/>
-          </p:nvSpPr>
-          <p:spPr>
-            <a:xfrm>
-              <a:off x="4677733" y="513965"/>
-              <a:ext cx="1800493" cy="369332"/>
-            </a:xfrm>
-            <a:prstGeom prst="rect">
-              <a:avLst/>
-            </a:prstGeom>
-          </p:spPr>
-          <p:txBody>
-            <a:bodyPr wrap="none">
-              <a:spAutoFit/>
-            </a:bodyPr>
-            <a:lstStyle/>
-            <a:p>
-              <a:r>
-                <a:rPr lang="zh-CN" altLang="en-US">
-                  <a:latin typeface="Arial" panose="020B0604020202020204" pitchFamily="34" charset="0"/>
-                  <a:ea typeface="微软雅黑" panose="020B0503020204020204" pitchFamily="34" charset="-122"/>
-                  <a:sym typeface="Arial" panose="020B0604020202020204" pitchFamily="34" charset="0"/>
-                </a:rPr>
-                <a:t>完成后的满足感</a:t>
-              </a:r>
-              <a:endParaRPr lang="zh-CN" altLang="en-US" dirty="0">
-                <a:latin typeface="Arial" panose="020B0604020202020204" pitchFamily="34" charset="0"/>
-                <a:ea typeface="微软雅黑" panose="020B0503020204020204" pitchFamily="34" charset="-122"/>
-                <a:sym typeface="Arial" panose="020B0604020202020204" pitchFamily="34" charset="0"/>
-              </a:endParaRPr>
-            </a:p>
-          </p:txBody>
-        </p:sp>
-      </p:grpSp>
-      <p:sp>
-        <p:nvSpPr>
-          <p:cNvPr id="124" name="文本框 123"/>
-          <p:cNvSpPr txBox="1"/>
-          <p:nvPr/>
-        </p:nvSpPr>
-        <p:spPr>
-          <a:xfrm>
-            <a:off x="4007126" y="434252"/>
-            <a:ext cx="385042" cy="523220"/>
-          </a:xfrm>
-          <a:prstGeom prst="rect">
-            <a:avLst/>
-          </a:prstGeom>
-          <a:noFill/>
-        </p:spPr>
-        <p:txBody>
-          <a:bodyPr wrap="none" rtlCol="0">
-            <a:spAutoFit/>
-          </a:bodyPr>
-          <a:lstStyle/>
-          <a:p>
-            <a:r>
-              <a:rPr lang="en-US" altLang="zh-CN" sz="2800" dirty="0">
-                <a:latin typeface="Arial" panose="020B0604020202020204" pitchFamily="34" charset="0"/>
-                <a:ea typeface="微软雅黑" panose="020B0503020204020204" pitchFamily="34" charset="-122"/>
-                <a:sym typeface="Arial" panose="020B0604020202020204" pitchFamily="34" charset="0"/>
-              </a:rPr>
-              <a:t>1</a:t>
-            </a:r>
-            <a:endParaRPr lang="zh-CN" altLang="en-US" sz="2800" dirty="0">
-              <a:latin typeface="Arial" panose="020B0604020202020204" pitchFamily="34" charset="0"/>
-              <a:ea typeface="微软雅黑" panose="020B0503020204020204" pitchFamily="34" charset="-122"/>
-              <a:sym typeface="Arial" panose="020B0604020202020204" pitchFamily="34" charset="0"/>
-            </a:endParaRPr>
-          </a:p>
-        </p:txBody>
-      </p:sp>
-      <p:sp>
-        <p:nvSpPr>
-          <p:cNvPr id="125" name="文本框 124"/>
-          <p:cNvSpPr txBox="1"/>
-          <p:nvPr/>
-        </p:nvSpPr>
-        <p:spPr>
-          <a:xfrm>
-            <a:off x="4013200" y="1524000"/>
-            <a:ext cx="385042" cy="523220"/>
-          </a:xfrm>
-          <a:prstGeom prst="rect">
-            <a:avLst/>
-          </a:prstGeom>
-          <a:noFill/>
-        </p:spPr>
-        <p:txBody>
-          <a:bodyPr wrap="none" rtlCol="0">
-            <a:spAutoFit/>
-          </a:bodyPr>
-          <a:lstStyle/>
-          <a:p>
-            <a:r>
-              <a:rPr lang="en-US" altLang="zh-CN" sz="2800" dirty="0">
-                <a:latin typeface="Arial" panose="020B0604020202020204" pitchFamily="34" charset="0"/>
-                <a:ea typeface="微软雅黑" panose="020B0503020204020204" pitchFamily="34" charset="-122"/>
-                <a:sym typeface="Arial" panose="020B0604020202020204" pitchFamily="34" charset="0"/>
-              </a:rPr>
-              <a:t>2</a:t>
-            </a:r>
-            <a:endParaRPr lang="zh-CN" altLang="en-US" sz="2800" dirty="0">
-              <a:latin typeface="Arial" panose="020B0604020202020204" pitchFamily="34" charset="0"/>
-              <a:ea typeface="微软雅黑" panose="020B0503020204020204" pitchFamily="34" charset="-122"/>
-              <a:sym typeface="Arial" panose="020B0604020202020204" pitchFamily="34" charset="0"/>
-            </a:endParaRPr>
-          </a:p>
-        </p:txBody>
-      </p:sp>
-      <p:sp>
-        <p:nvSpPr>
-          <p:cNvPr id="126" name="文本框 125"/>
-          <p:cNvSpPr txBox="1"/>
-          <p:nvPr/>
-        </p:nvSpPr>
-        <p:spPr>
-          <a:xfrm>
-            <a:off x="4013200" y="2616200"/>
-            <a:ext cx="385042" cy="523220"/>
-          </a:xfrm>
-          <a:prstGeom prst="rect">
-            <a:avLst/>
-          </a:prstGeom>
-          <a:noFill/>
-        </p:spPr>
-        <p:txBody>
-          <a:bodyPr wrap="none" rtlCol="0">
-            <a:spAutoFit/>
-          </a:bodyPr>
-          <a:lstStyle/>
-          <a:p>
-            <a:r>
-              <a:rPr lang="en-US" altLang="zh-CN" sz="2800" dirty="0">
-                <a:latin typeface="Arial" panose="020B0604020202020204" pitchFamily="34" charset="0"/>
-                <a:ea typeface="微软雅黑" panose="020B0503020204020204" pitchFamily="34" charset="-122"/>
-                <a:sym typeface="Arial" panose="020B0604020202020204" pitchFamily="34" charset="0"/>
-              </a:rPr>
-              <a:t>3</a:t>
-            </a:r>
-            <a:endParaRPr lang="zh-CN" altLang="en-US" sz="2800" dirty="0">
-              <a:latin typeface="Arial" panose="020B0604020202020204" pitchFamily="34" charset="0"/>
-              <a:ea typeface="微软雅黑" panose="020B0503020204020204" pitchFamily="34" charset="-122"/>
-              <a:sym typeface="Arial" panose="020B0604020202020204" pitchFamily="34" charset="0"/>
-            </a:endParaRPr>
-          </a:p>
-        </p:txBody>
-      </p:sp>
-      <p:sp>
-        <p:nvSpPr>
-          <p:cNvPr id="127" name="文本框 126"/>
-          <p:cNvSpPr txBox="1"/>
-          <p:nvPr/>
-        </p:nvSpPr>
-        <p:spPr>
-          <a:xfrm>
-            <a:off x="4013200" y="3708400"/>
-            <a:ext cx="385042" cy="523220"/>
-          </a:xfrm>
-          <a:prstGeom prst="rect">
-            <a:avLst/>
-          </a:prstGeom>
-          <a:noFill/>
-        </p:spPr>
-        <p:txBody>
-          <a:bodyPr wrap="none" rtlCol="0">
-            <a:spAutoFit/>
-          </a:bodyPr>
-          <a:lstStyle/>
-          <a:p>
-            <a:r>
-              <a:rPr lang="en-US" altLang="zh-CN" sz="2800" dirty="0">
-                <a:latin typeface="Arial" panose="020B0604020202020204" pitchFamily="34" charset="0"/>
-                <a:ea typeface="微软雅黑" panose="020B0503020204020204" pitchFamily="34" charset="-122"/>
-                <a:sym typeface="Arial" panose="020B0604020202020204" pitchFamily="34" charset="0"/>
-              </a:rPr>
-              <a:t>4</a:t>
-            </a:r>
-            <a:endParaRPr lang="zh-CN" altLang="en-US" sz="2800" dirty="0">
-              <a:latin typeface="Arial" panose="020B0604020202020204" pitchFamily="34" charset="0"/>
-              <a:ea typeface="微软雅黑" panose="020B0503020204020204" pitchFamily="34" charset="-122"/>
-              <a:sym typeface="Arial" panose="020B0604020202020204" pitchFamily="34" charset="0"/>
-            </a:endParaRPr>
-          </a:p>
-        </p:txBody>
-      </p:sp>
-      <p:sp>
-        <p:nvSpPr>
-          <p:cNvPr id="128" name="文本框 127"/>
-          <p:cNvSpPr txBox="1"/>
-          <p:nvPr/>
-        </p:nvSpPr>
-        <p:spPr>
-          <a:xfrm>
-            <a:off x="4013200" y="4800600"/>
-            <a:ext cx="385042" cy="523220"/>
-          </a:xfrm>
-          <a:prstGeom prst="rect">
-            <a:avLst/>
-          </a:prstGeom>
-          <a:noFill/>
-        </p:spPr>
-        <p:txBody>
-          <a:bodyPr wrap="none" rtlCol="0">
-            <a:spAutoFit/>
-          </a:bodyPr>
-          <a:lstStyle/>
-          <a:p>
-            <a:r>
-              <a:rPr lang="en-US" altLang="zh-CN" sz="2800" dirty="0">
-                <a:latin typeface="Arial" panose="020B0604020202020204" pitchFamily="34" charset="0"/>
-                <a:ea typeface="微软雅黑" panose="020B0503020204020204" pitchFamily="34" charset="-122"/>
-                <a:sym typeface="Arial" panose="020B0604020202020204" pitchFamily="34" charset="0"/>
-              </a:rPr>
-              <a:t>5</a:t>
-            </a:r>
-            <a:endParaRPr lang="zh-CN" altLang="en-US" sz="2800" dirty="0">
-              <a:latin typeface="Arial" panose="020B0604020202020204" pitchFamily="34" charset="0"/>
-              <a:ea typeface="微软雅黑" panose="020B0503020204020204" pitchFamily="34" charset="-122"/>
-              <a:sym typeface="Arial" panose="020B0604020202020204" pitchFamily="34" charset="0"/>
-            </a:endParaRPr>
-          </a:p>
-        </p:txBody>
-      </p:sp>
-      <p:sp>
-        <p:nvSpPr>
-          <p:cNvPr id="129" name="文本框 128"/>
-          <p:cNvSpPr txBox="1"/>
-          <p:nvPr/>
-        </p:nvSpPr>
-        <p:spPr>
-          <a:xfrm>
-            <a:off x="4013200" y="5892800"/>
-            <a:ext cx="385042" cy="523220"/>
-          </a:xfrm>
-          <a:prstGeom prst="rect">
-            <a:avLst/>
-          </a:prstGeom>
-          <a:noFill/>
-        </p:spPr>
-        <p:txBody>
-          <a:bodyPr wrap="none" rtlCol="0">
-            <a:spAutoFit/>
-          </a:bodyPr>
-          <a:lstStyle/>
-          <a:p>
-            <a:r>
-              <a:rPr lang="en-US" altLang="zh-CN" sz="2800" dirty="0">
-                <a:latin typeface="Arial" panose="020B0604020202020204" pitchFamily="34" charset="0"/>
-                <a:ea typeface="微软雅黑" panose="020B0503020204020204" pitchFamily="34" charset="-122"/>
-                <a:sym typeface="Arial" panose="020B0604020202020204" pitchFamily="34" charset="0"/>
-              </a:rPr>
-              <a:t>6</a:t>
-            </a:r>
-            <a:endParaRPr lang="zh-CN" altLang="en-US" sz="2800" dirty="0">
-              <a:latin typeface="Arial" panose="020B0604020202020204" pitchFamily="34" charset="0"/>
-              <a:ea typeface="微软雅黑" panose="020B0503020204020204" pitchFamily="34" charset="-122"/>
-              <a:sym typeface="Arial" panose="020B0604020202020204" pitchFamily="34" charset="0"/>
-            </a:endParaRPr>
-          </a:p>
-        </p:txBody>
-      </p:sp>
       <p:pic>
         <p:nvPicPr>
           <p:cNvPr id="5" name="图片 4"/>
@@ -7510,6 +3779,513 @@
           </a:p>
         </p:txBody>
       </p:sp>
+      <p:pic>
+        <p:nvPicPr>
+          <p:cNvPr id="132" name="图片 131">
+            <a:extLst>
+              <a:ext uri="{FF2B5EF4-FFF2-40B4-BE49-F238E27FC236}">
+                <a16:creationId xmlns:a16="http://schemas.microsoft.com/office/drawing/2014/main" id="{5A090F0A-6777-44CE-9BE9-5664DD4D78AC}"/>
+              </a:ext>
+            </a:extLst>
+          </p:cNvPr>
+          <p:cNvPicPr>
+            <a:picLocks noChangeAspect="1"/>
+          </p:cNvPicPr>
+          <p:nvPr/>
+        </p:nvPicPr>
+        <p:blipFill>
+          <a:blip r:embed="rId4"/>
+          <a:stretch>
+            <a:fillRect/>
+          </a:stretch>
+        </p:blipFill>
+        <p:spPr>
+          <a:xfrm>
+            <a:off x="9045191" y="434859"/>
+            <a:ext cx="3137111" cy="6145301"/>
+          </a:xfrm>
+          <a:prstGeom prst="rect">
+            <a:avLst/>
+          </a:prstGeom>
+        </p:spPr>
+      </p:pic>
+      <p:sp>
+        <p:nvSpPr>
+          <p:cNvPr id="133" name="文本框 132">
+            <a:extLst>
+              <a:ext uri="{FF2B5EF4-FFF2-40B4-BE49-F238E27FC236}">
+                <a16:creationId xmlns:a16="http://schemas.microsoft.com/office/drawing/2014/main" id="{7F4742D3-C81B-4571-BA76-A97AD08556C7}"/>
+              </a:ext>
+            </a:extLst>
+          </p:cNvPr>
+          <p:cNvSpPr txBox="1"/>
+          <p:nvPr/>
+        </p:nvSpPr>
+        <p:spPr>
+          <a:xfrm>
+            <a:off x="5218727" y="1974017"/>
+            <a:ext cx="1461198" cy="414665"/>
+          </a:xfrm>
+          <a:prstGeom prst="rect">
+            <a:avLst/>
+          </a:prstGeom>
+          <a:noFill/>
+        </p:spPr>
+        <p:txBody>
+          <a:bodyPr wrap="square" rtlCol="0">
+            <a:spAutoFit/>
+          </a:bodyPr>
+          <a:lstStyle/>
+          <a:p>
+            <a:pPr algn="ctr" defTabSz="609585">
+              <a:lnSpc>
+                <a:spcPct val="130000"/>
+              </a:lnSpc>
+            </a:pPr>
+            <a:r>
+              <a:rPr lang="en-US" altLang="zh-CN" dirty="0">
+                <a:latin typeface="Arial" panose="020B0604020202020204" pitchFamily="34" charset="0"/>
+                <a:ea typeface="微软雅黑" panose="020B0503020204020204" pitchFamily="34" charset="-122"/>
+                <a:sym typeface="Arial" panose="020B0604020202020204" pitchFamily="34" charset="0"/>
+              </a:rPr>
+              <a:t>ONE</a:t>
+            </a:r>
+            <a:endParaRPr lang="zh-CN" altLang="en-US" dirty="0">
+              <a:latin typeface="Arial" panose="020B0604020202020204" pitchFamily="34" charset="0"/>
+              <a:ea typeface="微软雅黑" panose="020B0503020204020204" pitchFamily="34" charset="-122"/>
+              <a:sym typeface="Arial" panose="020B0604020202020204" pitchFamily="34" charset="0"/>
+            </a:endParaRPr>
+          </a:p>
+        </p:txBody>
+      </p:sp>
+      <p:sp>
+        <p:nvSpPr>
+          <p:cNvPr id="134" name="文本框 133">
+            <a:extLst>
+              <a:ext uri="{FF2B5EF4-FFF2-40B4-BE49-F238E27FC236}">
+                <a16:creationId xmlns:a16="http://schemas.microsoft.com/office/drawing/2014/main" id="{AB12B146-4A01-4137-A8BC-4BB2E1DB7E87}"/>
+              </a:ext>
+            </a:extLst>
+          </p:cNvPr>
+          <p:cNvSpPr txBox="1"/>
+          <p:nvPr/>
+        </p:nvSpPr>
+        <p:spPr>
+          <a:xfrm>
+            <a:off x="5218727" y="3395835"/>
+            <a:ext cx="1587032" cy="414665"/>
+          </a:xfrm>
+          <a:prstGeom prst="rect">
+            <a:avLst/>
+          </a:prstGeom>
+          <a:noFill/>
+        </p:spPr>
+        <p:txBody>
+          <a:bodyPr wrap="square" rtlCol="0">
+            <a:spAutoFit/>
+          </a:bodyPr>
+          <a:lstStyle/>
+          <a:p>
+            <a:pPr algn="ctr" defTabSz="609585">
+              <a:lnSpc>
+                <a:spcPct val="130000"/>
+              </a:lnSpc>
+            </a:pPr>
+            <a:r>
+              <a:rPr lang="en-US" altLang="zh-CN" dirty="0">
+                <a:latin typeface="Arial" panose="020B0604020202020204" pitchFamily="34" charset="0"/>
+                <a:ea typeface="微软雅黑" panose="020B0503020204020204" pitchFamily="34" charset="-122"/>
+                <a:sym typeface="Arial" panose="020B0604020202020204" pitchFamily="34" charset="0"/>
+              </a:rPr>
+              <a:t>TWO</a:t>
+            </a:r>
+            <a:endParaRPr lang="zh-CN" altLang="en-US" dirty="0">
+              <a:latin typeface="Arial" panose="020B0604020202020204" pitchFamily="34" charset="0"/>
+              <a:ea typeface="微软雅黑" panose="020B0503020204020204" pitchFamily="34" charset="-122"/>
+              <a:sym typeface="Arial" panose="020B0604020202020204" pitchFamily="34" charset="0"/>
+            </a:endParaRPr>
+          </a:p>
+        </p:txBody>
+      </p:sp>
+      <p:sp>
+        <p:nvSpPr>
+          <p:cNvPr id="135" name="文本框 134">
+            <a:extLst>
+              <a:ext uri="{FF2B5EF4-FFF2-40B4-BE49-F238E27FC236}">
+                <a16:creationId xmlns:a16="http://schemas.microsoft.com/office/drawing/2014/main" id="{5D0B99D3-8003-44EB-BE6F-88AB0FBBFF7E}"/>
+              </a:ext>
+            </a:extLst>
+          </p:cNvPr>
+          <p:cNvSpPr txBox="1"/>
+          <p:nvPr/>
+        </p:nvSpPr>
+        <p:spPr>
+          <a:xfrm>
+            <a:off x="5218727" y="4844761"/>
+            <a:ext cx="1712161" cy="414665"/>
+          </a:xfrm>
+          <a:prstGeom prst="rect">
+            <a:avLst/>
+          </a:prstGeom>
+          <a:noFill/>
+        </p:spPr>
+        <p:txBody>
+          <a:bodyPr wrap="square" rtlCol="0">
+            <a:spAutoFit/>
+          </a:bodyPr>
+          <a:lstStyle/>
+          <a:p>
+            <a:pPr algn="ctr" defTabSz="609585">
+              <a:lnSpc>
+                <a:spcPct val="130000"/>
+              </a:lnSpc>
+            </a:pPr>
+            <a:r>
+              <a:rPr lang="en-US" altLang="zh-CN" dirty="0">
+                <a:latin typeface="Arial" panose="020B0604020202020204" pitchFamily="34" charset="0"/>
+                <a:ea typeface="微软雅黑" panose="020B0503020204020204" pitchFamily="34" charset="-122"/>
+                <a:sym typeface="Arial" panose="020B0604020202020204" pitchFamily="34" charset="0"/>
+              </a:rPr>
+              <a:t>THREE</a:t>
+            </a:r>
+            <a:endParaRPr lang="zh-CN" altLang="en-US" dirty="0">
+              <a:latin typeface="Arial" panose="020B0604020202020204" pitchFamily="34" charset="0"/>
+              <a:ea typeface="微软雅黑" panose="020B0503020204020204" pitchFamily="34" charset="-122"/>
+              <a:sym typeface="Arial" panose="020B0604020202020204" pitchFamily="34" charset="0"/>
+            </a:endParaRPr>
+          </a:p>
+        </p:txBody>
+      </p:sp>
+      <p:sp>
+        <p:nvSpPr>
+          <p:cNvPr id="136" name="文本框 135">
+            <a:extLst>
+              <a:ext uri="{FF2B5EF4-FFF2-40B4-BE49-F238E27FC236}">
+                <a16:creationId xmlns:a16="http://schemas.microsoft.com/office/drawing/2014/main" id="{0567ADD7-1B76-430F-8BE9-8A5FA600178A}"/>
+              </a:ext>
+            </a:extLst>
+          </p:cNvPr>
+          <p:cNvSpPr txBox="1"/>
+          <p:nvPr/>
+        </p:nvSpPr>
+        <p:spPr>
+          <a:xfrm>
+            <a:off x="4851283" y="1489832"/>
+            <a:ext cx="2327187" cy="597215"/>
+          </a:xfrm>
+          <a:prstGeom prst="rect">
+            <a:avLst/>
+          </a:prstGeom>
+          <a:noFill/>
+        </p:spPr>
+        <p:txBody>
+          <a:bodyPr wrap="square" rtlCol="0">
+            <a:spAutoFit/>
+          </a:bodyPr>
+          <a:lstStyle/>
+          <a:p>
+            <a:pPr algn="ctr" defTabSz="609585">
+              <a:lnSpc>
+                <a:spcPct val="130000"/>
+              </a:lnSpc>
+            </a:pPr>
+            <a:r>
+              <a:rPr lang="zh-CN" altLang="en-US" sz="2800" b="1">
+                <a:latin typeface="Arial" panose="020B0604020202020204" pitchFamily="34" charset="0"/>
+                <a:ea typeface="微软雅黑" panose="020B0503020204020204" pitchFamily="34" charset="-122"/>
+                <a:sym typeface="Arial" panose="020B0604020202020204" pitchFamily="34" charset="0"/>
+              </a:rPr>
+              <a:t>项目思路整理</a:t>
+            </a:r>
+            <a:endParaRPr lang="zh-CN" altLang="en-US" sz="2800" b="1" dirty="0">
+              <a:latin typeface="Arial" panose="020B0604020202020204" pitchFamily="34" charset="0"/>
+              <a:ea typeface="微软雅黑" panose="020B0503020204020204" pitchFamily="34" charset="-122"/>
+              <a:sym typeface="Arial" panose="020B0604020202020204" pitchFamily="34" charset="0"/>
+            </a:endParaRPr>
+          </a:p>
+        </p:txBody>
+      </p:sp>
+      <p:sp>
+        <p:nvSpPr>
+          <p:cNvPr id="137" name="文本框 136">
+            <a:extLst>
+              <a:ext uri="{FF2B5EF4-FFF2-40B4-BE49-F238E27FC236}">
+                <a16:creationId xmlns:a16="http://schemas.microsoft.com/office/drawing/2014/main" id="{33F0E7A7-DF82-4977-B718-8F02492958F5}"/>
+              </a:ext>
+            </a:extLst>
+          </p:cNvPr>
+          <p:cNvSpPr txBox="1"/>
+          <p:nvPr/>
+        </p:nvSpPr>
+        <p:spPr>
+          <a:xfrm>
+            <a:off x="4851283" y="2916222"/>
+            <a:ext cx="2327187" cy="597215"/>
+          </a:xfrm>
+          <a:prstGeom prst="rect">
+            <a:avLst/>
+          </a:prstGeom>
+          <a:noFill/>
+        </p:spPr>
+        <p:txBody>
+          <a:bodyPr wrap="square" rtlCol="0">
+            <a:spAutoFit/>
+          </a:bodyPr>
+          <a:lstStyle/>
+          <a:p>
+            <a:pPr algn="ctr" defTabSz="609585">
+              <a:lnSpc>
+                <a:spcPct val="130000"/>
+              </a:lnSpc>
+            </a:pPr>
+            <a:r>
+              <a:rPr lang="zh-CN" altLang="en-US" sz="2800" b="1">
+                <a:latin typeface="Arial" panose="020B0604020202020204" pitchFamily="34" charset="0"/>
+                <a:ea typeface="微软雅黑" panose="020B0503020204020204" pitchFamily="34" charset="-122"/>
+                <a:sym typeface="Arial" panose="020B0604020202020204" pitchFamily="34" charset="0"/>
+              </a:rPr>
+              <a:t>项目分工路程</a:t>
+            </a:r>
+            <a:endParaRPr lang="zh-CN" altLang="en-US" sz="2800" b="1" dirty="0">
+              <a:latin typeface="Arial" panose="020B0604020202020204" pitchFamily="34" charset="0"/>
+              <a:ea typeface="微软雅黑" panose="020B0503020204020204" pitchFamily="34" charset="-122"/>
+              <a:sym typeface="Arial" panose="020B0604020202020204" pitchFamily="34" charset="0"/>
+            </a:endParaRPr>
+          </a:p>
+        </p:txBody>
+      </p:sp>
+      <p:sp>
+        <p:nvSpPr>
+          <p:cNvPr id="138" name="文本框 137">
+            <a:extLst>
+              <a:ext uri="{FF2B5EF4-FFF2-40B4-BE49-F238E27FC236}">
+                <a16:creationId xmlns:a16="http://schemas.microsoft.com/office/drawing/2014/main" id="{8046F59B-D398-491C-97DC-5FC571EFB695}"/>
+              </a:ext>
+            </a:extLst>
+          </p:cNvPr>
+          <p:cNvSpPr txBox="1"/>
+          <p:nvPr/>
+        </p:nvSpPr>
+        <p:spPr>
+          <a:xfrm>
+            <a:off x="4851283" y="4393913"/>
+            <a:ext cx="2327187" cy="597215"/>
+          </a:xfrm>
+          <a:prstGeom prst="rect">
+            <a:avLst/>
+          </a:prstGeom>
+          <a:noFill/>
+        </p:spPr>
+        <p:txBody>
+          <a:bodyPr wrap="square" rtlCol="0">
+            <a:spAutoFit/>
+          </a:bodyPr>
+          <a:lstStyle/>
+          <a:p>
+            <a:pPr algn="ctr" defTabSz="609585">
+              <a:lnSpc>
+                <a:spcPct val="130000"/>
+              </a:lnSpc>
+            </a:pPr>
+            <a:r>
+              <a:rPr lang="zh-CN" altLang="en-US" sz="2800" b="1">
+                <a:latin typeface="Arial" panose="020B0604020202020204" pitchFamily="34" charset="0"/>
+                <a:ea typeface="微软雅黑" panose="020B0503020204020204" pitchFamily="34" charset="-122"/>
+                <a:sym typeface="Arial" panose="020B0604020202020204" pitchFamily="34" charset="0"/>
+              </a:rPr>
+              <a:t>项目难题解决</a:t>
+            </a:r>
+            <a:endParaRPr lang="zh-CN" altLang="en-US" sz="2800" b="1" dirty="0">
+              <a:latin typeface="Arial" panose="020B0604020202020204" pitchFamily="34" charset="0"/>
+              <a:ea typeface="微软雅黑" panose="020B0503020204020204" pitchFamily="34" charset="-122"/>
+              <a:sym typeface="Arial" panose="020B0604020202020204" pitchFamily="34" charset="0"/>
+            </a:endParaRPr>
+          </a:p>
+        </p:txBody>
+      </p:sp>
+      <p:sp>
+        <p:nvSpPr>
+          <p:cNvPr id="139" name="矩形 138">
+            <a:extLst>
+              <a:ext uri="{FF2B5EF4-FFF2-40B4-BE49-F238E27FC236}">
+                <a16:creationId xmlns:a16="http://schemas.microsoft.com/office/drawing/2014/main" id="{A97A4A23-845F-4267-BC6E-4F299DBC092A}"/>
+              </a:ext>
+            </a:extLst>
+          </p:cNvPr>
+          <p:cNvSpPr/>
+          <p:nvPr/>
+        </p:nvSpPr>
+        <p:spPr>
+          <a:xfrm>
+            <a:off x="5255844" y="2449301"/>
+            <a:ext cx="1638300" cy="113341"/>
+          </a:xfrm>
+          <a:prstGeom prst="rect">
+            <a:avLst/>
+          </a:prstGeom>
+          <a:solidFill>
+            <a:srgbClr val="FF0000"/>
+          </a:solidFill>
+          <a:ln>
+            <a:noFill/>
+          </a:ln>
+        </p:spPr>
+        <p:style>
+          <a:lnRef idx="2">
+            <a:schemeClr val="accent1">
+              <a:shade val="50000"/>
+            </a:schemeClr>
+          </a:lnRef>
+          <a:fillRef idx="1">
+            <a:schemeClr val="accent1"/>
+          </a:fillRef>
+          <a:effectRef idx="0">
+            <a:schemeClr val="accent1"/>
+          </a:effectRef>
+          <a:fontRef idx="minor">
+            <a:schemeClr val="lt1"/>
+          </a:fontRef>
+        </p:style>
+        <p:txBody>
+          <a:bodyPr rot="0" spcFirstLastPara="0" vertOverflow="overflow" horzOverflow="overflow" vert="horz" wrap="square" lIns="91440" tIns="45720" rIns="91440" bIns="45720" numCol="1" spcCol="0" rtlCol="0" fromWordArt="0" anchor="ctr" anchorCtr="0" forceAA="0" compatLnSpc="1">
+            <a:prstTxWarp prst="textNoShape">
+              <a:avLst/>
+            </a:prstTxWarp>
+            <a:noAutofit/>
+          </a:bodyPr>
+          <a:lstStyle/>
+          <a:p>
+            <a:pPr algn="ctr"/>
+            <a:endParaRPr lang="zh-CN" altLang="en-US">
+              <a:latin typeface="Arial" panose="020B0604020202020204" pitchFamily="34" charset="0"/>
+              <a:ea typeface="微软雅黑" panose="020B0503020204020204" pitchFamily="34" charset="-122"/>
+              <a:sym typeface="Arial" panose="020B0604020202020204" pitchFamily="34" charset="0"/>
+            </a:endParaRPr>
+          </a:p>
+        </p:txBody>
+      </p:sp>
+      <p:sp>
+        <p:nvSpPr>
+          <p:cNvPr id="140" name="矩形 139">
+            <a:extLst>
+              <a:ext uri="{FF2B5EF4-FFF2-40B4-BE49-F238E27FC236}">
+                <a16:creationId xmlns:a16="http://schemas.microsoft.com/office/drawing/2014/main" id="{AEAED054-C2DA-4F71-8FD0-948E927FA6BB}"/>
+              </a:ext>
+            </a:extLst>
+          </p:cNvPr>
+          <p:cNvSpPr/>
+          <p:nvPr/>
+        </p:nvSpPr>
+        <p:spPr>
+          <a:xfrm>
+            <a:off x="5255844" y="3871119"/>
+            <a:ext cx="1638300" cy="113341"/>
+          </a:xfrm>
+          <a:prstGeom prst="rect">
+            <a:avLst/>
+          </a:prstGeom>
+          <a:solidFill>
+            <a:srgbClr val="FFC000"/>
+          </a:solidFill>
+          <a:ln>
+            <a:noFill/>
+          </a:ln>
+        </p:spPr>
+        <p:style>
+          <a:lnRef idx="2">
+            <a:schemeClr val="accent1">
+              <a:shade val="50000"/>
+            </a:schemeClr>
+          </a:lnRef>
+          <a:fillRef idx="1">
+            <a:schemeClr val="accent1"/>
+          </a:fillRef>
+          <a:effectRef idx="0">
+            <a:schemeClr val="accent1"/>
+          </a:effectRef>
+          <a:fontRef idx="minor">
+            <a:schemeClr val="lt1"/>
+          </a:fontRef>
+        </p:style>
+        <p:txBody>
+          <a:bodyPr rot="0" spcFirstLastPara="0" vertOverflow="overflow" horzOverflow="overflow" vert="horz" wrap="square" lIns="91440" tIns="45720" rIns="91440" bIns="45720" numCol="1" spcCol="0" rtlCol="0" fromWordArt="0" anchor="ctr" anchorCtr="0" forceAA="0" compatLnSpc="1">
+            <a:prstTxWarp prst="textNoShape">
+              <a:avLst/>
+            </a:prstTxWarp>
+            <a:noAutofit/>
+          </a:bodyPr>
+          <a:lstStyle/>
+          <a:p>
+            <a:pPr algn="ctr"/>
+            <a:endParaRPr lang="zh-CN" altLang="en-US">
+              <a:latin typeface="Arial" panose="020B0604020202020204" pitchFamily="34" charset="0"/>
+              <a:ea typeface="微软雅黑" panose="020B0503020204020204" pitchFamily="34" charset="-122"/>
+              <a:sym typeface="Arial" panose="020B0604020202020204" pitchFamily="34" charset="0"/>
+            </a:endParaRPr>
+          </a:p>
+        </p:txBody>
+      </p:sp>
+      <p:sp>
+        <p:nvSpPr>
+          <p:cNvPr id="141" name="矩形 140">
+            <a:extLst>
+              <a:ext uri="{FF2B5EF4-FFF2-40B4-BE49-F238E27FC236}">
+                <a16:creationId xmlns:a16="http://schemas.microsoft.com/office/drawing/2014/main" id="{25C81056-83A1-41F2-8F27-135F2535EFB9}"/>
+              </a:ext>
+            </a:extLst>
+          </p:cNvPr>
+          <p:cNvSpPr/>
+          <p:nvPr/>
+        </p:nvSpPr>
+        <p:spPr>
+          <a:xfrm>
+            <a:off x="5255844" y="5320045"/>
+            <a:ext cx="1638300" cy="113341"/>
+          </a:xfrm>
+          <a:prstGeom prst="rect">
+            <a:avLst/>
+          </a:prstGeom>
+          <a:solidFill>
+            <a:srgbClr val="FFFF00"/>
+          </a:solidFill>
+          <a:ln>
+            <a:noFill/>
+          </a:ln>
+        </p:spPr>
+        <p:style>
+          <a:lnRef idx="2">
+            <a:schemeClr val="accent1">
+              <a:shade val="50000"/>
+            </a:schemeClr>
+          </a:lnRef>
+          <a:fillRef idx="1">
+            <a:schemeClr val="accent1"/>
+          </a:fillRef>
+          <a:effectRef idx="0">
+            <a:schemeClr val="accent1"/>
+          </a:effectRef>
+          <a:fontRef idx="minor">
+            <a:schemeClr val="lt1"/>
+          </a:fontRef>
+        </p:style>
+        <p:txBody>
+          <a:bodyPr rot="0" spcFirstLastPara="0" vertOverflow="overflow" horzOverflow="overflow" vert="horz" wrap="square" lIns="91440" tIns="45720" rIns="91440" bIns="45720" numCol="1" spcCol="0" rtlCol="0" fromWordArt="0" anchor="ctr" anchorCtr="0" forceAA="0" compatLnSpc="1">
+            <a:prstTxWarp prst="textNoShape">
+              <a:avLst/>
+            </a:prstTxWarp>
+            <a:noAutofit/>
+          </a:bodyPr>
+          <a:lstStyle/>
+          <a:p>
+            <a:pPr algn="ctr"/>
+            <a:endParaRPr lang="zh-CN" altLang="en-US">
+              <a:latin typeface="Arial" panose="020B0604020202020204" pitchFamily="34" charset="0"/>
+              <a:ea typeface="微软雅黑" panose="020B0503020204020204" pitchFamily="34" charset="-122"/>
+              <a:sym typeface="Arial" panose="020B0604020202020204" pitchFamily="34" charset="0"/>
+            </a:endParaRPr>
+          </a:p>
+        </p:txBody>
+      </p:sp>
     </p:spTree>
     <p:extLst>
       <p:ext uri="{BB962C8B-B14F-4D97-AF65-F5344CB8AC3E}">
@@ -7599,8 +4375,8 @@
         </p:nvSpPr>
         <p:spPr>
           <a:xfrm>
-            <a:off x="7611178" y="3374494"/>
-            <a:ext cx="2683933" cy="584200"/>
+            <a:off x="8050138" y="3374494"/>
+            <a:ext cx="2244973" cy="584200"/>
           </a:xfrm>
           <a:prstGeom prst="rect">
             <a:avLst/>
@@ -9502,722 +6278,6 @@
       </p:grpSp>
       <p:grpSp>
         <p:nvGrpSpPr>
-          <p:cNvPr id="12" name="Group 9"/>
-          <p:cNvGrpSpPr>
-            <a:grpSpLocks noChangeAspect="1"/>
-          </p:cNvGrpSpPr>
-          <p:nvPr/>
-        </p:nvGrpSpPr>
-        <p:grpSpPr bwMode="auto">
-          <a:xfrm>
-            <a:off x="9276754" y="2179136"/>
-            <a:ext cx="515028" cy="515938"/>
-            <a:chOff x="1587" y="1151"/>
-            <a:chExt cx="566" cy="567"/>
-          </a:xfrm>
-          <a:blipFill dpi="0" rotWithShape="1">
-            <a:blip r:embed="rId3">
-              <a:extLst>
-                <a:ext uri="{28A0092B-C50C-407E-A947-70E740481C1C}">
-                  <a14:useLocalDpi xmlns:a14="http://schemas.microsoft.com/office/drawing/2010/main" val="0"/>
-                </a:ext>
-              </a:extLst>
-            </a:blip>
-            <a:srcRect/>
-            <a:stretch>
-              <a:fillRect/>
-            </a:stretch>
-          </a:blipFill>
-        </p:grpSpPr>
-        <p:sp>
-          <p:nvSpPr>
-            <p:cNvPr id="13" name="Oval 10"/>
-            <p:cNvSpPr>
-              <a:spLocks noChangeArrowheads="1"/>
-            </p:cNvSpPr>
-            <p:nvPr/>
-          </p:nvSpPr>
-          <p:spPr bwMode="auto">
-            <a:xfrm>
-              <a:off x="1587" y="1151"/>
-              <a:ext cx="566" cy="567"/>
-            </a:xfrm>
-            <a:prstGeom prst="ellipse">
-              <a:avLst/>
-            </a:prstGeom>
-            <a:grpFill/>
-            <a:ln>
-              <a:noFill/>
-            </a:ln>
-            <a:extLst>
-              <a:ext uri="{91240B29-F687-4F45-9708-019B960494DF}">
-                <a14:hiddenLine xmlns:a14="http://schemas.microsoft.com/office/drawing/2010/main" w="9525">
-                  <a:solidFill>
-                    <a:srgbClr val="000000"/>
-                  </a:solidFill>
-                  <a:round/>
-                  <a:headEnd/>
-                  <a:tailEnd/>
-                </a14:hiddenLine>
-              </a:ext>
-            </a:extLst>
-          </p:spPr>
-          <p:txBody>
-            <a:bodyPr vert="horz" wrap="square" lIns="91440" tIns="45720" rIns="91440" bIns="45720" numCol="1" anchor="t" anchorCtr="0" compatLnSpc="1">
-              <a:prstTxWarp prst="textNoShape">
-                <a:avLst/>
-              </a:prstTxWarp>
-            </a:bodyPr>
-            <a:lstStyle/>
-            <a:p>
-              <a:endParaRPr lang="zh-CN" altLang="en-US">
-                <a:latin typeface="Arial" panose="020B0604020202020204" pitchFamily="34" charset="0"/>
-                <a:ea typeface="微软雅黑" panose="020B0503020204020204" pitchFamily="34" charset="-122"/>
-                <a:sym typeface="Arial" panose="020B0604020202020204" pitchFamily="34" charset="0"/>
-              </a:endParaRPr>
-            </a:p>
-          </p:txBody>
-        </p:sp>
-        <p:sp>
-          <p:nvSpPr>
-            <p:cNvPr id="14" name="Freeform 11"/>
-            <p:cNvSpPr>
-              <a:spLocks noEditPoints="1"/>
-            </p:cNvSpPr>
-            <p:nvPr/>
-          </p:nvSpPr>
-          <p:spPr bwMode="auto">
-            <a:xfrm>
-              <a:off x="1707" y="1272"/>
-              <a:ext cx="316" cy="316"/>
-            </a:xfrm>
-            <a:custGeom>
-              <a:avLst/>
-              <a:gdLst>
-                <a:gd name="T0" fmla="*/ 36 w 134"/>
-                <a:gd name="T1" fmla="*/ 46 h 134"/>
-                <a:gd name="T2" fmla="*/ 0 w 134"/>
-                <a:gd name="T3" fmla="*/ 46 h 134"/>
-                <a:gd name="T4" fmla="*/ 0 w 134"/>
-                <a:gd name="T5" fmla="*/ 41 h 134"/>
-                <a:gd name="T6" fmla="*/ 0 w 134"/>
-                <a:gd name="T7" fmla="*/ 41 h 134"/>
-                <a:gd name="T8" fmla="*/ 0 w 134"/>
-                <a:gd name="T9" fmla="*/ 114 h 134"/>
-                <a:gd name="T10" fmla="*/ 20 w 134"/>
-                <a:gd name="T11" fmla="*/ 134 h 134"/>
-                <a:gd name="T12" fmla="*/ 114 w 134"/>
-                <a:gd name="T13" fmla="*/ 134 h 134"/>
-                <a:gd name="T14" fmla="*/ 134 w 134"/>
-                <a:gd name="T15" fmla="*/ 114 h 134"/>
-                <a:gd name="T16" fmla="*/ 134 w 134"/>
-                <a:gd name="T17" fmla="*/ 46 h 134"/>
-                <a:gd name="T18" fmla="*/ 134 w 134"/>
-                <a:gd name="T19" fmla="*/ 46 h 134"/>
-                <a:gd name="T20" fmla="*/ 134 w 134"/>
-                <a:gd name="T21" fmla="*/ 41 h 134"/>
-                <a:gd name="T22" fmla="*/ 94 w 134"/>
-                <a:gd name="T23" fmla="*/ 41 h 134"/>
-                <a:gd name="T24" fmla="*/ 67 w 134"/>
-                <a:gd name="T25" fmla="*/ 27 h 134"/>
-                <a:gd name="T26" fmla="*/ 39 w 134"/>
-                <a:gd name="T27" fmla="*/ 41 h 134"/>
-                <a:gd name="T28" fmla="*/ 0 w 134"/>
-                <a:gd name="T29" fmla="*/ 41 h 134"/>
-                <a:gd name="T30" fmla="*/ 0 w 134"/>
-                <a:gd name="T31" fmla="*/ 20 h 134"/>
-                <a:gd name="T32" fmla="*/ 14 w 134"/>
-                <a:gd name="T33" fmla="*/ 1 h 134"/>
-                <a:gd name="T34" fmla="*/ 14 w 134"/>
-                <a:gd name="T35" fmla="*/ 27 h 134"/>
-                <a:gd name="T36" fmla="*/ 18 w 134"/>
-                <a:gd name="T37" fmla="*/ 27 h 134"/>
-                <a:gd name="T38" fmla="*/ 18 w 134"/>
-                <a:gd name="T39" fmla="*/ 0 h 134"/>
-                <a:gd name="T40" fmla="*/ 18 w 134"/>
-                <a:gd name="T41" fmla="*/ 0 h 134"/>
-                <a:gd name="T42" fmla="*/ 20 w 134"/>
-                <a:gd name="T43" fmla="*/ 0 h 134"/>
-                <a:gd name="T44" fmla="*/ 114 w 134"/>
-                <a:gd name="T45" fmla="*/ 0 h 134"/>
-                <a:gd name="T46" fmla="*/ 134 w 134"/>
-                <a:gd name="T47" fmla="*/ 20 h 134"/>
-                <a:gd name="T48" fmla="*/ 134 w 134"/>
-                <a:gd name="T49" fmla="*/ 46 h 134"/>
-                <a:gd name="T50" fmla="*/ 97 w 134"/>
-                <a:gd name="T51" fmla="*/ 46 h 134"/>
-                <a:gd name="T52" fmla="*/ 101 w 134"/>
-                <a:gd name="T53" fmla="*/ 62 h 134"/>
-                <a:gd name="T54" fmla="*/ 67 w 134"/>
-                <a:gd name="T55" fmla="*/ 97 h 134"/>
-                <a:gd name="T56" fmla="*/ 32 w 134"/>
-                <a:gd name="T57" fmla="*/ 62 h 134"/>
-                <a:gd name="T58" fmla="*/ 36 w 134"/>
-                <a:gd name="T59" fmla="*/ 46 h 134"/>
-                <a:gd name="T60" fmla="*/ 109 w 134"/>
-                <a:gd name="T61" fmla="*/ 9 h 134"/>
-                <a:gd name="T62" fmla="*/ 101 w 134"/>
-                <a:gd name="T63" fmla="*/ 17 h 134"/>
-                <a:gd name="T64" fmla="*/ 101 w 134"/>
-                <a:gd name="T65" fmla="*/ 24 h 134"/>
-                <a:gd name="T66" fmla="*/ 109 w 134"/>
-                <a:gd name="T67" fmla="*/ 32 h 134"/>
-                <a:gd name="T68" fmla="*/ 116 w 134"/>
-                <a:gd name="T69" fmla="*/ 32 h 134"/>
-                <a:gd name="T70" fmla="*/ 124 w 134"/>
-                <a:gd name="T71" fmla="*/ 24 h 134"/>
-                <a:gd name="T72" fmla="*/ 124 w 134"/>
-                <a:gd name="T73" fmla="*/ 17 h 134"/>
-                <a:gd name="T74" fmla="*/ 116 w 134"/>
-                <a:gd name="T75" fmla="*/ 9 h 134"/>
-                <a:gd name="T76" fmla="*/ 109 w 134"/>
-                <a:gd name="T77" fmla="*/ 9 h 134"/>
-                <a:gd name="T78" fmla="*/ 32 w 134"/>
-                <a:gd name="T79" fmla="*/ 0 h 134"/>
-                <a:gd name="T80" fmla="*/ 32 w 134"/>
-                <a:gd name="T81" fmla="*/ 27 h 134"/>
-                <a:gd name="T82" fmla="*/ 37 w 134"/>
-                <a:gd name="T83" fmla="*/ 27 h 134"/>
-                <a:gd name="T84" fmla="*/ 37 w 134"/>
-                <a:gd name="T85" fmla="*/ 0 h 134"/>
-                <a:gd name="T86" fmla="*/ 32 w 134"/>
-                <a:gd name="T87" fmla="*/ 0 h 134"/>
-                <a:gd name="T88" fmla="*/ 23 w 134"/>
-                <a:gd name="T89" fmla="*/ 0 h 134"/>
-                <a:gd name="T90" fmla="*/ 23 w 134"/>
-                <a:gd name="T91" fmla="*/ 27 h 134"/>
-                <a:gd name="T92" fmla="*/ 27 w 134"/>
-                <a:gd name="T93" fmla="*/ 27 h 134"/>
-                <a:gd name="T94" fmla="*/ 27 w 134"/>
-                <a:gd name="T95" fmla="*/ 0 h 134"/>
-                <a:gd name="T96" fmla="*/ 23 w 134"/>
-                <a:gd name="T97" fmla="*/ 0 h 134"/>
-                <a:gd name="T98" fmla="*/ 67 w 134"/>
-                <a:gd name="T99" fmla="*/ 90 h 134"/>
-                <a:gd name="T100" fmla="*/ 94 w 134"/>
-                <a:gd name="T101" fmla="*/ 62 h 134"/>
-                <a:gd name="T102" fmla="*/ 67 w 134"/>
-                <a:gd name="T103" fmla="*/ 34 h 134"/>
-                <a:gd name="T104" fmla="*/ 39 w 134"/>
-                <a:gd name="T105" fmla="*/ 62 h 134"/>
-                <a:gd name="T106" fmla="*/ 67 w 134"/>
-                <a:gd name="T107" fmla="*/ 90 h 134"/>
-                <a:gd name="T108" fmla="*/ 67 w 134"/>
-                <a:gd name="T109" fmla="*/ 81 h 134"/>
-                <a:gd name="T110" fmla="*/ 85 w 134"/>
-                <a:gd name="T111" fmla="*/ 62 h 134"/>
-                <a:gd name="T112" fmla="*/ 67 w 134"/>
-                <a:gd name="T113" fmla="*/ 44 h 134"/>
-                <a:gd name="T114" fmla="*/ 48 w 134"/>
-                <a:gd name="T115" fmla="*/ 62 h 134"/>
-                <a:gd name="T116" fmla="*/ 67 w 134"/>
-                <a:gd name="T117" fmla="*/ 81 h 134"/>
-              </a:gdLst>
-              <a:ahLst/>
-              <a:cxnLst>
-                <a:cxn ang="0">
-                  <a:pos x="T0" y="T1"/>
-                </a:cxn>
-                <a:cxn ang="0">
-                  <a:pos x="T2" y="T3"/>
-                </a:cxn>
-                <a:cxn ang="0">
-                  <a:pos x="T4" y="T5"/>
-                </a:cxn>
-                <a:cxn ang="0">
-                  <a:pos x="T6" y="T7"/>
-                </a:cxn>
-                <a:cxn ang="0">
-                  <a:pos x="T8" y="T9"/>
-                </a:cxn>
-                <a:cxn ang="0">
-                  <a:pos x="T10" y="T11"/>
-                </a:cxn>
-                <a:cxn ang="0">
-                  <a:pos x="T12" y="T13"/>
-                </a:cxn>
-                <a:cxn ang="0">
-                  <a:pos x="T14" y="T15"/>
-                </a:cxn>
-                <a:cxn ang="0">
-                  <a:pos x="T16" y="T17"/>
-                </a:cxn>
-                <a:cxn ang="0">
-                  <a:pos x="T18" y="T19"/>
-                </a:cxn>
-                <a:cxn ang="0">
-                  <a:pos x="T20" y="T21"/>
-                </a:cxn>
-                <a:cxn ang="0">
-                  <a:pos x="T22" y="T23"/>
-                </a:cxn>
-                <a:cxn ang="0">
-                  <a:pos x="T24" y="T25"/>
-                </a:cxn>
-                <a:cxn ang="0">
-                  <a:pos x="T26" y="T27"/>
-                </a:cxn>
-                <a:cxn ang="0">
-                  <a:pos x="T28" y="T29"/>
-                </a:cxn>
-                <a:cxn ang="0">
-                  <a:pos x="T30" y="T31"/>
-                </a:cxn>
-                <a:cxn ang="0">
-                  <a:pos x="T32" y="T33"/>
-                </a:cxn>
-                <a:cxn ang="0">
-                  <a:pos x="T34" y="T35"/>
-                </a:cxn>
-                <a:cxn ang="0">
-                  <a:pos x="T36" y="T37"/>
-                </a:cxn>
-                <a:cxn ang="0">
-                  <a:pos x="T38" y="T39"/>
-                </a:cxn>
-                <a:cxn ang="0">
-                  <a:pos x="T40" y="T41"/>
-                </a:cxn>
-                <a:cxn ang="0">
-                  <a:pos x="T42" y="T43"/>
-                </a:cxn>
-                <a:cxn ang="0">
-                  <a:pos x="T44" y="T45"/>
-                </a:cxn>
-                <a:cxn ang="0">
-                  <a:pos x="T46" y="T47"/>
-                </a:cxn>
-                <a:cxn ang="0">
-                  <a:pos x="T48" y="T49"/>
-                </a:cxn>
-                <a:cxn ang="0">
-                  <a:pos x="T50" y="T51"/>
-                </a:cxn>
-                <a:cxn ang="0">
-                  <a:pos x="T52" y="T53"/>
-                </a:cxn>
-                <a:cxn ang="0">
-                  <a:pos x="T54" y="T55"/>
-                </a:cxn>
-                <a:cxn ang="0">
-                  <a:pos x="T56" y="T57"/>
-                </a:cxn>
-                <a:cxn ang="0">
-                  <a:pos x="T58" y="T59"/>
-                </a:cxn>
-                <a:cxn ang="0">
-                  <a:pos x="T60" y="T61"/>
-                </a:cxn>
-                <a:cxn ang="0">
-                  <a:pos x="T62" y="T63"/>
-                </a:cxn>
-                <a:cxn ang="0">
-                  <a:pos x="T64" y="T65"/>
-                </a:cxn>
-                <a:cxn ang="0">
-                  <a:pos x="T66" y="T67"/>
-                </a:cxn>
-                <a:cxn ang="0">
-                  <a:pos x="T68" y="T69"/>
-                </a:cxn>
-                <a:cxn ang="0">
-                  <a:pos x="T70" y="T71"/>
-                </a:cxn>
-                <a:cxn ang="0">
-                  <a:pos x="T72" y="T73"/>
-                </a:cxn>
-                <a:cxn ang="0">
-                  <a:pos x="T74" y="T75"/>
-                </a:cxn>
-                <a:cxn ang="0">
-                  <a:pos x="T76" y="T77"/>
-                </a:cxn>
-                <a:cxn ang="0">
-                  <a:pos x="T78" y="T79"/>
-                </a:cxn>
-                <a:cxn ang="0">
-                  <a:pos x="T80" y="T81"/>
-                </a:cxn>
-                <a:cxn ang="0">
-                  <a:pos x="T82" y="T83"/>
-                </a:cxn>
-                <a:cxn ang="0">
-                  <a:pos x="T84" y="T85"/>
-                </a:cxn>
-                <a:cxn ang="0">
-                  <a:pos x="T86" y="T87"/>
-                </a:cxn>
-                <a:cxn ang="0">
-                  <a:pos x="T88" y="T89"/>
-                </a:cxn>
-                <a:cxn ang="0">
-                  <a:pos x="T90" y="T91"/>
-                </a:cxn>
-                <a:cxn ang="0">
-                  <a:pos x="T92" y="T93"/>
-                </a:cxn>
-                <a:cxn ang="0">
-                  <a:pos x="T94" y="T95"/>
-                </a:cxn>
-                <a:cxn ang="0">
-                  <a:pos x="T96" y="T97"/>
-                </a:cxn>
-                <a:cxn ang="0">
-                  <a:pos x="T98" y="T99"/>
-                </a:cxn>
-                <a:cxn ang="0">
-                  <a:pos x="T100" y="T101"/>
-                </a:cxn>
-                <a:cxn ang="0">
-                  <a:pos x="T102" y="T103"/>
-                </a:cxn>
-                <a:cxn ang="0">
-                  <a:pos x="T104" y="T105"/>
-                </a:cxn>
-                <a:cxn ang="0">
-                  <a:pos x="T106" y="T107"/>
-                </a:cxn>
-                <a:cxn ang="0">
-                  <a:pos x="T108" y="T109"/>
-                </a:cxn>
-                <a:cxn ang="0">
-                  <a:pos x="T110" y="T111"/>
-                </a:cxn>
-                <a:cxn ang="0">
-                  <a:pos x="T112" y="T113"/>
-                </a:cxn>
-                <a:cxn ang="0">
-                  <a:pos x="T114" y="T115"/>
-                </a:cxn>
-                <a:cxn ang="0">
-                  <a:pos x="T116" y="T117"/>
-                </a:cxn>
-              </a:cxnLst>
-              <a:rect l="0" t="0" r="r" b="b"/>
-              <a:pathLst>
-                <a:path w="134" h="134">
-                  <a:moveTo>
-                    <a:pt x="36" y="46"/>
-                  </a:moveTo>
-                  <a:cubicBezTo>
-                    <a:pt x="0" y="46"/>
-                    <a:pt x="0" y="46"/>
-                    <a:pt x="0" y="46"/>
-                  </a:cubicBezTo>
-                  <a:cubicBezTo>
-                    <a:pt x="0" y="41"/>
-                    <a:pt x="0" y="41"/>
-                    <a:pt x="0" y="41"/>
-                  </a:cubicBezTo>
-                  <a:cubicBezTo>
-                    <a:pt x="0" y="41"/>
-                    <a:pt x="0" y="41"/>
-                    <a:pt x="0" y="41"/>
-                  </a:cubicBezTo>
-                  <a:cubicBezTo>
-                    <a:pt x="0" y="86"/>
-                    <a:pt x="0" y="114"/>
-                    <a:pt x="0" y="114"/>
-                  </a:cubicBezTo>
-                  <a:cubicBezTo>
-                    <a:pt x="0" y="134"/>
-                    <a:pt x="20" y="134"/>
-                    <a:pt x="20" y="134"/>
-                  </a:cubicBezTo>
-                  <a:cubicBezTo>
-                    <a:pt x="114" y="134"/>
-                    <a:pt x="114" y="134"/>
-                    <a:pt x="114" y="134"/>
-                  </a:cubicBezTo>
-                  <a:cubicBezTo>
-                    <a:pt x="114" y="134"/>
-                    <a:pt x="134" y="134"/>
-                    <a:pt x="134" y="114"/>
-                  </a:cubicBezTo>
-                  <a:cubicBezTo>
-                    <a:pt x="134" y="46"/>
-                    <a:pt x="134" y="46"/>
-                    <a:pt x="134" y="46"/>
-                  </a:cubicBezTo>
-                  <a:cubicBezTo>
-                    <a:pt x="134" y="46"/>
-                    <a:pt x="134" y="46"/>
-                    <a:pt x="134" y="46"/>
-                  </a:cubicBezTo>
-                  <a:cubicBezTo>
-                    <a:pt x="134" y="41"/>
-                    <a:pt x="134" y="41"/>
-                    <a:pt x="134" y="41"/>
-                  </a:cubicBezTo>
-                  <a:cubicBezTo>
-                    <a:pt x="94" y="41"/>
-                    <a:pt x="94" y="41"/>
-                    <a:pt x="94" y="41"/>
-                  </a:cubicBezTo>
-                  <a:cubicBezTo>
-                    <a:pt x="88" y="33"/>
-                    <a:pt x="78" y="27"/>
-                    <a:pt x="67" y="27"/>
-                  </a:cubicBezTo>
-                  <a:cubicBezTo>
-                    <a:pt x="55" y="27"/>
-                    <a:pt x="45" y="33"/>
-                    <a:pt x="39" y="41"/>
-                  </a:cubicBezTo>
-                  <a:cubicBezTo>
-                    <a:pt x="0" y="41"/>
-                    <a:pt x="0" y="41"/>
-                    <a:pt x="0" y="41"/>
-                  </a:cubicBezTo>
-                  <a:cubicBezTo>
-                    <a:pt x="0" y="35"/>
-                    <a:pt x="0" y="27"/>
-                    <a:pt x="0" y="20"/>
-                  </a:cubicBezTo>
-                  <a:cubicBezTo>
-                    <a:pt x="0" y="7"/>
-                    <a:pt x="8" y="2"/>
-                    <a:pt x="14" y="1"/>
-                  </a:cubicBezTo>
-                  <a:cubicBezTo>
-                    <a:pt x="14" y="27"/>
-                    <a:pt x="14" y="27"/>
-                    <a:pt x="14" y="27"/>
-                  </a:cubicBezTo>
-                  <a:cubicBezTo>
-                    <a:pt x="18" y="27"/>
-                    <a:pt x="18" y="27"/>
-                    <a:pt x="18" y="27"/>
-                  </a:cubicBezTo>
-                  <a:cubicBezTo>
-                    <a:pt x="18" y="0"/>
-                    <a:pt x="18" y="0"/>
-                    <a:pt x="18" y="0"/>
-                  </a:cubicBezTo>
-                  <a:cubicBezTo>
-                    <a:pt x="18" y="0"/>
-                    <a:pt x="18" y="0"/>
-                    <a:pt x="18" y="0"/>
-                  </a:cubicBezTo>
-                  <a:cubicBezTo>
-                    <a:pt x="19" y="0"/>
-                    <a:pt x="20" y="0"/>
-                    <a:pt x="20" y="0"/>
-                  </a:cubicBezTo>
-                  <a:cubicBezTo>
-                    <a:pt x="114" y="0"/>
-                    <a:pt x="114" y="0"/>
-                    <a:pt x="114" y="0"/>
-                  </a:cubicBezTo>
-                  <a:cubicBezTo>
-                    <a:pt x="114" y="0"/>
-                    <a:pt x="134" y="0"/>
-                    <a:pt x="134" y="20"/>
-                  </a:cubicBezTo>
-                  <a:cubicBezTo>
-                    <a:pt x="134" y="46"/>
-                    <a:pt x="134" y="46"/>
-                    <a:pt x="134" y="46"/>
-                  </a:cubicBezTo>
-                  <a:cubicBezTo>
-                    <a:pt x="97" y="46"/>
-                    <a:pt x="97" y="46"/>
-                    <a:pt x="97" y="46"/>
-                  </a:cubicBezTo>
-                  <a:cubicBezTo>
-                    <a:pt x="100" y="51"/>
-                    <a:pt x="101" y="56"/>
-                    <a:pt x="101" y="62"/>
-                  </a:cubicBezTo>
-                  <a:cubicBezTo>
-                    <a:pt x="101" y="81"/>
-                    <a:pt x="86" y="97"/>
-                    <a:pt x="67" y="97"/>
-                  </a:cubicBezTo>
-                  <a:cubicBezTo>
-                    <a:pt x="48" y="97"/>
-                    <a:pt x="32" y="81"/>
-                    <a:pt x="32" y="62"/>
-                  </a:cubicBezTo>
-                  <a:cubicBezTo>
-                    <a:pt x="32" y="56"/>
-                    <a:pt x="34" y="51"/>
-                    <a:pt x="36" y="46"/>
-                  </a:cubicBezTo>
-                  <a:close/>
-                  <a:moveTo>
-                    <a:pt x="109" y="9"/>
-                  </a:moveTo>
-                  <a:cubicBezTo>
-                    <a:pt x="105" y="9"/>
-                    <a:pt x="101" y="13"/>
-                    <a:pt x="101" y="17"/>
-                  </a:cubicBezTo>
-                  <a:cubicBezTo>
-                    <a:pt x="101" y="24"/>
-                    <a:pt x="101" y="24"/>
-                    <a:pt x="101" y="24"/>
-                  </a:cubicBezTo>
-                  <a:cubicBezTo>
-                    <a:pt x="101" y="28"/>
-                    <a:pt x="105" y="32"/>
-                    <a:pt x="109" y="32"/>
-                  </a:cubicBezTo>
-                  <a:cubicBezTo>
-                    <a:pt x="116" y="32"/>
-                    <a:pt x="116" y="32"/>
-                    <a:pt x="116" y="32"/>
-                  </a:cubicBezTo>
-                  <a:cubicBezTo>
-                    <a:pt x="121" y="32"/>
-                    <a:pt x="124" y="28"/>
-                    <a:pt x="124" y="24"/>
-                  </a:cubicBezTo>
-                  <a:cubicBezTo>
-                    <a:pt x="124" y="17"/>
-                    <a:pt x="124" y="17"/>
-                    <a:pt x="124" y="17"/>
-                  </a:cubicBezTo>
-                  <a:cubicBezTo>
-                    <a:pt x="124" y="13"/>
-                    <a:pt x="121" y="9"/>
-                    <a:pt x="116" y="9"/>
-                  </a:cubicBezTo>
-                  <a:lnTo>
-                    <a:pt x="109" y="9"/>
-                  </a:lnTo>
-                  <a:close/>
-                  <a:moveTo>
-                    <a:pt x="32" y="0"/>
-                  </a:moveTo>
-                  <a:cubicBezTo>
-                    <a:pt x="32" y="27"/>
-                    <a:pt x="32" y="27"/>
-                    <a:pt x="32" y="27"/>
-                  </a:cubicBezTo>
-                  <a:cubicBezTo>
-                    <a:pt x="37" y="27"/>
-                    <a:pt x="37" y="27"/>
-                    <a:pt x="37" y="27"/>
-                  </a:cubicBezTo>
-                  <a:cubicBezTo>
-                    <a:pt x="37" y="0"/>
-                    <a:pt x="37" y="0"/>
-                    <a:pt x="37" y="0"/>
-                  </a:cubicBezTo>
-                  <a:lnTo>
-                    <a:pt x="32" y="0"/>
-                  </a:lnTo>
-                  <a:close/>
-                  <a:moveTo>
-                    <a:pt x="23" y="0"/>
-                  </a:moveTo>
-                  <a:cubicBezTo>
-                    <a:pt x="23" y="27"/>
-                    <a:pt x="23" y="27"/>
-                    <a:pt x="23" y="27"/>
-                  </a:cubicBezTo>
-                  <a:cubicBezTo>
-                    <a:pt x="27" y="27"/>
-                    <a:pt x="27" y="27"/>
-                    <a:pt x="27" y="27"/>
-                  </a:cubicBezTo>
-                  <a:cubicBezTo>
-                    <a:pt x="27" y="0"/>
-                    <a:pt x="27" y="0"/>
-                    <a:pt x="27" y="0"/>
-                  </a:cubicBezTo>
-                  <a:lnTo>
-                    <a:pt x="23" y="0"/>
-                  </a:lnTo>
-                  <a:close/>
-                  <a:moveTo>
-                    <a:pt x="67" y="90"/>
-                  </a:moveTo>
-                  <a:cubicBezTo>
-                    <a:pt x="82" y="90"/>
-                    <a:pt x="94" y="77"/>
-                    <a:pt x="94" y="62"/>
-                  </a:cubicBezTo>
-                  <a:cubicBezTo>
-                    <a:pt x="94" y="47"/>
-                    <a:pt x="82" y="34"/>
-                    <a:pt x="67" y="34"/>
-                  </a:cubicBezTo>
-                  <a:cubicBezTo>
-                    <a:pt x="51" y="34"/>
-                    <a:pt x="39" y="47"/>
-                    <a:pt x="39" y="62"/>
-                  </a:cubicBezTo>
-                  <a:cubicBezTo>
-                    <a:pt x="39" y="77"/>
-                    <a:pt x="51" y="90"/>
-                    <a:pt x="67" y="90"/>
-                  </a:cubicBezTo>
-                  <a:close/>
-                  <a:moveTo>
-                    <a:pt x="67" y="81"/>
-                  </a:moveTo>
-                  <a:cubicBezTo>
-                    <a:pt x="77" y="81"/>
-                    <a:pt x="85" y="72"/>
-                    <a:pt x="85" y="62"/>
-                  </a:cubicBezTo>
-                  <a:cubicBezTo>
-                    <a:pt x="85" y="52"/>
-                    <a:pt x="77" y="44"/>
-                    <a:pt x="67" y="44"/>
-                  </a:cubicBezTo>
-                  <a:cubicBezTo>
-                    <a:pt x="56" y="44"/>
-                    <a:pt x="48" y="52"/>
-                    <a:pt x="48" y="62"/>
-                  </a:cubicBezTo>
-                  <a:cubicBezTo>
-                    <a:pt x="48" y="72"/>
-                    <a:pt x="56" y="81"/>
-                    <a:pt x="67" y="81"/>
-                  </a:cubicBezTo>
-                  <a:close/>
-                </a:path>
-              </a:pathLst>
-            </a:custGeom>
-            <a:grpFill/>
-            <a:ln>
-              <a:noFill/>
-            </a:ln>
-            <a:extLst>
-              <a:ext uri="{91240B29-F687-4F45-9708-019B960494DF}">
-                <a14:hiddenLine xmlns:a14="http://schemas.microsoft.com/office/drawing/2010/main" w="9525">
-                  <a:solidFill>
-                    <a:srgbClr val="000000"/>
-                  </a:solidFill>
-                  <a:round/>
-                  <a:headEnd/>
-                  <a:tailEnd/>
-                </a14:hiddenLine>
-              </a:ext>
-            </a:extLst>
-          </p:spPr>
-          <p:txBody>
-            <a:bodyPr vert="horz" wrap="square" lIns="91440" tIns="45720" rIns="91440" bIns="45720" numCol="1" anchor="t" anchorCtr="0" compatLnSpc="1">
-              <a:prstTxWarp prst="textNoShape">
-                <a:avLst/>
-              </a:prstTxWarp>
-            </a:bodyPr>
-            <a:lstStyle/>
-            <a:p>
-              <a:endParaRPr lang="zh-CN" altLang="en-US">
-                <a:latin typeface="Arial" panose="020B0604020202020204" pitchFamily="34" charset="0"/>
-                <a:ea typeface="微软雅黑" panose="020B0503020204020204" pitchFamily="34" charset="-122"/>
-                <a:sym typeface="Arial" panose="020B0604020202020204" pitchFamily="34" charset="0"/>
-              </a:endParaRPr>
-            </a:p>
-          </p:txBody>
-        </p:sp>
-      </p:grpSp>
-      <p:grpSp>
-        <p:nvGrpSpPr>
           <p:cNvPr id="15" name="Group 24"/>
           <p:cNvGrpSpPr>
             <a:grpSpLocks noChangeAspect="1"/>
@@ -10226,13 +6286,13 @@
         </p:nvGrpSpPr>
         <p:grpSpPr bwMode="auto">
           <a:xfrm>
-            <a:off x="5360201" y="4333602"/>
+            <a:off x="7351374" y="4333602"/>
             <a:ext cx="515028" cy="515938"/>
             <a:chOff x="4516" y="1151"/>
             <a:chExt cx="566" cy="567"/>
           </a:xfrm>
           <a:blipFill dpi="0" rotWithShape="1">
-            <a:blip r:embed="rId4">
+            <a:blip r:embed="rId3">
               <a:extLst>
                 <a:ext uri="{28A0092B-C50C-407E-A947-70E740481C1C}">
                   <a14:useLocalDpi xmlns:a14="http://schemas.microsoft.com/office/drawing/2010/main" val="0"/>
@@ -11276,13 +7336,13 @@
         </p:nvGrpSpPr>
         <p:grpSpPr bwMode="auto">
           <a:xfrm>
-            <a:off x="9272204" y="4333602"/>
+            <a:off x="9272204" y="2205694"/>
             <a:ext cx="515028" cy="515938"/>
             <a:chOff x="6469" y="1151"/>
             <a:chExt cx="566" cy="567"/>
           </a:xfrm>
           <a:blipFill dpi="0" rotWithShape="1">
-            <a:blip r:embed="rId5">
+            <a:blip r:embed="rId4">
               <a:extLst>
                 <a:ext uri="{28A0092B-C50C-407E-A947-70E740481C1C}">
                   <a14:useLocalDpi xmlns:a14="http://schemas.microsoft.com/office/drawing/2010/main" val="0"/>
@@ -11714,128 +7774,13 @@
       </p:sp>
       <p:sp>
         <p:nvSpPr>
-          <p:cNvPr id="23" name="矩形 22"/>
-          <p:cNvSpPr/>
-          <p:nvPr/>
-        </p:nvSpPr>
-        <p:spPr>
-          <a:xfrm>
-            <a:off x="9095494" y="2783813"/>
-            <a:ext cx="902811" cy="307777"/>
-          </a:xfrm>
-          <a:prstGeom prst="rect">
-            <a:avLst/>
-          </a:prstGeom>
-        </p:spPr>
-        <p:txBody>
-          <a:bodyPr wrap="none">
-            <a:spAutoFit/>
-          </a:bodyPr>
-          <a:lstStyle/>
-          <a:p>
-            <a:r>
-              <a:rPr lang="zh-CN" altLang="en-US" sz="1400" b="1">
-                <a:latin typeface="Arial" panose="020B0604020202020204" pitchFamily="34" charset="0"/>
-                <a:ea typeface="微软雅黑" panose="020B0503020204020204" pitchFamily="34" charset="-122"/>
-                <a:sym typeface="Arial" panose="020B0604020202020204" pitchFamily="34" charset="0"/>
-              </a:rPr>
-              <a:t>资源整合</a:t>
-            </a:r>
-            <a:endParaRPr lang="zh-CN" altLang="en-US" sz="1400" b="1" dirty="0">
-              <a:latin typeface="Arial" panose="020B0604020202020204" pitchFamily="34" charset="0"/>
-              <a:ea typeface="微软雅黑" panose="020B0503020204020204" pitchFamily="34" charset="-122"/>
-              <a:sym typeface="Arial" panose="020B0604020202020204" pitchFamily="34" charset="0"/>
-            </a:endParaRPr>
-          </a:p>
-        </p:txBody>
-      </p:sp>
-      <p:sp>
-        <p:nvSpPr>
-          <p:cNvPr id="24" name="矩形 23"/>
-          <p:cNvSpPr/>
-          <p:nvPr/>
-        </p:nvSpPr>
-        <p:spPr>
-          <a:xfrm>
-            <a:off x="8241297" y="3066437"/>
-            <a:ext cx="2594406" cy="950838"/>
-          </a:xfrm>
-          <a:prstGeom prst="rect">
-            <a:avLst/>
-          </a:prstGeom>
-        </p:spPr>
-        <p:txBody>
-          <a:bodyPr wrap="square">
-            <a:spAutoFit/>
-          </a:bodyPr>
-          <a:lstStyle/>
-          <a:p>
-            <a:pPr lvl="0" algn="just">
-              <a:lnSpc>
-                <a:spcPct val="130000"/>
-              </a:lnSpc>
-            </a:pPr>
-            <a:r>
-              <a:rPr lang="zh-CN" altLang="en-US" sz="1100">
-                <a:solidFill>
-                  <a:schemeClr val="bg1">
-                    <a:lumMod val="50000"/>
-                  </a:schemeClr>
-                </a:solidFill>
-                <a:latin typeface="Arial" panose="020B0604020202020204" pitchFamily="34" charset="0"/>
-                <a:ea typeface="微软雅黑" panose="020B0503020204020204" pitchFamily="34" charset="-122"/>
-                <a:sym typeface="Arial" panose="020B0604020202020204" pitchFamily="34" charset="0"/>
-              </a:rPr>
-              <a:t>目前小工具的状态处于分散状态，虽然互联网的普及方便了用户，但由于工具使用的不集中导致用户需打开大量网页。而</a:t>
-            </a:r>
-            <a:r>
-              <a:rPr lang="en-US" altLang="zh-CN" sz="1100">
-                <a:solidFill>
-                  <a:schemeClr val="bg1">
-                    <a:lumMod val="50000"/>
-                  </a:schemeClr>
-                </a:solidFill>
-                <a:latin typeface="Arial" panose="020B0604020202020204" pitchFamily="34" charset="0"/>
-                <a:ea typeface="微软雅黑" panose="020B0503020204020204" pitchFamily="34" charset="-122"/>
-                <a:sym typeface="Arial" panose="020B0604020202020204" pitchFamily="34" charset="0"/>
-              </a:rPr>
-              <a:t>Everything</a:t>
-            </a:r>
-            <a:r>
-              <a:rPr lang="zh-CN" altLang="en-US" sz="1100">
-                <a:solidFill>
-                  <a:schemeClr val="bg1">
-                    <a:lumMod val="50000"/>
-                  </a:schemeClr>
-                </a:solidFill>
-                <a:latin typeface="Arial" panose="020B0604020202020204" pitchFamily="34" charset="0"/>
-                <a:ea typeface="微软雅黑" panose="020B0503020204020204" pitchFamily="34" charset="-122"/>
-                <a:sym typeface="Arial" panose="020B0604020202020204" pitchFamily="34" charset="0"/>
-              </a:rPr>
-              <a:t>的出现改变了这一现状。</a:t>
-            </a:r>
-            <a:endParaRPr lang="zh-CN" altLang="en-US" sz="1100" dirty="0">
-              <a:solidFill>
-                <a:schemeClr val="bg1">
-                  <a:lumMod val="50000"/>
-                </a:schemeClr>
-              </a:solidFill>
-              <a:latin typeface="Arial" panose="020B0604020202020204" pitchFamily="34" charset="0"/>
-              <a:ea typeface="微软雅黑" panose="020B0503020204020204" pitchFamily="34" charset="-122"/>
-              <a:sym typeface="Arial" panose="020B0604020202020204" pitchFamily="34" charset="0"/>
-            </a:endParaRPr>
-          </a:p>
-        </p:txBody>
-      </p:sp>
-      <p:sp>
-        <p:nvSpPr>
           <p:cNvPr id="25" name="矩形 24"/>
           <p:cNvSpPr/>
           <p:nvPr/>
         </p:nvSpPr>
         <p:spPr>
           <a:xfrm>
-            <a:off x="5208888" y="4923567"/>
+            <a:off x="7200061" y="4923567"/>
             <a:ext cx="902811" cy="307777"/>
           </a:xfrm>
           <a:prstGeom prst="rect">
@@ -11872,7 +7817,7 @@
         </p:nvSpPr>
         <p:spPr>
           <a:xfrm>
-            <a:off x="4320511" y="5234766"/>
+            <a:off x="6311684" y="5234766"/>
             <a:ext cx="2594406" cy="730777"/>
           </a:xfrm>
           <a:prstGeom prst="rect">
@@ -11924,7 +7869,7 @@
         </p:nvSpPr>
         <p:spPr>
           <a:xfrm>
-            <a:off x="9112586" y="4923567"/>
+            <a:off x="9112586" y="2795659"/>
             <a:ext cx="902811" cy="307777"/>
           </a:xfrm>
           <a:prstGeom prst="rect">
@@ -11961,7 +7906,7 @@
         </p:nvSpPr>
         <p:spPr>
           <a:xfrm>
-            <a:off x="8241297" y="5234766"/>
+            <a:off x="8241297" y="3106858"/>
             <a:ext cx="2594406" cy="730777"/>
           </a:xfrm>
           <a:prstGeom prst="rect">
@@ -12339,7 +8284,7 @@
         </p:blipFill>
         <p:spPr>
           <a:xfrm>
-            <a:off x="937436" y="1368423"/>
+            <a:off x="2424404" y="1368423"/>
             <a:ext cx="2534710" cy="2534710"/>
           </a:xfrm>
           <a:prstGeom prst="ellipse">
@@ -12362,30 +8307,7 @@
         </p:blipFill>
         <p:spPr>
           <a:xfrm>
-            <a:off x="4838170" y="1368423"/>
-            <a:ext cx="2534710" cy="2534710"/>
-          </a:xfrm>
-          <a:prstGeom prst="ellipse">
-            <a:avLst/>
-          </a:prstGeom>
-        </p:spPr>
-      </p:pic>
-      <p:pic>
-        <p:nvPicPr>
-          <p:cNvPr id="7" name="图片 6"/>
-          <p:cNvPicPr>
-            <a:picLocks noChangeAspect="1"/>
-          </p:cNvPicPr>
-          <p:nvPr/>
-        </p:nvPicPr>
-        <p:blipFill rotWithShape="1">
-          <a:blip r:embed="rId2"/>
-          <a:srcRect l="68830" t="39363" r="20020" b="39553"/>
-          <a:stretch/>
-        </p:blipFill>
-        <p:spPr>
-          <a:xfrm>
-            <a:off x="8719854" y="1368423"/>
+            <a:off x="7188267" y="1368423"/>
             <a:ext cx="2534710" cy="2534710"/>
           </a:xfrm>
           <a:prstGeom prst="ellipse">
@@ -12401,7 +8323,7 @@
         </p:nvSpPr>
         <p:spPr>
           <a:xfrm>
-            <a:off x="1796355" y="4055548"/>
+            <a:off x="3283323" y="4055548"/>
             <a:ext cx="723275" cy="307777"/>
           </a:xfrm>
           <a:prstGeom prst="rect">
@@ -12438,7 +8360,7 @@
         </p:nvSpPr>
         <p:spPr>
           <a:xfrm>
-            <a:off x="885587" y="4300072"/>
+            <a:off x="2372555" y="4300072"/>
             <a:ext cx="2594406" cy="729623"/>
           </a:xfrm>
           <a:prstGeom prst="rect">
@@ -12550,7 +8472,7 @@
         </p:nvSpPr>
         <p:spPr>
           <a:xfrm>
-            <a:off x="5700251" y="4055548"/>
+            <a:off x="8050348" y="4055548"/>
             <a:ext cx="723275" cy="307777"/>
           </a:xfrm>
           <a:prstGeom prst="rect">
@@ -12587,7 +8509,7 @@
         </p:nvSpPr>
         <p:spPr>
           <a:xfrm>
-            <a:off x="4798796" y="4300072"/>
+            <a:off x="7148893" y="4300072"/>
             <a:ext cx="2594406" cy="729623"/>
           </a:xfrm>
           <a:prstGeom prst="rect">
@@ -12693,115 +8615,6 @@
       </p:sp>
       <p:sp>
         <p:nvSpPr>
-          <p:cNvPr id="12" name="矩形 11"/>
-          <p:cNvSpPr/>
-          <p:nvPr/>
-        </p:nvSpPr>
-        <p:spPr>
-          <a:xfrm>
-            <a:off x="9677294" y="4055548"/>
-            <a:ext cx="723275" cy="307777"/>
-          </a:xfrm>
-          <a:prstGeom prst="rect">
-            <a:avLst/>
-          </a:prstGeom>
-        </p:spPr>
-        <p:txBody>
-          <a:bodyPr wrap="none">
-            <a:spAutoFit/>
-          </a:bodyPr>
-          <a:lstStyle/>
-          <a:p>
-            <a:r>
-              <a:rPr lang="zh-CN" altLang="en-US" sz="1400" b="1">
-                <a:latin typeface="Arial" panose="020B0604020202020204" pitchFamily="34" charset="0"/>
-                <a:ea typeface="微软雅黑" panose="020B0503020204020204" pitchFamily="34" charset="-122"/>
-                <a:sym typeface="Arial" panose="020B0604020202020204" pitchFamily="34" charset="0"/>
-              </a:rPr>
-              <a:t>趣味类</a:t>
-            </a:r>
-            <a:endParaRPr lang="zh-CN" altLang="en-US" sz="1400" b="1" dirty="0">
-              <a:latin typeface="Arial" panose="020B0604020202020204" pitchFamily="34" charset="0"/>
-              <a:ea typeface="微软雅黑" panose="020B0503020204020204" pitchFamily="34" charset="-122"/>
-              <a:sym typeface="Arial" panose="020B0604020202020204" pitchFamily="34" charset="0"/>
-            </a:endParaRPr>
-          </a:p>
-        </p:txBody>
-      </p:sp>
-      <p:sp>
-        <p:nvSpPr>
-          <p:cNvPr id="13" name="矩形 12"/>
-          <p:cNvSpPr/>
-          <p:nvPr/>
-        </p:nvSpPr>
-        <p:spPr>
-          <a:xfrm>
-            <a:off x="8719854" y="4301609"/>
-            <a:ext cx="2594406" cy="510717"/>
-          </a:xfrm>
-          <a:prstGeom prst="rect">
-            <a:avLst/>
-          </a:prstGeom>
-        </p:spPr>
-        <p:txBody>
-          <a:bodyPr wrap="square">
-            <a:spAutoFit/>
-          </a:bodyPr>
-          <a:lstStyle/>
-          <a:p>
-            <a:pPr lvl="0" algn="ctr">
-              <a:lnSpc>
-                <a:spcPct val="130000"/>
-              </a:lnSpc>
-            </a:pPr>
-            <a:r>
-              <a:rPr lang="zh-CN" altLang="en-US" sz="1100">
-                <a:solidFill>
-                  <a:schemeClr val="bg1">
-                    <a:lumMod val="50000"/>
-                  </a:schemeClr>
-                </a:solidFill>
-                <a:latin typeface="Arial" panose="020B0604020202020204" pitchFamily="34" charset="0"/>
-                <a:ea typeface="微软雅黑" panose="020B0503020204020204" pitchFamily="34" charset="-122"/>
-                <a:sym typeface="Arial" panose="020B0604020202020204" pitchFamily="34" charset="0"/>
-              </a:rPr>
-              <a:t>具有一定的趣味性</a:t>
-            </a:r>
-            <a:endParaRPr lang="en-US" altLang="zh-CN" sz="1100">
-              <a:solidFill>
-                <a:schemeClr val="bg1">
-                  <a:lumMod val="50000"/>
-                </a:schemeClr>
-              </a:solidFill>
-              <a:latin typeface="Arial" panose="020B0604020202020204" pitchFamily="34" charset="0"/>
-              <a:ea typeface="微软雅黑" panose="020B0503020204020204" pitchFamily="34" charset="-122"/>
-              <a:sym typeface="Arial" panose="020B0604020202020204" pitchFamily="34" charset="0"/>
-            </a:endParaRPr>
-          </a:p>
-          <a:p>
-            <a:pPr lvl="0" algn="ctr">
-              <a:lnSpc>
-                <a:spcPct val="130000"/>
-              </a:lnSpc>
-            </a:pPr>
-            <a:r>
-              <a:rPr lang="zh-CN" altLang="en-US" sz="1100">
-                <a:solidFill>
-                  <a:schemeClr val="bg1">
-                    <a:lumMod val="50000"/>
-                  </a:schemeClr>
-                </a:solidFill>
-                <a:latin typeface="Arial" panose="020B0604020202020204" pitchFamily="34" charset="0"/>
-                <a:ea typeface="微软雅黑" panose="020B0503020204020204" pitchFamily="34" charset="-122"/>
-                <a:sym typeface="Arial" panose="020B0604020202020204" pitchFamily="34" charset="0"/>
-              </a:rPr>
-              <a:t>给予用户人文关怀</a:t>
-            </a:r>
-          </a:p>
-        </p:txBody>
-      </p:sp>
-      <p:sp>
-        <p:nvSpPr>
           <p:cNvPr id="44" name="Freeform 94">
             <a:extLst>
               <a:ext uri="{FF2B5EF4-FFF2-40B4-BE49-F238E27FC236}">
@@ -12816,7 +8629,7 @@
         </p:nvSpPr>
         <p:spPr bwMode="auto">
           <a:xfrm>
-            <a:off x="1708498" y="2203598"/>
+            <a:off x="3195466" y="2203598"/>
             <a:ext cx="948584" cy="906542"/>
           </a:xfrm>
           <a:custGeom>
@@ -13234,7 +9047,7 @@
         </p:nvGrpSpPr>
         <p:grpSpPr>
           <a:xfrm>
-            <a:off x="5639001" y="2185634"/>
+            <a:off x="7989098" y="2185634"/>
             <a:ext cx="952096" cy="952096"/>
             <a:chOff x="5700251" y="2185634"/>
             <a:chExt cx="952096" cy="952096"/>
@@ -13699,1280 +9512,6 @@
           </p:txBody>
         </p:sp>
       </p:grpSp>
-      <p:grpSp>
-        <p:nvGrpSpPr>
-          <p:cNvPr id="4" name="组合 3">
-            <a:extLst>
-              <a:ext uri="{FF2B5EF4-FFF2-40B4-BE49-F238E27FC236}">
-                <a16:creationId xmlns:a16="http://schemas.microsoft.com/office/drawing/2014/main" id="{A9C53BA1-12D2-4383-A9A6-717FB46821CE}"/>
-              </a:ext>
-            </a:extLst>
-          </p:cNvPr>
-          <p:cNvGrpSpPr/>
-          <p:nvPr/>
-        </p:nvGrpSpPr>
-        <p:grpSpPr>
-          <a:xfrm>
-            <a:off x="9402773" y="1984605"/>
-            <a:ext cx="1206767" cy="1210275"/>
-            <a:chOff x="9920222" y="2408043"/>
-            <a:chExt cx="546100" cy="547688"/>
-          </a:xfrm>
-        </p:grpSpPr>
-        <p:sp>
-          <p:nvSpPr>
-            <p:cNvPr id="61" name="Freeform 103">
-              <a:extLst>
-                <a:ext uri="{FF2B5EF4-FFF2-40B4-BE49-F238E27FC236}">
-                  <a16:creationId xmlns:a16="http://schemas.microsoft.com/office/drawing/2014/main" id="{9E8580BB-BD56-4BC7-B06E-261FF1DA02B5}"/>
-                </a:ext>
-              </a:extLst>
-            </p:cNvPr>
-            <p:cNvSpPr>
-              <a:spLocks/>
-            </p:cNvSpPr>
-            <p:nvPr/>
-          </p:nvSpPr>
-          <p:spPr bwMode="auto">
-            <a:xfrm>
-              <a:off x="10145647" y="2901756"/>
-              <a:ext cx="90488" cy="22225"/>
-            </a:xfrm>
-            <a:custGeom>
-              <a:avLst/>
-              <a:gdLst>
-                <a:gd name="T0" fmla="*/ 28 w 32"/>
-                <a:gd name="T1" fmla="*/ 0 h 8"/>
-                <a:gd name="T2" fmla="*/ 4 w 32"/>
-                <a:gd name="T3" fmla="*/ 0 h 8"/>
-                <a:gd name="T4" fmla="*/ 0 w 32"/>
-                <a:gd name="T5" fmla="*/ 4 h 8"/>
-                <a:gd name="T6" fmla="*/ 4 w 32"/>
-                <a:gd name="T7" fmla="*/ 8 h 8"/>
-                <a:gd name="T8" fmla="*/ 28 w 32"/>
-                <a:gd name="T9" fmla="*/ 8 h 8"/>
-                <a:gd name="T10" fmla="*/ 32 w 32"/>
-                <a:gd name="T11" fmla="*/ 4 h 8"/>
-                <a:gd name="T12" fmla="*/ 28 w 32"/>
-                <a:gd name="T13" fmla="*/ 0 h 8"/>
-              </a:gdLst>
-              <a:ahLst/>
-              <a:cxnLst>
-                <a:cxn ang="0">
-                  <a:pos x="T0" y="T1"/>
-                </a:cxn>
-                <a:cxn ang="0">
-                  <a:pos x="T2" y="T3"/>
-                </a:cxn>
-                <a:cxn ang="0">
-                  <a:pos x="T4" y="T5"/>
-                </a:cxn>
-                <a:cxn ang="0">
-                  <a:pos x="T6" y="T7"/>
-                </a:cxn>
-                <a:cxn ang="0">
-                  <a:pos x="T8" y="T9"/>
-                </a:cxn>
-                <a:cxn ang="0">
-                  <a:pos x="T10" y="T11"/>
-                </a:cxn>
-                <a:cxn ang="0">
-                  <a:pos x="T12" y="T13"/>
-                </a:cxn>
-              </a:cxnLst>
-              <a:rect l="0" t="0" r="r" b="b"/>
-              <a:pathLst>
-                <a:path w="32" h="8">
-                  <a:moveTo>
-                    <a:pt x="28" y="0"/>
-                  </a:moveTo>
-                  <a:cubicBezTo>
-                    <a:pt x="4" y="0"/>
-                    <a:pt x="4" y="0"/>
-                    <a:pt x="4" y="0"/>
-                  </a:cubicBezTo>
-                  <a:cubicBezTo>
-                    <a:pt x="2" y="0"/>
-                    <a:pt x="0" y="2"/>
-                    <a:pt x="0" y="4"/>
-                  </a:cubicBezTo>
-                  <a:cubicBezTo>
-                    <a:pt x="0" y="6"/>
-                    <a:pt x="2" y="8"/>
-                    <a:pt x="4" y="8"/>
-                  </a:cubicBezTo>
-                  <a:cubicBezTo>
-                    <a:pt x="28" y="8"/>
-                    <a:pt x="28" y="8"/>
-                    <a:pt x="28" y="8"/>
-                  </a:cubicBezTo>
-                  <a:cubicBezTo>
-                    <a:pt x="30" y="8"/>
-                    <a:pt x="32" y="6"/>
-                    <a:pt x="32" y="4"/>
-                  </a:cubicBezTo>
-                  <a:cubicBezTo>
-                    <a:pt x="32" y="2"/>
-                    <a:pt x="30" y="0"/>
-                    <a:pt x="28" y="0"/>
-                  </a:cubicBezTo>
-                  <a:close/>
-                </a:path>
-              </a:pathLst>
-            </a:custGeom>
-            <a:solidFill>
-              <a:srgbClr val="000000"/>
-            </a:solidFill>
-            <a:ln>
-              <a:noFill/>
-            </a:ln>
-            <a:extLst>
-              <a:ext uri="{91240B29-F687-4F45-9708-019B960494DF}">
-                <a14:hiddenLine xmlns:a14="http://schemas.microsoft.com/office/drawing/2010/main" w="9525">
-                  <a:solidFill>
-                    <a:srgbClr val="000000"/>
-                  </a:solidFill>
-                  <a:round/>
-                  <a:headEnd/>
-                  <a:tailEnd/>
-                </a14:hiddenLine>
-              </a:ext>
-            </a:extLst>
-          </p:spPr>
-          <p:txBody>
-            <a:bodyPr vert="horz" wrap="square" lIns="91440" tIns="45720" rIns="91440" bIns="45720" numCol="1" anchor="t" anchorCtr="0" compatLnSpc="1">
-              <a:prstTxWarp prst="textNoShape">
-                <a:avLst/>
-              </a:prstTxWarp>
-            </a:bodyPr>
-            <a:lstStyle/>
-            <a:p>
-              <a:endParaRPr lang="zh-CN" altLang="en-US"/>
-            </a:p>
-          </p:txBody>
-        </p:sp>
-        <p:sp>
-          <p:nvSpPr>
-            <p:cNvPr id="62" name="Freeform 104">
-              <a:extLst>
-                <a:ext uri="{FF2B5EF4-FFF2-40B4-BE49-F238E27FC236}">
-                  <a16:creationId xmlns:a16="http://schemas.microsoft.com/office/drawing/2014/main" id="{362CE32B-6D5D-428E-B09D-A61B9870947E}"/>
-                </a:ext>
-              </a:extLst>
-            </p:cNvPr>
-            <p:cNvSpPr>
-              <a:spLocks/>
-            </p:cNvSpPr>
-            <p:nvPr/>
-          </p:nvSpPr>
-          <p:spPr bwMode="auto">
-            <a:xfrm>
-              <a:off x="10145647" y="2935093"/>
-              <a:ext cx="90488" cy="20638"/>
-            </a:xfrm>
-            <a:custGeom>
-              <a:avLst/>
-              <a:gdLst>
-                <a:gd name="T0" fmla="*/ 28 w 32"/>
-                <a:gd name="T1" fmla="*/ 0 h 7"/>
-                <a:gd name="T2" fmla="*/ 4 w 32"/>
-                <a:gd name="T3" fmla="*/ 0 h 7"/>
-                <a:gd name="T4" fmla="*/ 0 w 32"/>
-                <a:gd name="T5" fmla="*/ 4 h 7"/>
-                <a:gd name="T6" fmla="*/ 4 w 32"/>
-                <a:gd name="T7" fmla="*/ 7 h 7"/>
-                <a:gd name="T8" fmla="*/ 28 w 32"/>
-                <a:gd name="T9" fmla="*/ 7 h 7"/>
-                <a:gd name="T10" fmla="*/ 32 w 32"/>
-                <a:gd name="T11" fmla="*/ 4 h 7"/>
-                <a:gd name="T12" fmla="*/ 28 w 32"/>
-                <a:gd name="T13" fmla="*/ 0 h 7"/>
-              </a:gdLst>
-              <a:ahLst/>
-              <a:cxnLst>
-                <a:cxn ang="0">
-                  <a:pos x="T0" y="T1"/>
-                </a:cxn>
-                <a:cxn ang="0">
-                  <a:pos x="T2" y="T3"/>
-                </a:cxn>
-                <a:cxn ang="0">
-                  <a:pos x="T4" y="T5"/>
-                </a:cxn>
-                <a:cxn ang="0">
-                  <a:pos x="T6" y="T7"/>
-                </a:cxn>
-                <a:cxn ang="0">
-                  <a:pos x="T8" y="T9"/>
-                </a:cxn>
-                <a:cxn ang="0">
-                  <a:pos x="T10" y="T11"/>
-                </a:cxn>
-                <a:cxn ang="0">
-                  <a:pos x="T12" y="T13"/>
-                </a:cxn>
-              </a:cxnLst>
-              <a:rect l="0" t="0" r="r" b="b"/>
-              <a:pathLst>
-                <a:path w="32" h="7">
-                  <a:moveTo>
-                    <a:pt x="28" y="0"/>
-                  </a:moveTo>
-                  <a:cubicBezTo>
-                    <a:pt x="4" y="0"/>
-                    <a:pt x="4" y="0"/>
-                    <a:pt x="4" y="0"/>
-                  </a:cubicBezTo>
-                  <a:cubicBezTo>
-                    <a:pt x="2" y="0"/>
-                    <a:pt x="0" y="1"/>
-                    <a:pt x="0" y="4"/>
-                  </a:cubicBezTo>
-                  <a:cubicBezTo>
-                    <a:pt x="0" y="6"/>
-                    <a:pt x="2" y="7"/>
-                    <a:pt x="4" y="7"/>
-                  </a:cubicBezTo>
-                  <a:cubicBezTo>
-                    <a:pt x="28" y="7"/>
-                    <a:pt x="28" y="7"/>
-                    <a:pt x="28" y="7"/>
-                  </a:cubicBezTo>
-                  <a:cubicBezTo>
-                    <a:pt x="30" y="7"/>
-                    <a:pt x="32" y="6"/>
-                    <a:pt x="32" y="4"/>
-                  </a:cubicBezTo>
-                  <a:cubicBezTo>
-                    <a:pt x="32" y="1"/>
-                    <a:pt x="30" y="0"/>
-                    <a:pt x="28" y="0"/>
-                  </a:cubicBezTo>
-                  <a:close/>
-                </a:path>
-              </a:pathLst>
-            </a:custGeom>
-            <a:solidFill>
-              <a:srgbClr val="000000"/>
-            </a:solidFill>
-            <a:ln>
-              <a:noFill/>
-            </a:ln>
-            <a:extLst>
-              <a:ext uri="{91240B29-F687-4F45-9708-019B960494DF}">
-                <a14:hiddenLine xmlns:a14="http://schemas.microsoft.com/office/drawing/2010/main" w="9525">
-                  <a:solidFill>
-                    <a:srgbClr val="000000"/>
-                  </a:solidFill>
-                  <a:round/>
-                  <a:headEnd/>
-                  <a:tailEnd/>
-                </a14:hiddenLine>
-              </a:ext>
-            </a:extLst>
-          </p:spPr>
-          <p:txBody>
-            <a:bodyPr vert="horz" wrap="square" lIns="91440" tIns="45720" rIns="91440" bIns="45720" numCol="1" anchor="t" anchorCtr="0" compatLnSpc="1">
-              <a:prstTxWarp prst="textNoShape">
-                <a:avLst/>
-              </a:prstTxWarp>
-            </a:bodyPr>
-            <a:lstStyle/>
-            <a:p>
-              <a:endParaRPr lang="zh-CN" altLang="en-US"/>
-            </a:p>
-          </p:txBody>
-        </p:sp>
-        <p:sp>
-          <p:nvSpPr>
-            <p:cNvPr id="63" name="Freeform 105">
-              <a:extLst>
-                <a:ext uri="{FF2B5EF4-FFF2-40B4-BE49-F238E27FC236}">
-                  <a16:creationId xmlns:a16="http://schemas.microsoft.com/office/drawing/2014/main" id="{96517823-451D-4788-B41D-91879396B2C1}"/>
-                </a:ext>
-              </a:extLst>
-            </p:cNvPr>
-            <p:cNvSpPr>
-              <a:spLocks/>
-            </p:cNvSpPr>
-            <p:nvPr/>
-          </p:nvSpPr>
-          <p:spPr bwMode="auto">
-            <a:xfrm>
-              <a:off x="10182159" y="2408043"/>
-              <a:ext cx="20638" cy="79375"/>
-            </a:xfrm>
-            <a:custGeom>
-              <a:avLst/>
-              <a:gdLst>
-                <a:gd name="T0" fmla="*/ 4 w 7"/>
-                <a:gd name="T1" fmla="*/ 28 h 28"/>
-                <a:gd name="T2" fmla="*/ 7 w 7"/>
-                <a:gd name="T3" fmla="*/ 24 h 28"/>
-                <a:gd name="T4" fmla="*/ 7 w 7"/>
-                <a:gd name="T5" fmla="*/ 4 h 28"/>
-                <a:gd name="T6" fmla="*/ 4 w 7"/>
-                <a:gd name="T7" fmla="*/ 0 h 28"/>
-                <a:gd name="T8" fmla="*/ 0 w 7"/>
-                <a:gd name="T9" fmla="*/ 4 h 28"/>
-                <a:gd name="T10" fmla="*/ 0 w 7"/>
-                <a:gd name="T11" fmla="*/ 24 h 28"/>
-                <a:gd name="T12" fmla="*/ 4 w 7"/>
-                <a:gd name="T13" fmla="*/ 28 h 28"/>
-              </a:gdLst>
-              <a:ahLst/>
-              <a:cxnLst>
-                <a:cxn ang="0">
-                  <a:pos x="T0" y="T1"/>
-                </a:cxn>
-                <a:cxn ang="0">
-                  <a:pos x="T2" y="T3"/>
-                </a:cxn>
-                <a:cxn ang="0">
-                  <a:pos x="T4" y="T5"/>
-                </a:cxn>
-                <a:cxn ang="0">
-                  <a:pos x="T6" y="T7"/>
-                </a:cxn>
-                <a:cxn ang="0">
-                  <a:pos x="T8" y="T9"/>
-                </a:cxn>
-                <a:cxn ang="0">
-                  <a:pos x="T10" y="T11"/>
-                </a:cxn>
-                <a:cxn ang="0">
-                  <a:pos x="T12" y="T13"/>
-                </a:cxn>
-              </a:cxnLst>
-              <a:rect l="0" t="0" r="r" b="b"/>
-              <a:pathLst>
-                <a:path w="7" h="28">
-                  <a:moveTo>
-                    <a:pt x="4" y="28"/>
-                  </a:moveTo>
-                  <a:cubicBezTo>
-                    <a:pt x="6" y="28"/>
-                    <a:pt x="7" y="26"/>
-                    <a:pt x="7" y="24"/>
-                  </a:cubicBezTo>
-                  <a:cubicBezTo>
-                    <a:pt x="7" y="4"/>
-                    <a:pt x="7" y="4"/>
-                    <a:pt x="7" y="4"/>
-                  </a:cubicBezTo>
-                  <a:cubicBezTo>
-                    <a:pt x="7" y="2"/>
-                    <a:pt x="6" y="0"/>
-                    <a:pt x="4" y="0"/>
-                  </a:cubicBezTo>
-                  <a:cubicBezTo>
-                    <a:pt x="1" y="0"/>
-                    <a:pt x="0" y="2"/>
-                    <a:pt x="0" y="4"/>
-                  </a:cubicBezTo>
-                  <a:cubicBezTo>
-                    <a:pt x="0" y="24"/>
-                    <a:pt x="0" y="24"/>
-                    <a:pt x="0" y="24"/>
-                  </a:cubicBezTo>
-                  <a:cubicBezTo>
-                    <a:pt x="0" y="26"/>
-                    <a:pt x="1" y="28"/>
-                    <a:pt x="4" y="28"/>
-                  </a:cubicBezTo>
-                  <a:close/>
-                </a:path>
-              </a:pathLst>
-            </a:custGeom>
-            <a:solidFill>
-              <a:srgbClr val="000000"/>
-            </a:solidFill>
-            <a:ln>
-              <a:noFill/>
-            </a:ln>
-            <a:extLst>
-              <a:ext uri="{91240B29-F687-4F45-9708-019B960494DF}">
-                <a14:hiddenLine xmlns:a14="http://schemas.microsoft.com/office/drawing/2010/main" w="9525">
-                  <a:solidFill>
-                    <a:srgbClr val="000000"/>
-                  </a:solidFill>
-                  <a:round/>
-                  <a:headEnd/>
-                  <a:tailEnd/>
-                </a14:hiddenLine>
-              </a:ext>
-            </a:extLst>
-          </p:spPr>
-          <p:txBody>
-            <a:bodyPr vert="horz" wrap="square" lIns="91440" tIns="45720" rIns="91440" bIns="45720" numCol="1" anchor="t" anchorCtr="0" compatLnSpc="1">
-              <a:prstTxWarp prst="textNoShape">
-                <a:avLst/>
-              </a:prstTxWarp>
-            </a:bodyPr>
-            <a:lstStyle/>
-            <a:p>
-              <a:endParaRPr lang="zh-CN" altLang="en-US"/>
-            </a:p>
-          </p:txBody>
-        </p:sp>
-        <p:sp>
-          <p:nvSpPr>
-            <p:cNvPr id="64" name="Freeform 106">
-              <a:extLst>
-                <a:ext uri="{FF2B5EF4-FFF2-40B4-BE49-F238E27FC236}">
-                  <a16:creationId xmlns:a16="http://schemas.microsoft.com/office/drawing/2014/main" id="{3004EEC7-B22D-419D-9D5F-8F38BACD05D1}"/>
-                </a:ext>
-              </a:extLst>
-            </p:cNvPr>
-            <p:cNvSpPr>
-              <a:spLocks/>
-            </p:cNvSpPr>
-            <p:nvPr/>
-          </p:nvSpPr>
-          <p:spPr bwMode="auto">
-            <a:xfrm>
-              <a:off x="9999597" y="2479481"/>
-              <a:ext cx="65088" cy="65088"/>
-            </a:xfrm>
-            <a:custGeom>
-              <a:avLst/>
-              <a:gdLst>
-                <a:gd name="T0" fmla="*/ 19 w 23"/>
-                <a:gd name="T1" fmla="*/ 23 h 23"/>
-                <a:gd name="T2" fmla="*/ 21 w 23"/>
-                <a:gd name="T3" fmla="*/ 22 h 23"/>
-                <a:gd name="T4" fmla="*/ 21 w 23"/>
-                <a:gd name="T5" fmla="*/ 17 h 23"/>
-                <a:gd name="T6" fmla="*/ 8 w 23"/>
-                <a:gd name="T7" fmla="*/ 2 h 23"/>
-                <a:gd name="T8" fmla="*/ 2 w 23"/>
-                <a:gd name="T9" fmla="*/ 2 h 23"/>
-                <a:gd name="T10" fmla="*/ 2 w 23"/>
-                <a:gd name="T11" fmla="*/ 7 h 23"/>
-                <a:gd name="T12" fmla="*/ 16 w 23"/>
-                <a:gd name="T13" fmla="*/ 22 h 23"/>
-                <a:gd name="T14" fmla="*/ 19 w 23"/>
-                <a:gd name="T15" fmla="*/ 23 h 23"/>
-              </a:gdLst>
-              <a:ahLst/>
-              <a:cxnLst>
-                <a:cxn ang="0">
-                  <a:pos x="T0" y="T1"/>
-                </a:cxn>
-                <a:cxn ang="0">
-                  <a:pos x="T2" y="T3"/>
-                </a:cxn>
-                <a:cxn ang="0">
-                  <a:pos x="T4" y="T5"/>
-                </a:cxn>
-                <a:cxn ang="0">
-                  <a:pos x="T6" y="T7"/>
-                </a:cxn>
-                <a:cxn ang="0">
-                  <a:pos x="T8" y="T9"/>
-                </a:cxn>
-                <a:cxn ang="0">
-                  <a:pos x="T10" y="T11"/>
-                </a:cxn>
-                <a:cxn ang="0">
-                  <a:pos x="T12" y="T13"/>
-                </a:cxn>
-                <a:cxn ang="0">
-                  <a:pos x="T14" y="T15"/>
-                </a:cxn>
-              </a:cxnLst>
-              <a:rect l="0" t="0" r="r" b="b"/>
-              <a:pathLst>
-                <a:path w="23" h="23">
-                  <a:moveTo>
-                    <a:pt x="19" y="23"/>
-                  </a:moveTo>
-                  <a:cubicBezTo>
-                    <a:pt x="20" y="23"/>
-                    <a:pt x="20" y="23"/>
-                    <a:pt x="21" y="22"/>
-                  </a:cubicBezTo>
-                  <a:cubicBezTo>
-                    <a:pt x="23" y="21"/>
-                    <a:pt x="23" y="18"/>
-                    <a:pt x="21" y="17"/>
-                  </a:cubicBezTo>
-                  <a:cubicBezTo>
-                    <a:pt x="8" y="2"/>
-                    <a:pt x="8" y="2"/>
-                    <a:pt x="8" y="2"/>
-                  </a:cubicBezTo>
-                  <a:cubicBezTo>
-                    <a:pt x="6" y="0"/>
-                    <a:pt x="4" y="0"/>
-                    <a:pt x="2" y="2"/>
-                  </a:cubicBezTo>
-                  <a:cubicBezTo>
-                    <a:pt x="1" y="3"/>
-                    <a:pt x="0" y="5"/>
-                    <a:pt x="2" y="7"/>
-                  </a:cubicBezTo>
-                  <a:cubicBezTo>
-                    <a:pt x="16" y="22"/>
-                    <a:pt x="16" y="22"/>
-                    <a:pt x="16" y="22"/>
-                  </a:cubicBezTo>
-                  <a:cubicBezTo>
-                    <a:pt x="16" y="23"/>
-                    <a:pt x="17" y="23"/>
-                    <a:pt x="19" y="23"/>
-                  </a:cubicBezTo>
-                  <a:close/>
-                </a:path>
-              </a:pathLst>
-            </a:custGeom>
-            <a:solidFill>
-              <a:srgbClr val="000000"/>
-            </a:solidFill>
-            <a:ln>
-              <a:noFill/>
-            </a:ln>
-            <a:extLst>
-              <a:ext uri="{91240B29-F687-4F45-9708-019B960494DF}">
-                <a14:hiddenLine xmlns:a14="http://schemas.microsoft.com/office/drawing/2010/main" w="9525">
-                  <a:solidFill>
-                    <a:srgbClr val="000000"/>
-                  </a:solidFill>
-                  <a:round/>
-                  <a:headEnd/>
-                  <a:tailEnd/>
-                </a14:hiddenLine>
-              </a:ext>
-            </a:extLst>
-          </p:spPr>
-          <p:txBody>
-            <a:bodyPr vert="horz" wrap="square" lIns="91440" tIns="45720" rIns="91440" bIns="45720" numCol="1" anchor="t" anchorCtr="0" compatLnSpc="1">
-              <a:prstTxWarp prst="textNoShape">
-                <a:avLst/>
-              </a:prstTxWarp>
-            </a:bodyPr>
-            <a:lstStyle/>
-            <a:p>
-              <a:endParaRPr lang="zh-CN" altLang="en-US"/>
-            </a:p>
-          </p:txBody>
-        </p:sp>
-        <p:sp>
-          <p:nvSpPr>
-            <p:cNvPr id="65" name="Freeform 107">
-              <a:extLst>
-                <a:ext uri="{FF2B5EF4-FFF2-40B4-BE49-F238E27FC236}">
-                  <a16:creationId xmlns:a16="http://schemas.microsoft.com/office/drawing/2014/main" id="{C292543D-2AA0-41C9-98E9-12F1C7883F06}"/>
-                </a:ext>
-              </a:extLst>
-            </p:cNvPr>
-            <p:cNvSpPr>
-              <a:spLocks/>
-            </p:cNvSpPr>
-            <p:nvPr/>
-          </p:nvSpPr>
-          <p:spPr bwMode="auto">
-            <a:xfrm>
-              <a:off x="10318684" y="2479481"/>
-              <a:ext cx="65088" cy="65088"/>
-            </a:xfrm>
-            <a:custGeom>
-              <a:avLst/>
-              <a:gdLst>
-                <a:gd name="T0" fmla="*/ 15 w 23"/>
-                <a:gd name="T1" fmla="*/ 2 h 23"/>
-                <a:gd name="T2" fmla="*/ 2 w 23"/>
-                <a:gd name="T3" fmla="*/ 17 h 23"/>
-                <a:gd name="T4" fmla="*/ 2 w 23"/>
-                <a:gd name="T5" fmla="*/ 22 h 23"/>
-                <a:gd name="T6" fmla="*/ 5 w 23"/>
-                <a:gd name="T7" fmla="*/ 23 h 23"/>
-                <a:gd name="T8" fmla="*/ 7 w 23"/>
-                <a:gd name="T9" fmla="*/ 22 h 23"/>
-                <a:gd name="T10" fmla="*/ 21 w 23"/>
-                <a:gd name="T11" fmla="*/ 7 h 23"/>
-                <a:gd name="T12" fmla="*/ 21 w 23"/>
-                <a:gd name="T13" fmla="*/ 2 h 23"/>
-                <a:gd name="T14" fmla="*/ 15 w 23"/>
-                <a:gd name="T15" fmla="*/ 2 h 23"/>
-              </a:gdLst>
-              <a:ahLst/>
-              <a:cxnLst>
-                <a:cxn ang="0">
-                  <a:pos x="T0" y="T1"/>
-                </a:cxn>
-                <a:cxn ang="0">
-                  <a:pos x="T2" y="T3"/>
-                </a:cxn>
-                <a:cxn ang="0">
-                  <a:pos x="T4" y="T5"/>
-                </a:cxn>
-                <a:cxn ang="0">
-                  <a:pos x="T6" y="T7"/>
-                </a:cxn>
-                <a:cxn ang="0">
-                  <a:pos x="T8" y="T9"/>
-                </a:cxn>
-                <a:cxn ang="0">
-                  <a:pos x="T10" y="T11"/>
-                </a:cxn>
-                <a:cxn ang="0">
-                  <a:pos x="T12" y="T13"/>
-                </a:cxn>
-                <a:cxn ang="0">
-                  <a:pos x="T14" y="T15"/>
-                </a:cxn>
-              </a:cxnLst>
-              <a:rect l="0" t="0" r="r" b="b"/>
-              <a:pathLst>
-                <a:path w="23" h="23">
-                  <a:moveTo>
-                    <a:pt x="15" y="2"/>
-                  </a:moveTo>
-                  <a:cubicBezTo>
-                    <a:pt x="2" y="17"/>
-                    <a:pt x="2" y="17"/>
-                    <a:pt x="2" y="17"/>
-                  </a:cubicBezTo>
-                  <a:cubicBezTo>
-                    <a:pt x="0" y="18"/>
-                    <a:pt x="0" y="21"/>
-                    <a:pt x="2" y="22"/>
-                  </a:cubicBezTo>
-                  <a:cubicBezTo>
-                    <a:pt x="3" y="23"/>
-                    <a:pt x="4" y="23"/>
-                    <a:pt x="5" y="23"/>
-                  </a:cubicBezTo>
-                  <a:cubicBezTo>
-                    <a:pt x="6" y="23"/>
-                    <a:pt x="7" y="23"/>
-                    <a:pt x="7" y="22"/>
-                  </a:cubicBezTo>
-                  <a:cubicBezTo>
-                    <a:pt x="21" y="7"/>
-                    <a:pt x="21" y="7"/>
-                    <a:pt x="21" y="7"/>
-                  </a:cubicBezTo>
-                  <a:cubicBezTo>
-                    <a:pt x="23" y="5"/>
-                    <a:pt x="23" y="3"/>
-                    <a:pt x="21" y="2"/>
-                  </a:cubicBezTo>
-                  <a:cubicBezTo>
-                    <a:pt x="19" y="0"/>
-                    <a:pt x="17" y="0"/>
-                    <a:pt x="15" y="2"/>
-                  </a:cubicBezTo>
-                  <a:close/>
-                </a:path>
-              </a:pathLst>
-            </a:custGeom>
-            <a:solidFill>
-              <a:srgbClr val="000000"/>
-            </a:solidFill>
-            <a:ln>
-              <a:noFill/>
-            </a:ln>
-            <a:extLst>
-              <a:ext uri="{91240B29-F687-4F45-9708-019B960494DF}">
-                <a14:hiddenLine xmlns:a14="http://schemas.microsoft.com/office/drawing/2010/main" w="9525">
-                  <a:solidFill>
-                    <a:srgbClr val="000000"/>
-                  </a:solidFill>
-                  <a:round/>
-                  <a:headEnd/>
-                  <a:tailEnd/>
-                </a14:hiddenLine>
-              </a:ext>
-            </a:extLst>
-          </p:spPr>
-          <p:txBody>
-            <a:bodyPr vert="horz" wrap="square" lIns="91440" tIns="45720" rIns="91440" bIns="45720" numCol="1" anchor="t" anchorCtr="0" compatLnSpc="1">
-              <a:prstTxWarp prst="textNoShape">
-                <a:avLst/>
-              </a:prstTxWarp>
-            </a:bodyPr>
-            <a:lstStyle/>
-            <a:p>
-              <a:endParaRPr lang="zh-CN" altLang="en-US"/>
-            </a:p>
-          </p:txBody>
-        </p:sp>
-        <p:sp>
-          <p:nvSpPr>
-            <p:cNvPr id="66" name="Freeform 108">
-              <a:extLst>
-                <a:ext uri="{FF2B5EF4-FFF2-40B4-BE49-F238E27FC236}">
-                  <a16:creationId xmlns:a16="http://schemas.microsoft.com/office/drawing/2014/main" id="{0D3F07A6-D192-4246-BA1D-4A4DE4BD2168}"/>
-                </a:ext>
-              </a:extLst>
-            </p:cNvPr>
-            <p:cNvSpPr>
-              <a:spLocks/>
-            </p:cNvSpPr>
-            <p:nvPr/>
-          </p:nvSpPr>
-          <p:spPr bwMode="auto">
-            <a:xfrm>
-              <a:off x="9920222" y="2647756"/>
-              <a:ext cx="79375" cy="22225"/>
-            </a:xfrm>
-            <a:custGeom>
-              <a:avLst/>
-              <a:gdLst>
-                <a:gd name="T0" fmla="*/ 24 w 28"/>
-                <a:gd name="T1" fmla="*/ 0 h 8"/>
-                <a:gd name="T2" fmla="*/ 3 w 28"/>
-                <a:gd name="T3" fmla="*/ 0 h 8"/>
-                <a:gd name="T4" fmla="*/ 0 w 28"/>
-                <a:gd name="T5" fmla="*/ 4 h 8"/>
-                <a:gd name="T6" fmla="*/ 3 w 28"/>
-                <a:gd name="T7" fmla="*/ 8 h 8"/>
-                <a:gd name="T8" fmla="*/ 24 w 28"/>
-                <a:gd name="T9" fmla="*/ 8 h 8"/>
-                <a:gd name="T10" fmla="*/ 28 w 28"/>
-                <a:gd name="T11" fmla="*/ 4 h 8"/>
-                <a:gd name="T12" fmla="*/ 24 w 28"/>
-                <a:gd name="T13" fmla="*/ 0 h 8"/>
-              </a:gdLst>
-              <a:ahLst/>
-              <a:cxnLst>
-                <a:cxn ang="0">
-                  <a:pos x="T0" y="T1"/>
-                </a:cxn>
-                <a:cxn ang="0">
-                  <a:pos x="T2" y="T3"/>
-                </a:cxn>
-                <a:cxn ang="0">
-                  <a:pos x="T4" y="T5"/>
-                </a:cxn>
-                <a:cxn ang="0">
-                  <a:pos x="T6" y="T7"/>
-                </a:cxn>
-                <a:cxn ang="0">
-                  <a:pos x="T8" y="T9"/>
-                </a:cxn>
-                <a:cxn ang="0">
-                  <a:pos x="T10" y="T11"/>
-                </a:cxn>
-                <a:cxn ang="0">
-                  <a:pos x="T12" y="T13"/>
-                </a:cxn>
-              </a:cxnLst>
-              <a:rect l="0" t="0" r="r" b="b"/>
-              <a:pathLst>
-                <a:path w="28" h="8">
-                  <a:moveTo>
-                    <a:pt x="24" y="0"/>
-                  </a:moveTo>
-                  <a:cubicBezTo>
-                    <a:pt x="3" y="0"/>
-                    <a:pt x="3" y="0"/>
-                    <a:pt x="3" y="0"/>
-                  </a:cubicBezTo>
-                  <a:cubicBezTo>
-                    <a:pt x="1" y="0"/>
-                    <a:pt x="0" y="2"/>
-                    <a:pt x="0" y="4"/>
-                  </a:cubicBezTo>
-                  <a:cubicBezTo>
-                    <a:pt x="0" y="6"/>
-                    <a:pt x="1" y="8"/>
-                    <a:pt x="3" y="8"/>
-                  </a:cubicBezTo>
-                  <a:cubicBezTo>
-                    <a:pt x="24" y="8"/>
-                    <a:pt x="24" y="8"/>
-                    <a:pt x="24" y="8"/>
-                  </a:cubicBezTo>
-                  <a:cubicBezTo>
-                    <a:pt x="26" y="8"/>
-                    <a:pt x="28" y="6"/>
-                    <a:pt x="28" y="4"/>
-                  </a:cubicBezTo>
-                  <a:cubicBezTo>
-                    <a:pt x="28" y="2"/>
-                    <a:pt x="26" y="0"/>
-                    <a:pt x="24" y="0"/>
-                  </a:cubicBezTo>
-                  <a:close/>
-                </a:path>
-              </a:pathLst>
-            </a:custGeom>
-            <a:solidFill>
-              <a:srgbClr val="000000"/>
-            </a:solidFill>
-            <a:ln>
-              <a:noFill/>
-            </a:ln>
-            <a:extLst>
-              <a:ext uri="{91240B29-F687-4F45-9708-019B960494DF}">
-                <a14:hiddenLine xmlns:a14="http://schemas.microsoft.com/office/drawing/2010/main" w="9525">
-                  <a:solidFill>
-                    <a:srgbClr val="000000"/>
-                  </a:solidFill>
-                  <a:round/>
-                  <a:headEnd/>
-                  <a:tailEnd/>
-                </a14:hiddenLine>
-              </a:ext>
-            </a:extLst>
-          </p:spPr>
-          <p:txBody>
-            <a:bodyPr vert="horz" wrap="square" lIns="91440" tIns="45720" rIns="91440" bIns="45720" numCol="1" anchor="t" anchorCtr="0" compatLnSpc="1">
-              <a:prstTxWarp prst="textNoShape">
-                <a:avLst/>
-              </a:prstTxWarp>
-            </a:bodyPr>
-            <a:lstStyle/>
-            <a:p>
-              <a:endParaRPr lang="zh-CN" altLang="en-US"/>
-            </a:p>
-          </p:txBody>
-        </p:sp>
-        <p:sp>
-          <p:nvSpPr>
-            <p:cNvPr id="67" name="Freeform 109">
-              <a:extLst>
-                <a:ext uri="{FF2B5EF4-FFF2-40B4-BE49-F238E27FC236}">
-                  <a16:creationId xmlns:a16="http://schemas.microsoft.com/office/drawing/2014/main" id="{FC3A2880-4388-4BCC-B1C8-FEAFB0A267C5}"/>
-                </a:ext>
-              </a:extLst>
-            </p:cNvPr>
-            <p:cNvSpPr>
-              <a:spLocks/>
-            </p:cNvSpPr>
-            <p:nvPr/>
-          </p:nvSpPr>
-          <p:spPr bwMode="auto">
-            <a:xfrm>
-              <a:off x="10383772" y="2647756"/>
-              <a:ext cx="82550" cy="22225"/>
-            </a:xfrm>
-            <a:custGeom>
-              <a:avLst/>
-              <a:gdLst>
-                <a:gd name="T0" fmla="*/ 25 w 29"/>
-                <a:gd name="T1" fmla="*/ 0 h 8"/>
-                <a:gd name="T2" fmla="*/ 4 w 29"/>
-                <a:gd name="T3" fmla="*/ 0 h 8"/>
-                <a:gd name="T4" fmla="*/ 0 w 29"/>
-                <a:gd name="T5" fmla="*/ 4 h 8"/>
-                <a:gd name="T6" fmla="*/ 4 w 29"/>
-                <a:gd name="T7" fmla="*/ 8 h 8"/>
-                <a:gd name="T8" fmla="*/ 25 w 29"/>
-                <a:gd name="T9" fmla="*/ 8 h 8"/>
-                <a:gd name="T10" fmla="*/ 29 w 29"/>
-                <a:gd name="T11" fmla="*/ 4 h 8"/>
-                <a:gd name="T12" fmla="*/ 25 w 29"/>
-                <a:gd name="T13" fmla="*/ 0 h 8"/>
-              </a:gdLst>
-              <a:ahLst/>
-              <a:cxnLst>
-                <a:cxn ang="0">
-                  <a:pos x="T0" y="T1"/>
-                </a:cxn>
-                <a:cxn ang="0">
-                  <a:pos x="T2" y="T3"/>
-                </a:cxn>
-                <a:cxn ang="0">
-                  <a:pos x="T4" y="T5"/>
-                </a:cxn>
-                <a:cxn ang="0">
-                  <a:pos x="T6" y="T7"/>
-                </a:cxn>
-                <a:cxn ang="0">
-                  <a:pos x="T8" y="T9"/>
-                </a:cxn>
-                <a:cxn ang="0">
-                  <a:pos x="T10" y="T11"/>
-                </a:cxn>
-                <a:cxn ang="0">
-                  <a:pos x="T12" y="T13"/>
-                </a:cxn>
-              </a:cxnLst>
-              <a:rect l="0" t="0" r="r" b="b"/>
-              <a:pathLst>
-                <a:path w="29" h="8">
-                  <a:moveTo>
-                    <a:pt x="25" y="0"/>
-                  </a:moveTo>
-                  <a:cubicBezTo>
-                    <a:pt x="4" y="0"/>
-                    <a:pt x="4" y="0"/>
-                    <a:pt x="4" y="0"/>
-                  </a:cubicBezTo>
-                  <a:cubicBezTo>
-                    <a:pt x="2" y="0"/>
-                    <a:pt x="0" y="2"/>
-                    <a:pt x="0" y="4"/>
-                  </a:cubicBezTo>
-                  <a:cubicBezTo>
-                    <a:pt x="0" y="6"/>
-                    <a:pt x="2" y="8"/>
-                    <a:pt x="4" y="8"/>
-                  </a:cubicBezTo>
-                  <a:cubicBezTo>
-                    <a:pt x="25" y="8"/>
-                    <a:pt x="25" y="8"/>
-                    <a:pt x="25" y="8"/>
-                  </a:cubicBezTo>
-                  <a:cubicBezTo>
-                    <a:pt x="27" y="8"/>
-                    <a:pt x="29" y="6"/>
-                    <a:pt x="29" y="4"/>
-                  </a:cubicBezTo>
-                  <a:cubicBezTo>
-                    <a:pt x="29" y="2"/>
-                    <a:pt x="27" y="0"/>
-                    <a:pt x="25" y="0"/>
-                  </a:cubicBezTo>
-                  <a:close/>
-                </a:path>
-              </a:pathLst>
-            </a:custGeom>
-            <a:solidFill>
-              <a:srgbClr val="000000"/>
-            </a:solidFill>
-            <a:ln>
-              <a:noFill/>
-            </a:ln>
-            <a:extLst>
-              <a:ext uri="{91240B29-F687-4F45-9708-019B960494DF}">
-                <a14:hiddenLine xmlns:a14="http://schemas.microsoft.com/office/drawing/2010/main" w="9525">
-                  <a:solidFill>
-                    <a:srgbClr val="000000"/>
-                  </a:solidFill>
-                  <a:round/>
-                  <a:headEnd/>
-                  <a:tailEnd/>
-                </a14:hiddenLine>
-              </a:ext>
-            </a:extLst>
-          </p:spPr>
-          <p:txBody>
-            <a:bodyPr vert="horz" wrap="square" lIns="91440" tIns="45720" rIns="91440" bIns="45720" numCol="1" anchor="t" anchorCtr="0" compatLnSpc="1">
-              <a:prstTxWarp prst="textNoShape">
-                <a:avLst/>
-              </a:prstTxWarp>
-            </a:bodyPr>
-            <a:lstStyle/>
-            <a:p>
-              <a:endParaRPr lang="zh-CN" altLang="en-US"/>
-            </a:p>
-          </p:txBody>
-        </p:sp>
-        <p:sp>
-          <p:nvSpPr>
-            <p:cNvPr id="68" name="Freeform 110">
-              <a:extLst>
-                <a:ext uri="{FF2B5EF4-FFF2-40B4-BE49-F238E27FC236}">
-                  <a16:creationId xmlns:a16="http://schemas.microsoft.com/office/drawing/2014/main" id="{E02E292F-F17C-490D-AE8F-6E61ACE9EC62}"/>
-                </a:ext>
-              </a:extLst>
-            </p:cNvPr>
-            <p:cNvSpPr>
-              <a:spLocks noEditPoints="1"/>
-            </p:cNvSpPr>
-            <p:nvPr/>
-          </p:nvSpPr>
-          <p:spPr bwMode="auto">
-            <a:xfrm>
-              <a:off x="10039284" y="2511231"/>
-              <a:ext cx="304800" cy="363538"/>
-            </a:xfrm>
-            <a:custGeom>
-              <a:avLst/>
-              <a:gdLst>
-                <a:gd name="T0" fmla="*/ 54 w 107"/>
-                <a:gd name="T1" fmla="*/ 0 h 128"/>
-                <a:gd name="T2" fmla="*/ 0 w 107"/>
-                <a:gd name="T3" fmla="*/ 52 h 128"/>
-                <a:gd name="T4" fmla="*/ 28 w 107"/>
-                <a:gd name="T5" fmla="*/ 98 h 128"/>
-                <a:gd name="T6" fmla="*/ 39 w 107"/>
-                <a:gd name="T7" fmla="*/ 128 h 128"/>
-                <a:gd name="T8" fmla="*/ 40 w 107"/>
-                <a:gd name="T9" fmla="*/ 128 h 128"/>
-                <a:gd name="T10" fmla="*/ 67 w 107"/>
-                <a:gd name="T11" fmla="*/ 128 h 128"/>
-                <a:gd name="T12" fmla="*/ 68 w 107"/>
-                <a:gd name="T13" fmla="*/ 128 h 128"/>
-                <a:gd name="T14" fmla="*/ 79 w 107"/>
-                <a:gd name="T15" fmla="*/ 98 h 128"/>
-                <a:gd name="T16" fmla="*/ 107 w 107"/>
-                <a:gd name="T17" fmla="*/ 52 h 128"/>
-                <a:gd name="T18" fmla="*/ 54 w 107"/>
-                <a:gd name="T19" fmla="*/ 0 h 128"/>
-                <a:gd name="T20" fmla="*/ 60 w 107"/>
-                <a:gd name="T21" fmla="*/ 119 h 128"/>
-                <a:gd name="T22" fmla="*/ 57 w 107"/>
-                <a:gd name="T23" fmla="*/ 122 h 128"/>
-                <a:gd name="T24" fmla="*/ 56 w 107"/>
-                <a:gd name="T25" fmla="*/ 122 h 128"/>
-                <a:gd name="T26" fmla="*/ 54 w 107"/>
-                <a:gd name="T27" fmla="*/ 120 h 128"/>
-                <a:gd name="T28" fmla="*/ 51 w 107"/>
-                <a:gd name="T29" fmla="*/ 122 h 128"/>
-                <a:gd name="T30" fmla="*/ 50 w 107"/>
-                <a:gd name="T31" fmla="*/ 122 h 128"/>
-                <a:gd name="T32" fmla="*/ 47 w 107"/>
-                <a:gd name="T33" fmla="*/ 119 h 128"/>
-                <a:gd name="T34" fmla="*/ 37 w 107"/>
-                <a:gd name="T35" fmla="*/ 48 h 128"/>
-                <a:gd name="T36" fmla="*/ 40 w 107"/>
-                <a:gd name="T37" fmla="*/ 44 h 128"/>
-                <a:gd name="T38" fmla="*/ 44 w 107"/>
-                <a:gd name="T39" fmla="*/ 47 h 128"/>
-                <a:gd name="T40" fmla="*/ 54 w 107"/>
-                <a:gd name="T41" fmla="*/ 112 h 128"/>
-                <a:gd name="T42" fmla="*/ 63 w 107"/>
-                <a:gd name="T43" fmla="*/ 47 h 128"/>
-                <a:gd name="T44" fmla="*/ 67 w 107"/>
-                <a:gd name="T45" fmla="*/ 44 h 128"/>
-                <a:gd name="T46" fmla="*/ 70 w 107"/>
-                <a:gd name="T47" fmla="*/ 48 h 128"/>
-                <a:gd name="T48" fmla="*/ 60 w 107"/>
-                <a:gd name="T49" fmla="*/ 119 h 128"/>
-              </a:gdLst>
-              <a:ahLst/>
-              <a:cxnLst>
-                <a:cxn ang="0">
-                  <a:pos x="T0" y="T1"/>
-                </a:cxn>
-                <a:cxn ang="0">
-                  <a:pos x="T2" y="T3"/>
-                </a:cxn>
-                <a:cxn ang="0">
-                  <a:pos x="T4" y="T5"/>
-                </a:cxn>
-                <a:cxn ang="0">
-                  <a:pos x="T6" y="T7"/>
-                </a:cxn>
-                <a:cxn ang="0">
-                  <a:pos x="T8" y="T9"/>
-                </a:cxn>
-                <a:cxn ang="0">
-                  <a:pos x="T10" y="T11"/>
-                </a:cxn>
-                <a:cxn ang="0">
-                  <a:pos x="T12" y="T13"/>
-                </a:cxn>
-                <a:cxn ang="0">
-                  <a:pos x="T14" y="T15"/>
-                </a:cxn>
-                <a:cxn ang="0">
-                  <a:pos x="T16" y="T17"/>
-                </a:cxn>
-                <a:cxn ang="0">
-                  <a:pos x="T18" y="T19"/>
-                </a:cxn>
-                <a:cxn ang="0">
-                  <a:pos x="T20" y="T21"/>
-                </a:cxn>
-                <a:cxn ang="0">
-                  <a:pos x="T22" y="T23"/>
-                </a:cxn>
-                <a:cxn ang="0">
-                  <a:pos x="T24" y="T25"/>
-                </a:cxn>
-                <a:cxn ang="0">
-                  <a:pos x="T26" y="T27"/>
-                </a:cxn>
-                <a:cxn ang="0">
-                  <a:pos x="T28" y="T29"/>
-                </a:cxn>
-                <a:cxn ang="0">
-                  <a:pos x="T30" y="T31"/>
-                </a:cxn>
-                <a:cxn ang="0">
-                  <a:pos x="T32" y="T33"/>
-                </a:cxn>
-                <a:cxn ang="0">
-                  <a:pos x="T34" y="T35"/>
-                </a:cxn>
-                <a:cxn ang="0">
-                  <a:pos x="T36" y="T37"/>
-                </a:cxn>
-                <a:cxn ang="0">
-                  <a:pos x="T38" y="T39"/>
-                </a:cxn>
-                <a:cxn ang="0">
-                  <a:pos x="T40" y="T41"/>
-                </a:cxn>
-                <a:cxn ang="0">
-                  <a:pos x="T42" y="T43"/>
-                </a:cxn>
-                <a:cxn ang="0">
-                  <a:pos x="T44" y="T45"/>
-                </a:cxn>
-                <a:cxn ang="0">
-                  <a:pos x="T46" y="T47"/>
-                </a:cxn>
-                <a:cxn ang="0">
-                  <a:pos x="T48" y="T49"/>
-                </a:cxn>
-              </a:cxnLst>
-              <a:rect l="0" t="0" r="r" b="b"/>
-              <a:pathLst>
-                <a:path w="107" h="128">
-                  <a:moveTo>
-                    <a:pt x="54" y="0"/>
-                  </a:moveTo>
-                  <a:cubicBezTo>
-                    <a:pt x="24" y="0"/>
-                    <a:pt x="0" y="23"/>
-                    <a:pt x="0" y="52"/>
-                  </a:cubicBezTo>
-                  <a:cubicBezTo>
-                    <a:pt x="0" y="71"/>
-                    <a:pt x="11" y="89"/>
-                    <a:pt x="28" y="98"/>
-                  </a:cubicBezTo>
-                  <a:cubicBezTo>
-                    <a:pt x="39" y="128"/>
-                    <a:pt x="39" y="128"/>
-                    <a:pt x="39" y="128"/>
-                  </a:cubicBezTo>
-                  <a:cubicBezTo>
-                    <a:pt x="40" y="128"/>
-                    <a:pt x="40" y="128"/>
-                    <a:pt x="40" y="128"/>
-                  </a:cubicBezTo>
-                  <a:cubicBezTo>
-                    <a:pt x="67" y="128"/>
-                    <a:pt x="67" y="128"/>
-                    <a:pt x="67" y="128"/>
-                  </a:cubicBezTo>
-                  <a:cubicBezTo>
-                    <a:pt x="67" y="128"/>
-                    <a:pt x="68" y="128"/>
-                    <a:pt x="68" y="128"/>
-                  </a:cubicBezTo>
-                  <a:cubicBezTo>
-                    <a:pt x="79" y="98"/>
-                    <a:pt x="79" y="98"/>
-                    <a:pt x="79" y="98"/>
-                  </a:cubicBezTo>
-                  <a:cubicBezTo>
-                    <a:pt x="96" y="89"/>
-                    <a:pt x="107" y="71"/>
-                    <a:pt x="107" y="52"/>
-                  </a:cubicBezTo>
-                  <a:cubicBezTo>
-                    <a:pt x="107" y="23"/>
-                    <a:pt x="83" y="0"/>
-                    <a:pt x="54" y="0"/>
-                  </a:cubicBezTo>
-                  <a:close/>
-                  <a:moveTo>
-                    <a:pt x="60" y="119"/>
-                  </a:moveTo>
-                  <a:cubicBezTo>
-                    <a:pt x="60" y="121"/>
-                    <a:pt x="59" y="122"/>
-                    <a:pt x="57" y="122"/>
-                  </a:cubicBezTo>
-                  <a:cubicBezTo>
-                    <a:pt x="56" y="122"/>
-                    <a:pt x="56" y="122"/>
-                    <a:pt x="56" y="122"/>
-                  </a:cubicBezTo>
-                  <a:cubicBezTo>
-                    <a:pt x="55" y="122"/>
-                    <a:pt x="54" y="121"/>
-                    <a:pt x="54" y="120"/>
-                  </a:cubicBezTo>
-                  <a:cubicBezTo>
-                    <a:pt x="53" y="121"/>
-                    <a:pt x="52" y="122"/>
-                    <a:pt x="51" y="122"/>
-                  </a:cubicBezTo>
-                  <a:cubicBezTo>
-                    <a:pt x="51" y="122"/>
-                    <a:pt x="51" y="122"/>
-                    <a:pt x="50" y="122"/>
-                  </a:cubicBezTo>
-                  <a:cubicBezTo>
-                    <a:pt x="49" y="122"/>
-                    <a:pt x="47" y="121"/>
-                    <a:pt x="47" y="119"/>
-                  </a:cubicBezTo>
-                  <a:cubicBezTo>
-                    <a:pt x="37" y="48"/>
-                    <a:pt x="37" y="48"/>
-                    <a:pt x="37" y="48"/>
-                  </a:cubicBezTo>
-                  <a:cubicBezTo>
-                    <a:pt x="36" y="46"/>
-                    <a:pt x="38" y="44"/>
-                    <a:pt x="40" y="44"/>
-                  </a:cubicBezTo>
-                  <a:cubicBezTo>
-                    <a:pt x="42" y="43"/>
-                    <a:pt x="44" y="45"/>
-                    <a:pt x="44" y="47"/>
-                  </a:cubicBezTo>
-                  <a:cubicBezTo>
-                    <a:pt x="54" y="112"/>
-                    <a:pt x="54" y="112"/>
-                    <a:pt x="54" y="112"/>
-                  </a:cubicBezTo>
-                  <a:cubicBezTo>
-                    <a:pt x="63" y="47"/>
-                    <a:pt x="63" y="47"/>
-                    <a:pt x="63" y="47"/>
-                  </a:cubicBezTo>
-                  <a:cubicBezTo>
-                    <a:pt x="63" y="45"/>
-                    <a:pt x="65" y="43"/>
-                    <a:pt x="67" y="44"/>
-                  </a:cubicBezTo>
-                  <a:cubicBezTo>
-                    <a:pt x="69" y="44"/>
-                    <a:pt x="71" y="46"/>
-                    <a:pt x="70" y="48"/>
-                  </a:cubicBezTo>
-                  <a:lnTo>
-                    <a:pt x="60" y="119"/>
-                  </a:lnTo>
-                  <a:close/>
-                </a:path>
-              </a:pathLst>
-            </a:custGeom>
-            <a:solidFill>
-              <a:srgbClr val="000000"/>
-            </a:solidFill>
-            <a:ln>
-              <a:noFill/>
-            </a:ln>
-            <a:extLst>
-              <a:ext uri="{91240B29-F687-4F45-9708-019B960494DF}">
-                <a14:hiddenLine xmlns:a14="http://schemas.microsoft.com/office/drawing/2010/main" w="9525">
-                  <a:solidFill>
-                    <a:srgbClr val="000000"/>
-                  </a:solidFill>
-                  <a:round/>
-                  <a:headEnd/>
-                  <a:tailEnd/>
-                </a14:hiddenLine>
-              </a:ext>
-            </a:extLst>
-          </p:spPr>
-          <p:txBody>
-            <a:bodyPr vert="horz" wrap="square" lIns="91440" tIns="45720" rIns="91440" bIns="45720" numCol="1" anchor="t" anchorCtr="0" compatLnSpc="1">
-              <a:prstTxWarp prst="textNoShape">
-                <a:avLst/>
-              </a:prstTxWarp>
-            </a:bodyPr>
-            <a:lstStyle/>
-            <a:p>
-              <a:endParaRPr lang="zh-CN" altLang="en-US"/>
-            </a:p>
-          </p:txBody>
-        </p:sp>
-      </p:grpSp>
     </p:spTree>
     <p:extLst>
       <p:ext uri="{BB962C8B-B14F-4D97-AF65-F5344CB8AC3E}">
@@ -28695,7 +23234,7 @@
         </p:nvGrpSpPr>
         <p:grpSpPr>
           <a:xfrm>
-            <a:off x="2108367" y="1900324"/>
+            <a:off x="2108367" y="3139464"/>
             <a:ext cx="1392790" cy="627259"/>
             <a:chOff x="888096" y="1000203"/>
             <a:chExt cx="4259825" cy="944066"/>
@@ -28999,7 +23538,7 @@
         </p:nvGrpSpPr>
         <p:grpSpPr>
           <a:xfrm>
-            <a:off x="4095545" y="1966852"/>
+            <a:off x="4095545" y="3205992"/>
             <a:ext cx="2541596" cy="509896"/>
             <a:chOff x="888096" y="1000203"/>
             <a:chExt cx="4259825" cy="944066"/>
@@ -29303,7 +23842,7 @@
         </p:nvGrpSpPr>
         <p:grpSpPr>
           <a:xfrm>
-            <a:off x="7561947" y="923802"/>
+            <a:off x="7561947" y="1718558"/>
             <a:ext cx="4252527" cy="509896"/>
             <a:chOff x="888096" y="1000203"/>
             <a:chExt cx="4259825" cy="944066"/>
@@ -29611,7 +24150,7 @@
         </p:nvCxnSpPr>
         <p:spPr>
           <a:xfrm>
-            <a:off x="3488984" y="2220220"/>
+            <a:off x="3488984" y="3459360"/>
             <a:ext cx="620361" cy="6674"/>
           </a:xfrm>
           <a:prstGeom prst="line">
@@ -29651,7 +24190,7 @@
         </p:nvCxnSpPr>
         <p:spPr>
           <a:xfrm flipV="1">
-            <a:off x="6614929" y="2220220"/>
+            <a:off x="6614929" y="3459360"/>
             <a:ext cx="454751" cy="6674"/>
           </a:xfrm>
           <a:prstGeom prst="line">
@@ -29688,7 +24227,7 @@
         </p:nvSpPr>
         <p:spPr>
           <a:xfrm>
-            <a:off x="2171515" y="1971153"/>
+            <a:off x="2171515" y="3210293"/>
             <a:ext cx="1261884" cy="523220"/>
           </a:xfrm>
           <a:prstGeom prst="rect">
@@ -29725,7 +24264,7 @@
         </p:nvSpPr>
         <p:spPr>
           <a:xfrm>
-            <a:off x="4226452" y="2047943"/>
+            <a:off x="4226452" y="3287083"/>
             <a:ext cx="2337398" cy="369332"/>
           </a:xfrm>
           <a:prstGeom prst="rect">
@@ -29804,7 +24343,7 @@
         </p:nvSpPr>
         <p:spPr>
           <a:xfrm>
-            <a:off x="7696000" y="1024862"/>
+            <a:off x="7696000" y="1819618"/>
             <a:ext cx="3754531" cy="307777"/>
           </a:xfrm>
           <a:prstGeom prst="rect">
@@ -29897,9 +24436,9 @@
           <p:nvPr/>
         </p:nvCxnSpPr>
         <p:spPr>
-          <a:xfrm flipH="1">
-            <a:off x="7069680" y="476696"/>
-            <a:ext cx="9526" cy="3470585"/>
+          <a:xfrm>
+            <a:off x="7069680" y="957129"/>
+            <a:ext cx="19050" cy="5037295"/>
           </a:xfrm>
           <a:prstGeom prst="line">
             <a:avLst/>
@@ -29938,13 +24477,14 @@
           </p:cNvPr>
           <p:cNvCxnSpPr>
             <a:cxnSpLocks/>
+            <a:endCxn id="236" idx="1"/>
           </p:cNvCxnSpPr>
           <p:nvPr/>
         </p:nvCxnSpPr>
         <p:spPr>
           <a:xfrm>
-            <a:off x="7069680" y="480181"/>
-            <a:ext cx="511317" cy="4700"/>
+            <a:off x="7069680" y="949665"/>
+            <a:ext cx="504669" cy="11768"/>
           </a:xfrm>
           <a:prstGeom prst="line">
             <a:avLst/>
@@ -29986,7 +24526,7 @@
         </p:nvGrpSpPr>
         <p:grpSpPr>
           <a:xfrm>
-            <a:off x="7551260" y="247992"/>
+            <a:off x="7551260" y="701391"/>
             <a:ext cx="4252527" cy="509896"/>
             <a:chOff x="888096" y="1000203"/>
             <a:chExt cx="4259825" cy="944066"/>
@@ -30326,7 +24866,7 @@
         </p:nvSpPr>
         <p:spPr>
           <a:xfrm>
-            <a:off x="7685313" y="349052"/>
+            <a:off x="7685313" y="789751"/>
             <a:ext cx="3754531" cy="307777"/>
           </a:xfrm>
           <a:prstGeom prst="rect">
@@ -30407,7 +24947,7 @@
         </p:nvCxnSpPr>
         <p:spPr>
           <a:xfrm>
-            <a:off x="7069680" y="1194556"/>
+            <a:off x="7069680" y="1989312"/>
             <a:ext cx="511317" cy="4700"/>
           </a:xfrm>
           <a:prstGeom prst="line">
@@ -30450,7 +24990,7 @@
         </p:nvGrpSpPr>
         <p:grpSpPr>
           <a:xfrm>
-            <a:off x="7571472" y="1638177"/>
+            <a:off x="7571472" y="2646580"/>
             <a:ext cx="4252527" cy="509896"/>
             <a:chOff x="888096" y="1000203"/>
             <a:chExt cx="4259825" cy="944066"/>
@@ -30790,7 +25330,7 @@
         </p:nvSpPr>
         <p:spPr>
           <a:xfrm>
-            <a:off x="7705525" y="1739237"/>
+            <a:off x="7705525" y="2747640"/>
             <a:ext cx="3754531" cy="307777"/>
           </a:xfrm>
           <a:prstGeom prst="rect">
@@ -30845,7 +25385,7 @@
         </p:nvCxnSpPr>
         <p:spPr>
           <a:xfrm>
-            <a:off x="7079205" y="1908931"/>
+            <a:off x="7079205" y="2917334"/>
             <a:ext cx="511317" cy="4700"/>
           </a:xfrm>
           <a:prstGeom prst="line">
@@ -30888,7 +25428,7 @@
         </p:nvGrpSpPr>
         <p:grpSpPr>
           <a:xfrm>
-            <a:off x="7561947" y="2295402"/>
+            <a:off x="7561947" y="3662732"/>
             <a:ext cx="4252527" cy="509896"/>
             <a:chOff x="888096" y="1000203"/>
             <a:chExt cx="4259825" cy="944066"/>
@@ -31228,7 +25768,7 @@
         </p:nvSpPr>
         <p:spPr>
           <a:xfrm>
-            <a:off x="7696000" y="2396462"/>
+            <a:off x="7696000" y="3763792"/>
             <a:ext cx="3754531" cy="307777"/>
           </a:xfrm>
           <a:prstGeom prst="rect">
@@ -31283,7 +25823,7 @@
         </p:nvCxnSpPr>
         <p:spPr>
           <a:xfrm>
-            <a:off x="7069680" y="2547106"/>
+            <a:off x="7069680" y="3914436"/>
             <a:ext cx="511317" cy="4700"/>
           </a:xfrm>
           <a:prstGeom prst="line">
@@ -31326,7 +25866,7 @@
         </p:nvGrpSpPr>
         <p:grpSpPr>
           <a:xfrm>
-            <a:off x="7571472" y="3676527"/>
+            <a:off x="7571472" y="5718970"/>
             <a:ext cx="4252527" cy="509896"/>
             <a:chOff x="888096" y="1000203"/>
             <a:chExt cx="4259825" cy="944066"/>
@@ -31666,7 +26206,7 @@
         </p:nvSpPr>
         <p:spPr>
           <a:xfrm>
-            <a:off x="7705525" y="3777587"/>
+            <a:off x="7705525" y="5820030"/>
             <a:ext cx="3754531" cy="307777"/>
           </a:xfrm>
           <a:prstGeom prst="rect">
@@ -31721,7 +26261,7 @@
         </p:nvCxnSpPr>
         <p:spPr>
           <a:xfrm>
-            <a:off x="7088730" y="3213856"/>
+            <a:off x="7088730" y="4905923"/>
             <a:ext cx="511317" cy="4700"/>
           </a:xfrm>
           <a:prstGeom prst="line">
@@ -31764,7 +26304,7 @@
         </p:nvGrpSpPr>
         <p:grpSpPr>
           <a:xfrm>
-            <a:off x="7570310" y="2981667"/>
+            <a:off x="7570310" y="4673734"/>
             <a:ext cx="4252527" cy="509896"/>
             <a:chOff x="888096" y="1000203"/>
             <a:chExt cx="4259825" cy="944066"/>
@@ -32104,7 +26644,7 @@
         </p:nvSpPr>
         <p:spPr>
           <a:xfrm>
-            <a:off x="7704363" y="3082727"/>
+            <a:off x="7704363" y="4774794"/>
             <a:ext cx="3754531" cy="307777"/>
           </a:xfrm>
           <a:prstGeom prst="rect">
@@ -32159,2269 +26699,7 @@
         </p:nvCxnSpPr>
         <p:spPr>
           <a:xfrm>
-            <a:off x="7079205" y="3947281"/>
-            <a:ext cx="511317" cy="4700"/>
-          </a:xfrm>
-          <a:prstGeom prst="line">
-            <a:avLst/>
-          </a:prstGeom>
-          <a:ln>
-            <a:solidFill>
-              <a:schemeClr val="bg1">
-                <a:lumMod val="65000"/>
-              </a:schemeClr>
-            </a:solidFill>
-          </a:ln>
-        </p:spPr>
-        <p:style>
-          <a:lnRef idx="1">
-            <a:schemeClr val="accent1"/>
-          </a:lnRef>
-          <a:fillRef idx="0">
-            <a:schemeClr val="accent1"/>
-          </a:fillRef>
-          <a:effectRef idx="0">
-            <a:schemeClr val="accent1"/>
-          </a:effectRef>
-          <a:fontRef idx="minor">
-            <a:schemeClr val="tx1"/>
-          </a:fontRef>
-        </p:style>
-      </p:cxnSp>
-      <p:grpSp>
-        <p:nvGrpSpPr>
-          <p:cNvPr id="103" name="组合 102">
-            <a:extLst>
-              <a:ext uri="{FF2B5EF4-FFF2-40B4-BE49-F238E27FC236}">
-                <a16:creationId xmlns:a16="http://schemas.microsoft.com/office/drawing/2014/main" id="{B65C4686-25B1-4B76-AF85-1758E2DC3C00}"/>
-              </a:ext>
-            </a:extLst>
-          </p:cNvPr>
-          <p:cNvGrpSpPr/>
-          <p:nvPr/>
-        </p:nvGrpSpPr>
-        <p:grpSpPr>
-          <a:xfrm>
-            <a:off x="2115929" y="5386573"/>
-            <a:ext cx="1392790" cy="627259"/>
-            <a:chOff x="888096" y="1000203"/>
-            <a:chExt cx="4259825" cy="944066"/>
-          </a:xfrm>
-        </p:grpSpPr>
-        <p:sp>
-          <p:nvSpPr>
-            <p:cNvPr id="104" name="矩形 103">
-              <a:extLst>
-                <a:ext uri="{FF2B5EF4-FFF2-40B4-BE49-F238E27FC236}">
-                  <a16:creationId xmlns:a16="http://schemas.microsoft.com/office/drawing/2014/main" id="{98FEA9E4-8E87-4763-914A-6BF5150659DE}"/>
-                </a:ext>
-              </a:extLst>
-            </p:cNvPr>
-            <p:cNvSpPr/>
-            <p:nvPr/>
-          </p:nvSpPr>
-          <p:spPr>
-            <a:xfrm>
-              <a:off x="911225" y="1045634"/>
-              <a:ext cx="4199467" cy="872066"/>
-            </a:xfrm>
-            <a:prstGeom prst="rect">
-              <a:avLst/>
-            </a:prstGeom>
-            <a:noFill/>
-            <a:ln>
-              <a:solidFill>
-                <a:schemeClr val="bg1">
-                  <a:lumMod val="75000"/>
-                </a:schemeClr>
-              </a:solidFill>
-            </a:ln>
-          </p:spPr>
-          <p:style>
-            <a:lnRef idx="2">
-              <a:schemeClr val="accent1">
-                <a:shade val="50000"/>
-              </a:schemeClr>
-            </a:lnRef>
-            <a:fillRef idx="1">
-              <a:schemeClr val="accent1"/>
-            </a:fillRef>
-            <a:effectRef idx="0">
-              <a:schemeClr val="accent1"/>
-            </a:effectRef>
-            <a:fontRef idx="minor">
-              <a:schemeClr val="lt1"/>
-            </a:fontRef>
-          </p:style>
-          <p:txBody>
-            <a:bodyPr rot="0" spcFirstLastPara="0" vertOverflow="overflow" horzOverflow="overflow" vert="horz" wrap="square" lIns="91440" tIns="45720" rIns="91440" bIns="45720" numCol="1" spcCol="0" rtlCol="0" fromWordArt="0" anchor="ctr" anchorCtr="0" forceAA="0" compatLnSpc="1">
-              <a:prstTxWarp prst="textNoShape">
-                <a:avLst/>
-              </a:prstTxWarp>
-              <a:noAutofit/>
-            </a:bodyPr>
-            <a:lstStyle/>
-            <a:p>
-              <a:pPr algn="ctr"/>
-              <a:endParaRPr lang="zh-CN" altLang="en-US">
-                <a:latin typeface="Arial" panose="020B0604020202020204" pitchFamily="34" charset="0"/>
-                <a:ea typeface="微软雅黑" panose="020B0503020204020204" pitchFamily="34" charset="-122"/>
-                <a:sym typeface="Arial" panose="020B0604020202020204" pitchFamily="34" charset="0"/>
-              </a:endParaRPr>
-            </a:p>
-          </p:txBody>
-        </p:sp>
-        <p:sp>
-          <p:nvSpPr>
-            <p:cNvPr id="105" name="椭圆 104">
-              <a:extLst>
-                <a:ext uri="{FF2B5EF4-FFF2-40B4-BE49-F238E27FC236}">
-                  <a16:creationId xmlns:a16="http://schemas.microsoft.com/office/drawing/2014/main" id="{DD71B92D-7FA3-4BBB-ABF7-B6AF1240FE5C}"/>
-                </a:ext>
-              </a:extLst>
-            </p:cNvPr>
-            <p:cNvSpPr/>
-            <p:nvPr/>
-          </p:nvSpPr>
-          <p:spPr>
-            <a:xfrm>
-              <a:off x="888096" y="1000203"/>
-              <a:ext cx="72000" cy="72000"/>
-            </a:xfrm>
-            <a:prstGeom prst="ellipse">
-              <a:avLst/>
-            </a:prstGeom>
-            <a:solidFill>
-              <a:schemeClr val="tx1">
-                <a:lumMod val="65000"/>
-                <a:lumOff val="35000"/>
-              </a:schemeClr>
-            </a:solidFill>
-            <a:ln>
-              <a:noFill/>
-            </a:ln>
-          </p:spPr>
-          <p:style>
-            <a:lnRef idx="2">
-              <a:schemeClr val="accent1">
-                <a:shade val="50000"/>
-              </a:schemeClr>
-            </a:lnRef>
-            <a:fillRef idx="1">
-              <a:schemeClr val="accent1"/>
-            </a:fillRef>
-            <a:effectRef idx="0">
-              <a:schemeClr val="accent1"/>
-            </a:effectRef>
-            <a:fontRef idx="minor">
-              <a:schemeClr val="lt1"/>
-            </a:fontRef>
-          </p:style>
-          <p:txBody>
-            <a:bodyPr rot="0" spcFirstLastPara="0" vertOverflow="overflow" horzOverflow="overflow" vert="horz" wrap="square" lIns="91440" tIns="45720" rIns="91440" bIns="45720" numCol="1" spcCol="0" rtlCol="0" fromWordArt="0" anchor="ctr" anchorCtr="0" forceAA="0" compatLnSpc="1">
-              <a:prstTxWarp prst="textNoShape">
-                <a:avLst/>
-              </a:prstTxWarp>
-              <a:noAutofit/>
-            </a:bodyPr>
-            <a:lstStyle/>
-            <a:p>
-              <a:pPr algn="ctr"/>
-              <a:endParaRPr lang="zh-CN" altLang="en-US">
-                <a:latin typeface="Arial" panose="020B0604020202020204" pitchFamily="34" charset="0"/>
-                <a:ea typeface="微软雅黑" panose="020B0503020204020204" pitchFamily="34" charset="-122"/>
-                <a:sym typeface="Arial" panose="020B0604020202020204" pitchFamily="34" charset="0"/>
-              </a:endParaRPr>
-            </a:p>
-          </p:txBody>
-        </p:sp>
-        <p:sp>
-          <p:nvSpPr>
-            <p:cNvPr id="106" name="椭圆 105">
-              <a:extLst>
-                <a:ext uri="{FF2B5EF4-FFF2-40B4-BE49-F238E27FC236}">
-                  <a16:creationId xmlns:a16="http://schemas.microsoft.com/office/drawing/2014/main" id="{9BC17CA7-A868-4F16-846A-1FA6A670C175}"/>
-                </a:ext>
-              </a:extLst>
-            </p:cNvPr>
-            <p:cNvSpPr/>
-            <p:nvPr/>
-          </p:nvSpPr>
-          <p:spPr>
-            <a:xfrm>
-              <a:off x="888096" y="1872269"/>
-              <a:ext cx="72000" cy="72000"/>
-            </a:xfrm>
-            <a:prstGeom prst="ellipse">
-              <a:avLst/>
-            </a:prstGeom>
-            <a:solidFill>
-              <a:schemeClr val="tx1">
-                <a:lumMod val="65000"/>
-                <a:lumOff val="35000"/>
-              </a:schemeClr>
-            </a:solidFill>
-            <a:ln>
-              <a:noFill/>
-            </a:ln>
-          </p:spPr>
-          <p:style>
-            <a:lnRef idx="2">
-              <a:schemeClr val="accent1">
-                <a:shade val="50000"/>
-              </a:schemeClr>
-            </a:lnRef>
-            <a:fillRef idx="1">
-              <a:schemeClr val="accent1"/>
-            </a:fillRef>
-            <a:effectRef idx="0">
-              <a:schemeClr val="accent1"/>
-            </a:effectRef>
-            <a:fontRef idx="minor">
-              <a:schemeClr val="lt1"/>
-            </a:fontRef>
-          </p:style>
-          <p:txBody>
-            <a:bodyPr rot="0" spcFirstLastPara="0" vertOverflow="overflow" horzOverflow="overflow" vert="horz" wrap="square" lIns="91440" tIns="45720" rIns="91440" bIns="45720" numCol="1" spcCol="0" rtlCol="0" fromWordArt="0" anchor="ctr" anchorCtr="0" forceAA="0" compatLnSpc="1">
-              <a:prstTxWarp prst="textNoShape">
-                <a:avLst/>
-              </a:prstTxWarp>
-              <a:noAutofit/>
-            </a:bodyPr>
-            <a:lstStyle/>
-            <a:p>
-              <a:pPr algn="ctr"/>
-              <a:endParaRPr lang="zh-CN" altLang="en-US">
-                <a:latin typeface="Arial" panose="020B0604020202020204" pitchFamily="34" charset="0"/>
-                <a:ea typeface="微软雅黑" panose="020B0503020204020204" pitchFamily="34" charset="-122"/>
-                <a:sym typeface="Arial" panose="020B0604020202020204" pitchFamily="34" charset="0"/>
-              </a:endParaRPr>
-            </a:p>
-          </p:txBody>
-        </p:sp>
-        <p:sp>
-          <p:nvSpPr>
-            <p:cNvPr id="107" name="椭圆 106">
-              <a:extLst>
-                <a:ext uri="{FF2B5EF4-FFF2-40B4-BE49-F238E27FC236}">
-                  <a16:creationId xmlns:a16="http://schemas.microsoft.com/office/drawing/2014/main" id="{096899C0-2B68-4262-8D3F-A39183C97F54}"/>
-                </a:ext>
-              </a:extLst>
-            </p:cNvPr>
-            <p:cNvSpPr/>
-            <p:nvPr/>
-          </p:nvSpPr>
-          <p:spPr>
-            <a:xfrm>
-              <a:off x="5075921" y="1872269"/>
-              <a:ext cx="72000" cy="72000"/>
-            </a:xfrm>
-            <a:prstGeom prst="ellipse">
-              <a:avLst/>
-            </a:prstGeom>
-            <a:solidFill>
-              <a:schemeClr val="tx1">
-                <a:lumMod val="65000"/>
-                <a:lumOff val="35000"/>
-              </a:schemeClr>
-            </a:solidFill>
-            <a:ln>
-              <a:noFill/>
-            </a:ln>
-          </p:spPr>
-          <p:style>
-            <a:lnRef idx="2">
-              <a:schemeClr val="accent1">
-                <a:shade val="50000"/>
-              </a:schemeClr>
-            </a:lnRef>
-            <a:fillRef idx="1">
-              <a:schemeClr val="accent1"/>
-            </a:fillRef>
-            <a:effectRef idx="0">
-              <a:schemeClr val="accent1"/>
-            </a:effectRef>
-            <a:fontRef idx="minor">
-              <a:schemeClr val="lt1"/>
-            </a:fontRef>
-          </p:style>
-          <p:txBody>
-            <a:bodyPr rot="0" spcFirstLastPara="0" vertOverflow="overflow" horzOverflow="overflow" vert="horz" wrap="square" lIns="91440" tIns="45720" rIns="91440" bIns="45720" numCol="1" spcCol="0" rtlCol="0" fromWordArt="0" anchor="ctr" anchorCtr="0" forceAA="0" compatLnSpc="1">
-              <a:prstTxWarp prst="textNoShape">
-                <a:avLst/>
-              </a:prstTxWarp>
-              <a:noAutofit/>
-            </a:bodyPr>
-            <a:lstStyle/>
-            <a:p>
-              <a:pPr algn="ctr"/>
-              <a:endParaRPr lang="zh-CN" altLang="en-US">
-                <a:latin typeface="Arial" panose="020B0604020202020204" pitchFamily="34" charset="0"/>
-                <a:ea typeface="微软雅黑" panose="020B0503020204020204" pitchFamily="34" charset="-122"/>
-                <a:sym typeface="Arial" panose="020B0604020202020204" pitchFamily="34" charset="0"/>
-              </a:endParaRPr>
-            </a:p>
-          </p:txBody>
-        </p:sp>
-        <p:sp>
-          <p:nvSpPr>
-            <p:cNvPr id="108" name="椭圆 107">
-              <a:extLst>
-                <a:ext uri="{FF2B5EF4-FFF2-40B4-BE49-F238E27FC236}">
-                  <a16:creationId xmlns:a16="http://schemas.microsoft.com/office/drawing/2014/main" id="{CB1E51CF-B422-4A49-862E-337AB47462FB}"/>
-                </a:ext>
-              </a:extLst>
-            </p:cNvPr>
-            <p:cNvSpPr/>
-            <p:nvPr/>
-          </p:nvSpPr>
-          <p:spPr>
-            <a:xfrm>
-              <a:off x="5074692" y="1009634"/>
-              <a:ext cx="72000" cy="72000"/>
-            </a:xfrm>
-            <a:prstGeom prst="ellipse">
-              <a:avLst/>
-            </a:prstGeom>
-            <a:solidFill>
-              <a:schemeClr val="tx1">
-                <a:lumMod val="65000"/>
-                <a:lumOff val="35000"/>
-              </a:schemeClr>
-            </a:solidFill>
-            <a:ln>
-              <a:noFill/>
-            </a:ln>
-          </p:spPr>
-          <p:style>
-            <a:lnRef idx="2">
-              <a:schemeClr val="accent1">
-                <a:shade val="50000"/>
-              </a:schemeClr>
-            </a:lnRef>
-            <a:fillRef idx="1">
-              <a:schemeClr val="accent1"/>
-            </a:fillRef>
-            <a:effectRef idx="0">
-              <a:schemeClr val="accent1"/>
-            </a:effectRef>
-            <a:fontRef idx="minor">
-              <a:schemeClr val="lt1"/>
-            </a:fontRef>
-          </p:style>
-          <p:txBody>
-            <a:bodyPr rot="0" spcFirstLastPara="0" vertOverflow="overflow" horzOverflow="overflow" vert="horz" wrap="square" lIns="91440" tIns="45720" rIns="91440" bIns="45720" numCol="1" spcCol="0" rtlCol="0" fromWordArt="0" anchor="ctr" anchorCtr="0" forceAA="0" compatLnSpc="1">
-              <a:prstTxWarp prst="textNoShape">
-                <a:avLst/>
-              </a:prstTxWarp>
-              <a:noAutofit/>
-            </a:bodyPr>
-            <a:lstStyle/>
-            <a:p>
-              <a:pPr algn="ctr"/>
-              <a:endParaRPr lang="zh-CN" altLang="en-US">
-                <a:latin typeface="Arial" panose="020B0604020202020204" pitchFamily="34" charset="0"/>
-                <a:ea typeface="微软雅黑" panose="020B0503020204020204" pitchFamily="34" charset="-122"/>
-                <a:sym typeface="Arial" panose="020B0604020202020204" pitchFamily="34" charset="0"/>
-              </a:endParaRPr>
-            </a:p>
-          </p:txBody>
-        </p:sp>
-      </p:grpSp>
-      <p:grpSp>
-        <p:nvGrpSpPr>
-          <p:cNvPr id="109" name="组合 108">
-            <a:extLst>
-              <a:ext uri="{FF2B5EF4-FFF2-40B4-BE49-F238E27FC236}">
-                <a16:creationId xmlns:a16="http://schemas.microsoft.com/office/drawing/2014/main" id="{EBE5149F-8BC1-4B0F-84F0-9802BEBD5092}"/>
-              </a:ext>
-            </a:extLst>
-          </p:cNvPr>
-          <p:cNvGrpSpPr/>
-          <p:nvPr/>
-        </p:nvGrpSpPr>
-        <p:grpSpPr>
-          <a:xfrm>
-            <a:off x="4331706" y="6110326"/>
-            <a:ext cx="2757023" cy="509896"/>
-            <a:chOff x="888096" y="1000203"/>
-            <a:chExt cx="4259825" cy="944066"/>
-          </a:xfrm>
-        </p:grpSpPr>
-        <p:sp>
-          <p:nvSpPr>
-            <p:cNvPr id="110" name="矩形 109">
-              <a:extLst>
-                <a:ext uri="{FF2B5EF4-FFF2-40B4-BE49-F238E27FC236}">
-                  <a16:creationId xmlns:a16="http://schemas.microsoft.com/office/drawing/2014/main" id="{1B0C3D81-3DF0-40FB-A18E-5B1FF713018E}"/>
-                </a:ext>
-              </a:extLst>
-            </p:cNvPr>
-            <p:cNvSpPr/>
-            <p:nvPr/>
-          </p:nvSpPr>
-          <p:spPr>
-            <a:xfrm>
-              <a:off x="911225" y="1045634"/>
-              <a:ext cx="4199467" cy="872066"/>
-            </a:xfrm>
-            <a:prstGeom prst="rect">
-              <a:avLst/>
-            </a:prstGeom>
-            <a:noFill/>
-            <a:ln>
-              <a:solidFill>
-                <a:schemeClr val="bg1">
-                  <a:lumMod val="75000"/>
-                </a:schemeClr>
-              </a:solidFill>
-            </a:ln>
-          </p:spPr>
-          <p:style>
-            <a:lnRef idx="2">
-              <a:schemeClr val="accent1">
-                <a:shade val="50000"/>
-              </a:schemeClr>
-            </a:lnRef>
-            <a:fillRef idx="1">
-              <a:schemeClr val="accent1"/>
-            </a:fillRef>
-            <a:effectRef idx="0">
-              <a:schemeClr val="accent1"/>
-            </a:effectRef>
-            <a:fontRef idx="minor">
-              <a:schemeClr val="lt1"/>
-            </a:fontRef>
-          </p:style>
-          <p:txBody>
-            <a:bodyPr rot="0" spcFirstLastPara="0" vertOverflow="overflow" horzOverflow="overflow" vert="horz" wrap="square" lIns="91440" tIns="45720" rIns="91440" bIns="45720" numCol="1" spcCol="0" rtlCol="0" fromWordArt="0" anchor="ctr" anchorCtr="0" forceAA="0" compatLnSpc="1">
-              <a:prstTxWarp prst="textNoShape">
-                <a:avLst/>
-              </a:prstTxWarp>
-              <a:noAutofit/>
-            </a:bodyPr>
-            <a:lstStyle/>
-            <a:p>
-              <a:pPr algn="ctr"/>
-              <a:endParaRPr lang="zh-CN" altLang="en-US">
-                <a:latin typeface="Arial" panose="020B0604020202020204" pitchFamily="34" charset="0"/>
-                <a:ea typeface="微软雅黑" panose="020B0503020204020204" pitchFamily="34" charset="-122"/>
-                <a:sym typeface="Arial" panose="020B0604020202020204" pitchFamily="34" charset="0"/>
-              </a:endParaRPr>
-            </a:p>
-          </p:txBody>
-        </p:sp>
-        <p:sp>
-          <p:nvSpPr>
-            <p:cNvPr id="111" name="椭圆 110">
-              <a:extLst>
-                <a:ext uri="{FF2B5EF4-FFF2-40B4-BE49-F238E27FC236}">
-                  <a16:creationId xmlns:a16="http://schemas.microsoft.com/office/drawing/2014/main" id="{3F3D959B-DF0A-4DCF-8AB0-D68631DD008D}"/>
-                </a:ext>
-              </a:extLst>
-            </p:cNvPr>
-            <p:cNvSpPr/>
-            <p:nvPr/>
-          </p:nvSpPr>
-          <p:spPr>
-            <a:xfrm>
-              <a:off x="888096" y="1000203"/>
-              <a:ext cx="72000" cy="72000"/>
-            </a:xfrm>
-            <a:prstGeom prst="ellipse">
-              <a:avLst/>
-            </a:prstGeom>
-            <a:solidFill>
-              <a:schemeClr val="tx1">
-                <a:lumMod val="65000"/>
-                <a:lumOff val="35000"/>
-              </a:schemeClr>
-            </a:solidFill>
-            <a:ln>
-              <a:noFill/>
-            </a:ln>
-          </p:spPr>
-          <p:style>
-            <a:lnRef idx="2">
-              <a:schemeClr val="accent1">
-                <a:shade val="50000"/>
-              </a:schemeClr>
-            </a:lnRef>
-            <a:fillRef idx="1">
-              <a:schemeClr val="accent1"/>
-            </a:fillRef>
-            <a:effectRef idx="0">
-              <a:schemeClr val="accent1"/>
-            </a:effectRef>
-            <a:fontRef idx="minor">
-              <a:schemeClr val="lt1"/>
-            </a:fontRef>
-          </p:style>
-          <p:txBody>
-            <a:bodyPr rot="0" spcFirstLastPara="0" vertOverflow="overflow" horzOverflow="overflow" vert="horz" wrap="square" lIns="91440" tIns="45720" rIns="91440" bIns="45720" numCol="1" spcCol="0" rtlCol="0" fromWordArt="0" anchor="ctr" anchorCtr="0" forceAA="0" compatLnSpc="1">
-              <a:prstTxWarp prst="textNoShape">
-                <a:avLst/>
-              </a:prstTxWarp>
-              <a:noAutofit/>
-            </a:bodyPr>
-            <a:lstStyle/>
-            <a:p>
-              <a:pPr algn="ctr"/>
-              <a:endParaRPr lang="zh-CN" altLang="en-US">
-                <a:latin typeface="Arial" panose="020B0604020202020204" pitchFamily="34" charset="0"/>
-                <a:ea typeface="微软雅黑" panose="020B0503020204020204" pitchFamily="34" charset="-122"/>
-                <a:sym typeface="Arial" panose="020B0604020202020204" pitchFamily="34" charset="0"/>
-              </a:endParaRPr>
-            </a:p>
-          </p:txBody>
-        </p:sp>
-        <p:sp>
-          <p:nvSpPr>
-            <p:cNvPr id="112" name="椭圆 111">
-              <a:extLst>
-                <a:ext uri="{FF2B5EF4-FFF2-40B4-BE49-F238E27FC236}">
-                  <a16:creationId xmlns:a16="http://schemas.microsoft.com/office/drawing/2014/main" id="{018849C0-94F4-4BCE-BA29-949AC4346264}"/>
-                </a:ext>
-              </a:extLst>
-            </p:cNvPr>
-            <p:cNvSpPr/>
-            <p:nvPr/>
-          </p:nvSpPr>
-          <p:spPr>
-            <a:xfrm>
-              <a:off x="888096" y="1872269"/>
-              <a:ext cx="72000" cy="72000"/>
-            </a:xfrm>
-            <a:prstGeom prst="ellipse">
-              <a:avLst/>
-            </a:prstGeom>
-            <a:solidFill>
-              <a:schemeClr val="tx1">
-                <a:lumMod val="65000"/>
-                <a:lumOff val="35000"/>
-              </a:schemeClr>
-            </a:solidFill>
-            <a:ln>
-              <a:noFill/>
-            </a:ln>
-          </p:spPr>
-          <p:style>
-            <a:lnRef idx="2">
-              <a:schemeClr val="accent1">
-                <a:shade val="50000"/>
-              </a:schemeClr>
-            </a:lnRef>
-            <a:fillRef idx="1">
-              <a:schemeClr val="accent1"/>
-            </a:fillRef>
-            <a:effectRef idx="0">
-              <a:schemeClr val="accent1"/>
-            </a:effectRef>
-            <a:fontRef idx="minor">
-              <a:schemeClr val="lt1"/>
-            </a:fontRef>
-          </p:style>
-          <p:txBody>
-            <a:bodyPr rot="0" spcFirstLastPara="0" vertOverflow="overflow" horzOverflow="overflow" vert="horz" wrap="square" lIns="91440" tIns="45720" rIns="91440" bIns="45720" numCol="1" spcCol="0" rtlCol="0" fromWordArt="0" anchor="ctr" anchorCtr="0" forceAA="0" compatLnSpc="1">
-              <a:prstTxWarp prst="textNoShape">
-                <a:avLst/>
-              </a:prstTxWarp>
-              <a:noAutofit/>
-            </a:bodyPr>
-            <a:lstStyle/>
-            <a:p>
-              <a:pPr algn="ctr"/>
-              <a:endParaRPr lang="zh-CN" altLang="en-US">
-                <a:latin typeface="Arial" panose="020B0604020202020204" pitchFamily="34" charset="0"/>
-                <a:ea typeface="微软雅黑" panose="020B0503020204020204" pitchFamily="34" charset="-122"/>
-                <a:sym typeface="Arial" panose="020B0604020202020204" pitchFamily="34" charset="0"/>
-              </a:endParaRPr>
-            </a:p>
-          </p:txBody>
-        </p:sp>
-        <p:sp>
-          <p:nvSpPr>
-            <p:cNvPr id="113" name="椭圆 112">
-              <a:extLst>
-                <a:ext uri="{FF2B5EF4-FFF2-40B4-BE49-F238E27FC236}">
-                  <a16:creationId xmlns:a16="http://schemas.microsoft.com/office/drawing/2014/main" id="{68636AA5-0ED2-4D6C-B90F-437D038D5D8B}"/>
-                </a:ext>
-              </a:extLst>
-            </p:cNvPr>
-            <p:cNvSpPr/>
-            <p:nvPr/>
-          </p:nvSpPr>
-          <p:spPr>
-            <a:xfrm>
-              <a:off x="5075921" y="1872269"/>
-              <a:ext cx="72000" cy="72000"/>
-            </a:xfrm>
-            <a:prstGeom prst="ellipse">
-              <a:avLst/>
-            </a:prstGeom>
-            <a:solidFill>
-              <a:schemeClr val="tx1">
-                <a:lumMod val="65000"/>
-                <a:lumOff val="35000"/>
-              </a:schemeClr>
-            </a:solidFill>
-            <a:ln>
-              <a:noFill/>
-            </a:ln>
-          </p:spPr>
-          <p:style>
-            <a:lnRef idx="2">
-              <a:schemeClr val="accent1">
-                <a:shade val="50000"/>
-              </a:schemeClr>
-            </a:lnRef>
-            <a:fillRef idx="1">
-              <a:schemeClr val="accent1"/>
-            </a:fillRef>
-            <a:effectRef idx="0">
-              <a:schemeClr val="accent1"/>
-            </a:effectRef>
-            <a:fontRef idx="minor">
-              <a:schemeClr val="lt1"/>
-            </a:fontRef>
-          </p:style>
-          <p:txBody>
-            <a:bodyPr rot="0" spcFirstLastPara="0" vertOverflow="overflow" horzOverflow="overflow" vert="horz" wrap="square" lIns="91440" tIns="45720" rIns="91440" bIns="45720" numCol="1" spcCol="0" rtlCol="0" fromWordArt="0" anchor="ctr" anchorCtr="0" forceAA="0" compatLnSpc="1">
-              <a:prstTxWarp prst="textNoShape">
-                <a:avLst/>
-              </a:prstTxWarp>
-              <a:noAutofit/>
-            </a:bodyPr>
-            <a:lstStyle/>
-            <a:p>
-              <a:pPr algn="ctr"/>
-              <a:endParaRPr lang="zh-CN" altLang="en-US">
-                <a:latin typeface="Arial" panose="020B0604020202020204" pitchFamily="34" charset="0"/>
-                <a:ea typeface="微软雅黑" panose="020B0503020204020204" pitchFamily="34" charset="-122"/>
-                <a:sym typeface="Arial" panose="020B0604020202020204" pitchFamily="34" charset="0"/>
-              </a:endParaRPr>
-            </a:p>
-          </p:txBody>
-        </p:sp>
-        <p:sp>
-          <p:nvSpPr>
-            <p:cNvPr id="114" name="椭圆 113">
-              <a:extLst>
-                <a:ext uri="{FF2B5EF4-FFF2-40B4-BE49-F238E27FC236}">
-                  <a16:creationId xmlns:a16="http://schemas.microsoft.com/office/drawing/2014/main" id="{F21802E4-F8DB-4972-B066-1A350CFE0DB2}"/>
-                </a:ext>
-              </a:extLst>
-            </p:cNvPr>
-            <p:cNvSpPr/>
-            <p:nvPr/>
-          </p:nvSpPr>
-          <p:spPr>
-            <a:xfrm>
-              <a:off x="5074692" y="1009634"/>
-              <a:ext cx="72000" cy="72000"/>
-            </a:xfrm>
-            <a:prstGeom prst="ellipse">
-              <a:avLst/>
-            </a:prstGeom>
-            <a:solidFill>
-              <a:schemeClr val="tx1">
-                <a:lumMod val="65000"/>
-                <a:lumOff val="35000"/>
-              </a:schemeClr>
-            </a:solidFill>
-            <a:ln>
-              <a:noFill/>
-            </a:ln>
-          </p:spPr>
-          <p:style>
-            <a:lnRef idx="2">
-              <a:schemeClr val="accent1">
-                <a:shade val="50000"/>
-              </a:schemeClr>
-            </a:lnRef>
-            <a:fillRef idx="1">
-              <a:schemeClr val="accent1"/>
-            </a:fillRef>
-            <a:effectRef idx="0">
-              <a:schemeClr val="accent1"/>
-            </a:effectRef>
-            <a:fontRef idx="minor">
-              <a:schemeClr val="lt1"/>
-            </a:fontRef>
-          </p:style>
-          <p:txBody>
-            <a:bodyPr rot="0" spcFirstLastPara="0" vertOverflow="overflow" horzOverflow="overflow" vert="horz" wrap="square" lIns="91440" tIns="45720" rIns="91440" bIns="45720" numCol="1" spcCol="0" rtlCol="0" fromWordArt="0" anchor="ctr" anchorCtr="0" forceAA="0" compatLnSpc="1">
-              <a:prstTxWarp prst="textNoShape">
-                <a:avLst/>
-              </a:prstTxWarp>
-              <a:noAutofit/>
-            </a:bodyPr>
-            <a:lstStyle/>
-            <a:p>
-              <a:pPr algn="ctr"/>
-              <a:endParaRPr lang="zh-CN" altLang="en-US">
-                <a:latin typeface="Arial" panose="020B0604020202020204" pitchFamily="34" charset="0"/>
-                <a:ea typeface="微软雅黑" panose="020B0503020204020204" pitchFamily="34" charset="-122"/>
-                <a:sym typeface="Arial" panose="020B0604020202020204" pitchFamily="34" charset="0"/>
-              </a:endParaRPr>
-            </a:p>
-          </p:txBody>
-        </p:sp>
-      </p:grpSp>
-      <p:grpSp>
-        <p:nvGrpSpPr>
-          <p:cNvPr id="115" name="组合 114">
-            <a:extLst>
-              <a:ext uri="{FF2B5EF4-FFF2-40B4-BE49-F238E27FC236}">
-                <a16:creationId xmlns:a16="http://schemas.microsoft.com/office/drawing/2014/main" id="{9F316E7D-67DA-4262-83BE-FF58CDC7E3D7}"/>
-              </a:ext>
-            </a:extLst>
-          </p:cNvPr>
-          <p:cNvGrpSpPr/>
-          <p:nvPr/>
-        </p:nvGrpSpPr>
-        <p:grpSpPr>
-          <a:xfrm>
-            <a:off x="7569509" y="6124551"/>
-            <a:ext cx="4252527" cy="509896"/>
-            <a:chOff x="888096" y="1000203"/>
-            <a:chExt cx="4259825" cy="944066"/>
-          </a:xfrm>
-        </p:grpSpPr>
-        <p:sp>
-          <p:nvSpPr>
-            <p:cNvPr id="116" name="矩形 115">
-              <a:extLst>
-                <a:ext uri="{FF2B5EF4-FFF2-40B4-BE49-F238E27FC236}">
-                  <a16:creationId xmlns:a16="http://schemas.microsoft.com/office/drawing/2014/main" id="{F2DCBE5B-B2BB-4814-96DE-E4C498E2BA56}"/>
-                </a:ext>
-              </a:extLst>
-            </p:cNvPr>
-            <p:cNvSpPr/>
-            <p:nvPr/>
-          </p:nvSpPr>
-          <p:spPr>
-            <a:xfrm>
-              <a:off x="911225" y="1045634"/>
-              <a:ext cx="4199467" cy="872066"/>
-            </a:xfrm>
-            <a:prstGeom prst="rect">
-              <a:avLst/>
-            </a:prstGeom>
-            <a:noFill/>
-            <a:ln>
-              <a:solidFill>
-                <a:schemeClr val="bg1">
-                  <a:lumMod val="75000"/>
-                </a:schemeClr>
-              </a:solidFill>
-            </a:ln>
-          </p:spPr>
-          <p:style>
-            <a:lnRef idx="2">
-              <a:schemeClr val="accent1">
-                <a:shade val="50000"/>
-              </a:schemeClr>
-            </a:lnRef>
-            <a:fillRef idx="1">
-              <a:schemeClr val="accent1"/>
-            </a:fillRef>
-            <a:effectRef idx="0">
-              <a:schemeClr val="accent1"/>
-            </a:effectRef>
-            <a:fontRef idx="minor">
-              <a:schemeClr val="lt1"/>
-            </a:fontRef>
-          </p:style>
-          <p:txBody>
-            <a:bodyPr rot="0" spcFirstLastPara="0" vertOverflow="overflow" horzOverflow="overflow" vert="horz" wrap="square" lIns="91440" tIns="45720" rIns="91440" bIns="45720" numCol="1" spcCol="0" rtlCol="0" fromWordArt="0" anchor="ctr" anchorCtr="0" forceAA="0" compatLnSpc="1">
-              <a:prstTxWarp prst="textNoShape">
-                <a:avLst/>
-              </a:prstTxWarp>
-              <a:noAutofit/>
-            </a:bodyPr>
-            <a:lstStyle/>
-            <a:p>
-              <a:pPr algn="ctr"/>
-              <a:endParaRPr lang="zh-CN" altLang="en-US">
-                <a:latin typeface="Arial" panose="020B0604020202020204" pitchFamily="34" charset="0"/>
-                <a:ea typeface="微软雅黑" panose="020B0503020204020204" pitchFamily="34" charset="-122"/>
-                <a:sym typeface="Arial" panose="020B0604020202020204" pitchFamily="34" charset="0"/>
-              </a:endParaRPr>
-            </a:p>
-          </p:txBody>
-        </p:sp>
-        <p:sp>
-          <p:nvSpPr>
-            <p:cNvPr id="117" name="椭圆 116">
-              <a:extLst>
-                <a:ext uri="{FF2B5EF4-FFF2-40B4-BE49-F238E27FC236}">
-                  <a16:creationId xmlns:a16="http://schemas.microsoft.com/office/drawing/2014/main" id="{11998ECE-D4DE-4DC2-A557-C2CBE2E2F907}"/>
-                </a:ext>
-              </a:extLst>
-            </p:cNvPr>
-            <p:cNvSpPr/>
-            <p:nvPr/>
-          </p:nvSpPr>
-          <p:spPr>
-            <a:xfrm>
-              <a:off x="888096" y="1000203"/>
-              <a:ext cx="72000" cy="72000"/>
-            </a:xfrm>
-            <a:prstGeom prst="ellipse">
-              <a:avLst/>
-            </a:prstGeom>
-            <a:solidFill>
-              <a:schemeClr val="tx1">
-                <a:lumMod val="65000"/>
-                <a:lumOff val="35000"/>
-              </a:schemeClr>
-            </a:solidFill>
-            <a:ln>
-              <a:noFill/>
-            </a:ln>
-          </p:spPr>
-          <p:style>
-            <a:lnRef idx="2">
-              <a:schemeClr val="accent1">
-                <a:shade val="50000"/>
-              </a:schemeClr>
-            </a:lnRef>
-            <a:fillRef idx="1">
-              <a:schemeClr val="accent1"/>
-            </a:fillRef>
-            <a:effectRef idx="0">
-              <a:schemeClr val="accent1"/>
-            </a:effectRef>
-            <a:fontRef idx="minor">
-              <a:schemeClr val="lt1"/>
-            </a:fontRef>
-          </p:style>
-          <p:txBody>
-            <a:bodyPr rot="0" spcFirstLastPara="0" vertOverflow="overflow" horzOverflow="overflow" vert="horz" wrap="square" lIns="91440" tIns="45720" rIns="91440" bIns="45720" numCol="1" spcCol="0" rtlCol="0" fromWordArt="0" anchor="ctr" anchorCtr="0" forceAA="0" compatLnSpc="1">
-              <a:prstTxWarp prst="textNoShape">
-                <a:avLst/>
-              </a:prstTxWarp>
-              <a:noAutofit/>
-            </a:bodyPr>
-            <a:lstStyle/>
-            <a:p>
-              <a:pPr algn="ctr"/>
-              <a:endParaRPr lang="zh-CN" altLang="en-US">
-                <a:latin typeface="Arial" panose="020B0604020202020204" pitchFamily="34" charset="0"/>
-                <a:ea typeface="微软雅黑" panose="020B0503020204020204" pitchFamily="34" charset="-122"/>
-                <a:sym typeface="Arial" panose="020B0604020202020204" pitchFamily="34" charset="0"/>
-              </a:endParaRPr>
-            </a:p>
-          </p:txBody>
-        </p:sp>
-        <p:sp>
-          <p:nvSpPr>
-            <p:cNvPr id="118" name="椭圆 117">
-              <a:extLst>
-                <a:ext uri="{FF2B5EF4-FFF2-40B4-BE49-F238E27FC236}">
-                  <a16:creationId xmlns:a16="http://schemas.microsoft.com/office/drawing/2014/main" id="{739E64C9-E1D0-4542-BB4E-99CC4CB7CD77}"/>
-                </a:ext>
-              </a:extLst>
-            </p:cNvPr>
-            <p:cNvSpPr/>
-            <p:nvPr/>
-          </p:nvSpPr>
-          <p:spPr>
-            <a:xfrm>
-              <a:off x="888096" y="1872269"/>
-              <a:ext cx="72000" cy="72000"/>
-            </a:xfrm>
-            <a:prstGeom prst="ellipse">
-              <a:avLst/>
-            </a:prstGeom>
-            <a:solidFill>
-              <a:schemeClr val="tx1">
-                <a:lumMod val="65000"/>
-                <a:lumOff val="35000"/>
-              </a:schemeClr>
-            </a:solidFill>
-            <a:ln>
-              <a:noFill/>
-            </a:ln>
-          </p:spPr>
-          <p:style>
-            <a:lnRef idx="2">
-              <a:schemeClr val="accent1">
-                <a:shade val="50000"/>
-              </a:schemeClr>
-            </a:lnRef>
-            <a:fillRef idx="1">
-              <a:schemeClr val="accent1"/>
-            </a:fillRef>
-            <a:effectRef idx="0">
-              <a:schemeClr val="accent1"/>
-            </a:effectRef>
-            <a:fontRef idx="minor">
-              <a:schemeClr val="lt1"/>
-            </a:fontRef>
-          </p:style>
-          <p:txBody>
-            <a:bodyPr rot="0" spcFirstLastPara="0" vertOverflow="overflow" horzOverflow="overflow" vert="horz" wrap="square" lIns="91440" tIns="45720" rIns="91440" bIns="45720" numCol="1" spcCol="0" rtlCol="0" fromWordArt="0" anchor="ctr" anchorCtr="0" forceAA="0" compatLnSpc="1">
-              <a:prstTxWarp prst="textNoShape">
-                <a:avLst/>
-              </a:prstTxWarp>
-              <a:noAutofit/>
-            </a:bodyPr>
-            <a:lstStyle/>
-            <a:p>
-              <a:pPr algn="ctr"/>
-              <a:endParaRPr lang="zh-CN" altLang="en-US">
-                <a:latin typeface="Arial" panose="020B0604020202020204" pitchFamily="34" charset="0"/>
-                <a:ea typeface="微软雅黑" panose="020B0503020204020204" pitchFamily="34" charset="-122"/>
-                <a:sym typeface="Arial" panose="020B0604020202020204" pitchFamily="34" charset="0"/>
-              </a:endParaRPr>
-            </a:p>
-          </p:txBody>
-        </p:sp>
-        <p:sp>
-          <p:nvSpPr>
-            <p:cNvPr id="119" name="椭圆 118">
-              <a:extLst>
-                <a:ext uri="{FF2B5EF4-FFF2-40B4-BE49-F238E27FC236}">
-                  <a16:creationId xmlns:a16="http://schemas.microsoft.com/office/drawing/2014/main" id="{6072B7B4-5A34-48C7-8A58-BAFE3F497355}"/>
-                </a:ext>
-              </a:extLst>
-            </p:cNvPr>
-            <p:cNvSpPr/>
-            <p:nvPr/>
-          </p:nvSpPr>
-          <p:spPr>
-            <a:xfrm>
-              <a:off x="5075921" y="1872269"/>
-              <a:ext cx="72000" cy="72000"/>
-            </a:xfrm>
-            <a:prstGeom prst="ellipse">
-              <a:avLst/>
-            </a:prstGeom>
-            <a:solidFill>
-              <a:schemeClr val="tx1">
-                <a:lumMod val="65000"/>
-                <a:lumOff val="35000"/>
-              </a:schemeClr>
-            </a:solidFill>
-            <a:ln>
-              <a:noFill/>
-            </a:ln>
-          </p:spPr>
-          <p:style>
-            <a:lnRef idx="2">
-              <a:schemeClr val="accent1">
-                <a:shade val="50000"/>
-              </a:schemeClr>
-            </a:lnRef>
-            <a:fillRef idx="1">
-              <a:schemeClr val="accent1"/>
-            </a:fillRef>
-            <a:effectRef idx="0">
-              <a:schemeClr val="accent1"/>
-            </a:effectRef>
-            <a:fontRef idx="minor">
-              <a:schemeClr val="lt1"/>
-            </a:fontRef>
-          </p:style>
-          <p:txBody>
-            <a:bodyPr rot="0" spcFirstLastPara="0" vertOverflow="overflow" horzOverflow="overflow" vert="horz" wrap="square" lIns="91440" tIns="45720" rIns="91440" bIns="45720" numCol="1" spcCol="0" rtlCol="0" fromWordArt="0" anchor="ctr" anchorCtr="0" forceAA="0" compatLnSpc="1">
-              <a:prstTxWarp prst="textNoShape">
-                <a:avLst/>
-              </a:prstTxWarp>
-              <a:noAutofit/>
-            </a:bodyPr>
-            <a:lstStyle/>
-            <a:p>
-              <a:pPr algn="ctr"/>
-              <a:endParaRPr lang="zh-CN" altLang="en-US">
-                <a:latin typeface="Arial" panose="020B0604020202020204" pitchFamily="34" charset="0"/>
-                <a:ea typeface="微软雅黑" panose="020B0503020204020204" pitchFamily="34" charset="-122"/>
-                <a:sym typeface="Arial" panose="020B0604020202020204" pitchFamily="34" charset="0"/>
-              </a:endParaRPr>
-            </a:p>
-          </p:txBody>
-        </p:sp>
-        <p:sp>
-          <p:nvSpPr>
-            <p:cNvPr id="120" name="椭圆 119">
-              <a:extLst>
-                <a:ext uri="{FF2B5EF4-FFF2-40B4-BE49-F238E27FC236}">
-                  <a16:creationId xmlns:a16="http://schemas.microsoft.com/office/drawing/2014/main" id="{BF1A8F1D-06FE-4C67-BAD7-2180039B6475}"/>
-                </a:ext>
-              </a:extLst>
-            </p:cNvPr>
-            <p:cNvSpPr/>
-            <p:nvPr/>
-          </p:nvSpPr>
-          <p:spPr>
-            <a:xfrm>
-              <a:off x="5074692" y="1009634"/>
-              <a:ext cx="72000" cy="72000"/>
-            </a:xfrm>
-            <a:prstGeom prst="ellipse">
-              <a:avLst/>
-            </a:prstGeom>
-            <a:solidFill>
-              <a:schemeClr val="tx1">
-                <a:lumMod val="65000"/>
-                <a:lumOff val="35000"/>
-              </a:schemeClr>
-            </a:solidFill>
-            <a:ln>
-              <a:noFill/>
-            </a:ln>
-          </p:spPr>
-          <p:style>
-            <a:lnRef idx="2">
-              <a:schemeClr val="accent1">
-                <a:shade val="50000"/>
-              </a:schemeClr>
-            </a:lnRef>
-            <a:fillRef idx="1">
-              <a:schemeClr val="accent1"/>
-            </a:fillRef>
-            <a:effectRef idx="0">
-              <a:schemeClr val="accent1"/>
-            </a:effectRef>
-            <a:fontRef idx="minor">
-              <a:schemeClr val="lt1"/>
-            </a:fontRef>
-          </p:style>
-          <p:txBody>
-            <a:bodyPr rot="0" spcFirstLastPara="0" vertOverflow="overflow" horzOverflow="overflow" vert="horz" wrap="square" lIns="91440" tIns="45720" rIns="91440" bIns="45720" numCol="1" spcCol="0" rtlCol="0" fromWordArt="0" anchor="ctr" anchorCtr="0" forceAA="0" compatLnSpc="1">
-              <a:prstTxWarp prst="textNoShape">
-                <a:avLst/>
-              </a:prstTxWarp>
-              <a:noAutofit/>
-            </a:bodyPr>
-            <a:lstStyle/>
-            <a:p>
-              <a:pPr algn="ctr"/>
-              <a:endParaRPr lang="zh-CN" altLang="en-US">
-                <a:latin typeface="Arial" panose="020B0604020202020204" pitchFamily="34" charset="0"/>
-                <a:ea typeface="微软雅黑" panose="020B0503020204020204" pitchFamily="34" charset="-122"/>
-                <a:sym typeface="Arial" panose="020B0604020202020204" pitchFamily="34" charset="0"/>
-              </a:endParaRPr>
-            </a:p>
-          </p:txBody>
-        </p:sp>
-      </p:grpSp>
-      <p:cxnSp>
-        <p:nvCxnSpPr>
-          <p:cNvPr id="121" name="直接连接符 120">
-            <a:extLst>
-              <a:ext uri="{FF2B5EF4-FFF2-40B4-BE49-F238E27FC236}">
-                <a16:creationId xmlns:a16="http://schemas.microsoft.com/office/drawing/2014/main" id="{B75F17C2-EABF-4AEB-B998-C6B33CEC2CB6}"/>
-              </a:ext>
-            </a:extLst>
-          </p:cNvPr>
-          <p:cNvCxnSpPr>
-            <a:cxnSpLocks/>
-            <a:stCxn id="104" idx="3"/>
-          </p:cNvCxnSpPr>
-          <p:nvPr/>
-        </p:nvCxnSpPr>
-        <p:spPr>
-          <a:xfrm>
-            <a:off x="3496546" y="5706469"/>
-            <a:ext cx="322795" cy="0"/>
-          </a:xfrm>
-          <a:prstGeom prst="line">
-            <a:avLst/>
-          </a:prstGeom>
-          <a:ln>
-            <a:solidFill>
-              <a:schemeClr val="bg1">
-                <a:lumMod val="65000"/>
-              </a:schemeClr>
-            </a:solidFill>
-          </a:ln>
-        </p:spPr>
-        <p:style>
-          <a:lnRef idx="1">
-            <a:schemeClr val="accent1"/>
-          </a:lnRef>
-          <a:fillRef idx="0">
-            <a:schemeClr val="accent1"/>
-          </a:fillRef>
-          <a:effectRef idx="0">
-            <a:schemeClr val="accent1"/>
-          </a:effectRef>
-          <a:fontRef idx="minor">
-            <a:schemeClr val="tx1"/>
-          </a:fontRef>
-        </p:style>
-      </p:cxnSp>
-      <p:cxnSp>
-        <p:nvCxnSpPr>
-          <p:cNvPr id="122" name="直接连接符 121">
-            <a:extLst>
-              <a:ext uri="{FF2B5EF4-FFF2-40B4-BE49-F238E27FC236}">
-                <a16:creationId xmlns:a16="http://schemas.microsoft.com/office/drawing/2014/main" id="{A0F9A7CE-3076-4AA7-A9E5-C903FB6747DA}"/>
-              </a:ext>
-            </a:extLst>
-          </p:cNvPr>
-          <p:cNvCxnSpPr>
-            <a:cxnSpLocks/>
-            <a:stCxn id="110" idx="3"/>
-            <a:endCxn id="116" idx="1"/>
-          </p:cNvCxnSpPr>
-          <p:nvPr/>
-        </p:nvCxnSpPr>
-        <p:spPr>
-          <a:xfrm>
-            <a:off x="7064633" y="6370368"/>
-            <a:ext cx="527965" cy="14225"/>
-          </a:xfrm>
-          <a:prstGeom prst="line">
-            <a:avLst/>
-          </a:prstGeom>
-          <a:ln>
-            <a:solidFill>
-              <a:schemeClr val="bg1">
-                <a:lumMod val="65000"/>
-              </a:schemeClr>
-            </a:solidFill>
-          </a:ln>
-        </p:spPr>
-        <p:style>
-          <a:lnRef idx="1">
-            <a:schemeClr val="accent1"/>
-          </a:lnRef>
-          <a:fillRef idx="0">
-            <a:schemeClr val="accent1"/>
-          </a:fillRef>
-          <a:effectRef idx="0">
-            <a:schemeClr val="accent1"/>
-          </a:effectRef>
-          <a:fontRef idx="minor">
-            <a:schemeClr val="tx1"/>
-          </a:fontRef>
-        </p:style>
-      </p:cxnSp>
-      <p:sp>
-        <p:nvSpPr>
-          <p:cNvPr id="123" name="矩形 122">
-            <a:extLst>
-              <a:ext uri="{FF2B5EF4-FFF2-40B4-BE49-F238E27FC236}">
-                <a16:creationId xmlns:a16="http://schemas.microsoft.com/office/drawing/2014/main" id="{1F380F32-EB57-49AA-9A37-4F24CCE35CE1}"/>
-              </a:ext>
-            </a:extLst>
-          </p:cNvPr>
-          <p:cNvSpPr/>
-          <p:nvPr/>
-        </p:nvSpPr>
-        <p:spPr>
-          <a:xfrm>
-            <a:off x="2179077" y="5457402"/>
-            <a:ext cx="1261884" cy="523220"/>
-          </a:xfrm>
-          <a:prstGeom prst="rect">
-            <a:avLst/>
-          </a:prstGeom>
-        </p:spPr>
-        <p:txBody>
-          <a:bodyPr wrap="square">
-            <a:spAutoFit/>
-          </a:bodyPr>
-          <a:lstStyle/>
-          <a:p>
-            <a:r>
-              <a:rPr lang="zh-CN" altLang="en-US" sz="2800" b="1">
-                <a:latin typeface="Arial" panose="020B0604020202020204" pitchFamily="34" charset="0"/>
-                <a:ea typeface="微软雅黑" panose="020B0503020204020204" pitchFamily="34" charset="-122"/>
-                <a:sym typeface="Arial" panose="020B0604020202020204" pitchFamily="34" charset="0"/>
-              </a:rPr>
-              <a:t>趣味类</a:t>
-            </a:r>
-            <a:endParaRPr lang="zh-CN" altLang="en-US" sz="2800" b="1" dirty="0">
-              <a:latin typeface="Arial" panose="020B0604020202020204" pitchFamily="34" charset="0"/>
-              <a:ea typeface="微软雅黑" panose="020B0503020204020204" pitchFamily="34" charset="-122"/>
-              <a:sym typeface="Arial" panose="020B0604020202020204" pitchFamily="34" charset="0"/>
-            </a:endParaRPr>
-          </a:p>
-        </p:txBody>
-      </p:sp>
-      <p:sp>
-        <p:nvSpPr>
-          <p:cNvPr id="124" name="矩形 123">
-            <a:extLst>
-              <a:ext uri="{FF2B5EF4-FFF2-40B4-BE49-F238E27FC236}">
-                <a16:creationId xmlns:a16="http://schemas.microsoft.com/office/drawing/2014/main" id="{EE742E01-27CC-4B81-AD7B-17B64ACD24BD}"/>
-              </a:ext>
-            </a:extLst>
-          </p:cNvPr>
-          <p:cNvSpPr/>
-          <p:nvPr/>
-        </p:nvSpPr>
-        <p:spPr>
-          <a:xfrm>
-            <a:off x="4462613" y="6191417"/>
-            <a:ext cx="2616591" cy="369332"/>
-          </a:xfrm>
-          <a:prstGeom prst="rect">
-            <a:avLst/>
-          </a:prstGeom>
-        </p:spPr>
-        <p:txBody>
-          <a:bodyPr wrap="square">
-            <a:spAutoFit/>
-          </a:bodyPr>
-          <a:lstStyle/>
-          <a:p>
-            <a:r>
-              <a:rPr lang="zh-CN" altLang="en-US">
-                <a:latin typeface="Arial" panose="020B0604020202020204" pitchFamily="34" charset="0"/>
-                <a:ea typeface="微软雅黑" panose="020B0503020204020204" pitchFamily="34" charset="-122"/>
-                <a:sym typeface="Arial" panose="020B0604020202020204" pitchFamily="34" charset="0"/>
-              </a:rPr>
-              <a:t>雇佣兵合同生成 </a:t>
-            </a:r>
-            <a:r>
-              <a:rPr lang="en-US" altLang="zh-CN" sz="1200">
-                <a:solidFill>
-                  <a:schemeClr val="bg1">
-                    <a:lumMod val="50000"/>
-                  </a:schemeClr>
-                </a:solidFill>
-                <a:latin typeface="Arial" panose="020B0604020202020204" pitchFamily="34" charset="0"/>
-                <a:ea typeface="微软雅黑" panose="020B0503020204020204" pitchFamily="34" charset="-122"/>
-                <a:sym typeface="Arial" panose="020B0604020202020204" pitchFamily="34" charset="0"/>
-              </a:rPr>
-              <a:t>By</a:t>
-            </a:r>
-            <a:r>
-              <a:rPr lang="zh-CN" altLang="en-US" sz="1200">
-                <a:solidFill>
-                  <a:schemeClr val="bg1">
-                    <a:lumMod val="50000"/>
-                  </a:schemeClr>
-                </a:solidFill>
-                <a:latin typeface="Arial" panose="020B0604020202020204" pitchFamily="34" charset="0"/>
-                <a:ea typeface="微软雅黑" panose="020B0503020204020204" pitchFamily="34" charset="-122"/>
-                <a:sym typeface="Arial" panose="020B0604020202020204" pitchFamily="34" charset="0"/>
-              </a:rPr>
-              <a:t>赵星星</a:t>
-            </a:r>
-            <a:endParaRPr lang="zh-CN" altLang="en-US" sz="1200" dirty="0">
-              <a:latin typeface="Arial" panose="020B0604020202020204" pitchFamily="34" charset="0"/>
-              <a:ea typeface="微软雅黑" panose="020B0503020204020204" pitchFamily="34" charset="-122"/>
-              <a:sym typeface="Arial" panose="020B0604020202020204" pitchFamily="34" charset="0"/>
-            </a:endParaRPr>
-          </a:p>
-        </p:txBody>
-      </p:sp>
-      <p:sp>
-        <p:nvSpPr>
-          <p:cNvPr id="125" name="矩形 124">
-            <a:extLst>
-              <a:ext uri="{FF2B5EF4-FFF2-40B4-BE49-F238E27FC236}">
-                <a16:creationId xmlns:a16="http://schemas.microsoft.com/office/drawing/2014/main" id="{2A2CBD5A-77F9-4507-B92F-42718A298938}"/>
-              </a:ext>
-            </a:extLst>
-          </p:cNvPr>
-          <p:cNvSpPr/>
-          <p:nvPr/>
-        </p:nvSpPr>
-        <p:spPr>
-          <a:xfrm>
-            <a:off x="7703562" y="6225611"/>
-            <a:ext cx="3754531" cy="307777"/>
-          </a:xfrm>
-          <a:prstGeom prst="rect">
-            <a:avLst/>
-          </a:prstGeom>
-        </p:spPr>
-        <p:txBody>
-          <a:bodyPr wrap="square">
-            <a:spAutoFit/>
-          </a:bodyPr>
-          <a:lstStyle/>
-          <a:p>
-            <a:r>
-              <a:rPr lang="zh-CN" altLang="en-US" sz="1400">
-                <a:solidFill>
-                  <a:schemeClr val="bg1">
-                    <a:lumMod val="50000"/>
-                  </a:schemeClr>
-                </a:solidFill>
-                <a:latin typeface="Arial" panose="020B0604020202020204" pitchFamily="34" charset="0"/>
-                <a:ea typeface="微软雅黑" panose="020B0503020204020204" pitchFamily="34" charset="-122"/>
-                <a:sym typeface="Arial" panose="020B0604020202020204" pitchFamily="34" charset="0"/>
-              </a:rPr>
-              <a:t>在线生成雇佣兵合作合同</a:t>
-            </a:r>
-            <a:endParaRPr lang="zh-CN" altLang="en-US" sz="1400" dirty="0">
-              <a:solidFill>
-                <a:schemeClr val="bg1">
-                  <a:lumMod val="50000"/>
-                </a:schemeClr>
-              </a:solidFill>
-              <a:latin typeface="Arial" panose="020B0604020202020204" pitchFamily="34" charset="0"/>
-              <a:ea typeface="微软雅黑" panose="020B0503020204020204" pitchFamily="34" charset="-122"/>
-              <a:sym typeface="Arial" panose="020B0604020202020204" pitchFamily="34" charset="0"/>
-            </a:endParaRPr>
-          </a:p>
-        </p:txBody>
-      </p:sp>
-      <p:cxnSp>
-        <p:nvCxnSpPr>
-          <p:cNvPr id="127" name="直接连接符 126">
-            <a:extLst>
-              <a:ext uri="{FF2B5EF4-FFF2-40B4-BE49-F238E27FC236}">
-                <a16:creationId xmlns:a16="http://schemas.microsoft.com/office/drawing/2014/main" id="{E6E41F5E-FC1F-4F4D-B456-BC70A9010C87}"/>
-              </a:ext>
-            </a:extLst>
-          </p:cNvPr>
-          <p:cNvCxnSpPr>
-            <a:cxnSpLocks/>
-            <a:stCxn id="182" idx="3"/>
-            <a:endCxn id="129" idx="1"/>
-          </p:cNvCxnSpPr>
-          <p:nvPr/>
-        </p:nvCxnSpPr>
-        <p:spPr>
-          <a:xfrm>
-            <a:off x="6297347" y="5033612"/>
-            <a:ext cx="1284564" cy="17946"/>
-          </a:xfrm>
-          <a:prstGeom prst="line">
-            <a:avLst/>
-          </a:prstGeom>
-          <a:ln>
-            <a:solidFill>
-              <a:schemeClr val="bg1">
-                <a:lumMod val="65000"/>
-              </a:schemeClr>
-            </a:solidFill>
-          </a:ln>
-        </p:spPr>
-        <p:style>
-          <a:lnRef idx="1">
-            <a:schemeClr val="accent1"/>
-          </a:lnRef>
-          <a:fillRef idx="0">
-            <a:schemeClr val="accent1"/>
-          </a:fillRef>
-          <a:effectRef idx="0">
-            <a:schemeClr val="accent1"/>
-          </a:effectRef>
-          <a:fontRef idx="minor">
-            <a:schemeClr val="tx1"/>
-          </a:fontRef>
-        </p:style>
-      </p:cxnSp>
-      <p:grpSp>
-        <p:nvGrpSpPr>
-          <p:cNvPr id="128" name="组合 127">
-            <a:extLst>
-              <a:ext uri="{FF2B5EF4-FFF2-40B4-BE49-F238E27FC236}">
-                <a16:creationId xmlns:a16="http://schemas.microsoft.com/office/drawing/2014/main" id="{AA4617E3-864C-49D3-A3C3-54397B852D23}"/>
-              </a:ext>
-            </a:extLst>
-          </p:cNvPr>
-          <p:cNvGrpSpPr/>
-          <p:nvPr/>
-        </p:nvGrpSpPr>
-        <p:grpSpPr>
-          <a:xfrm>
-            <a:off x="7558822" y="4791516"/>
-            <a:ext cx="4252527" cy="509896"/>
-            <a:chOff x="888096" y="1000203"/>
-            <a:chExt cx="4259825" cy="944066"/>
-          </a:xfrm>
-        </p:grpSpPr>
-        <p:sp>
-          <p:nvSpPr>
-            <p:cNvPr id="129" name="矩形 128">
-              <a:extLst>
-                <a:ext uri="{FF2B5EF4-FFF2-40B4-BE49-F238E27FC236}">
-                  <a16:creationId xmlns:a16="http://schemas.microsoft.com/office/drawing/2014/main" id="{32CB0A91-58C3-433A-920B-614A3C3DBDD7}"/>
-                </a:ext>
-              </a:extLst>
-            </p:cNvPr>
-            <p:cNvSpPr/>
-            <p:nvPr/>
-          </p:nvSpPr>
-          <p:spPr>
-            <a:xfrm>
-              <a:off x="911225" y="1045634"/>
-              <a:ext cx="4199467" cy="872066"/>
-            </a:xfrm>
-            <a:prstGeom prst="rect">
-              <a:avLst/>
-            </a:prstGeom>
-            <a:noFill/>
-            <a:ln>
-              <a:solidFill>
-                <a:schemeClr val="bg1">
-                  <a:lumMod val="75000"/>
-                </a:schemeClr>
-              </a:solidFill>
-            </a:ln>
-          </p:spPr>
-          <p:style>
-            <a:lnRef idx="2">
-              <a:schemeClr val="accent1">
-                <a:shade val="50000"/>
-              </a:schemeClr>
-            </a:lnRef>
-            <a:fillRef idx="1">
-              <a:schemeClr val="accent1"/>
-            </a:fillRef>
-            <a:effectRef idx="0">
-              <a:schemeClr val="accent1"/>
-            </a:effectRef>
-            <a:fontRef idx="minor">
-              <a:schemeClr val="lt1"/>
-            </a:fontRef>
-          </p:style>
-          <p:txBody>
-            <a:bodyPr rot="0" spcFirstLastPara="0" vertOverflow="overflow" horzOverflow="overflow" vert="horz" wrap="square" lIns="91440" tIns="45720" rIns="91440" bIns="45720" numCol="1" spcCol="0" rtlCol="0" fromWordArt="0" anchor="ctr" anchorCtr="0" forceAA="0" compatLnSpc="1">
-              <a:prstTxWarp prst="textNoShape">
-                <a:avLst/>
-              </a:prstTxWarp>
-              <a:noAutofit/>
-            </a:bodyPr>
-            <a:lstStyle/>
-            <a:p>
-              <a:pPr algn="ctr"/>
-              <a:endParaRPr lang="zh-CN" altLang="en-US">
-                <a:latin typeface="Arial" panose="020B0604020202020204" pitchFamily="34" charset="0"/>
-                <a:ea typeface="微软雅黑" panose="020B0503020204020204" pitchFamily="34" charset="-122"/>
-                <a:sym typeface="Arial" panose="020B0604020202020204" pitchFamily="34" charset="0"/>
-              </a:endParaRPr>
-            </a:p>
-          </p:txBody>
-        </p:sp>
-        <p:sp>
-          <p:nvSpPr>
-            <p:cNvPr id="130" name="椭圆 129">
-              <a:extLst>
-                <a:ext uri="{FF2B5EF4-FFF2-40B4-BE49-F238E27FC236}">
-                  <a16:creationId xmlns:a16="http://schemas.microsoft.com/office/drawing/2014/main" id="{87599C8B-45CC-49A3-91ED-4E065546C0A6}"/>
-                </a:ext>
-              </a:extLst>
-            </p:cNvPr>
-            <p:cNvSpPr/>
-            <p:nvPr/>
-          </p:nvSpPr>
-          <p:spPr>
-            <a:xfrm>
-              <a:off x="888096" y="1000203"/>
-              <a:ext cx="72000" cy="72000"/>
-            </a:xfrm>
-            <a:prstGeom prst="ellipse">
-              <a:avLst/>
-            </a:prstGeom>
-            <a:solidFill>
-              <a:schemeClr val="tx1">
-                <a:lumMod val="65000"/>
-                <a:lumOff val="35000"/>
-              </a:schemeClr>
-            </a:solidFill>
-            <a:ln>
-              <a:noFill/>
-            </a:ln>
-          </p:spPr>
-          <p:style>
-            <a:lnRef idx="2">
-              <a:schemeClr val="accent1">
-                <a:shade val="50000"/>
-              </a:schemeClr>
-            </a:lnRef>
-            <a:fillRef idx="1">
-              <a:schemeClr val="accent1"/>
-            </a:fillRef>
-            <a:effectRef idx="0">
-              <a:schemeClr val="accent1"/>
-            </a:effectRef>
-            <a:fontRef idx="minor">
-              <a:schemeClr val="lt1"/>
-            </a:fontRef>
-          </p:style>
-          <p:txBody>
-            <a:bodyPr rot="0" spcFirstLastPara="0" vertOverflow="overflow" horzOverflow="overflow" vert="horz" wrap="square" lIns="91440" tIns="45720" rIns="91440" bIns="45720" numCol="1" spcCol="0" rtlCol="0" fromWordArt="0" anchor="ctr" anchorCtr="0" forceAA="0" compatLnSpc="1">
-              <a:prstTxWarp prst="textNoShape">
-                <a:avLst/>
-              </a:prstTxWarp>
-              <a:noAutofit/>
-            </a:bodyPr>
-            <a:lstStyle/>
-            <a:p>
-              <a:pPr algn="ctr"/>
-              <a:endParaRPr lang="zh-CN" altLang="en-US">
-                <a:latin typeface="Arial" panose="020B0604020202020204" pitchFamily="34" charset="0"/>
-                <a:ea typeface="微软雅黑" panose="020B0503020204020204" pitchFamily="34" charset="-122"/>
-                <a:sym typeface="Arial" panose="020B0604020202020204" pitchFamily="34" charset="0"/>
-              </a:endParaRPr>
-            </a:p>
-          </p:txBody>
-        </p:sp>
-        <p:sp>
-          <p:nvSpPr>
-            <p:cNvPr id="131" name="椭圆 130">
-              <a:extLst>
-                <a:ext uri="{FF2B5EF4-FFF2-40B4-BE49-F238E27FC236}">
-                  <a16:creationId xmlns:a16="http://schemas.microsoft.com/office/drawing/2014/main" id="{C8B593B2-710E-48BE-9A8E-E1D2ACC2B00D}"/>
-                </a:ext>
-              </a:extLst>
-            </p:cNvPr>
-            <p:cNvSpPr/>
-            <p:nvPr/>
-          </p:nvSpPr>
-          <p:spPr>
-            <a:xfrm>
-              <a:off x="888096" y="1872269"/>
-              <a:ext cx="72000" cy="72000"/>
-            </a:xfrm>
-            <a:prstGeom prst="ellipse">
-              <a:avLst/>
-            </a:prstGeom>
-            <a:solidFill>
-              <a:schemeClr val="tx1">
-                <a:lumMod val="65000"/>
-                <a:lumOff val="35000"/>
-              </a:schemeClr>
-            </a:solidFill>
-            <a:ln>
-              <a:noFill/>
-            </a:ln>
-          </p:spPr>
-          <p:style>
-            <a:lnRef idx="2">
-              <a:schemeClr val="accent1">
-                <a:shade val="50000"/>
-              </a:schemeClr>
-            </a:lnRef>
-            <a:fillRef idx="1">
-              <a:schemeClr val="accent1"/>
-            </a:fillRef>
-            <a:effectRef idx="0">
-              <a:schemeClr val="accent1"/>
-            </a:effectRef>
-            <a:fontRef idx="minor">
-              <a:schemeClr val="lt1"/>
-            </a:fontRef>
-          </p:style>
-          <p:txBody>
-            <a:bodyPr rot="0" spcFirstLastPara="0" vertOverflow="overflow" horzOverflow="overflow" vert="horz" wrap="square" lIns="91440" tIns="45720" rIns="91440" bIns="45720" numCol="1" spcCol="0" rtlCol="0" fromWordArt="0" anchor="ctr" anchorCtr="0" forceAA="0" compatLnSpc="1">
-              <a:prstTxWarp prst="textNoShape">
-                <a:avLst/>
-              </a:prstTxWarp>
-              <a:noAutofit/>
-            </a:bodyPr>
-            <a:lstStyle/>
-            <a:p>
-              <a:pPr algn="ctr"/>
-              <a:endParaRPr lang="zh-CN" altLang="en-US">
-                <a:latin typeface="Arial" panose="020B0604020202020204" pitchFamily="34" charset="0"/>
-                <a:ea typeface="微软雅黑" panose="020B0503020204020204" pitchFamily="34" charset="-122"/>
-                <a:sym typeface="Arial" panose="020B0604020202020204" pitchFamily="34" charset="0"/>
-              </a:endParaRPr>
-            </a:p>
-          </p:txBody>
-        </p:sp>
-        <p:sp>
-          <p:nvSpPr>
-            <p:cNvPr id="132" name="椭圆 131">
-              <a:extLst>
-                <a:ext uri="{FF2B5EF4-FFF2-40B4-BE49-F238E27FC236}">
-                  <a16:creationId xmlns:a16="http://schemas.microsoft.com/office/drawing/2014/main" id="{F8504DD4-9EDD-41B0-BCBC-FBBFAA0FC099}"/>
-                </a:ext>
-              </a:extLst>
-            </p:cNvPr>
-            <p:cNvSpPr/>
-            <p:nvPr/>
-          </p:nvSpPr>
-          <p:spPr>
-            <a:xfrm>
-              <a:off x="5075921" y="1872269"/>
-              <a:ext cx="72000" cy="72000"/>
-            </a:xfrm>
-            <a:prstGeom prst="ellipse">
-              <a:avLst/>
-            </a:prstGeom>
-            <a:solidFill>
-              <a:schemeClr val="tx1">
-                <a:lumMod val="65000"/>
-                <a:lumOff val="35000"/>
-              </a:schemeClr>
-            </a:solidFill>
-            <a:ln>
-              <a:noFill/>
-            </a:ln>
-          </p:spPr>
-          <p:style>
-            <a:lnRef idx="2">
-              <a:schemeClr val="accent1">
-                <a:shade val="50000"/>
-              </a:schemeClr>
-            </a:lnRef>
-            <a:fillRef idx="1">
-              <a:schemeClr val="accent1"/>
-            </a:fillRef>
-            <a:effectRef idx="0">
-              <a:schemeClr val="accent1"/>
-            </a:effectRef>
-            <a:fontRef idx="minor">
-              <a:schemeClr val="lt1"/>
-            </a:fontRef>
-          </p:style>
-          <p:txBody>
-            <a:bodyPr rot="0" spcFirstLastPara="0" vertOverflow="overflow" horzOverflow="overflow" vert="horz" wrap="square" lIns="91440" tIns="45720" rIns="91440" bIns="45720" numCol="1" spcCol="0" rtlCol="0" fromWordArt="0" anchor="ctr" anchorCtr="0" forceAA="0" compatLnSpc="1">
-              <a:prstTxWarp prst="textNoShape">
-                <a:avLst/>
-              </a:prstTxWarp>
-              <a:noAutofit/>
-            </a:bodyPr>
-            <a:lstStyle/>
-            <a:p>
-              <a:pPr algn="ctr"/>
-              <a:endParaRPr lang="zh-CN" altLang="en-US">
-                <a:latin typeface="Arial" panose="020B0604020202020204" pitchFamily="34" charset="0"/>
-                <a:ea typeface="微软雅黑" panose="020B0503020204020204" pitchFamily="34" charset="-122"/>
-                <a:sym typeface="Arial" panose="020B0604020202020204" pitchFamily="34" charset="0"/>
-              </a:endParaRPr>
-            </a:p>
-          </p:txBody>
-        </p:sp>
-        <p:sp>
-          <p:nvSpPr>
-            <p:cNvPr id="133" name="椭圆 132">
-              <a:extLst>
-                <a:ext uri="{FF2B5EF4-FFF2-40B4-BE49-F238E27FC236}">
-                  <a16:creationId xmlns:a16="http://schemas.microsoft.com/office/drawing/2014/main" id="{DE712972-0768-460D-82E9-1B4376AE374B}"/>
-                </a:ext>
-              </a:extLst>
-            </p:cNvPr>
-            <p:cNvSpPr/>
-            <p:nvPr/>
-          </p:nvSpPr>
-          <p:spPr>
-            <a:xfrm>
-              <a:off x="5074692" y="1009634"/>
-              <a:ext cx="72000" cy="72000"/>
-            </a:xfrm>
-            <a:prstGeom prst="ellipse">
-              <a:avLst/>
-            </a:prstGeom>
-            <a:solidFill>
-              <a:schemeClr val="tx1">
-                <a:lumMod val="65000"/>
-                <a:lumOff val="35000"/>
-              </a:schemeClr>
-            </a:solidFill>
-            <a:ln>
-              <a:noFill/>
-            </a:ln>
-          </p:spPr>
-          <p:style>
-            <a:lnRef idx="2">
-              <a:schemeClr val="accent1">
-                <a:shade val="50000"/>
-              </a:schemeClr>
-            </a:lnRef>
-            <a:fillRef idx="1">
-              <a:schemeClr val="accent1"/>
-            </a:fillRef>
-            <a:effectRef idx="0">
-              <a:schemeClr val="accent1"/>
-            </a:effectRef>
-            <a:fontRef idx="minor">
-              <a:schemeClr val="lt1"/>
-            </a:fontRef>
-          </p:style>
-          <p:txBody>
-            <a:bodyPr rot="0" spcFirstLastPara="0" vertOverflow="overflow" horzOverflow="overflow" vert="horz" wrap="square" lIns="91440" tIns="45720" rIns="91440" bIns="45720" numCol="1" spcCol="0" rtlCol="0" fromWordArt="0" anchor="ctr" anchorCtr="0" forceAA="0" compatLnSpc="1">
-              <a:prstTxWarp prst="textNoShape">
-                <a:avLst/>
-              </a:prstTxWarp>
-              <a:noAutofit/>
-            </a:bodyPr>
-            <a:lstStyle/>
-            <a:p>
-              <a:pPr algn="ctr"/>
-              <a:endParaRPr lang="zh-CN" altLang="en-US">
-                <a:latin typeface="Arial" panose="020B0604020202020204" pitchFamily="34" charset="0"/>
-                <a:ea typeface="微软雅黑" panose="020B0503020204020204" pitchFamily="34" charset="-122"/>
-                <a:sym typeface="Arial" panose="020B0604020202020204" pitchFamily="34" charset="0"/>
-              </a:endParaRPr>
-            </a:p>
-          </p:txBody>
-        </p:sp>
-      </p:grpSp>
-      <p:sp>
-        <p:nvSpPr>
-          <p:cNvPr id="134" name="矩形 133">
-            <a:extLst>
-              <a:ext uri="{FF2B5EF4-FFF2-40B4-BE49-F238E27FC236}">
-                <a16:creationId xmlns:a16="http://schemas.microsoft.com/office/drawing/2014/main" id="{D68E6D67-BC1A-4E38-9C58-D8ED431A725A}"/>
-              </a:ext>
-            </a:extLst>
-          </p:cNvPr>
-          <p:cNvSpPr/>
-          <p:nvPr/>
-        </p:nvSpPr>
-        <p:spPr>
-          <a:xfrm>
-            <a:off x="7692875" y="4892576"/>
-            <a:ext cx="3754531" cy="307777"/>
-          </a:xfrm>
-          <a:prstGeom prst="rect">
-            <a:avLst/>
-          </a:prstGeom>
-        </p:spPr>
-        <p:txBody>
-          <a:bodyPr wrap="square">
-            <a:spAutoFit/>
-          </a:bodyPr>
-          <a:lstStyle/>
-          <a:p>
-            <a:r>
-              <a:rPr lang="zh-CN" altLang="en-US" sz="1400">
-                <a:solidFill>
-                  <a:schemeClr val="bg1">
-                    <a:lumMod val="50000"/>
-                  </a:schemeClr>
-                </a:solidFill>
-                <a:latin typeface="Arial" panose="020B0604020202020204" pitchFamily="34" charset="0"/>
-                <a:ea typeface="微软雅黑" panose="020B0503020204020204" pitchFamily="34" charset="-122"/>
-                <a:sym typeface="Arial" panose="020B0604020202020204" pitchFamily="34" charset="0"/>
-              </a:rPr>
-              <a:t>大多都是毒鸡汤（假的）</a:t>
-            </a:r>
-            <a:endParaRPr lang="zh-CN" altLang="en-US" sz="1400" dirty="0">
-              <a:solidFill>
-                <a:schemeClr val="bg1">
-                  <a:lumMod val="50000"/>
-                </a:schemeClr>
-              </a:solidFill>
-              <a:latin typeface="Arial" panose="020B0604020202020204" pitchFamily="34" charset="0"/>
-              <a:ea typeface="微软雅黑" panose="020B0503020204020204" pitchFamily="34" charset="-122"/>
-              <a:sym typeface="Arial" panose="020B0604020202020204" pitchFamily="34" charset="0"/>
-            </a:endParaRPr>
-          </a:p>
-        </p:txBody>
-      </p:sp>
-      <p:cxnSp>
-        <p:nvCxnSpPr>
-          <p:cNvPr id="173" name="直接连接符 172">
-            <a:extLst>
-              <a:ext uri="{FF2B5EF4-FFF2-40B4-BE49-F238E27FC236}">
-                <a16:creationId xmlns:a16="http://schemas.microsoft.com/office/drawing/2014/main" id="{85FAF67A-F573-4012-A2C5-5BB74491755E}"/>
-              </a:ext>
-            </a:extLst>
-          </p:cNvPr>
-          <p:cNvCxnSpPr>
-            <a:cxnSpLocks/>
-          </p:cNvCxnSpPr>
-          <p:nvPr/>
-        </p:nvCxnSpPr>
-        <p:spPr>
-          <a:xfrm flipH="1">
-            <a:off x="3797575" y="5014180"/>
-            <a:ext cx="186" cy="1351488"/>
-          </a:xfrm>
-          <a:prstGeom prst="line">
-            <a:avLst/>
-          </a:prstGeom>
-          <a:ln>
-            <a:solidFill>
-              <a:schemeClr val="bg1">
-                <a:lumMod val="75000"/>
-              </a:schemeClr>
-            </a:solidFill>
-          </a:ln>
-        </p:spPr>
-        <p:style>
-          <a:lnRef idx="1">
-            <a:schemeClr val="accent1"/>
-          </a:lnRef>
-          <a:fillRef idx="0">
-            <a:schemeClr val="accent1"/>
-          </a:fillRef>
-          <a:effectRef idx="0">
-            <a:schemeClr val="accent1"/>
-          </a:effectRef>
-          <a:fontRef idx="minor">
-            <a:schemeClr val="tx1"/>
-          </a:fontRef>
-        </p:style>
-      </p:cxnSp>
-      <p:cxnSp>
-        <p:nvCxnSpPr>
-          <p:cNvPr id="174" name="直接连接符 173">
-            <a:extLst>
-              <a:ext uri="{FF2B5EF4-FFF2-40B4-BE49-F238E27FC236}">
-                <a16:creationId xmlns:a16="http://schemas.microsoft.com/office/drawing/2014/main" id="{1C74EE51-D5C4-4DD6-B59C-E3FCC82B3459}"/>
-              </a:ext>
-            </a:extLst>
-          </p:cNvPr>
-          <p:cNvCxnSpPr>
-            <a:cxnSpLocks/>
-          </p:cNvCxnSpPr>
-          <p:nvPr/>
-        </p:nvCxnSpPr>
-        <p:spPr>
-          <a:xfrm>
-            <a:off x="3826902" y="5014180"/>
-            <a:ext cx="511317" cy="4700"/>
-          </a:xfrm>
-          <a:prstGeom prst="line">
-            <a:avLst/>
-          </a:prstGeom>
-          <a:ln>
-            <a:solidFill>
-              <a:schemeClr val="bg1">
-                <a:lumMod val="65000"/>
-              </a:schemeClr>
-            </a:solidFill>
-          </a:ln>
-        </p:spPr>
-        <p:style>
-          <a:lnRef idx="1">
-            <a:schemeClr val="accent1"/>
-          </a:lnRef>
-          <a:fillRef idx="0">
-            <a:schemeClr val="accent1"/>
-          </a:fillRef>
-          <a:effectRef idx="0">
-            <a:schemeClr val="accent1"/>
-          </a:effectRef>
-          <a:fontRef idx="minor">
-            <a:schemeClr val="tx1"/>
-          </a:fontRef>
-        </p:style>
-      </p:cxnSp>
-      <p:grpSp>
-        <p:nvGrpSpPr>
-          <p:cNvPr id="176" name="组合 175">
-            <a:extLst>
-              <a:ext uri="{FF2B5EF4-FFF2-40B4-BE49-F238E27FC236}">
-                <a16:creationId xmlns:a16="http://schemas.microsoft.com/office/drawing/2014/main" id="{51C7982E-CB96-4F17-896F-107544A5E14B}"/>
-              </a:ext>
-            </a:extLst>
-          </p:cNvPr>
-          <p:cNvGrpSpPr/>
-          <p:nvPr/>
-        </p:nvGrpSpPr>
-        <p:grpSpPr>
-          <a:xfrm>
-            <a:off x="4341507" y="4767855"/>
-            <a:ext cx="1956406" cy="509896"/>
-            <a:chOff x="888096" y="1000203"/>
-            <a:chExt cx="4259825" cy="944066"/>
-          </a:xfrm>
-        </p:grpSpPr>
-        <p:sp>
-          <p:nvSpPr>
-            <p:cNvPr id="177" name="矩形 176">
-              <a:extLst>
-                <a:ext uri="{FF2B5EF4-FFF2-40B4-BE49-F238E27FC236}">
-                  <a16:creationId xmlns:a16="http://schemas.microsoft.com/office/drawing/2014/main" id="{EF645CFE-A453-4AE3-946F-2F095C4882F1}"/>
-                </a:ext>
-              </a:extLst>
-            </p:cNvPr>
-            <p:cNvSpPr/>
-            <p:nvPr/>
-          </p:nvSpPr>
-          <p:spPr>
-            <a:xfrm>
-              <a:off x="911225" y="1045634"/>
-              <a:ext cx="4199467" cy="872066"/>
-            </a:xfrm>
-            <a:prstGeom prst="rect">
-              <a:avLst/>
-            </a:prstGeom>
-            <a:noFill/>
-            <a:ln>
-              <a:solidFill>
-                <a:schemeClr val="bg1">
-                  <a:lumMod val="75000"/>
-                </a:schemeClr>
-              </a:solidFill>
-            </a:ln>
-          </p:spPr>
-          <p:style>
-            <a:lnRef idx="2">
-              <a:schemeClr val="accent1">
-                <a:shade val="50000"/>
-              </a:schemeClr>
-            </a:lnRef>
-            <a:fillRef idx="1">
-              <a:schemeClr val="accent1"/>
-            </a:fillRef>
-            <a:effectRef idx="0">
-              <a:schemeClr val="accent1"/>
-            </a:effectRef>
-            <a:fontRef idx="minor">
-              <a:schemeClr val="lt1"/>
-            </a:fontRef>
-          </p:style>
-          <p:txBody>
-            <a:bodyPr rot="0" spcFirstLastPara="0" vertOverflow="overflow" horzOverflow="overflow" vert="horz" wrap="square" lIns="91440" tIns="45720" rIns="91440" bIns="45720" numCol="1" spcCol="0" rtlCol="0" fromWordArt="0" anchor="ctr" anchorCtr="0" forceAA="0" compatLnSpc="1">
-              <a:prstTxWarp prst="textNoShape">
-                <a:avLst/>
-              </a:prstTxWarp>
-              <a:noAutofit/>
-            </a:bodyPr>
-            <a:lstStyle/>
-            <a:p>
-              <a:pPr algn="ctr"/>
-              <a:endParaRPr lang="zh-CN" altLang="en-US">
-                <a:latin typeface="Arial" panose="020B0604020202020204" pitchFamily="34" charset="0"/>
-                <a:ea typeface="微软雅黑" panose="020B0503020204020204" pitchFamily="34" charset="-122"/>
-                <a:sym typeface="Arial" panose="020B0604020202020204" pitchFamily="34" charset="0"/>
-              </a:endParaRPr>
-            </a:p>
-          </p:txBody>
-        </p:sp>
-        <p:sp>
-          <p:nvSpPr>
-            <p:cNvPr id="178" name="椭圆 177">
-              <a:extLst>
-                <a:ext uri="{FF2B5EF4-FFF2-40B4-BE49-F238E27FC236}">
-                  <a16:creationId xmlns:a16="http://schemas.microsoft.com/office/drawing/2014/main" id="{0D1EF684-6100-4863-B1CD-7F5CF7D67FFC}"/>
-                </a:ext>
-              </a:extLst>
-            </p:cNvPr>
-            <p:cNvSpPr/>
-            <p:nvPr/>
-          </p:nvSpPr>
-          <p:spPr>
-            <a:xfrm>
-              <a:off x="888096" y="1000203"/>
-              <a:ext cx="72000" cy="72000"/>
-            </a:xfrm>
-            <a:prstGeom prst="ellipse">
-              <a:avLst/>
-            </a:prstGeom>
-            <a:solidFill>
-              <a:schemeClr val="tx1">
-                <a:lumMod val="65000"/>
-                <a:lumOff val="35000"/>
-              </a:schemeClr>
-            </a:solidFill>
-            <a:ln>
-              <a:noFill/>
-            </a:ln>
-          </p:spPr>
-          <p:style>
-            <a:lnRef idx="2">
-              <a:schemeClr val="accent1">
-                <a:shade val="50000"/>
-              </a:schemeClr>
-            </a:lnRef>
-            <a:fillRef idx="1">
-              <a:schemeClr val="accent1"/>
-            </a:fillRef>
-            <a:effectRef idx="0">
-              <a:schemeClr val="accent1"/>
-            </a:effectRef>
-            <a:fontRef idx="minor">
-              <a:schemeClr val="lt1"/>
-            </a:fontRef>
-          </p:style>
-          <p:txBody>
-            <a:bodyPr rot="0" spcFirstLastPara="0" vertOverflow="overflow" horzOverflow="overflow" vert="horz" wrap="square" lIns="91440" tIns="45720" rIns="91440" bIns="45720" numCol="1" spcCol="0" rtlCol="0" fromWordArt="0" anchor="ctr" anchorCtr="0" forceAA="0" compatLnSpc="1">
-              <a:prstTxWarp prst="textNoShape">
-                <a:avLst/>
-              </a:prstTxWarp>
-              <a:noAutofit/>
-            </a:bodyPr>
-            <a:lstStyle/>
-            <a:p>
-              <a:pPr algn="ctr"/>
-              <a:endParaRPr lang="zh-CN" altLang="en-US">
-                <a:latin typeface="Arial" panose="020B0604020202020204" pitchFamily="34" charset="0"/>
-                <a:ea typeface="微软雅黑" panose="020B0503020204020204" pitchFamily="34" charset="-122"/>
-                <a:sym typeface="Arial" panose="020B0604020202020204" pitchFamily="34" charset="0"/>
-              </a:endParaRPr>
-            </a:p>
-          </p:txBody>
-        </p:sp>
-        <p:sp>
-          <p:nvSpPr>
-            <p:cNvPr id="179" name="椭圆 178">
-              <a:extLst>
-                <a:ext uri="{FF2B5EF4-FFF2-40B4-BE49-F238E27FC236}">
-                  <a16:creationId xmlns:a16="http://schemas.microsoft.com/office/drawing/2014/main" id="{C2319334-D1A7-416B-BFF7-4B33E453B49F}"/>
-                </a:ext>
-              </a:extLst>
-            </p:cNvPr>
-            <p:cNvSpPr/>
-            <p:nvPr/>
-          </p:nvSpPr>
-          <p:spPr>
-            <a:xfrm>
-              <a:off x="888096" y="1872269"/>
-              <a:ext cx="72000" cy="72000"/>
-            </a:xfrm>
-            <a:prstGeom prst="ellipse">
-              <a:avLst/>
-            </a:prstGeom>
-            <a:solidFill>
-              <a:schemeClr val="tx1">
-                <a:lumMod val="65000"/>
-                <a:lumOff val="35000"/>
-              </a:schemeClr>
-            </a:solidFill>
-            <a:ln>
-              <a:noFill/>
-            </a:ln>
-          </p:spPr>
-          <p:style>
-            <a:lnRef idx="2">
-              <a:schemeClr val="accent1">
-                <a:shade val="50000"/>
-              </a:schemeClr>
-            </a:lnRef>
-            <a:fillRef idx="1">
-              <a:schemeClr val="accent1"/>
-            </a:fillRef>
-            <a:effectRef idx="0">
-              <a:schemeClr val="accent1"/>
-            </a:effectRef>
-            <a:fontRef idx="minor">
-              <a:schemeClr val="lt1"/>
-            </a:fontRef>
-          </p:style>
-          <p:txBody>
-            <a:bodyPr rot="0" spcFirstLastPara="0" vertOverflow="overflow" horzOverflow="overflow" vert="horz" wrap="square" lIns="91440" tIns="45720" rIns="91440" bIns="45720" numCol="1" spcCol="0" rtlCol="0" fromWordArt="0" anchor="ctr" anchorCtr="0" forceAA="0" compatLnSpc="1">
-              <a:prstTxWarp prst="textNoShape">
-                <a:avLst/>
-              </a:prstTxWarp>
-              <a:noAutofit/>
-            </a:bodyPr>
-            <a:lstStyle/>
-            <a:p>
-              <a:pPr algn="ctr"/>
-              <a:endParaRPr lang="zh-CN" altLang="en-US">
-                <a:latin typeface="Arial" panose="020B0604020202020204" pitchFamily="34" charset="0"/>
-                <a:ea typeface="微软雅黑" panose="020B0503020204020204" pitchFamily="34" charset="-122"/>
-                <a:sym typeface="Arial" panose="020B0604020202020204" pitchFamily="34" charset="0"/>
-              </a:endParaRPr>
-            </a:p>
-          </p:txBody>
-        </p:sp>
-        <p:sp>
-          <p:nvSpPr>
-            <p:cNvPr id="180" name="椭圆 179">
-              <a:extLst>
-                <a:ext uri="{FF2B5EF4-FFF2-40B4-BE49-F238E27FC236}">
-                  <a16:creationId xmlns:a16="http://schemas.microsoft.com/office/drawing/2014/main" id="{B8457391-5D7F-49E8-8189-76EEBBD1AA6A}"/>
-                </a:ext>
-              </a:extLst>
-            </p:cNvPr>
-            <p:cNvSpPr/>
-            <p:nvPr/>
-          </p:nvSpPr>
-          <p:spPr>
-            <a:xfrm>
-              <a:off x="5075921" y="1872269"/>
-              <a:ext cx="72000" cy="72000"/>
-            </a:xfrm>
-            <a:prstGeom prst="ellipse">
-              <a:avLst/>
-            </a:prstGeom>
-            <a:solidFill>
-              <a:schemeClr val="tx1">
-                <a:lumMod val="65000"/>
-                <a:lumOff val="35000"/>
-              </a:schemeClr>
-            </a:solidFill>
-            <a:ln>
-              <a:noFill/>
-            </a:ln>
-          </p:spPr>
-          <p:style>
-            <a:lnRef idx="2">
-              <a:schemeClr val="accent1">
-                <a:shade val="50000"/>
-              </a:schemeClr>
-            </a:lnRef>
-            <a:fillRef idx="1">
-              <a:schemeClr val="accent1"/>
-            </a:fillRef>
-            <a:effectRef idx="0">
-              <a:schemeClr val="accent1"/>
-            </a:effectRef>
-            <a:fontRef idx="minor">
-              <a:schemeClr val="lt1"/>
-            </a:fontRef>
-          </p:style>
-          <p:txBody>
-            <a:bodyPr rot="0" spcFirstLastPara="0" vertOverflow="overflow" horzOverflow="overflow" vert="horz" wrap="square" lIns="91440" tIns="45720" rIns="91440" bIns="45720" numCol="1" spcCol="0" rtlCol="0" fromWordArt="0" anchor="ctr" anchorCtr="0" forceAA="0" compatLnSpc="1">
-              <a:prstTxWarp prst="textNoShape">
-                <a:avLst/>
-              </a:prstTxWarp>
-              <a:noAutofit/>
-            </a:bodyPr>
-            <a:lstStyle/>
-            <a:p>
-              <a:pPr algn="ctr"/>
-              <a:endParaRPr lang="zh-CN" altLang="en-US">
-                <a:latin typeface="Arial" panose="020B0604020202020204" pitchFamily="34" charset="0"/>
-                <a:ea typeface="微软雅黑" panose="020B0503020204020204" pitchFamily="34" charset="-122"/>
-                <a:sym typeface="Arial" panose="020B0604020202020204" pitchFamily="34" charset="0"/>
-              </a:endParaRPr>
-            </a:p>
-          </p:txBody>
-        </p:sp>
-        <p:sp>
-          <p:nvSpPr>
-            <p:cNvPr id="181" name="椭圆 180">
-              <a:extLst>
-                <a:ext uri="{FF2B5EF4-FFF2-40B4-BE49-F238E27FC236}">
-                  <a16:creationId xmlns:a16="http://schemas.microsoft.com/office/drawing/2014/main" id="{B4F999B5-8139-4522-A1F9-46E1A4642F5F}"/>
-                </a:ext>
-              </a:extLst>
-            </p:cNvPr>
-            <p:cNvSpPr/>
-            <p:nvPr/>
-          </p:nvSpPr>
-          <p:spPr>
-            <a:xfrm>
-              <a:off x="5074692" y="1009634"/>
-              <a:ext cx="72000" cy="72000"/>
-            </a:xfrm>
-            <a:prstGeom prst="ellipse">
-              <a:avLst/>
-            </a:prstGeom>
-            <a:solidFill>
-              <a:schemeClr val="tx1">
-                <a:lumMod val="65000"/>
-                <a:lumOff val="35000"/>
-              </a:schemeClr>
-            </a:solidFill>
-            <a:ln>
-              <a:noFill/>
-            </a:ln>
-          </p:spPr>
-          <p:style>
-            <a:lnRef idx="2">
-              <a:schemeClr val="accent1">
-                <a:shade val="50000"/>
-              </a:schemeClr>
-            </a:lnRef>
-            <a:fillRef idx="1">
-              <a:schemeClr val="accent1"/>
-            </a:fillRef>
-            <a:effectRef idx="0">
-              <a:schemeClr val="accent1"/>
-            </a:effectRef>
-            <a:fontRef idx="minor">
-              <a:schemeClr val="lt1"/>
-            </a:fontRef>
-          </p:style>
-          <p:txBody>
-            <a:bodyPr rot="0" spcFirstLastPara="0" vertOverflow="overflow" horzOverflow="overflow" vert="horz" wrap="square" lIns="91440" tIns="45720" rIns="91440" bIns="45720" numCol="1" spcCol="0" rtlCol="0" fromWordArt="0" anchor="ctr" anchorCtr="0" forceAA="0" compatLnSpc="1">
-              <a:prstTxWarp prst="textNoShape">
-                <a:avLst/>
-              </a:prstTxWarp>
-              <a:noAutofit/>
-            </a:bodyPr>
-            <a:lstStyle/>
-            <a:p>
-              <a:pPr algn="ctr"/>
-              <a:endParaRPr lang="zh-CN" altLang="en-US">
-                <a:latin typeface="Arial" panose="020B0604020202020204" pitchFamily="34" charset="0"/>
-                <a:ea typeface="微软雅黑" panose="020B0503020204020204" pitchFamily="34" charset="-122"/>
-                <a:sym typeface="Arial" panose="020B0604020202020204" pitchFamily="34" charset="0"/>
-              </a:endParaRPr>
-            </a:p>
-          </p:txBody>
-        </p:sp>
-      </p:grpSp>
-      <p:sp>
-        <p:nvSpPr>
-          <p:cNvPr id="182" name="矩形 181">
-            <a:extLst>
-              <a:ext uri="{FF2B5EF4-FFF2-40B4-BE49-F238E27FC236}">
-                <a16:creationId xmlns:a16="http://schemas.microsoft.com/office/drawing/2014/main" id="{FDE014AC-A545-49D8-BAAA-4CDE4E44B0CA}"/>
-              </a:ext>
-            </a:extLst>
-          </p:cNvPr>
-          <p:cNvSpPr/>
-          <p:nvPr/>
-        </p:nvSpPr>
-        <p:spPr>
-          <a:xfrm>
-            <a:off x="4472414" y="4848946"/>
-            <a:ext cx="1824933" cy="369332"/>
-          </a:xfrm>
-          <a:prstGeom prst="rect">
-            <a:avLst/>
-          </a:prstGeom>
-        </p:spPr>
-        <p:txBody>
-          <a:bodyPr wrap="square">
-            <a:spAutoFit/>
-          </a:bodyPr>
-          <a:lstStyle/>
-          <a:p>
-            <a:r>
-              <a:rPr lang="zh-CN" altLang="en-US">
-                <a:latin typeface="Arial" panose="020B0604020202020204" pitchFamily="34" charset="0"/>
-                <a:ea typeface="微软雅黑" panose="020B0503020204020204" pitchFamily="34" charset="-122"/>
-                <a:sym typeface="Arial" panose="020B0604020202020204" pitchFamily="34" charset="0"/>
-              </a:rPr>
-              <a:t>心灵鸡汤 </a:t>
-            </a:r>
-            <a:r>
-              <a:rPr lang="en-US" altLang="zh-CN" sz="1200">
-                <a:solidFill>
-                  <a:schemeClr val="bg1">
-                    <a:lumMod val="50000"/>
-                  </a:schemeClr>
-                </a:solidFill>
-                <a:latin typeface="Arial" panose="020B0604020202020204" pitchFamily="34" charset="0"/>
-                <a:ea typeface="微软雅黑" panose="020B0503020204020204" pitchFamily="34" charset="-122"/>
-                <a:sym typeface="Arial" panose="020B0604020202020204" pitchFamily="34" charset="0"/>
-              </a:rPr>
-              <a:t>By</a:t>
-            </a:r>
-            <a:r>
-              <a:rPr lang="zh-CN" altLang="en-US" sz="1200">
-                <a:solidFill>
-                  <a:schemeClr val="bg1">
-                    <a:lumMod val="50000"/>
-                  </a:schemeClr>
-                </a:solidFill>
-                <a:latin typeface="Arial" panose="020B0604020202020204" pitchFamily="34" charset="0"/>
-                <a:ea typeface="微软雅黑" panose="020B0503020204020204" pitchFamily="34" charset="-122"/>
-                <a:sym typeface="Arial" panose="020B0604020202020204" pitchFamily="34" charset="0"/>
-              </a:rPr>
-              <a:t>赵星星</a:t>
-            </a:r>
-            <a:endParaRPr lang="zh-CN" altLang="en-US" sz="1200" dirty="0">
-              <a:latin typeface="Arial" panose="020B0604020202020204" pitchFamily="34" charset="0"/>
-              <a:ea typeface="微软雅黑" panose="020B0503020204020204" pitchFamily="34" charset="-122"/>
-              <a:sym typeface="Arial" panose="020B0604020202020204" pitchFamily="34" charset="0"/>
-            </a:endParaRPr>
-          </a:p>
-        </p:txBody>
-      </p:sp>
-      <p:cxnSp>
-        <p:nvCxnSpPr>
-          <p:cNvPr id="194" name="直接连接符 193">
-            <a:extLst>
-              <a:ext uri="{FF2B5EF4-FFF2-40B4-BE49-F238E27FC236}">
-                <a16:creationId xmlns:a16="http://schemas.microsoft.com/office/drawing/2014/main" id="{3C79E573-3F01-4D67-A58C-C544E051EF7F}"/>
-              </a:ext>
-            </a:extLst>
-          </p:cNvPr>
-          <p:cNvCxnSpPr>
-            <a:cxnSpLocks/>
-          </p:cNvCxnSpPr>
-          <p:nvPr/>
-        </p:nvCxnSpPr>
-        <p:spPr>
-          <a:xfrm>
-            <a:off x="3797761" y="6365668"/>
+            <a:off x="7079205" y="5989724"/>
             <a:ext cx="511317" cy="4700"/>
           </a:xfrm>
           <a:prstGeom prst="line">

--- a/Everything（TOOLS）.pptx
+++ b/Everything（TOOLS）.pptx
@@ -5,7 +5,7 @@
     <p:sldMasterId id="2147483666" r:id="rId1"/>
   </p:sldMasterIdLst>
   <p:notesMasterIdLst>
-    <p:notesMasterId r:id="rId18"/>
+    <p:notesMasterId r:id="rId19"/>
   </p:notesMasterIdLst>
   <p:sldIdLst>
     <p:sldId id="259" r:id="rId2"/>
@@ -18,12 +18,13 @@
     <p:sldId id="291" r:id="rId9"/>
     <p:sldId id="278" r:id="rId10"/>
     <p:sldId id="268" r:id="rId11"/>
-    <p:sldId id="289" r:id="rId12"/>
-    <p:sldId id="282" r:id="rId13"/>
-    <p:sldId id="292" r:id="rId14"/>
-    <p:sldId id="269" r:id="rId15"/>
-    <p:sldId id="285" r:id="rId16"/>
-    <p:sldId id="272" r:id="rId17"/>
+    <p:sldId id="293" r:id="rId12"/>
+    <p:sldId id="289" r:id="rId13"/>
+    <p:sldId id="282" r:id="rId14"/>
+    <p:sldId id="292" r:id="rId15"/>
+    <p:sldId id="269" r:id="rId16"/>
+    <p:sldId id="285" r:id="rId17"/>
+    <p:sldId id="272" r:id="rId18"/>
   </p:sldIdLst>
   <p:sldSz cx="12192000" cy="6858000"/>
   <p:notesSz cx="6858000" cy="9144000"/>
@@ -154,6 +155,1958 @@
     </p:ext>
   </p:extLst>
 </p:presentation>
+</file>
+
+<file path=ppt/charts/chart1.xml><?xml version="1.0" encoding="utf-8"?>
+<c:chartSpace xmlns:c="http://schemas.openxmlformats.org/drawingml/2006/chart" xmlns:a="http://schemas.openxmlformats.org/drawingml/2006/main" xmlns:r="http://schemas.openxmlformats.org/officeDocument/2006/relationships" xmlns:c16r2="http://schemas.microsoft.com/office/drawing/2015/06/chart">
+  <c:date1904 val="0"/>
+  <c:lang val="zh-CN"/>
+  <c:roundedCorners val="0"/>
+  <mc:AlternateContent xmlns:mc="http://schemas.openxmlformats.org/markup-compatibility/2006">
+    <mc:Choice xmlns:c14="http://schemas.microsoft.com/office/drawing/2007/8/2/chart" Requires="c14">
+      <c14:style val="102"/>
+    </mc:Choice>
+    <mc:Fallback>
+      <c:style val="2"/>
+    </mc:Fallback>
+  </mc:AlternateContent>
+  <c:chart>
+    <c:autoTitleDeleted val="0"/>
+    <c:view3D>
+      <c:rotX val="30"/>
+      <c:rotY val="0"/>
+      <c:depthPercent val="100"/>
+      <c:rAngAx val="0"/>
+    </c:view3D>
+    <c:floor>
+      <c:thickness val="0"/>
+      <c:spPr>
+        <a:noFill/>
+        <a:ln>
+          <a:noFill/>
+        </a:ln>
+        <a:effectLst/>
+        <a:sp3d/>
+      </c:spPr>
+    </c:floor>
+    <c:sideWall>
+      <c:thickness val="0"/>
+      <c:spPr>
+        <a:noFill/>
+        <a:ln>
+          <a:noFill/>
+        </a:ln>
+        <a:effectLst/>
+        <a:sp3d/>
+      </c:spPr>
+    </c:sideWall>
+    <c:backWall>
+      <c:thickness val="0"/>
+      <c:spPr>
+        <a:noFill/>
+        <a:ln>
+          <a:noFill/>
+        </a:ln>
+        <a:effectLst/>
+        <a:sp3d/>
+      </c:spPr>
+    </c:backWall>
+    <c:plotArea>
+      <c:layout/>
+      <c:pie3DChart>
+        <c:varyColors val="1"/>
+        <c:dLbls>
+          <c:dLblPos val="bestFit"/>
+          <c:showLegendKey val="0"/>
+          <c:showVal val="1"/>
+          <c:showCatName val="0"/>
+          <c:showSerName val="0"/>
+          <c:showPercent val="0"/>
+          <c:showBubbleSize val="0"/>
+          <c:showLeaderLines val="0"/>
+        </c:dLbls>
+      </c:pie3DChart>
+      <c:spPr>
+        <a:noFill/>
+        <a:ln>
+          <a:noFill/>
+        </a:ln>
+        <a:effectLst/>
+      </c:spPr>
+    </c:plotArea>
+    <c:legend>
+      <c:legendPos val="b"/>
+      <c:overlay val="0"/>
+      <c:spPr>
+        <a:noFill/>
+        <a:ln>
+          <a:noFill/>
+        </a:ln>
+        <a:effectLst/>
+      </c:spPr>
+      <c:txPr>
+        <a:bodyPr rot="0" spcFirstLastPara="1" vertOverflow="ellipsis" vert="horz" wrap="square" anchor="ctr" anchorCtr="1"/>
+        <a:lstStyle/>
+        <a:p>
+          <a:pPr>
+            <a:defRPr sz="1197" b="0" i="0" u="none" strike="noStrike" kern="1200" baseline="0">
+              <a:solidFill>
+                <a:schemeClr val="tx1">
+                  <a:lumMod val="65000"/>
+                  <a:lumOff val="35000"/>
+                </a:schemeClr>
+              </a:solidFill>
+              <a:latin typeface="+mn-lt"/>
+              <a:ea typeface="+mn-ea"/>
+              <a:cs typeface="+mn-cs"/>
+            </a:defRPr>
+          </a:pPr>
+          <a:endParaRPr lang="zh-CN"/>
+        </a:p>
+      </c:txPr>
+    </c:legend>
+    <c:plotVisOnly val="1"/>
+    <c:dispBlanksAs val="gap"/>
+    <c:extLst>
+      <c:ext xmlns:c16r3="http://schemas.microsoft.com/office/drawing/2017/03/chart" uri="{56B9EC1D-385E-4148-901F-78D8002777C0}">
+        <c16r3:dataDisplayOptions16>
+          <c16r3:dispNaAsBlank val="1"/>
+        </c16r3:dataDisplayOptions16>
+      </c:ext>
+    </c:extLst>
+    <c:showDLblsOverMax val="0"/>
+  </c:chart>
+  <c:spPr>
+    <a:noFill/>
+    <a:ln>
+      <a:noFill/>
+    </a:ln>
+    <a:effectLst/>
+  </c:spPr>
+  <c:txPr>
+    <a:bodyPr/>
+    <a:lstStyle/>
+    <a:p>
+      <a:pPr>
+        <a:defRPr/>
+      </a:pPr>
+      <a:endParaRPr lang="zh-CN"/>
+    </a:p>
+  </c:txPr>
+  <c:externalData r:id="rId3">
+    <c:autoUpdate val="0"/>
+  </c:externalData>
+</c:chartSpace>
+</file>
+
+<file path=ppt/charts/chart2.xml><?xml version="1.0" encoding="utf-8"?>
+<c:chartSpace xmlns:c="http://schemas.openxmlformats.org/drawingml/2006/chart" xmlns:a="http://schemas.openxmlformats.org/drawingml/2006/main" xmlns:r="http://schemas.openxmlformats.org/officeDocument/2006/relationships" xmlns:c16r2="http://schemas.microsoft.com/office/drawing/2015/06/chart">
+  <c:date1904 val="0"/>
+  <c:lang val="zh-CN"/>
+  <c:roundedCorners val="0"/>
+  <mc:AlternateContent xmlns:mc="http://schemas.openxmlformats.org/markup-compatibility/2006">
+    <mc:Choice xmlns:c14="http://schemas.microsoft.com/office/drawing/2007/8/2/chart" Requires="c14">
+      <c14:style val="102"/>
+    </mc:Choice>
+    <mc:Fallback>
+      <c:style val="2"/>
+    </mc:Fallback>
+  </mc:AlternateContent>
+  <c:chart>
+    <c:autoTitleDeleted val="1"/>
+    <c:view3D>
+      <c:rotX val="30"/>
+      <c:rotY val="0"/>
+      <c:depthPercent val="100"/>
+      <c:rAngAx val="0"/>
+    </c:view3D>
+    <c:floor>
+      <c:thickness val="0"/>
+      <c:spPr>
+        <a:noFill/>
+        <a:ln>
+          <a:noFill/>
+        </a:ln>
+        <a:effectLst/>
+        <a:sp3d/>
+      </c:spPr>
+    </c:floor>
+    <c:sideWall>
+      <c:thickness val="0"/>
+      <c:spPr>
+        <a:noFill/>
+        <a:ln>
+          <a:noFill/>
+        </a:ln>
+        <a:effectLst/>
+        <a:sp3d/>
+      </c:spPr>
+    </c:sideWall>
+    <c:backWall>
+      <c:thickness val="0"/>
+      <c:spPr>
+        <a:noFill/>
+        <a:ln>
+          <a:noFill/>
+        </a:ln>
+        <a:effectLst/>
+        <a:sp3d/>
+      </c:spPr>
+    </c:backWall>
+    <c:plotArea>
+      <c:layout/>
+      <c:pie3DChart>
+        <c:varyColors val="1"/>
+        <c:ser>
+          <c:idx val="0"/>
+          <c:order val="0"/>
+          <c:tx>
+            <c:strRef>
+              <c:f>Sheet1!$B$1</c:f>
+              <c:strCache>
+                <c:ptCount val="1"/>
+                <c:pt idx="0">
+                  <c:v>销售额</c:v>
+                </c:pt>
+              </c:strCache>
+            </c:strRef>
+          </c:tx>
+          <c:dPt>
+            <c:idx val="0"/>
+            <c:bubble3D val="0"/>
+            <c:spPr>
+              <a:solidFill>
+                <a:schemeClr val="accent1"/>
+              </a:solidFill>
+              <a:ln>
+                <a:noFill/>
+              </a:ln>
+              <a:effectLst>
+                <a:outerShdw blurRad="88900" sx="102000" sy="102000" algn="ctr" rotWithShape="0">
+                  <a:prstClr val="black">
+                    <a:alpha val="10000"/>
+                  </a:prstClr>
+                </a:outerShdw>
+              </a:effectLst>
+              <a:scene3d>
+                <a:camera prst="orthographicFront"/>
+                <a:lightRig rig="threePt" dir="t"/>
+              </a:scene3d>
+              <a:sp3d>
+                <a:bevelT w="127000" h="127000"/>
+                <a:bevelB w="127000" h="127000"/>
+              </a:sp3d>
+            </c:spPr>
+            <c:extLst>
+              <c:ext xmlns:c16="http://schemas.microsoft.com/office/drawing/2014/chart" uri="{C3380CC4-5D6E-409C-BE32-E72D297353CC}">
+                <c16:uniqueId val="{00000004-6AA8-4332-AD8D-2C85D3979D37}"/>
+              </c:ext>
+            </c:extLst>
+          </c:dPt>
+          <c:dPt>
+            <c:idx val="1"/>
+            <c:bubble3D val="0"/>
+            <c:spPr>
+              <a:solidFill>
+                <a:schemeClr val="accent2"/>
+              </a:solidFill>
+              <a:ln>
+                <a:noFill/>
+              </a:ln>
+              <a:effectLst>
+                <a:outerShdw blurRad="88900" sx="102000" sy="102000" algn="ctr" rotWithShape="0">
+                  <a:prstClr val="black">
+                    <a:alpha val="10000"/>
+                  </a:prstClr>
+                </a:outerShdw>
+              </a:effectLst>
+              <a:scene3d>
+                <a:camera prst="orthographicFront"/>
+                <a:lightRig rig="threePt" dir="t"/>
+              </a:scene3d>
+              <a:sp3d>
+                <a:bevelT w="127000" h="127000"/>
+                <a:bevelB w="127000" h="127000"/>
+              </a:sp3d>
+            </c:spPr>
+            <c:extLst>
+              <c:ext xmlns:c16="http://schemas.microsoft.com/office/drawing/2014/chart" uri="{C3380CC4-5D6E-409C-BE32-E72D297353CC}">
+                <c16:uniqueId val="{00000001-6AA8-4332-AD8D-2C85D3979D37}"/>
+              </c:ext>
+            </c:extLst>
+          </c:dPt>
+          <c:dPt>
+            <c:idx val="2"/>
+            <c:bubble3D val="0"/>
+            <c:spPr>
+              <a:solidFill>
+                <a:schemeClr val="accent3"/>
+              </a:solidFill>
+              <a:ln>
+                <a:noFill/>
+              </a:ln>
+              <a:effectLst>
+                <a:outerShdw blurRad="88900" sx="102000" sy="102000" algn="ctr" rotWithShape="0">
+                  <a:prstClr val="black">
+                    <a:alpha val="10000"/>
+                  </a:prstClr>
+                </a:outerShdw>
+              </a:effectLst>
+              <a:scene3d>
+                <a:camera prst="orthographicFront"/>
+                <a:lightRig rig="threePt" dir="t"/>
+              </a:scene3d>
+              <a:sp3d>
+                <a:bevelT w="127000" h="127000"/>
+                <a:bevelB w="127000" h="127000"/>
+              </a:sp3d>
+            </c:spPr>
+            <c:extLst>
+              <c:ext xmlns:c16="http://schemas.microsoft.com/office/drawing/2014/chart" uri="{C3380CC4-5D6E-409C-BE32-E72D297353CC}">
+                <c16:uniqueId val="{00000003-6AA8-4332-AD8D-2C85D3979D37}"/>
+              </c:ext>
+            </c:extLst>
+          </c:dPt>
+          <c:dPt>
+            <c:idx val="3"/>
+            <c:bubble3D val="0"/>
+            <c:spPr>
+              <a:solidFill>
+                <a:schemeClr val="accent4"/>
+              </a:solidFill>
+              <a:ln>
+                <a:noFill/>
+              </a:ln>
+              <a:effectLst>
+                <a:outerShdw blurRad="88900" sx="102000" sy="102000" algn="ctr" rotWithShape="0">
+                  <a:prstClr val="black">
+                    <a:alpha val="10000"/>
+                  </a:prstClr>
+                </a:outerShdw>
+              </a:effectLst>
+              <a:scene3d>
+                <a:camera prst="orthographicFront"/>
+                <a:lightRig rig="threePt" dir="t"/>
+              </a:scene3d>
+              <a:sp3d>
+                <a:bevelT w="127000" h="127000"/>
+                <a:bevelB w="127000" h="127000"/>
+              </a:sp3d>
+            </c:spPr>
+            <c:extLst>
+              <c:ext xmlns:c16="http://schemas.microsoft.com/office/drawing/2014/chart" uri="{C3380CC4-5D6E-409C-BE32-E72D297353CC}">
+                <c16:uniqueId val="{00000002-6AA8-4332-AD8D-2C85D3979D37}"/>
+              </c:ext>
+            </c:extLst>
+          </c:dPt>
+          <c:dLbls>
+            <c:dLbl>
+              <c:idx val="0"/>
+              <c:layout>
+                <c:manualLayout>
+                  <c:x val="-2.5000000000000001E-2"/>
+                  <c:y val="0.20614132620559467"/>
+                </c:manualLayout>
+              </c:layout>
+              <c:tx>
+                <c:rich>
+                  <a:bodyPr rot="0" spcFirstLastPara="1" vertOverflow="ellipsis" vert="horz" wrap="square" lIns="38100" tIns="19050" rIns="38100" bIns="19050" anchor="ctr" anchorCtr="1">
+                    <a:spAutoFit/>
+                  </a:bodyPr>
+                  <a:lstStyle/>
+                  <a:p>
+                    <a:pPr>
+                      <a:defRPr sz="1330" b="1" i="0" u="none" strike="noStrike" kern="1200" spc="0" baseline="0">
+                        <a:solidFill>
+                          <a:schemeClr val="accent1"/>
+                        </a:solidFill>
+                        <a:latin typeface="+mn-lt"/>
+                        <a:ea typeface="+mn-ea"/>
+                        <a:cs typeface="+mn-cs"/>
+                      </a:defRPr>
+                    </a:pPr>
+                    <a:fld id="{52200B49-EC10-4A59-B065-DFFF611F9D26}" type="CATEGORYNAME">
+                      <a:rPr lang="en-US"/>
+                      <a:pPr>
+                        <a:defRPr/>
+                      </a:pPr>
+                      <a:t>[类别名称]</a:t>
+                    </a:fld>
+                    <a:r>
+                      <a:rPr lang="en-US"/>
+                      <a:t>
+</a:t>
+                    </a:r>
+                    <a:fld id="{B2C04793-253F-4844-BD74-52F327D240E6}" type="PERCENTAGE">
+                      <a:rPr lang="en-US" sz="2400"/>
+                      <a:pPr>
+                        <a:defRPr/>
+                      </a:pPr>
+                      <a:t>[百分比]</a:t>
+                    </a:fld>
+                    <a:endParaRPr lang="en-US"/>
+                  </a:p>
+                </c:rich>
+              </c:tx>
+              <c:spPr>
+                <a:noFill/>
+                <a:ln>
+                  <a:noFill/>
+                </a:ln>
+                <a:effectLst/>
+              </c:spPr>
+              <c:txPr>
+                <a:bodyPr rot="0" spcFirstLastPara="1" vertOverflow="ellipsis" vert="horz" wrap="square" lIns="38100" tIns="19050" rIns="38100" bIns="19050" anchor="ctr" anchorCtr="1">
+                  <a:spAutoFit/>
+                </a:bodyPr>
+                <a:lstStyle/>
+                <a:p>
+                  <a:pPr>
+                    <a:defRPr sz="1330" b="1" i="0" u="none" strike="noStrike" kern="1200" spc="0" baseline="0">
+                      <a:solidFill>
+                        <a:schemeClr val="accent1"/>
+                      </a:solidFill>
+                      <a:latin typeface="+mn-lt"/>
+                      <a:ea typeface="+mn-ea"/>
+                      <a:cs typeface="+mn-cs"/>
+                    </a:defRPr>
+                  </a:pPr>
+                  <a:endParaRPr lang="zh-CN"/>
+                </a:p>
+              </c:txPr>
+              <c:dLblPos val="bestFit"/>
+              <c:showLegendKey val="1"/>
+              <c:showVal val="0"/>
+              <c:showCatName val="1"/>
+              <c:showSerName val="0"/>
+              <c:showPercent val="1"/>
+              <c:showBubbleSize val="0"/>
+              <c:extLst>
+                <c:ext xmlns:c15="http://schemas.microsoft.com/office/drawing/2012/chart" uri="{CE6537A1-D6FC-4f65-9D91-7224C49458BB}">
+                  <c15:dlblFieldTable/>
+                  <c15:showDataLabelsRange val="0"/>
+                </c:ext>
+                <c:ext xmlns:c16="http://schemas.microsoft.com/office/drawing/2014/chart" uri="{C3380CC4-5D6E-409C-BE32-E72D297353CC}">
+                  <c16:uniqueId val="{00000004-6AA8-4332-AD8D-2C85D3979D37}"/>
+                </c:ext>
+              </c:extLst>
+            </c:dLbl>
+            <c:dLbl>
+              <c:idx val="1"/>
+              <c:layout>
+                <c:manualLayout>
+                  <c:x val="0"/>
+                  <c:y val="0.18046873889833054"/>
+                </c:manualLayout>
+              </c:layout>
+              <c:tx>
+                <c:rich>
+                  <a:bodyPr rot="0" spcFirstLastPara="1" vertOverflow="ellipsis" vert="horz" wrap="square" lIns="38100" tIns="19050" rIns="38100" bIns="19050" anchor="ctr" anchorCtr="1">
+                    <a:spAutoFit/>
+                  </a:bodyPr>
+                  <a:lstStyle/>
+                  <a:p>
+                    <a:pPr>
+                      <a:defRPr sz="1330" b="1" i="0" u="none" strike="noStrike" kern="1200" spc="0" baseline="0">
+                        <a:solidFill>
+                          <a:schemeClr val="accent1"/>
+                        </a:solidFill>
+                        <a:latin typeface="+mn-lt"/>
+                        <a:ea typeface="+mn-ea"/>
+                        <a:cs typeface="+mn-cs"/>
+                      </a:defRPr>
+                    </a:pPr>
+                    <a:fld id="{2FBD2E31-D62B-4F93-A000-4EA6157B1659}" type="CATEGORYNAME">
+                      <a:rPr lang="en-US" sz="1600" smtClean="0"/>
+                      <a:pPr>
+                        <a:defRPr/>
+                      </a:pPr>
+                      <a:t>[类别名称]</a:t>
+                    </a:fld>
+                    <a:r>
+                      <a:rPr lang="en-US" sz="1600"/>
+                      <a:t> 5
+</a:t>
+                    </a:r>
+                    <a:fld id="{6C4FEAAE-B487-4B07-9FCE-7DF8DD9929C1}" type="PERCENTAGE">
+                      <a:rPr lang="en-US" sz="2400"/>
+                      <a:pPr>
+                        <a:defRPr/>
+                      </a:pPr>
+                      <a:t>[百分比]</a:t>
+                    </a:fld>
+                    <a:endParaRPr lang="en-US" sz="1600"/>
+                  </a:p>
+                </c:rich>
+              </c:tx>
+              <c:spPr>
+                <a:noFill/>
+                <a:ln>
+                  <a:noFill/>
+                </a:ln>
+                <a:effectLst/>
+              </c:spPr>
+              <c:txPr>
+                <a:bodyPr rot="0" spcFirstLastPara="1" vertOverflow="ellipsis" vert="horz" wrap="square" lIns="38100" tIns="19050" rIns="38100" bIns="19050" anchor="ctr" anchorCtr="1">
+                  <a:spAutoFit/>
+                </a:bodyPr>
+                <a:lstStyle/>
+                <a:p>
+                  <a:pPr>
+                    <a:defRPr sz="1330" b="1" i="0" u="none" strike="noStrike" kern="1200" spc="0" baseline="0">
+                      <a:solidFill>
+                        <a:schemeClr val="accent2"/>
+                      </a:solidFill>
+                      <a:latin typeface="+mn-lt"/>
+                      <a:ea typeface="+mn-ea"/>
+                      <a:cs typeface="+mn-cs"/>
+                    </a:defRPr>
+                  </a:pPr>
+                  <a:endParaRPr lang="zh-CN"/>
+                </a:p>
+              </c:txPr>
+              <c:dLblPos val="bestFit"/>
+              <c:showLegendKey val="1"/>
+              <c:showVal val="0"/>
+              <c:showCatName val="1"/>
+              <c:showSerName val="0"/>
+              <c:showPercent val="1"/>
+              <c:showBubbleSize val="0"/>
+              <c:extLst>
+                <c:ext xmlns:c15="http://schemas.microsoft.com/office/drawing/2012/chart" uri="{CE6537A1-D6FC-4f65-9D91-7224C49458BB}">
+                  <c15:dlblFieldTable/>
+                  <c15:showDataLabelsRange val="0"/>
+                </c:ext>
+                <c:ext xmlns:c16="http://schemas.microsoft.com/office/drawing/2014/chart" uri="{C3380CC4-5D6E-409C-BE32-E72D297353CC}">
+                  <c16:uniqueId val="{00000001-6AA8-4332-AD8D-2C85D3979D37}"/>
+                </c:ext>
+              </c:extLst>
+            </c:dLbl>
+            <c:dLbl>
+              <c:idx val="2"/>
+              <c:layout>
+                <c:manualLayout>
+                  <c:x val="4.6875E-2"/>
+                  <c:y val="-6.3281246107206812E-2"/>
+                </c:manualLayout>
+              </c:layout>
+              <c:tx>
+                <c:rich>
+                  <a:bodyPr rot="0" spcFirstLastPara="1" vertOverflow="ellipsis" vert="horz" wrap="square" lIns="38100" tIns="19050" rIns="38100" bIns="19050" anchor="ctr" anchorCtr="1">
+                    <a:spAutoFit/>
+                  </a:bodyPr>
+                  <a:lstStyle/>
+                  <a:p>
+                    <a:pPr>
+                      <a:defRPr sz="1330" b="1" i="0" u="none" strike="noStrike" kern="1200" spc="0" baseline="0">
+                        <a:solidFill>
+                          <a:schemeClr val="accent1"/>
+                        </a:solidFill>
+                        <a:latin typeface="+mn-lt"/>
+                        <a:ea typeface="+mn-ea"/>
+                        <a:cs typeface="+mn-cs"/>
+                      </a:defRPr>
+                    </a:pPr>
+                    <a:fld id="{DEE21C73-E58E-4A35-9F12-585B8340D580}" type="CATEGORYNAME">
+                      <a:rPr lang="en-US"/>
+                      <a:pPr>
+                        <a:defRPr/>
+                      </a:pPr>
+                      <a:t>[类别名称]</a:t>
+                    </a:fld>
+                    <a:r>
+                      <a:rPr lang="en-US"/>
+                      <a:t>
+</a:t>
+                    </a:r>
+                    <a:fld id="{8EB844B6-CC12-44C2-BBF3-BA256B5D4F67}" type="PERCENTAGE">
+                      <a:rPr lang="en-US" sz="2800"/>
+                      <a:pPr>
+                        <a:defRPr/>
+                      </a:pPr>
+                      <a:t>[百分比]</a:t>
+                    </a:fld>
+                    <a:endParaRPr lang="en-US"/>
+                  </a:p>
+                </c:rich>
+              </c:tx>
+              <c:spPr>
+                <a:noFill/>
+                <a:ln>
+                  <a:noFill/>
+                </a:ln>
+                <a:effectLst/>
+              </c:spPr>
+              <c:txPr>
+                <a:bodyPr rot="0" spcFirstLastPara="1" vertOverflow="ellipsis" vert="horz" wrap="square" lIns="38100" tIns="19050" rIns="38100" bIns="19050" anchor="ctr" anchorCtr="1">
+                  <a:spAutoFit/>
+                </a:bodyPr>
+                <a:lstStyle/>
+                <a:p>
+                  <a:pPr>
+                    <a:defRPr sz="1330" b="1" i="0" u="none" strike="noStrike" kern="1200" spc="0" baseline="0">
+                      <a:solidFill>
+                        <a:schemeClr val="accent3"/>
+                      </a:solidFill>
+                      <a:latin typeface="+mn-lt"/>
+                      <a:ea typeface="+mn-ea"/>
+                      <a:cs typeface="+mn-cs"/>
+                    </a:defRPr>
+                  </a:pPr>
+                  <a:endParaRPr lang="zh-CN"/>
+                </a:p>
+              </c:txPr>
+              <c:dLblPos val="bestFit"/>
+              <c:showLegendKey val="1"/>
+              <c:showVal val="0"/>
+              <c:showCatName val="1"/>
+              <c:showSerName val="0"/>
+              <c:showPercent val="1"/>
+              <c:showBubbleSize val="0"/>
+              <c:extLst>
+                <c:ext xmlns:c15="http://schemas.microsoft.com/office/drawing/2012/chart" uri="{CE6537A1-D6FC-4f65-9D91-7224C49458BB}">
+                  <c15:dlblFieldTable/>
+                  <c15:showDataLabelsRange val="0"/>
+                </c:ext>
+                <c:ext xmlns:c16="http://schemas.microsoft.com/office/drawing/2014/chart" uri="{C3380CC4-5D6E-409C-BE32-E72D297353CC}">
+                  <c16:uniqueId val="{00000003-6AA8-4332-AD8D-2C85D3979D37}"/>
+                </c:ext>
+              </c:extLst>
+            </c:dLbl>
+            <c:dLbl>
+              <c:idx val="3"/>
+              <c:layout>
+                <c:manualLayout>
+                  <c:x val="0.37812499999999999"/>
+                  <c:y val="4.6874997116449491E-3"/>
+                </c:manualLayout>
+              </c:layout>
+              <c:tx>
+                <c:rich>
+                  <a:bodyPr rot="0" spcFirstLastPara="1" vertOverflow="ellipsis" vert="horz" wrap="square" lIns="38100" tIns="19050" rIns="38100" bIns="19050" anchor="ctr" anchorCtr="1">
+                    <a:spAutoFit/>
+                  </a:bodyPr>
+                  <a:lstStyle/>
+                  <a:p>
+                    <a:pPr>
+                      <a:defRPr sz="1330" b="1" i="0" u="none" strike="noStrike" kern="1200" spc="0" baseline="0">
+                        <a:solidFill>
+                          <a:schemeClr val="accent1"/>
+                        </a:solidFill>
+                        <a:latin typeface="+mn-lt"/>
+                        <a:ea typeface="+mn-ea"/>
+                        <a:cs typeface="+mn-cs"/>
+                      </a:defRPr>
+                    </a:pPr>
+                    <a:fld id="{AA371A26-8617-4EC2-AC99-AA21E6A922C8}" type="CATEGORYNAME">
+                      <a:rPr lang="en-US" altLang="zh-CN"/>
+                      <a:pPr>
+                        <a:defRPr/>
+                      </a:pPr>
+                      <a:t>[类别名称]</a:t>
+                    </a:fld>
+                    <a:r>
+                      <a:rPr lang="en-US" altLang="zh-CN" baseline="0"/>
+                      <a:t>
+</a:t>
+                    </a:r>
+                    <a:fld id="{DBC1A150-D0B3-4996-A2C0-66F2CB5B2C84}" type="PERCENTAGE">
+                      <a:rPr lang="en-US" altLang="zh-CN" sz="2400" baseline="0"/>
+                      <a:pPr>
+                        <a:defRPr/>
+                      </a:pPr>
+                      <a:t>[百分比]</a:t>
+                    </a:fld>
+                    <a:endParaRPr lang="en-US" altLang="zh-CN" baseline="0"/>
+                  </a:p>
+                </c:rich>
+              </c:tx>
+              <c:spPr>
+                <a:noFill/>
+                <a:ln>
+                  <a:noFill/>
+                </a:ln>
+                <a:effectLst/>
+              </c:spPr>
+              <c:txPr>
+                <a:bodyPr rot="0" spcFirstLastPara="1" vertOverflow="ellipsis" vert="horz" wrap="square" lIns="38100" tIns="19050" rIns="38100" bIns="19050" anchor="ctr" anchorCtr="1">
+                  <a:spAutoFit/>
+                </a:bodyPr>
+                <a:lstStyle/>
+                <a:p>
+                  <a:pPr>
+                    <a:defRPr sz="1330" b="1" i="0" u="none" strike="noStrike" kern="1200" spc="0" baseline="0">
+                      <a:solidFill>
+                        <a:schemeClr val="accent4"/>
+                      </a:solidFill>
+                      <a:latin typeface="+mn-lt"/>
+                      <a:ea typeface="+mn-ea"/>
+                      <a:cs typeface="+mn-cs"/>
+                    </a:defRPr>
+                  </a:pPr>
+                  <a:endParaRPr lang="zh-CN"/>
+                </a:p>
+              </c:txPr>
+              <c:dLblPos val="bestFit"/>
+              <c:showLegendKey val="1"/>
+              <c:showVal val="0"/>
+              <c:showCatName val="1"/>
+              <c:showSerName val="0"/>
+              <c:showPercent val="1"/>
+              <c:showBubbleSize val="0"/>
+              <c:extLst>
+                <c:ext xmlns:c15="http://schemas.microsoft.com/office/drawing/2012/chart" uri="{CE6537A1-D6FC-4f65-9D91-7224C49458BB}">
+                  <c15:dlblFieldTable/>
+                  <c15:showDataLabelsRange val="0"/>
+                </c:ext>
+                <c:ext xmlns:c16="http://schemas.microsoft.com/office/drawing/2014/chart" uri="{C3380CC4-5D6E-409C-BE32-E72D297353CC}">
+                  <c16:uniqueId val="{00000002-6AA8-4332-AD8D-2C85D3979D37}"/>
+                </c:ext>
+              </c:extLst>
+            </c:dLbl>
+            <c:dLblPos val="outEnd"/>
+            <c:showLegendKey val="1"/>
+            <c:showVal val="0"/>
+            <c:showCatName val="1"/>
+            <c:showSerName val="0"/>
+            <c:showPercent val="1"/>
+            <c:showBubbleSize val="0"/>
+            <c:showLeaderLines val="1"/>
+            <c:leaderLines>
+              <c:spPr>
+                <a:ln w="9525" cap="flat" cmpd="sng" algn="ctr">
+                  <a:solidFill>
+                    <a:schemeClr val="tx1">
+                      <a:lumMod val="35000"/>
+                      <a:lumOff val="65000"/>
+                    </a:schemeClr>
+                  </a:solidFill>
+                  <a:round/>
+                </a:ln>
+                <a:effectLst/>
+              </c:spPr>
+            </c:leaderLines>
+            <c:extLst>
+              <c:ext xmlns:c15="http://schemas.microsoft.com/office/drawing/2012/chart" uri="{CE6537A1-D6FC-4f65-9D91-7224C49458BB}"/>
+            </c:extLst>
+          </c:dLbls>
+          <c:cat>
+            <c:strRef>
+              <c:f>Sheet1!$A$2:$A$5</c:f>
+              <c:strCache>
+                <c:ptCount val="4"/>
+                <c:pt idx="0">
+                  <c:v>PHP</c:v>
+                </c:pt>
+                <c:pt idx="1">
+                  <c:v>HTML</c:v>
+                </c:pt>
+                <c:pt idx="2">
+                  <c:v>CSS</c:v>
+                </c:pt>
+                <c:pt idx="3">
+                  <c:v>其它(JS / JQuery)</c:v>
+                </c:pt>
+              </c:strCache>
+            </c:strRef>
+          </c:cat>
+          <c:val>
+            <c:numRef>
+              <c:f>Sheet1!$B$2:$B$5</c:f>
+              <c:numCache>
+                <c:formatCode>General</c:formatCode>
+                <c:ptCount val="4"/>
+                <c:pt idx="0">
+                  <c:v>58.2</c:v>
+                </c:pt>
+                <c:pt idx="1">
+                  <c:v>23</c:v>
+                </c:pt>
+                <c:pt idx="2">
+                  <c:v>17.600000000000001</c:v>
+                </c:pt>
+                <c:pt idx="3">
+                  <c:v>1.2</c:v>
+                </c:pt>
+              </c:numCache>
+            </c:numRef>
+          </c:val>
+          <c:extLst>
+            <c:ext xmlns:c16="http://schemas.microsoft.com/office/drawing/2014/chart" uri="{C3380CC4-5D6E-409C-BE32-E72D297353CC}">
+              <c16:uniqueId val="{00000000-6AA8-4332-AD8D-2C85D3979D37}"/>
+            </c:ext>
+          </c:extLst>
+        </c:ser>
+        <c:dLbls>
+          <c:dLblPos val="outEnd"/>
+          <c:showLegendKey val="0"/>
+          <c:showVal val="1"/>
+          <c:showCatName val="0"/>
+          <c:showSerName val="0"/>
+          <c:showPercent val="0"/>
+          <c:showBubbleSize val="0"/>
+          <c:showLeaderLines val="1"/>
+        </c:dLbls>
+      </c:pie3DChart>
+      <c:spPr>
+        <a:noFill/>
+        <a:ln>
+          <a:noFill/>
+        </a:ln>
+        <a:effectLst/>
+      </c:spPr>
+    </c:plotArea>
+    <c:plotVisOnly val="1"/>
+    <c:dispBlanksAs val="gap"/>
+    <c:extLst>
+      <c:ext xmlns:c16r3="http://schemas.microsoft.com/office/drawing/2017/03/chart" uri="{56B9EC1D-385E-4148-901F-78D8002777C0}">
+        <c16r3:dataDisplayOptions16>
+          <c16r3:dispNaAsBlank val="1"/>
+        </c16r3:dataDisplayOptions16>
+      </c:ext>
+    </c:extLst>
+    <c:showDLblsOverMax val="0"/>
+  </c:chart>
+  <c:spPr>
+    <a:noFill/>
+    <a:ln>
+      <a:noFill/>
+    </a:ln>
+    <a:effectLst/>
+  </c:spPr>
+  <c:txPr>
+    <a:bodyPr/>
+    <a:lstStyle/>
+    <a:p>
+      <a:pPr>
+        <a:defRPr/>
+      </a:pPr>
+      <a:endParaRPr lang="zh-CN"/>
+    </a:p>
+  </c:txPr>
+  <c:externalData r:id="rId3">
+    <c:autoUpdate val="0"/>
+  </c:externalData>
+</c:chartSpace>
+</file>
+
+<file path=ppt/charts/colors1.xml><?xml version="1.0" encoding="utf-8"?>
+<cs:colorStyle xmlns:cs="http://schemas.microsoft.com/office/drawing/2012/chartStyle" xmlns:a="http://schemas.openxmlformats.org/drawingml/2006/main" meth="cycle" id="10">
+  <a:schemeClr val="accent1"/>
+  <a:schemeClr val="accent2"/>
+  <a:schemeClr val="accent3"/>
+  <a:schemeClr val="accent4"/>
+  <a:schemeClr val="accent5"/>
+  <a:schemeClr val="accent6"/>
+  <cs:variation/>
+  <cs:variation>
+    <a:lumMod val="60000"/>
+  </cs:variation>
+  <cs:variation>
+    <a:lumMod val="80000"/>
+    <a:lumOff val="20000"/>
+  </cs:variation>
+  <cs:variation>
+    <a:lumMod val="80000"/>
+  </cs:variation>
+  <cs:variation>
+    <a:lumMod val="60000"/>
+    <a:lumOff val="40000"/>
+  </cs:variation>
+  <cs:variation>
+    <a:lumMod val="50000"/>
+  </cs:variation>
+  <cs:variation>
+    <a:lumMod val="70000"/>
+    <a:lumOff val="30000"/>
+  </cs:variation>
+  <cs:variation>
+    <a:lumMod val="70000"/>
+  </cs:variation>
+  <cs:variation>
+    <a:lumMod val="50000"/>
+    <a:lumOff val="50000"/>
+  </cs:variation>
+</cs:colorStyle>
+</file>
+
+<file path=ppt/charts/colors2.xml><?xml version="1.0" encoding="utf-8"?>
+<cs:colorStyle xmlns:cs="http://schemas.microsoft.com/office/drawing/2012/chartStyle" xmlns:a="http://schemas.openxmlformats.org/drawingml/2006/main" meth="cycle" id="10">
+  <a:schemeClr val="accent1"/>
+  <a:schemeClr val="accent2"/>
+  <a:schemeClr val="accent3"/>
+  <a:schemeClr val="accent4"/>
+  <a:schemeClr val="accent5"/>
+  <a:schemeClr val="accent6"/>
+  <cs:variation/>
+  <cs:variation>
+    <a:lumMod val="60000"/>
+  </cs:variation>
+  <cs:variation>
+    <a:lumMod val="80000"/>
+    <a:lumOff val="20000"/>
+  </cs:variation>
+  <cs:variation>
+    <a:lumMod val="80000"/>
+  </cs:variation>
+  <cs:variation>
+    <a:lumMod val="60000"/>
+    <a:lumOff val="40000"/>
+  </cs:variation>
+  <cs:variation>
+    <a:lumMod val="50000"/>
+  </cs:variation>
+  <cs:variation>
+    <a:lumMod val="70000"/>
+    <a:lumOff val="30000"/>
+  </cs:variation>
+  <cs:variation>
+    <a:lumMod val="70000"/>
+  </cs:variation>
+  <cs:variation>
+    <a:lumMod val="50000"/>
+    <a:lumOff val="50000"/>
+  </cs:variation>
+</cs:colorStyle>
+</file>
+
+<file path=ppt/charts/style1.xml><?xml version="1.0" encoding="utf-8"?>
+<cs:chartStyle xmlns:cs="http://schemas.microsoft.com/office/drawing/2012/chartStyle" xmlns:a="http://schemas.openxmlformats.org/drawingml/2006/main" id="262">
+  <cs:axisTitle>
+    <cs:lnRef idx="0"/>
+    <cs:fillRef idx="0"/>
+    <cs:effectRef idx="0"/>
+    <cs:fontRef idx="minor">
+      <a:schemeClr val="tx1">
+        <a:lumMod val="65000"/>
+        <a:lumOff val="35000"/>
+      </a:schemeClr>
+    </cs:fontRef>
+    <cs:defRPr sz="1330" kern="1200"/>
+  </cs:axisTitle>
+  <cs:categoryAxis>
+    <cs:lnRef idx="0"/>
+    <cs:fillRef idx="0"/>
+    <cs:effectRef idx="0"/>
+    <cs:fontRef idx="minor">
+      <a:schemeClr val="tx1">
+        <a:lumMod val="65000"/>
+        <a:lumOff val="35000"/>
+      </a:schemeClr>
+    </cs:fontRef>
+    <cs:spPr>
+      <a:ln w="9525" cap="flat" cmpd="sng" algn="ctr">
+        <a:solidFill>
+          <a:schemeClr val="tx1">
+            <a:lumMod val="15000"/>
+            <a:lumOff val="85000"/>
+          </a:schemeClr>
+        </a:solidFill>
+        <a:round/>
+      </a:ln>
+    </cs:spPr>
+    <cs:defRPr sz="1197" kern="1200"/>
+  </cs:categoryAxis>
+  <cs:chartArea mods="allowNoFillOverride allowNoLineOverride">
+    <cs:lnRef idx="0"/>
+    <cs:fillRef idx="0"/>
+    <cs:effectRef idx="0"/>
+    <cs:fontRef idx="minor">
+      <a:schemeClr val="tx1"/>
+    </cs:fontRef>
+    <cs:spPr>
+      <a:solidFill>
+        <a:schemeClr val="bg1"/>
+      </a:solidFill>
+      <a:ln w="9525" cap="flat" cmpd="sng" algn="ctr">
+        <a:solidFill>
+          <a:schemeClr val="tx1">
+            <a:lumMod val="15000"/>
+            <a:lumOff val="85000"/>
+          </a:schemeClr>
+        </a:solidFill>
+        <a:round/>
+      </a:ln>
+    </cs:spPr>
+    <cs:defRPr sz="1197" kern="1200"/>
+  </cs:chartArea>
+  <cs:dataLabel>
+    <cs:lnRef idx="0"/>
+    <cs:fillRef idx="0"/>
+    <cs:effectRef idx="0"/>
+    <cs:fontRef idx="minor">
+      <a:schemeClr val="tx1">
+        <a:lumMod val="75000"/>
+        <a:lumOff val="25000"/>
+      </a:schemeClr>
+    </cs:fontRef>
+    <cs:defRPr sz="1197" kern="1200"/>
+  </cs:dataLabel>
+  <cs:dataLabelCallout>
+    <cs:lnRef idx="0"/>
+    <cs:fillRef idx="0"/>
+    <cs:effectRef idx="0"/>
+    <cs:fontRef idx="minor">
+      <a:schemeClr val="dk1">
+        <a:lumMod val="65000"/>
+        <a:lumOff val="35000"/>
+      </a:schemeClr>
+    </cs:fontRef>
+    <cs:spPr>
+      <a:solidFill>
+        <a:schemeClr val="lt1"/>
+      </a:solidFill>
+      <a:ln>
+        <a:solidFill>
+          <a:schemeClr val="dk1">
+            <a:lumMod val="25000"/>
+            <a:lumOff val="75000"/>
+          </a:schemeClr>
+        </a:solidFill>
+      </a:ln>
+    </cs:spPr>
+    <cs:defRPr sz="1197" kern="1200"/>
+    <cs:bodyPr rot="0" spcFirstLastPara="1" vertOverflow="clip" horzOverflow="clip" vert="horz" wrap="square" lIns="36576" tIns="18288" rIns="36576" bIns="18288" anchor="ctr" anchorCtr="1">
+      <a:spAutoFit/>
+    </cs:bodyPr>
+  </cs:dataLabelCallout>
+  <cs:dataPoint>
+    <cs:lnRef idx="0"/>
+    <cs:fillRef idx="1">
+      <cs:styleClr val="auto"/>
+    </cs:fillRef>
+    <cs:effectRef idx="0"/>
+    <cs:fontRef idx="minor">
+      <a:schemeClr val="tx1"/>
+    </cs:fontRef>
+    <cs:spPr>
+      <a:ln w="19050">
+        <a:solidFill>
+          <a:schemeClr val="lt1"/>
+        </a:solidFill>
+      </a:ln>
+    </cs:spPr>
+  </cs:dataPoint>
+  <cs:dataPoint3D>
+    <cs:lnRef idx="0"/>
+    <cs:fillRef idx="1">
+      <cs:styleClr val="auto"/>
+    </cs:fillRef>
+    <cs:effectRef idx="0"/>
+    <cs:fontRef idx="minor">
+      <a:schemeClr val="tx1"/>
+    </cs:fontRef>
+    <cs:spPr>
+      <a:ln w="25400">
+        <a:solidFill>
+          <a:schemeClr val="lt1"/>
+        </a:solidFill>
+      </a:ln>
+    </cs:spPr>
+  </cs:dataPoint3D>
+  <cs:dataPointLine>
+    <cs:lnRef idx="0">
+      <cs:styleClr val="auto"/>
+    </cs:lnRef>
+    <cs:fillRef idx="0"/>
+    <cs:effectRef idx="0"/>
+    <cs:fontRef idx="minor">
+      <a:schemeClr val="tx1"/>
+    </cs:fontRef>
+    <cs:spPr>
+      <a:ln w="28575" cap="rnd">
+        <a:solidFill>
+          <a:schemeClr val="phClr"/>
+        </a:solidFill>
+        <a:round/>
+      </a:ln>
+    </cs:spPr>
+  </cs:dataPointLine>
+  <cs:dataPointMarker>
+    <cs:lnRef idx="0">
+      <cs:styleClr val="auto"/>
+    </cs:lnRef>
+    <cs:fillRef idx="1">
+      <cs:styleClr val="auto"/>
+    </cs:fillRef>
+    <cs:effectRef idx="0"/>
+    <cs:fontRef idx="minor">
+      <a:schemeClr val="tx1"/>
+    </cs:fontRef>
+    <cs:spPr>
+      <a:ln w="9525">
+        <a:solidFill>
+          <a:schemeClr val="phClr"/>
+        </a:solidFill>
+      </a:ln>
+    </cs:spPr>
+  </cs:dataPointMarker>
+  <cs:dataPointMarkerLayout symbol="circle" size="5"/>
+  <cs:dataPointWireframe>
+    <cs:lnRef idx="0">
+      <cs:styleClr val="auto"/>
+    </cs:lnRef>
+    <cs:fillRef idx="0"/>
+    <cs:effectRef idx="0"/>
+    <cs:fontRef idx="minor">
+      <a:schemeClr val="tx1"/>
+    </cs:fontRef>
+    <cs:spPr>
+      <a:ln w="9525" cap="rnd">
+        <a:solidFill>
+          <a:schemeClr val="phClr"/>
+        </a:solidFill>
+        <a:round/>
+      </a:ln>
+    </cs:spPr>
+  </cs:dataPointWireframe>
+  <cs:dataTable>
+    <cs:lnRef idx="0"/>
+    <cs:fillRef idx="0"/>
+    <cs:effectRef idx="0"/>
+    <cs:fontRef idx="minor">
+      <a:schemeClr val="tx1">
+        <a:lumMod val="65000"/>
+        <a:lumOff val="35000"/>
+      </a:schemeClr>
+    </cs:fontRef>
+    <cs:spPr>
+      <a:noFill/>
+      <a:ln w="9525" cap="flat" cmpd="sng" algn="ctr">
+        <a:solidFill>
+          <a:schemeClr val="tx1">
+            <a:lumMod val="15000"/>
+            <a:lumOff val="85000"/>
+          </a:schemeClr>
+        </a:solidFill>
+        <a:round/>
+      </a:ln>
+    </cs:spPr>
+    <cs:defRPr sz="1197" kern="1200"/>
+  </cs:dataTable>
+  <cs:downBar>
+    <cs:lnRef idx="0"/>
+    <cs:fillRef idx="0"/>
+    <cs:effectRef idx="0"/>
+    <cs:fontRef idx="minor">
+      <a:schemeClr val="tx1"/>
+    </cs:fontRef>
+    <cs:spPr>
+      <a:solidFill>
+        <a:schemeClr val="dk1">
+          <a:lumMod val="75000"/>
+          <a:lumOff val="25000"/>
+        </a:schemeClr>
+      </a:solidFill>
+      <a:ln w="9525" cap="flat" cmpd="sng" algn="ctr">
+        <a:solidFill>
+          <a:schemeClr val="tx1">
+            <a:lumMod val="65000"/>
+            <a:lumOff val="35000"/>
+          </a:schemeClr>
+        </a:solidFill>
+        <a:round/>
+      </a:ln>
+    </cs:spPr>
+  </cs:downBar>
+  <cs:dropLine>
+    <cs:lnRef idx="0"/>
+    <cs:fillRef idx="0"/>
+    <cs:effectRef idx="0"/>
+    <cs:fontRef idx="minor">
+      <a:schemeClr val="tx1"/>
+    </cs:fontRef>
+    <cs:spPr>
+      <a:ln w="9525" cap="flat" cmpd="sng" algn="ctr">
+        <a:solidFill>
+          <a:schemeClr val="tx1">
+            <a:lumMod val="35000"/>
+            <a:lumOff val="65000"/>
+          </a:schemeClr>
+        </a:solidFill>
+        <a:round/>
+      </a:ln>
+    </cs:spPr>
+  </cs:dropLine>
+  <cs:errorBar>
+    <cs:lnRef idx="0"/>
+    <cs:fillRef idx="0"/>
+    <cs:effectRef idx="0"/>
+    <cs:fontRef idx="minor">
+      <a:schemeClr val="tx1"/>
+    </cs:fontRef>
+    <cs:spPr>
+      <a:ln w="9525" cap="flat" cmpd="sng" algn="ctr">
+        <a:solidFill>
+          <a:schemeClr val="tx1">
+            <a:lumMod val="65000"/>
+            <a:lumOff val="35000"/>
+          </a:schemeClr>
+        </a:solidFill>
+        <a:round/>
+      </a:ln>
+    </cs:spPr>
+  </cs:errorBar>
+  <cs:floor>
+    <cs:lnRef idx="0"/>
+    <cs:fillRef idx="0"/>
+    <cs:effectRef idx="0"/>
+    <cs:fontRef idx="minor">
+      <a:schemeClr val="tx1"/>
+    </cs:fontRef>
+    <cs:spPr>
+      <a:noFill/>
+      <a:ln>
+        <a:noFill/>
+      </a:ln>
+    </cs:spPr>
+  </cs:floor>
+  <cs:gridlineMajor>
+    <cs:lnRef idx="0"/>
+    <cs:fillRef idx="0"/>
+    <cs:effectRef idx="0"/>
+    <cs:fontRef idx="minor">
+      <a:schemeClr val="tx1"/>
+    </cs:fontRef>
+    <cs:spPr>
+      <a:ln w="9525" cap="flat" cmpd="sng" algn="ctr">
+        <a:solidFill>
+          <a:schemeClr val="tx1">
+            <a:lumMod val="15000"/>
+            <a:lumOff val="85000"/>
+          </a:schemeClr>
+        </a:solidFill>
+        <a:round/>
+      </a:ln>
+    </cs:spPr>
+  </cs:gridlineMajor>
+  <cs:gridlineMinor>
+    <cs:lnRef idx="0"/>
+    <cs:fillRef idx="0"/>
+    <cs:effectRef idx="0"/>
+    <cs:fontRef idx="minor">
+      <a:schemeClr val="tx1"/>
+    </cs:fontRef>
+    <cs:spPr>
+      <a:ln w="9525" cap="flat" cmpd="sng" algn="ctr">
+        <a:solidFill>
+          <a:schemeClr val="tx1">
+            <a:lumMod val="5000"/>
+            <a:lumOff val="95000"/>
+          </a:schemeClr>
+        </a:solidFill>
+        <a:round/>
+      </a:ln>
+    </cs:spPr>
+  </cs:gridlineMinor>
+  <cs:hiLoLine>
+    <cs:lnRef idx="0"/>
+    <cs:fillRef idx="0"/>
+    <cs:effectRef idx="0"/>
+    <cs:fontRef idx="minor">
+      <a:schemeClr val="tx1"/>
+    </cs:fontRef>
+    <cs:spPr>
+      <a:ln w="9525" cap="flat" cmpd="sng" algn="ctr">
+        <a:solidFill>
+          <a:schemeClr val="tx1">
+            <a:lumMod val="50000"/>
+            <a:lumOff val="50000"/>
+          </a:schemeClr>
+        </a:solidFill>
+        <a:round/>
+      </a:ln>
+    </cs:spPr>
+  </cs:hiLoLine>
+  <cs:leaderLine>
+    <cs:lnRef idx="0"/>
+    <cs:fillRef idx="0"/>
+    <cs:effectRef idx="0"/>
+    <cs:fontRef idx="minor">
+      <a:schemeClr val="tx1"/>
+    </cs:fontRef>
+    <cs:spPr>
+      <a:ln w="9525" cap="flat" cmpd="sng" algn="ctr">
+        <a:solidFill>
+          <a:schemeClr val="tx1">
+            <a:lumMod val="35000"/>
+            <a:lumOff val="65000"/>
+          </a:schemeClr>
+        </a:solidFill>
+        <a:round/>
+      </a:ln>
+    </cs:spPr>
+  </cs:leaderLine>
+  <cs:legend>
+    <cs:lnRef idx="0"/>
+    <cs:fillRef idx="0"/>
+    <cs:effectRef idx="0"/>
+    <cs:fontRef idx="minor">
+      <a:schemeClr val="tx1">
+        <a:lumMod val="65000"/>
+        <a:lumOff val="35000"/>
+      </a:schemeClr>
+    </cs:fontRef>
+    <cs:defRPr sz="1197" kern="1200"/>
+  </cs:legend>
+  <cs:plotArea mods="allowNoFillOverride allowNoLineOverride">
+    <cs:lnRef idx="0"/>
+    <cs:fillRef idx="0"/>
+    <cs:effectRef idx="0"/>
+    <cs:fontRef idx="minor">
+      <a:schemeClr val="tx1"/>
+    </cs:fontRef>
+  </cs:plotArea>
+  <cs:plotArea3D mods="allowNoFillOverride allowNoLineOverride">
+    <cs:lnRef idx="0"/>
+    <cs:fillRef idx="0"/>
+    <cs:effectRef idx="0"/>
+    <cs:fontRef idx="minor">
+      <a:schemeClr val="tx1"/>
+    </cs:fontRef>
+  </cs:plotArea3D>
+  <cs:seriesAxis>
+    <cs:lnRef idx="0"/>
+    <cs:fillRef idx="0"/>
+    <cs:effectRef idx="0"/>
+    <cs:fontRef idx="minor">
+      <a:schemeClr val="tx1">
+        <a:lumMod val="65000"/>
+        <a:lumOff val="35000"/>
+      </a:schemeClr>
+    </cs:fontRef>
+    <cs:defRPr sz="1197" kern="1200"/>
+  </cs:seriesAxis>
+  <cs:seriesLine>
+    <cs:lnRef idx="0"/>
+    <cs:fillRef idx="0"/>
+    <cs:effectRef idx="0"/>
+    <cs:fontRef idx="minor">
+      <a:schemeClr val="tx1"/>
+    </cs:fontRef>
+    <cs:spPr>
+      <a:ln w="9525" cap="flat" cmpd="sng" algn="ctr">
+        <a:solidFill>
+          <a:schemeClr val="tx1">
+            <a:lumMod val="35000"/>
+            <a:lumOff val="65000"/>
+          </a:schemeClr>
+        </a:solidFill>
+        <a:round/>
+      </a:ln>
+    </cs:spPr>
+  </cs:seriesLine>
+  <cs:title>
+    <cs:lnRef idx="0"/>
+    <cs:fillRef idx="0"/>
+    <cs:effectRef idx="0"/>
+    <cs:fontRef idx="minor">
+      <a:schemeClr val="tx1">
+        <a:lumMod val="65000"/>
+        <a:lumOff val="35000"/>
+      </a:schemeClr>
+    </cs:fontRef>
+    <cs:defRPr sz="1862" b="0" kern="1200" spc="0" baseline="0"/>
+  </cs:title>
+  <cs:trendline>
+    <cs:lnRef idx="0">
+      <cs:styleClr val="auto"/>
+    </cs:lnRef>
+    <cs:fillRef idx="0"/>
+    <cs:effectRef idx="0"/>
+    <cs:fontRef idx="minor">
+      <a:schemeClr val="tx1"/>
+    </cs:fontRef>
+    <cs:spPr>
+      <a:ln w="19050" cap="rnd">
+        <a:solidFill>
+          <a:schemeClr val="phClr"/>
+        </a:solidFill>
+        <a:prstDash val="sysDot"/>
+      </a:ln>
+    </cs:spPr>
+  </cs:trendline>
+  <cs:trendlineLabel>
+    <cs:lnRef idx="0"/>
+    <cs:fillRef idx="0"/>
+    <cs:effectRef idx="0"/>
+    <cs:fontRef idx="minor">
+      <a:schemeClr val="tx1">
+        <a:lumMod val="65000"/>
+        <a:lumOff val="35000"/>
+      </a:schemeClr>
+    </cs:fontRef>
+    <cs:defRPr sz="1197" kern="1200"/>
+  </cs:trendlineLabel>
+  <cs:upBar>
+    <cs:lnRef idx="0"/>
+    <cs:fillRef idx="0"/>
+    <cs:effectRef idx="0"/>
+    <cs:fontRef idx="minor">
+      <a:schemeClr val="tx1"/>
+    </cs:fontRef>
+    <cs:spPr>
+      <a:solidFill>
+        <a:schemeClr val="lt1"/>
+      </a:solidFill>
+      <a:ln w="9525" cap="flat" cmpd="sng" algn="ctr">
+        <a:solidFill>
+          <a:schemeClr val="tx1">
+            <a:lumMod val="65000"/>
+            <a:lumOff val="35000"/>
+          </a:schemeClr>
+        </a:solidFill>
+        <a:round/>
+      </a:ln>
+    </cs:spPr>
+  </cs:upBar>
+  <cs:valueAxis>
+    <cs:lnRef idx="0"/>
+    <cs:fillRef idx="0"/>
+    <cs:effectRef idx="0"/>
+    <cs:fontRef idx="minor">
+      <a:schemeClr val="tx1">
+        <a:lumMod val="65000"/>
+        <a:lumOff val="35000"/>
+      </a:schemeClr>
+    </cs:fontRef>
+    <cs:defRPr sz="1197" kern="1200"/>
+  </cs:valueAxis>
+  <cs:wall>
+    <cs:lnRef idx="0"/>
+    <cs:fillRef idx="0"/>
+    <cs:effectRef idx="0"/>
+    <cs:fontRef idx="minor">
+      <a:schemeClr val="tx1"/>
+    </cs:fontRef>
+    <cs:spPr>
+      <a:noFill/>
+      <a:ln>
+        <a:noFill/>
+      </a:ln>
+    </cs:spPr>
+  </cs:wall>
+</cs:chartStyle>
+</file>
+
+<file path=ppt/charts/style2.xml><?xml version="1.0" encoding="utf-8"?>
+<cs:chartStyle xmlns:cs="http://schemas.microsoft.com/office/drawing/2012/chartStyle" xmlns:a="http://schemas.openxmlformats.org/drawingml/2006/main" id="259">
+  <cs:axisTitle>
+    <cs:lnRef idx="0"/>
+    <cs:fillRef idx="0"/>
+    <cs:effectRef idx="0"/>
+    <cs:fontRef idx="minor">
+      <a:schemeClr val="tx1">
+        <a:lumMod val="65000"/>
+        <a:lumOff val="35000"/>
+      </a:schemeClr>
+    </cs:fontRef>
+    <cs:defRPr sz="1197" kern="1200" cap="all"/>
+  </cs:axisTitle>
+  <cs:categoryAxis>
+    <cs:lnRef idx="0"/>
+    <cs:fillRef idx="0"/>
+    <cs:effectRef idx="0"/>
+    <cs:fontRef idx="minor">
+      <a:schemeClr val="tx1">
+        <a:lumMod val="65000"/>
+        <a:lumOff val="35000"/>
+      </a:schemeClr>
+    </cs:fontRef>
+    <cs:defRPr sz="1197" kern="1200"/>
+  </cs:categoryAxis>
+  <cs:chartArea mods="allowNoFillOverride allowNoLineOverride">
+    <cs:lnRef idx="0"/>
+    <cs:fillRef idx="0"/>
+    <cs:effectRef idx="0"/>
+    <cs:fontRef idx="minor">
+      <a:schemeClr val="tx1"/>
+    </cs:fontRef>
+    <cs:spPr>
+      <a:solidFill>
+        <a:schemeClr val="bg1"/>
+      </a:solidFill>
+      <a:ln w="9525" cap="flat" cmpd="sng" algn="ctr">
+        <a:solidFill>
+          <a:schemeClr val="tx1">
+            <a:lumMod val="15000"/>
+            <a:lumOff val="85000"/>
+          </a:schemeClr>
+        </a:solidFill>
+        <a:round/>
+      </a:ln>
+    </cs:spPr>
+    <cs:defRPr sz="1330" kern="1200"/>
+  </cs:chartArea>
+  <cs:dataLabel>
+    <cs:lnRef idx="0"/>
+    <cs:fillRef idx="0"/>
+    <cs:effectRef idx="0"/>
+    <cs:fontRef idx="minor">
+      <cs:styleClr val="auto"/>
+    </cs:fontRef>
+    <cs:defRPr sz="1330" b="1" i="0" u="none" strike="noStrike" kern="1200" spc="0" baseline="0"/>
+  </cs:dataLabel>
+  <cs:dataLabelCallout>
+    <cs:lnRef idx="0">
+      <cs:styleClr val="auto"/>
+    </cs:lnRef>
+    <cs:fillRef idx="0"/>
+    <cs:effectRef idx="0"/>
+    <cs:fontRef idx="minor">
+      <cs:styleClr val="auto"/>
+    </cs:fontRef>
+    <cs:spPr>
+      <a:solidFill>
+        <a:schemeClr val="lt1"/>
+      </a:solidFill>
+      <a:ln>
+        <a:solidFill>
+          <a:schemeClr val="phClr"/>
+        </a:solidFill>
+      </a:ln>
+    </cs:spPr>
+    <cs:defRPr sz="1330" b="1" kern="1200"/>
+    <cs:bodyPr rot="0" spcFirstLastPara="1" vertOverflow="clip" horzOverflow="clip" vert="horz" wrap="square" lIns="36576" tIns="18288" rIns="36576" bIns="18288" anchor="ctr" anchorCtr="1">
+      <a:spAutoFit/>
+    </cs:bodyPr>
+  </cs:dataLabelCallout>
+  <cs:dataPoint>
+    <cs:lnRef idx="0"/>
+    <cs:fillRef idx="0">
+      <cs:styleClr val="auto"/>
+    </cs:fillRef>
+    <cs:effectRef idx="0"/>
+    <cs:fontRef idx="minor">
+      <a:schemeClr val="dk1"/>
+    </cs:fontRef>
+    <cs:spPr>
+      <a:solidFill>
+        <a:schemeClr val="phClr"/>
+      </a:solidFill>
+      <a:effectLst>
+        <a:outerShdw blurRad="63500" sx="102000" sy="102000" algn="ctr" rotWithShape="0">
+          <a:prstClr val="black">
+            <a:alpha val="20000"/>
+          </a:prstClr>
+        </a:outerShdw>
+      </a:effectLst>
+    </cs:spPr>
+  </cs:dataPoint>
+  <cs:dataPoint3D>
+    <cs:lnRef idx="0"/>
+    <cs:fillRef idx="0">
+      <cs:styleClr val="auto"/>
+    </cs:fillRef>
+    <cs:effectRef idx="0"/>
+    <cs:fontRef idx="minor">
+      <a:schemeClr val="dk1"/>
+    </cs:fontRef>
+    <cs:spPr>
+      <a:solidFill>
+        <a:schemeClr val="phClr"/>
+      </a:solidFill>
+      <a:effectLst>
+        <a:outerShdw blurRad="88900" sx="102000" sy="102000" algn="ctr" rotWithShape="0">
+          <a:prstClr val="black">
+            <a:alpha val="10000"/>
+          </a:prstClr>
+        </a:outerShdw>
+      </a:effectLst>
+      <a:scene3d>
+        <a:camera prst="orthographicFront"/>
+        <a:lightRig rig="threePt" dir="t"/>
+      </a:scene3d>
+      <a:sp3d>
+        <a:bevelT w="127000" h="127000"/>
+        <a:bevelB w="127000" h="127000"/>
+      </a:sp3d>
+    </cs:spPr>
+  </cs:dataPoint3D>
+  <cs:dataPointLine>
+    <cs:lnRef idx="0">
+      <cs:styleClr val="auto"/>
+    </cs:lnRef>
+    <cs:fillRef idx="0"/>
+    <cs:effectRef idx="0"/>
+    <cs:fontRef idx="minor">
+      <a:schemeClr val="dk1"/>
+    </cs:fontRef>
+    <cs:spPr>
+      <a:ln w="28575" cap="rnd">
+        <a:solidFill>
+          <a:schemeClr val="phClr"/>
+        </a:solidFill>
+        <a:round/>
+      </a:ln>
+    </cs:spPr>
+  </cs:dataPointLine>
+  <cs:dataPointMarker>
+    <cs:lnRef idx="0"/>
+    <cs:fillRef idx="0">
+      <cs:styleClr val="auto"/>
+    </cs:fillRef>
+    <cs:effectRef idx="0"/>
+    <cs:fontRef idx="minor">
+      <a:schemeClr val="dk1"/>
+    </cs:fontRef>
+    <cs:spPr>
+      <a:solidFill>
+        <a:schemeClr val="phClr"/>
+      </a:solidFill>
+      <a:ln w="9525">
+        <a:solidFill>
+          <a:schemeClr val="lt1"/>
+        </a:solidFill>
+      </a:ln>
+    </cs:spPr>
+  </cs:dataPointMarker>
+  <cs:dataPointMarkerLayout symbol="circle" size="6"/>
+  <cs:dataPointWireframe>
+    <cs:lnRef idx="0">
+      <cs:styleClr val="auto"/>
+    </cs:lnRef>
+    <cs:fillRef idx="0"/>
+    <cs:effectRef idx="0"/>
+    <cs:fontRef idx="minor">
+      <a:schemeClr val="dk1"/>
+    </cs:fontRef>
+    <cs:spPr>
+      <a:ln w="9525" cap="rnd">
+        <a:solidFill>
+          <a:schemeClr val="phClr"/>
+        </a:solidFill>
+        <a:round/>
+      </a:ln>
+    </cs:spPr>
+  </cs:dataPointWireframe>
+  <cs:dataTable>
+    <cs:lnRef idx="0"/>
+    <cs:fillRef idx="0"/>
+    <cs:effectRef idx="0"/>
+    <cs:fontRef idx="minor">
+      <a:schemeClr val="tx1">
+        <a:lumMod val="65000"/>
+        <a:lumOff val="35000"/>
+      </a:schemeClr>
+    </cs:fontRef>
+    <cs:spPr>
+      <a:noFill/>
+      <a:ln w="9525" cap="flat" cmpd="sng" algn="ctr">
+        <a:solidFill>
+          <a:schemeClr val="tx1">
+            <a:lumMod val="15000"/>
+            <a:lumOff val="85000"/>
+          </a:schemeClr>
+        </a:solidFill>
+        <a:round/>
+      </a:ln>
+    </cs:spPr>
+    <cs:defRPr sz="1197" kern="1200"/>
+  </cs:dataTable>
+  <cs:downBar>
+    <cs:lnRef idx="0"/>
+    <cs:fillRef idx="0"/>
+    <cs:effectRef idx="0"/>
+    <cs:fontRef idx="minor">
+      <a:schemeClr val="tx1"/>
+    </cs:fontRef>
+    <cs:spPr>
+      <a:solidFill>
+        <a:schemeClr val="dk1">
+          <a:lumMod val="75000"/>
+          <a:lumOff val="25000"/>
+        </a:schemeClr>
+      </a:solidFill>
+      <a:ln w="9525" cap="flat" cmpd="sng" algn="ctr">
+        <a:solidFill>
+          <a:schemeClr val="tx1">
+            <a:lumMod val="65000"/>
+            <a:lumOff val="35000"/>
+          </a:schemeClr>
+        </a:solidFill>
+        <a:round/>
+      </a:ln>
+    </cs:spPr>
+  </cs:downBar>
+  <cs:dropLine>
+    <cs:lnRef idx="0"/>
+    <cs:fillRef idx="0"/>
+    <cs:effectRef idx="0"/>
+    <cs:fontRef idx="minor">
+      <a:schemeClr val="tx1"/>
+    </cs:fontRef>
+    <cs:spPr>
+      <a:ln w="9525" cap="flat" cmpd="sng" algn="ctr">
+        <a:solidFill>
+          <a:schemeClr val="tx1">
+            <a:lumMod val="35000"/>
+            <a:lumOff val="65000"/>
+          </a:schemeClr>
+        </a:solidFill>
+        <a:round/>
+      </a:ln>
+    </cs:spPr>
+  </cs:dropLine>
+  <cs:errorBar>
+    <cs:lnRef idx="0"/>
+    <cs:fillRef idx="0"/>
+    <cs:effectRef idx="0"/>
+    <cs:fontRef idx="minor">
+      <a:schemeClr val="tx1"/>
+    </cs:fontRef>
+    <cs:spPr>
+      <a:ln w="9525" cap="flat" cmpd="sng" algn="ctr">
+        <a:solidFill>
+          <a:schemeClr val="tx1">
+            <a:lumMod val="65000"/>
+            <a:lumOff val="35000"/>
+          </a:schemeClr>
+        </a:solidFill>
+        <a:round/>
+      </a:ln>
+    </cs:spPr>
+  </cs:errorBar>
+  <cs:floor>
+    <cs:lnRef idx="0"/>
+    <cs:fillRef idx="0"/>
+    <cs:effectRef idx="0"/>
+    <cs:fontRef idx="minor">
+      <a:schemeClr val="tx1"/>
+    </cs:fontRef>
+    <cs:spPr>
+      <a:noFill/>
+      <a:ln>
+        <a:noFill/>
+      </a:ln>
+    </cs:spPr>
+  </cs:floor>
+  <cs:gridlineMajor>
+    <cs:lnRef idx="0"/>
+    <cs:fillRef idx="0"/>
+    <cs:effectRef idx="0"/>
+    <cs:fontRef idx="minor">
+      <a:schemeClr val="tx1"/>
+    </cs:fontRef>
+    <cs:spPr>
+      <a:ln w="9525" cap="flat" cmpd="sng" algn="ctr">
+        <a:solidFill>
+          <a:schemeClr val="tx1">
+            <a:lumMod val="15000"/>
+            <a:lumOff val="85000"/>
+          </a:schemeClr>
+        </a:solidFill>
+        <a:round/>
+      </a:ln>
+    </cs:spPr>
+  </cs:gridlineMajor>
+  <cs:gridlineMinor>
+    <cs:lnRef idx="0"/>
+    <cs:fillRef idx="0"/>
+    <cs:effectRef idx="0"/>
+    <cs:fontRef idx="minor">
+      <a:schemeClr val="tx1"/>
+    </cs:fontRef>
+    <cs:spPr>
+      <a:ln w="9525" cap="flat" cmpd="sng" algn="ctr">
+        <a:solidFill>
+          <a:schemeClr val="tx1">
+            <a:lumMod val="5000"/>
+            <a:lumOff val="95000"/>
+          </a:schemeClr>
+        </a:solidFill>
+        <a:round/>
+      </a:ln>
+    </cs:spPr>
+  </cs:gridlineMinor>
+  <cs:hiLoLine>
+    <cs:lnRef idx="0"/>
+    <cs:fillRef idx="0"/>
+    <cs:effectRef idx="0"/>
+    <cs:fontRef idx="minor">
+      <a:schemeClr val="tx1"/>
+    </cs:fontRef>
+    <cs:spPr>
+      <a:ln w="9525" cap="flat" cmpd="sng" algn="ctr">
+        <a:solidFill>
+          <a:schemeClr val="tx1">
+            <a:lumMod val="50000"/>
+            <a:lumOff val="50000"/>
+          </a:schemeClr>
+        </a:solidFill>
+        <a:round/>
+      </a:ln>
+    </cs:spPr>
+  </cs:hiLoLine>
+  <cs:leaderLine>
+    <cs:lnRef idx="0"/>
+    <cs:fillRef idx="0"/>
+    <cs:effectRef idx="0"/>
+    <cs:fontRef idx="minor">
+      <a:schemeClr val="tx1"/>
+    </cs:fontRef>
+    <cs:spPr>
+      <a:ln w="9525" cap="flat" cmpd="sng" algn="ctr">
+        <a:solidFill>
+          <a:schemeClr val="tx1">
+            <a:lumMod val="35000"/>
+            <a:lumOff val="65000"/>
+          </a:schemeClr>
+        </a:solidFill>
+        <a:round/>
+      </a:ln>
+    </cs:spPr>
+  </cs:leaderLine>
+  <cs:legend>
+    <cs:lnRef idx="0"/>
+    <cs:fillRef idx="0"/>
+    <cs:effectRef idx="0"/>
+    <cs:fontRef idx="minor">
+      <a:schemeClr val="tx1">
+        <a:lumMod val="65000"/>
+        <a:lumOff val="35000"/>
+      </a:schemeClr>
+    </cs:fontRef>
+    <cs:defRPr sz="1197" kern="1200"/>
+  </cs:legend>
+  <cs:plotArea mods="allowNoFillOverride allowNoLineOverride">
+    <cs:lnRef idx="0"/>
+    <cs:fillRef idx="0"/>
+    <cs:effectRef idx="0"/>
+    <cs:fontRef idx="minor">
+      <a:schemeClr val="dk1"/>
+    </cs:fontRef>
+  </cs:plotArea>
+  <cs:plotArea3D mods="allowNoFillOverride allowNoLineOverride">
+    <cs:lnRef idx="0"/>
+    <cs:fillRef idx="0"/>
+    <cs:effectRef idx="0"/>
+    <cs:fontRef idx="minor">
+      <a:schemeClr val="dk1"/>
+    </cs:fontRef>
+  </cs:plotArea3D>
+  <cs:seriesAxis>
+    <cs:lnRef idx="0"/>
+    <cs:fillRef idx="0"/>
+    <cs:effectRef idx="0"/>
+    <cs:fontRef idx="minor">
+      <a:schemeClr val="tx1">
+        <a:lumMod val="65000"/>
+        <a:lumOff val="35000"/>
+      </a:schemeClr>
+    </cs:fontRef>
+    <cs:defRPr sz="1197" kern="1200"/>
+  </cs:seriesAxis>
+  <cs:seriesLine>
+    <cs:lnRef idx="0"/>
+    <cs:fillRef idx="0"/>
+    <cs:effectRef idx="0"/>
+    <cs:fontRef idx="minor">
+      <a:schemeClr val="tx1"/>
+    </cs:fontRef>
+    <cs:spPr>
+      <a:ln w="9525" cap="flat" cmpd="sng" algn="ctr">
+        <a:solidFill>
+          <a:schemeClr val="tx1">
+            <a:lumMod val="35000"/>
+            <a:lumOff val="65000"/>
+          </a:schemeClr>
+        </a:solidFill>
+        <a:round/>
+      </a:ln>
+    </cs:spPr>
+  </cs:seriesLine>
+  <cs:title>
+    <cs:lnRef idx="0"/>
+    <cs:fillRef idx="0"/>
+    <cs:effectRef idx="0"/>
+    <cs:fontRef idx="minor">
+      <a:schemeClr val="tx1">
+        <a:lumMod val="65000"/>
+        <a:lumOff val="35000"/>
+      </a:schemeClr>
+    </cs:fontRef>
+    <cs:defRPr sz="2128" b="1" kern="1200" cap="all" baseline="0"/>
+  </cs:title>
+  <cs:trendline>
+    <cs:lnRef idx="0">
+      <cs:styleClr val="auto"/>
+    </cs:lnRef>
+    <cs:fillRef idx="0"/>
+    <cs:effectRef idx="0"/>
+    <cs:fontRef idx="minor">
+      <a:schemeClr val="tx1"/>
+    </cs:fontRef>
+    <cs:spPr>
+      <a:ln w="19050" cap="rnd">
+        <a:solidFill>
+          <a:schemeClr val="phClr"/>
+        </a:solidFill>
+        <a:prstDash val="sysDash"/>
+      </a:ln>
+    </cs:spPr>
+  </cs:trendline>
+  <cs:trendlineLabel>
+    <cs:lnRef idx="0"/>
+    <cs:fillRef idx="0"/>
+    <cs:effectRef idx="0"/>
+    <cs:fontRef idx="minor">
+      <a:schemeClr val="tx1">
+        <a:lumMod val="65000"/>
+        <a:lumOff val="35000"/>
+      </a:schemeClr>
+    </cs:fontRef>
+    <cs:defRPr sz="1197" kern="1200"/>
+  </cs:trendlineLabel>
+  <cs:upBar>
+    <cs:lnRef idx="0"/>
+    <cs:fillRef idx="0"/>
+    <cs:effectRef idx="0"/>
+    <cs:fontRef idx="minor">
+      <a:schemeClr val="tx1"/>
+    </cs:fontRef>
+    <cs:spPr>
+      <a:solidFill>
+        <a:schemeClr val="lt1"/>
+      </a:solidFill>
+      <a:ln w="9525" cap="flat" cmpd="sng" algn="ctr">
+        <a:solidFill>
+          <a:schemeClr val="tx1">
+            <a:lumMod val="65000"/>
+            <a:lumOff val="35000"/>
+          </a:schemeClr>
+        </a:solidFill>
+        <a:round/>
+      </a:ln>
+    </cs:spPr>
+  </cs:upBar>
+  <cs:valueAxis>
+    <cs:lnRef idx="0"/>
+    <cs:fillRef idx="0"/>
+    <cs:effectRef idx="0"/>
+    <cs:fontRef idx="minor">
+      <a:schemeClr val="tx1">
+        <a:lumMod val="65000"/>
+        <a:lumOff val="35000"/>
+      </a:schemeClr>
+    </cs:fontRef>
+    <cs:defRPr sz="1197" kern="1200"/>
+  </cs:valueAxis>
+  <cs:wall>
+    <cs:lnRef idx="0"/>
+    <cs:fillRef idx="0"/>
+    <cs:effectRef idx="0"/>
+    <cs:fontRef idx="minor">
+      <a:schemeClr val="tx1"/>
+    </cs:fontRef>
+    <cs:spPr>
+      <a:noFill/>
+      <a:ln>
+        <a:noFill/>
+      </a:ln>
+    </cs:spPr>
+  </cs:wall>
+</cs:chartStyle>
 </file>
 
 <file path=ppt/notesMasters/notesMaster1.xml><?xml version="1.0" encoding="utf-8"?>
@@ -2343,6 +4296,34 @@
           </a:p>
         </p:txBody>
       </p:sp>
+      <p:graphicFrame>
+        <p:nvGraphicFramePr>
+          <p:cNvPr id="7" name="图表 6">
+            <a:extLst>
+              <a:ext uri="{FF2B5EF4-FFF2-40B4-BE49-F238E27FC236}">
+                <a16:creationId xmlns:a16="http://schemas.microsoft.com/office/drawing/2014/main" id="{5BCDF3FE-5D2B-4631-BAE1-B03E9D5985C2}"/>
+              </a:ext>
+            </a:extLst>
+          </p:cNvPr>
+          <p:cNvGraphicFramePr/>
+          <p:nvPr>
+            <p:extLst>
+              <p:ext uri="{D42A27DB-BD31-4B8C-83A1-F6EECF244321}">
+                <p14:modId xmlns:p14="http://schemas.microsoft.com/office/powerpoint/2010/main" val="1464784577"/>
+              </p:ext>
+            </p:extLst>
+          </p:nvPr>
+        </p:nvGraphicFramePr>
+        <p:xfrm>
+          <a:off x="2032000" y="719666"/>
+          <a:ext cx="8128000" cy="5418667"/>
+        </p:xfrm>
+        <a:graphic>
+          <a:graphicData uri="http://schemas.openxmlformats.org/drawingml/2006/chart">
+            <c:chart xmlns:c="http://schemas.openxmlformats.org/drawingml/2006/chart" xmlns:r="http://schemas.openxmlformats.org/officeDocument/2006/relationships" r:id="rId2"/>
+          </a:graphicData>
+        </a:graphic>
+      </p:graphicFrame>
     </p:spTree>
     <p:extLst>
       <p:ext uri="{BB962C8B-B14F-4D97-AF65-F5344CB8AC3E}">
@@ -2360,6 +4341,227 @@
 </file>
 
 <file path=ppt/slides/slide11.xml><?xml version="1.0" encoding="utf-8"?>
+<p:sld xmlns:a="http://schemas.openxmlformats.org/drawingml/2006/main" xmlns:r="http://schemas.openxmlformats.org/officeDocument/2006/relationships" xmlns:p="http://schemas.openxmlformats.org/presentationml/2006/main">
+  <p:cSld>
+    <p:spTree>
+      <p:nvGrpSpPr>
+        <p:cNvPr id="1" name=""/>
+        <p:cNvGrpSpPr/>
+        <p:nvPr/>
+      </p:nvGrpSpPr>
+      <p:grpSpPr>
+        <a:xfrm>
+          <a:off x="0" y="0"/>
+          <a:ext cx="0" cy="0"/>
+          <a:chOff x="0" y="0"/>
+          <a:chExt cx="0" cy="0"/>
+        </a:xfrm>
+      </p:grpSpPr>
+      <p:sp>
+        <p:nvSpPr>
+          <p:cNvPr id="2" name="矩形 1"/>
+          <p:cNvSpPr/>
+          <p:nvPr/>
+        </p:nvSpPr>
+        <p:spPr>
+          <a:xfrm>
+            <a:off x="609600" y="460573"/>
+            <a:ext cx="1537087" cy="307777"/>
+          </a:xfrm>
+          <a:prstGeom prst="rect">
+            <a:avLst/>
+          </a:prstGeom>
+        </p:spPr>
+        <p:txBody>
+          <a:bodyPr wrap="none">
+            <a:spAutoFit/>
+          </a:bodyPr>
+          <a:lstStyle/>
+          <a:p>
+            <a:r>
+              <a:rPr lang="en-US" altLang="zh-CN" sz="1400" b="1" dirty="0">
+                <a:latin typeface="Arial" panose="020B0604020202020204" pitchFamily="34" charset="0"/>
+                <a:ea typeface="微软雅黑" panose="020B0503020204020204" pitchFamily="34" charset="-122"/>
+                <a:sym typeface="Arial" panose="020B0604020202020204" pitchFamily="34" charset="0"/>
+              </a:rPr>
+              <a:t>PART </a:t>
+            </a:r>
+            <a:r>
+              <a:rPr lang="en-US" altLang="zh-CN" sz="1400" b="1">
+                <a:latin typeface="Arial" panose="020B0604020202020204" pitchFamily="34" charset="0"/>
+                <a:ea typeface="微软雅黑" panose="020B0503020204020204" pitchFamily="34" charset="-122"/>
+                <a:sym typeface="Arial" panose="020B0604020202020204" pitchFamily="34" charset="0"/>
+              </a:rPr>
+              <a:t>TWO </a:t>
+            </a:r>
+            <a:r>
+              <a:rPr lang="zh-CN" altLang="en-US" sz="1400" b="1">
+                <a:latin typeface="Arial" panose="020B0604020202020204" pitchFamily="34" charset="0"/>
+                <a:ea typeface="微软雅黑" panose="020B0503020204020204" pitchFamily="34" charset="-122"/>
+                <a:sym typeface="Arial" panose="020B0604020202020204" pitchFamily="34" charset="0"/>
+              </a:rPr>
+              <a:t>结构</a:t>
+            </a:r>
+            <a:endParaRPr lang="zh-CN" altLang="en-US" sz="1400" b="1" dirty="0">
+              <a:latin typeface="Arial" panose="020B0604020202020204" pitchFamily="34" charset="0"/>
+              <a:ea typeface="微软雅黑" panose="020B0503020204020204" pitchFamily="34" charset="-122"/>
+              <a:sym typeface="Arial" panose="020B0604020202020204" pitchFamily="34" charset="0"/>
+            </a:endParaRPr>
+          </a:p>
+        </p:txBody>
+      </p:sp>
+      <p:sp>
+        <p:nvSpPr>
+          <p:cNvPr id="3" name="椭圆 2"/>
+          <p:cNvSpPr/>
+          <p:nvPr/>
+        </p:nvSpPr>
+        <p:spPr>
+          <a:xfrm>
+            <a:off x="2194083" y="557790"/>
+            <a:ext cx="130917" cy="113341"/>
+          </a:xfrm>
+          <a:prstGeom prst="ellipse">
+            <a:avLst/>
+          </a:prstGeom>
+          <a:solidFill>
+            <a:srgbClr val="FFC000"/>
+          </a:solidFill>
+          <a:ln>
+            <a:noFill/>
+          </a:ln>
+        </p:spPr>
+        <p:style>
+          <a:lnRef idx="2">
+            <a:schemeClr val="accent1">
+              <a:shade val="50000"/>
+            </a:schemeClr>
+          </a:lnRef>
+          <a:fillRef idx="1">
+            <a:schemeClr val="accent1"/>
+          </a:fillRef>
+          <a:effectRef idx="0">
+            <a:schemeClr val="accent1"/>
+          </a:effectRef>
+          <a:fontRef idx="minor">
+            <a:schemeClr val="lt1"/>
+          </a:fontRef>
+        </p:style>
+        <p:txBody>
+          <a:bodyPr rot="0" spcFirstLastPara="0" vertOverflow="overflow" horzOverflow="overflow" vert="horz" wrap="square" lIns="91440" tIns="45720" rIns="91440" bIns="45720" numCol="1" spcCol="0" rtlCol="0" fromWordArt="0" anchor="ctr" anchorCtr="0" forceAA="0" compatLnSpc="1">
+            <a:prstTxWarp prst="textNoShape">
+              <a:avLst/>
+            </a:prstTxWarp>
+            <a:noAutofit/>
+          </a:bodyPr>
+          <a:lstStyle/>
+          <a:p>
+            <a:pPr algn="ctr"/>
+            <a:endParaRPr lang="zh-CN" altLang="en-US" sz="4400">
+              <a:latin typeface="Arial" panose="020B0604020202020204" pitchFamily="34" charset="0"/>
+              <a:ea typeface="微软雅黑" panose="020B0503020204020204" pitchFamily="34" charset="-122"/>
+              <a:sym typeface="Arial" panose="020B0604020202020204" pitchFamily="34" charset="0"/>
+            </a:endParaRPr>
+          </a:p>
+        </p:txBody>
+      </p:sp>
+      <p:graphicFrame>
+        <p:nvGraphicFramePr>
+          <p:cNvPr id="12" name="图表 11">
+            <a:extLst>
+              <a:ext uri="{FF2B5EF4-FFF2-40B4-BE49-F238E27FC236}">
+                <a16:creationId xmlns:a16="http://schemas.microsoft.com/office/drawing/2014/main" id="{11F38D52-DB0F-4FAF-8AE7-98E93E71650C}"/>
+              </a:ext>
+            </a:extLst>
+          </p:cNvPr>
+          <p:cNvGraphicFramePr/>
+          <p:nvPr>
+            <p:extLst>
+              <p:ext uri="{D42A27DB-BD31-4B8C-83A1-F6EECF244321}">
+                <p14:modId xmlns:p14="http://schemas.microsoft.com/office/powerpoint/2010/main" val="1106064240"/>
+              </p:ext>
+            </p:extLst>
+          </p:nvPr>
+        </p:nvGraphicFramePr>
+        <p:xfrm>
+          <a:off x="3262594" y="1392614"/>
+          <a:ext cx="8128000" cy="5450256"/>
+        </p:xfrm>
+        <a:graphic>
+          <a:graphicData uri="http://schemas.openxmlformats.org/drawingml/2006/chart">
+            <c:chart xmlns:c="http://schemas.openxmlformats.org/drawingml/2006/chart" xmlns:r="http://schemas.openxmlformats.org/officeDocument/2006/relationships" r:id="rId2"/>
+          </a:graphicData>
+        </a:graphic>
+      </p:graphicFrame>
+      <p:sp>
+        <p:nvSpPr>
+          <p:cNvPr id="181" name="矩形 180">
+            <a:extLst>
+              <a:ext uri="{FF2B5EF4-FFF2-40B4-BE49-F238E27FC236}">
+                <a16:creationId xmlns:a16="http://schemas.microsoft.com/office/drawing/2014/main" id="{D120AE6C-6B23-407A-98D0-ED2E05ED61FF}"/>
+              </a:ext>
+            </a:extLst>
+          </p:cNvPr>
+          <p:cNvSpPr/>
+          <p:nvPr/>
+        </p:nvSpPr>
+        <p:spPr>
+          <a:xfrm>
+            <a:off x="5994669" y="156457"/>
+            <a:ext cx="2339102" cy="523220"/>
+          </a:xfrm>
+          <a:prstGeom prst="rect">
+            <a:avLst/>
+          </a:prstGeom>
+        </p:spPr>
+        <p:txBody>
+          <a:bodyPr wrap="none">
+            <a:spAutoFit/>
+          </a:bodyPr>
+          <a:lstStyle/>
+          <a:p>
+            <a:r>
+              <a:rPr lang="zh-CN" altLang="en-US" sz="2800" b="1">
+                <a:latin typeface="Arial" panose="020B0604020202020204" pitchFamily="34" charset="0"/>
+                <a:ea typeface="微软雅黑" panose="020B0503020204020204" pitchFamily="34" charset="-122"/>
+                <a:sym typeface="Arial" panose="020B0604020202020204" pitchFamily="34" charset="0"/>
+              </a:rPr>
+              <a:t>项目语言比例</a:t>
+            </a:r>
+            <a:endParaRPr lang="zh-CN" altLang="en-US" sz="2800" b="1" dirty="0">
+              <a:latin typeface="Arial" panose="020B0604020202020204" pitchFamily="34" charset="0"/>
+              <a:ea typeface="微软雅黑" panose="020B0503020204020204" pitchFamily="34" charset="-122"/>
+              <a:sym typeface="Arial" panose="020B0604020202020204" pitchFamily="34" charset="0"/>
+            </a:endParaRPr>
+          </a:p>
+        </p:txBody>
+      </p:sp>
+    </p:spTree>
+    <p:extLst>
+      <p:ext uri="{BB962C8B-B14F-4D97-AF65-F5344CB8AC3E}">
+        <p14:creationId xmlns:p14="http://schemas.microsoft.com/office/powerpoint/2010/main" val="554463580"/>
+      </p:ext>
+    </p:extLst>
+  </p:cSld>
+  <p:clrMapOvr>
+    <a:masterClrMapping/>
+  </p:clrMapOvr>
+  <mc:AlternateContent xmlns:mc="http://schemas.openxmlformats.org/markup-compatibility/2006" xmlns:p14="http://schemas.microsoft.com/office/powerpoint/2010/main">
+    <mc:Choice Requires="p14">
+      <p:transition spd="med" p14:dur="700">
+        <p:fade/>
+      </p:transition>
+    </mc:Choice>
+    <mc:Fallback xmlns="">
+      <p:transition spd="med">
+        <p:fade/>
+      </p:transition>
+    </mc:Fallback>
+  </mc:AlternateContent>
+</p:sld>
+</file>
+
+<file path=ppt/slides/slide12.xml><?xml version="1.0" encoding="utf-8"?>
 <p:sld xmlns:a="http://schemas.openxmlformats.org/drawingml/2006/main" xmlns:r="http://schemas.openxmlformats.org/officeDocument/2006/relationships" xmlns:p="http://schemas.openxmlformats.org/presentationml/2006/main">
   <p:cSld>
     <p:spTree>
@@ -2802,7 +5004,7 @@
 </p:sld>
 </file>
 
-<file path=ppt/slides/slide12.xml><?xml version="1.0" encoding="utf-8"?>
+<file path=ppt/slides/slide13.xml><?xml version="1.0" encoding="utf-8"?>
 <p:sld xmlns:a="http://schemas.openxmlformats.org/drawingml/2006/main" xmlns:r="http://schemas.openxmlformats.org/officeDocument/2006/relationships" xmlns:p="http://schemas.openxmlformats.org/presentationml/2006/main">
   <p:cSld>
     <p:spTree>
@@ -3785,7 +5987,7 @@
 </p:sld>
 </file>
 
-<file path=ppt/slides/slide13.xml><?xml version="1.0" encoding="utf-8"?>
+<file path=ppt/slides/slide14.xml><?xml version="1.0" encoding="utf-8"?>
 <p:sld xmlns:a="http://schemas.openxmlformats.org/drawingml/2006/main" xmlns:r="http://schemas.openxmlformats.org/officeDocument/2006/relationships" xmlns:p="http://schemas.openxmlformats.org/presentationml/2006/main">
   <p:cSld>
     <p:spTree>
@@ -3865,7 +6067,7 @@
 </p:sld>
 </file>
 
-<file path=ppt/slides/slide14.xml><?xml version="1.0" encoding="utf-8"?>
+<file path=ppt/slides/slide15.xml><?xml version="1.0" encoding="utf-8"?>
 <p:sld xmlns:a="http://schemas.openxmlformats.org/drawingml/2006/main" xmlns:r="http://schemas.openxmlformats.org/officeDocument/2006/relationships" xmlns:p="http://schemas.openxmlformats.org/presentationml/2006/main">
   <p:cSld>
     <p:spTree>
@@ -4034,7 +6236,7 @@
 </p:sld>
 </file>
 
-<file path=ppt/slides/slide15.xml><?xml version="1.0" encoding="utf-8"?>
+<file path=ppt/slides/slide16.xml><?xml version="1.0" encoding="utf-8"?>
 <p:sld xmlns:a="http://schemas.openxmlformats.org/drawingml/2006/main" xmlns:r="http://schemas.openxmlformats.org/officeDocument/2006/relationships" xmlns:p="http://schemas.openxmlformats.org/presentationml/2006/main">
   <p:cSld>
     <p:spTree>
@@ -4735,7 +6937,7 @@
 </p:sld>
 </file>
 
-<file path=ppt/slides/slide16.xml><?xml version="1.0" encoding="utf-8"?>
+<file path=ppt/slides/slide17.xml><?xml version="1.0" encoding="utf-8"?>
 <p:sld xmlns:a="http://schemas.openxmlformats.org/drawingml/2006/main" xmlns:r="http://schemas.openxmlformats.org/officeDocument/2006/relationships" xmlns:p="http://schemas.openxmlformats.org/presentationml/2006/main">
   <p:cSld>
     <p:spTree>

--- a/Everything（TOOLS）.pptx
+++ b/Everything（TOOLS）.pptx
@@ -5,7 +5,7 @@
     <p:sldMasterId id="2147483666" r:id="rId1"/>
   </p:sldMasterIdLst>
   <p:notesMasterIdLst>
-    <p:notesMasterId r:id="rId19"/>
+    <p:notesMasterId r:id="rId18"/>
   </p:notesMasterIdLst>
   <p:sldIdLst>
     <p:sldId id="259" r:id="rId2"/>
@@ -19,12 +19,11 @@
     <p:sldId id="278" r:id="rId10"/>
     <p:sldId id="268" r:id="rId11"/>
     <p:sldId id="293" r:id="rId12"/>
-    <p:sldId id="289" r:id="rId13"/>
-    <p:sldId id="282" r:id="rId14"/>
-    <p:sldId id="292" r:id="rId15"/>
-    <p:sldId id="269" r:id="rId16"/>
-    <p:sldId id="285" r:id="rId17"/>
-    <p:sldId id="272" r:id="rId18"/>
+    <p:sldId id="282" r:id="rId13"/>
+    <p:sldId id="292" r:id="rId14"/>
+    <p:sldId id="269" r:id="rId15"/>
+    <p:sldId id="285" r:id="rId16"/>
+    <p:sldId id="272" r:id="rId17"/>
   </p:sldIdLst>
   <p:sldSz cx="12192000" cy="6858000"/>
   <p:notesSz cx="6858000" cy="9144000"/>
@@ -526,7 +525,7 @@
                       </a:defRPr>
                     </a:pPr>
                     <a:fld id="{52200B49-EC10-4A59-B065-DFFF611F9D26}" type="CATEGORYNAME">
-                      <a:rPr lang="en-US"/>
+                      <a:rPr lang="en-US" altLang="zh-CN"/>
                       <a:pPr>
                         <a:defRPr/>
                       </a:pPr>
@@ -538,7 +537,7 @@
 </a:t>
                     </a:r>
                     <a:fld id="{B2C04793-253F-4844-BD74-52F327D240E6}" type="PERCENTAGE">
-                      <a:rPr lang="en-US" sz="2400"/>
+                      <a:rPr lang="en-US" altLang="zh-CN" sz="2400"/>
                       <a:pPr>
                         <a:defRPr/>
                       </a:pPr>
@@ -617,21 +616,45 @@
                       </a:defRPr>
                     </a:pPr>
                     <a:fld id="{2FBD2E31-D62B-4F93-A000-4EA6157B1659}" type="CATEGORYNAME">
-                      <a:rPr lang="en-US" sz="1600" smtClean="0"/>
+                      <a:rPr lang="en-US" altLang="zh-CN" sz="1600" smtClean="0">
+                        <a:solidFill>
+                          <a:srgbClr val="E97C30"/>
+                        </a:solidFill>
+                      </a:rPr>
                       <a:pPr>
-                        <a:defRPr/>
+                        <a:defRPr>
+                          <a:solidFill>
+                            <a:schemeClr val="accent1"/>
+                          </a:solidFill>
+                        </a:defRPr>
                       </a:pPr>
                       <a:t>[类别名称]</a:t>
                     </a:fld>
                     <a:r>
+                      <a:rPr lang="en-US" sz="1600">
+                        <a:solidFill>
+                          <a:srgbClr val="E97C30"/>
+                        </a:solidFill>
+                      </a:rPr>
+                      <a:t> 5</a:t>
+                    </a:r>
+                    <a:r>
                       <a:rPr lang="en-US" sz="1600"/>
-                      <a:t> 5
+                      <a:t>
 </a:t>
                     </a:r>
                     <a:fld id="{6C4FEAAE-B487-4B07-9FCE-7DF8DD9929C1}" type="PERCENTAGE">
-                      <a:rPr lang="en-US" sz="2400"/>
+                      <a:rPr lang="en-US" altLang="zh-CN" sz="2400">
+                        <a:solidFill>
+                          <a:srgbClr val="E97C30"/>
+                        </a:solidFill>
+                      </a:rPr>
                       <a:pPr>
-                        <a:defRPr/>
+                        <a:defRPr>
+                          <a:solidFill>
+                            <a:schemeClr val="accent1"/>
+                          </a:solidFill>
+                        </a:defRPr>
                       </a:pPr>
                       <a:t>[百分比]</a:t>
                     </a:fld>
@@ -655,7 +678,7 @@
                   <a:pPr>
                     <a:defRPr sz="1330" b="1" i="0" u="none" strike="noStrike" kern="1200" spc="0" baseline="0">
                       <a:solidFill>
-                        <a:schemeClr val="accent2"/>
+                        <a:schemeClr val="accent1"/>
                       </a:solidFill>
                       <a:latin typeface="+mn-lt"/>
                       <a:ea typeface="+mn-ea"/>
@@ -686,8 +709,8 @@
               <c:idx val="2"/>
               <c:layout>
                 <c:manualLayout>
-                  <c:x val="4.6875E-2"/>
-                  <c:y val="-6.3281246107206812E-2"/>
+                  <c:x val="4.8437500000000029E-2"/>
+                  <c:y val="-5.9388036084910507E-2"/>
                 </c:manualLayout>
               </c:layout>
               <c:tx>
@@ -708,9 +731,17 @@
                       </a:defRPr>
                     </a:pPr>
                     <a:fld id="{DEE21C73-E58E-4A35-9F12-585B8340D580}" type="CATEGORYNAME">
-                      <a:rPr lang="en-US"/>
+                      <a:rPr lang="en-US" altLang="zh-CN">
+                        <a:solidFill>
+                          <a:srgbClr val="A3A3A3"/>
+                        </a:solidFill>
+                      </a:rPr>
                       <a:pPr>
-                        <a:defRPr/>
+                        <a:defRPr>
+                          <a:solidFill>
+                            <a:schemeClr val="accent1"/>
+                          </a:solidFill>
+                        </a:defRPr>
                       </a:pPr>
                       <a:t>[类别名称]</a:t>
                     </a:fld>
@@ -720,9 +751,17 @@
 </a:t>
                     </a:r>
                     <a:fld id="{8EB844B6-CC12-44C2-BBF3-BA256B5D4F67}" type="PERCENTAGE">
-                      <a:rPr lang="en-US" sz="2800"/>
+                      <a:rPr lang="en-US" altLang="zh-CN" sz="2800">
+                        <a:solidFill>
+                          <a:srgbClr val="A3A3A3"/>
+                        </a:solidFill>
+                      </a:rPr>
                       <a:pPr>
-                        <a:defRPr/>
+                        <a:defRPr>
+                          <a:solidFill>
+                            <a:schemeClr val="accent1"/>
+                          </a:solidFill>
+                        </a:defRPr>
                       </a:pPr>
                       <a:t>[百分比]</a:t>
                     </a:fld>
@@ -746,7 +785,7 @@
                   <a:pPr>
                     <a:defRPr sz="1330" b="1" i="0" u="none" strike="noStrike" kern="1200" spc="0" baseline="0">
                       <a:solidFill>
-                        <a:schemeClr val="accent3"/>
+                        <a:schemeClr val="accent1"/>
                       </a:solidFill>
                       <a:latin typeface="+mn-lt"/>
                       <a:ea typeface="+mn-ea"/>
@@ -777,21 +816,21 @@
               <c:idx val="3"/>
               <c:layout>
                 <c:manualLayout>
-                  <c:x val="0.37812499999999999"/>
-                  <c:y val="4.6874997116449491E-3"/>
+                  <c:x val="0.39445017224409451"/>
+                  <c:y val="-2.0944337293514279E-2"/>
                 </c:manualLayout>
               </c:layout>
               <c:tx>
                 <c:rich>
                   <a:bodyPr rot="0" spcFirstLastPara="1" vertOverflow="ellipsis" vert="horz" wrap="square" lIns="38100" tIns="19050" rIns="38100" bIns="19050" anchor="ctr" anchorCtr="1">
-                    <a:spAutoFit/>
+                    <a:noAutofit/>
                   </a:bodyPr>
                   <a:lstStyle/>
                   <a:p>
                     <a:pPr>
-                      <a:defRPr sz="1330" b="1" i="0" u="none" strike="noStrike" kern="1200" spc="0" baseline="0">
+                      <a:defRPr lang="zh-CN" altLang="en-US" sz="2400" b="1" i="0" u="none" strike="noStrike" kern="1200" spc="0" baseline="0">
                         <a:solidFill>
-                          <a:schemeClr val="accent1"/>
+                          <a:srgbClr val="FBBD00"/>
                         </a:solidFill>
                         <a:latin typeface="+mn-lt"/>
                         <a:ea typeface="+mn-ea"/>
@@ -799,25 +838,67 @@
                       </a:defRPr>
                     </a:pPr>
                     <a:fld id="{AA371A26-8617-4EC2-AC99-AA21E6A922C8}" type="CATEGORYNAME">
-                      <a:rPr lang="en-US" altLang="zh-CN"/>
+                      <a:rPr lang="en-US" altLang="zh-CN" sz="1400" b="1" i="0" u="none" strike="noStrike" kern="1200" spc="0" baseline="0">
+                        <a:solidFill>
+                          <a:srgbClr val="FBBD00"/>
+                        </a:solidFill>
+                        <a:latin typeface="+mn-lt"/>
+                        <a:ea typeface="+mn-ea"/>
+                        <a:cs typeface="+mn-cs"/>
+                      </a:rPr>
                       <a:pPr>
-                        <a:defRPr/>
+                        <a:defRPr lang="zh-CN" altLang="en-US" sz="2400" b="1" i="0" u="none" strike="noStrike" kern="1200" spc="0" baseline="0">
+                          <a:solidFill>
+                            <a:srgbClr val="FBBD00"/>
+                          </a:solidFill>
+                          <a:latin typeface="+mn-lt"/>
+                          <a:ea typeface="+mn-ea"/>
+                          <a:cs typeface="+mn-cs"/>
+                        </a:defRPr>
                       </a:pPr>
                       <a:t>[类别名称]</a:t>
                     </a:fld>
                     <a:r>
-                      <a:rPr lang="en-US" altLang="zh-CN" baseline="0"/>
+                      <a:rPr lang="en-US" altLang="zh-CN" sz="2400" b="1" i="0" u="none" strike="noStrike" kern="1200" spc="0" baseline="0">
+                        <a:solidFill>
+                          <a:srgbClr val="FBBD00"/>
+                        </a:solidFill>
+                        <a:latin typeface="+mn-lt"/>
+                        <a:ea typeface="+mn-ea"/>
+                        <a:cs typeface="+mn-cs"/>
+                      </a:rPr>
                       <a:t>
 </a:t>
                     </a:r>
                     <a:fld id="{DBC1A150-D0B3-4996-A2C0-66F2CB5B2C84}" type="PERCENTAGE">
-                      <a:rPr lang="en-US" altLang="zh-CN" sz="2400" baseline="0"/>
+                      <a:rPr lang="en-US" altLang="zh-CN" sz="2800" b="1" i="0" u="none" strike="noStrike" kern="1200" spc="0" baseline="0">
+                        <a:solidFill>
+                          <a:srgbClr val="FBBD00"/>
+                        </a:solidFill>
+                        <a:latin typeface="+mn-lt"/>
+                        <a:ea typeface="+mn-ea"/>
+                        <a:cs typeface="+mn-cs"/>
+                      </a:rPr>
                       <a:pPr>
-                        <a:defRPr/>
+                        <a:defRPr lang="zh-CN" altLang="en-US" sz="2400" b="1" i="0" u="none" strike="noStrike" kern="1200" spc="0" baseline="0">
+                          <a:solidFill>
+                            <a:srgbClr val="FBBD00"/>
+                          </a:solidFill>
+                          <a:latin typeface="+mn-lt"/>
+                          <a:ea typeface="+mn-ea"/>
+                          <a:cs typeface="+mn-cs"/>
+                        </a:defRPr>
                       </a:pPr>
                       <a:t>[百分比]</a:t>
                     </a:fld>
-                    <a:endParaRPr lang="en-US" altLang="zh-CN" baseline="0"/>
+                    <a:endParaRPr lang="en-US" altLang="zh-CN" sz="2400" b="1" i="0" u="none" strike="noStrike" kern="1200" spc="0" baseline="0">
+                      <a:solidFill>
+                        <a:srgbClr val="FBBD00"/>
+                      </a:solidFill>
+                      <a:latin typeface="+mn-lt"/>
+                      <a:ea typeface="+mn-ea"/>
+                      <a:cs typeface="+mn-cs"/>
+                    </a:endParaRPr>
                   </a:p>
                 </c:rich>
               </c:tx>
@@ -830,14 +911,14 @@
               </c:spPr>
               <c:txPr>
                 <a:bodyPr rot="0" spcFirstLastPara="1" vertOverflow="ellipsis" vert="horz" wrap="square" lIns="38100" tIns="19050" rIns="38100" bIns="19050" anchor="ctr" anchorCtr="1">
-                  <a:spAutoFit/>
+                  <a:noAutofit/>
                 </a:bodyPr>
                 <a:lstStyle/>
                 <a:p>
                   <a:pPr>
-                    <a:defRPr sz="1330" b="1" i="0" u="none" strike="noStrike" kern="1200" spc="0" baseline="0">
+                    <a:defRPr lang="zh-CN" altLang="en-US" sz="2400" b="1" i="0" u="none" strike="noStrike" kern="1200" spc="0" baseline="0">
                       <a:solidFill>
-                        <a:schemeClr val="accent4"/>
+                        <a:srgbClr val="FBBD00"/>
                       </a:solidFill>
                       <a:latin typeface="+mn-lt"/>
                       <a:ea typeface="+mn-ea"/>
@@ -856,6 +937,12 @@
               <c:showBubbleSize val="0"/>
               <c:extLst>
                 <c:ext xmlns:c15="http://schemas.microsoft.com/office/drawing/2012/chart" uri="{CE6537A1-D6FC-4f65-9D91-7224C49458BB}">
+                  <c15:layout>
+                    <c:manualLayout>
+                      <c:w val="0.19857357283464563"/>
+                      <c:h val="0.17184972595782658"/>
+                    </c:manualLayout>
+                  </c15:layout>
                   <c15:dlblFieldTable/>
                   <c15:showDataLabelsRange val="0"/>
                 </c:ext>
@@ -864,6 +951,13 @@
                 </c:ext>
               </c:extLst>
             </c:dLbl>
+            <c:spPr>
+              <a:noFill/>
+              <a:ln>
+                <a:noFill/>
+              </a:ln>
+              <a:effectLst/>
+            </c:spPr>
             <c:dLblPos val="outEnd"/>
             <c:showLegendKey val="1"/>
             <c:showVal val="0"/>
@@ -874,14 +968,12 @@
             <c:showLeaderLines val="1"/>
             <c:leaderLines>
               <c:spPr>
-                <a:ln w="9525" cap="flat" cmpd="sng" algn="ctr">
+                <a:ln w="6350" cap="flat" cmpd="sng" algn="ctr">
                   <a:solidFill>
-                    <a:schemeClr val="tx1">
-                      <a:lumMod val="35000"/>
-                      <a:lumOff val="65000"/>
-                    </a:schemeClr>
+                    <a:schemeClr val="accent6"/>
                   </a:solidFill>
-                  <a:round/>
+                  <a:prstDash val="solid"/>
+                  <a:miter lim="800000"/>
                 </a:ln>
                 <a:effectLst/>
               </c:spPr>
@@ -2191,7 +2283,7 @@
           <a:p>
             <a:fld id="{A9CF567E-DE08-437C-BB13-32ABE674C4D5}" type="datetimeFigureOut">
               <a:rPr lang="zh-CN" altLang="en-US" smtClean="0"/>
-              <a:t>2019/12/29</a:t>
+              <a:t>2019/12/30</a:t>
             </a:fld>
             <a:endParaRPr lang="zh-CN" altLang="en-US"/>
           </a:p>
@@ -4478,7 +4570,7 @@
           <p:nvPr>
             <p:extLst>
               <p:ext uri="{D42A27DB-BD31-4B8C-83A1-F6EECF244321}">
-                <p14:modId xmlns:p14="http://schemas.microsoft.com/office/powerpoint/2010/main" val="1106064240"/>
+                <p14:modId xmlns:p14="http://schemas.microsoft.com/office/powerpoint/2010/main" val="562063476"/>
               </p:ext>
             </p:extLst>
           </p:nvPr>
@@ -4507,7 +4599,7 @@
         </p:nvSpPr>
         <p:spPr>
           <a:xfrm>
-            <a:off x="5994669" y="156457"/>
+            <a:off x="5909209" y="361557"/>
             <a:ext cx="2339102" cy="523220"/>
           </a:xfrm>
           <a:prstGeom prst="rect">
@@ -4562,449 +4654,6 @@
 </file>
 
 <file path=ppt/slides/slide12.xml><?xml version="1.0" encoding="utf-8"?>
-<p:sld xmlns:a="http://schemas.openxmlformats.org/drawingml/2006/main" xmlns:r="http://schemas.openxmlformats.org/officeDocument/2006/relationships" xmlns:p="http://schemas.openxmlformats.org/presentationml/2006/main">
-  <p:cSld>
-    <p:spTree>
-      <p:nvGrpSpPr>
-        <p:cNvPr id="1" name=""/>
-        <p:cNvGrpSpPr/>
-        <p:nvPr/>
-      </p:nvGrpSpPr>
-      <p:grpSpPr>
-        <a:xfrm>
-          <a:off x="0" y="0"/>
-          <a:ext cx="0" cy="0"/>
-          <a:chOff x="0" y="0"/>
-          <a:chExt cx="0" cy="0"/>
-        </a:xfrm>
-      </p:grpSpPr>
-      <p:sp>
-        <p:nvSpPr>
-          <p:cNvPr id="2" name="矩形 1"/>
-          <p:cNvSpPr/>
-          <p:nvPr/>
-        </p:nvSpPr>
-        <p:spPr>
-          <a:xfrm>
-            <a:off x="590550" y="451048"/>
-            <a:ext cx="1777538" cy="307777"/>
-          </a:xfrm>
-          <a:prstGeom prst="rect">
-            <a:avLst/>
-          </a:prstGeom>
-        </p:spPr>
-        <p:txBody>
-          <a:bodyPr wrap="none">
-            <a:spAutoFit/>
-          </a:bodyPr>
-          <a:lstStyle/>
-          <a:p>
-            <a:r>
-              <a:rPr lang="en-US" altLang="zh-CN" sz="1400" b="1">
-                <a:latin typeface="Arial" panose="020B0604020202020204" pitchFamily="34" charset="0"/>
-                <a:ea typeface="微软雅黑" panose="020B0503020204020204" pitchFamily="34" charset="-122"/>
-                <a:sym typeface="Arial" panose="020B0604020202020204" pitchFamily="34" charset="0"/>
-              </a:rPr>
-              <a:t>PART THERE  </a:t>
-            </a:r>
-            <a:r>
-              <a:rPr lang="zh-CN" altLang="en-US" sz="1400" b="1">
-                <a:latin typeface="Arial" panose="020B0604020202020204" pitchFamily="34" charset="0"/>
-                <a:ea typeface="微软雅黑" panose="020B0503020204020204" pitchFamily="34" charset="-122"/>
-                <a:sym typeface="Arial" panose="020B0604020202020204" pitchFamily="34" charset="0"/>
-              </a:rPr>
-              <a:t>技术</a:t>
-            </a:r>
-            <a:endParaRPr lang="zh-CN" altLang="en-US" sz="1400" b="1" dirty="0">
-              <a:latin typeface="Arial" panose="020B0604020202020204" pitchFamily="34" charset="0"/>
-              <a:ea typeface="微软雅黑" panose="020B0503020204020204" pitchFamily="34" charset="-122"/>
-              <a:sym typeface="Arial" panose="020B0604020202020204" pitchFamily="34" charset="0"/>
-            </a:endParaRPr>
-          </a:p>
-        </p:txBody>
-      </p:sp>
-      <p:sp>
-        <p:nvSpPr>
-          <p:cNvPr id="5" name="矩形 4"/>
-          <p:cNvSpPr/>
-          <p:nvPr/>
-        </p:nvSpPr>
-        <p:spPr>
-          <a:xfrm>
-            <a:off x="950374" y="1373200"/>
-            <a:ext cx="1095172" cy="769441"/>
-          </a:xfrm>
-          <a:prstGeom prst="rect">
-            <a:avLst/>
-          </a:prstGeom>
-        </p:spPr>
-        <p:txBody>
-          <a:bodyPr wrap="none">
-            <a:spAutoFit/>
-          </a:bodyPr>
-          <a:lstStyle/>
-          <a:p>
-            <a:r>
-              <a:rPr lang="en-US" altLang="zh-CN" sz="4400">
-                <a:latin typeface="Arial" panose="020B0604020202020204" pitchFamily="34" charset="0"/>
-                <a:ea typeface="微软雅黑" panose="020B0503020204020204" pitchFamily="34" charset="-122"/>
-                <a:sym typeface="Arial" panose="020B0604020202020204" pitchFamily="34" charset="0"/>
-              </a:rPr>
-              <a:t>API</a:t>
-            </a:r>
-            <a:endParaRPr lang="en-US" altLang="zh-CN" sz="4400" dirty="0">
-              <a:latin typeface="Arial" panose="020B0604020202020204" pitchFamily="34" charset="0"/>
-              <a:ea typeface="微软雅黑" panose="020B0503020204020204" pitchFamily="34" charset="-122"/>
-              <a:sym typeface="Arial" panose="020B0604020202020204" pitchFamily="34" charset="0"/>
-            </a:endParaRPr>
-          </a:p>
-        </p:txBody>
-      </p:sp>
-      <p:sp>
-        <p:nvSpPr>
-          <p:cNvPr id="7" name="矩形 6"/>
-          <p:cNvSpPr/>
-          <p:nvPr/>
-        </p:nvSpPr>
-        <p:spPr>
-          <a:xfrm>
-            <a:off x="950374" y="2244060"/>
-            <a:ext cx="6550312" cy="1184940"/>
-          </a:xfrm>
-          <a:prstGeom prst="rect">
-            <a:avLst/>
-          </a:prstGeom>
-        </p:spPr>
-        <p:txBody>
-          <a:bodyPr wrap="square">
-            <a:spAutoFit/>
-          </a:bodyPr>
-          <a:lstStyle/>
-          <a:p>
-            <a:pPr>
-              <a:lnSpc>
-                <a:spcPct val="130000"/>
-              </a:lnSpc>
-            </a:pPr>
-            <a:r>
-              <a:rPr lang="en-US" altLang="zh-CN" sz="1400">
-                <a:latin typeface="Arial" panose="020B0604020202020204" pitchFamily="34" charset="0"/>
-                <a:ea typeface="微软雅黑" panose="020B0503020204020204" pitchFamily="34" charset="-122"/>
-              </a:rPr>
-              <a:t>API</a:t>
-            </a:r>
-            <a:r>
-              <a:rPr lang="zh-CN" altLang="en-US" sz="1400">
-                <a:latin typeface="Arial" panose="020B0604020202020204" pitchFamily="34" charset="0"/>
-                <a:ea typeface="微软雅黑" panose="020B0503020204020204" pitchFamily="34" charset="-122"/>
-              </a:rPr>
-              <a:t>（</a:t>
-            </a:r>
-            <a:r>
-              <a:rPr lang="en-US" altLang="zh-CN" sz="1400">
-                <a:latin typeface="Arial" panose="020B0604020202020204" pitchFamily="34" charset="0"/>
-                <a:ea typeface="微软雅黑" panose="020B0503020204020204" pitchFamily="34" charset="-122"/>
-              </a:rPr>
-              <a:t>Application Programming Interface</a:t>
-            </a:r>
-            <a:r>
-              <a:rPr lang="zh-CN" altLang="en-US" sz="1400">
-                <a:latin typeface="Arial" panose="020B0604020202020204" pitchFamily="34" charset="0"/>
-                <a:ea typeface="微软雅黑" panose="020B0503020204020204" pitchFamily="34" charset="-122"/>
-              </a:rPr>
-              <a:t>，</a:t>
-            </a:r>
-            <a:r>
-              <a:rPr lang="zh-CN" altLang="en-US" sz="1400">
-                <a:solidFill>
-                  <a:srgbClr val="FF0000"/>
-                </a:solidFill>
-                <a:latin typeface="Arial" panose="020B0604020202020204" pitchFamily="34" charset="0"/>
-                <a:ea typeface="微软雅黑" panose="020B0503020204020204" pitchFamily="34" charset="-122"/>
-              </a:rPr>
-              <a:t>应用程序接口</a:t>
-            </a:r>
-            <a:r>
-              <a:rPr lang="zh-CN" altLang="en-US" sz="1400">
-                <a:latin typeface="Arial" panose="020B0604020202020204" pitchFamily="34" charset="0"/>
-                <a:ea typeface="微软雅黑" panose="020B0503020204020204" pitchFamily="34" charset="-122"/>
-              </a:rPr>
-              <a:t>）是一些</a:t>
-            </a:r>
-            <a:r>
-              <a:rPr lang="zh-CN" altLang="en-US" sz="1400">
-                <a:solidFill>
-                  <a:srgbClr val="FF0000"/>
-                </a:solidFill>
-                <a:latin typeface="Arial" panose="020B0604020202020204" pitchFamily="34" charset="0"/>
-                <a:ea typeface="微软雅黑" panose="020B0503020204020204" pitchFamily="34" charset="-122"/>
-              </a:rPr>
-              <a:t>预先定义的函数</a:t>
-            </a:r>
-            <a:r>
-              <a:rPr lang="zh-CN" altLang="en-US" sz="1400">
-                <a:latin typeface="Arial" panose="020B0604020202020204" pitchFamily="34" charset="0"/>
-                <a:ea typeface="微软雅黑" panose="020B0503020204020204" pitchFamily="34" charset="-122"/>
-              </a:rPr>
-              <a:t>，或指软件系统不同组成部分衔接的约定</a:t>
-            </a:r>
-            <a:r>
-              <a:rPr lang="en-US" altLang="zh-CN" sz="1400">
-                <a:latin typeface="Arial" panose="020B0604020202020204" pitchFamily="34" charset="0"/>
-                <a:ea typeface="微软雅黑" panose="020B0503020204020204" pitchFamily="34" charset="-122"/>
-              </a:rPr>
-              <a:t>.</a:t>
-            </a:r>
-            <a:r>
-              <a:rPr lang="zh-CN" altLang="en-US" sz="1400">
-                <a:latin typeface="Arial" panose="020B0604020202020204" pitchFamily="34" charset="0"/>
-                <a:ea typeface="微软雅黑" panose="020B0503020204020204" pitchFamily="34" charset="-122"/>
-              </a:rPr>
-              <a:t>目的是提供应用程序与开发人员基于某软件或硬件得以访问一组例程的能力，而又无需访问原码，或理解内部工作机制的细节。</a:t>
-            </a:r>
-            <a:endParaRPr lang="zh-CN" altLang="en-US" sz="1400" dirty="0">
-              <a:latin typeface="Arial" panose="020B0604020202020204" pitchFamily="34" charset="0"/>
-              <a:ea typeface="微软雅黑" panose="020B0503020204020204" pitchFamily="34" charset="-122"/>
-              <a:sym typeface="Arial" panose="020B0604020202020204" pitchFamily="34" charset="0"/>
-            </a:endParaRPr>
-          </a:p>
-        </p:txBody>
-      </p:sp>
-      <p:sp>
-        <p:nvSpPr>
-          <p:cNvPr id="8" name="矩形 7"/>
-          <p:cNvSpPr/>
-          <p:nvPr/>
-        </p:nvSpPr>
-        <p:spPr>
-          <a:xfrm>
-            <a:off x="883699" y="4609713"/>
-            <a:ext cx="6550312" cy="904863"/>
-          </a:xfrm>
-          <a:prstGeom prst="rect">
-            <a:avLst/>
-          </a:prstGeom>
-        </p:spPr>
-        <p:txBody>
-          <a:bodyPr wrap="square">
-            <a:spAutoFit/>
-          </a:bodyPr>
-          <a:lstStyle/>
-          <a:p>
-            <a:pPr>
-              <a:lnSpc>
-                <a:spcPct val="130000"/>
-              </a:lnSpc>
-            </a:pPr>
-            <a:r>
-              <a:rPr lang="en-US" altLang="zh-CN" sz="1400">
-                <a:latin typeface="Arial" panose="020B0604020202020204" pitchFamily="34" charset="0"/>
-                <a:ea typeface="微软雅黑" panose="020B0503020204020204" pitchFamily="34" charset="-122"/>
-              </a:rPr>
-              <a:t>SDK </a:t>
-            </a:r>
-            <a:r>
-              <a:rPr lang="zh-CN" altLang="en-US" sz="1400">
-                <a:latin typeface="Arial" panose="020B0604020202020204" pitchFamily="34" charset="0"/>
-                <a:ea typeface="微软雅黑" panose="020B0503020204020204" pitchFamily="34" charset="-122"/>
-              </a:rPr>
-              <a:t>就是 </a:t>
-            </a:r>
-            <a:r>
-              <a:rPr lang="en-US" altLang="zh-CN" sz="1400">
-                <a:latin typeface="Arial" panose="020B0604020202020204" pitchFamily="34" charset="0"/>
-                <a:ea typeface="微软雅黑" panose="020B0503020204020204" pitchFamily="34" charset="-122"/>
-              </a:rPr>
-              <a:t>Software Development Kit </a:t>
-            </a:r>
-            <a:r>
-              <a:rPr lang="zh-CN" altLang="en-US" sz="1400">
-                <a:latin typeface="Arial" panose="020B0604020202020204" pitchFamily="34" charset="0"/>
-                <a:ea typeface="微软雅黑" panose="020B0503020204020204" pitchFamily="34" charset="-122"/>
-              </a:rPr>
-              <a:t>的缩写，中文意思就是“</a:t>
-            </a:r>
-            <a:r>
-              <a:rPr lang="zh-CN" altLang="en-US" sz="1400">
-                <a:solidFill>
-                  <a:srgbClr val="FF0000"/>
-                </a:solidFill>
-                <a:latin typeface="Arial" panose="020B0604020202020204" pitchFamily="34" charset="0"/>
-                <a:ea typeface="微软雅黑" panose="020B0503020204020204" pitchFamily="34" charset="-122"/>
-              </a:rPr>
-              <a:t>软件开发工具包</a:t>
-            </a:r>
-            <a:r>
-              <a:rPr lang="zh-CN" altLang="en-US" sz="1400">
-                <a:latin typeface="Arial" panose="020B0604020202020204" pitchFamily="34" charset="0"/>
-                <a:ea typeface="微软雅黑" panose="020B0503020204020204" pitchFamily="34" charset="-122"/>
-              </a:rPr>
-              <a:t>”。这是一个覆盖面相当广泛的名词，可以这么说：辅助开发某一类软件的</a:t>
-            </a:r>
-            <a:r>
-              <a:rPr lang="zh-CN" altLang="en-US" sz="1400">
-                <a:solidFill>
-                  <a:srgbClr val="FF0000"/>
-                </a:solidFill>
-                <a:latin typeface="Arial" panose="020B0604020202020204" pitchFamily="34" charset="0"/>
-                <a:ea typeface="微软雅黑" panose="020B0503020204020204" pitchFamily="34" charset="-122"/>
-              </a:rPr>
-              <a:t>相关文档、范例和工具的集合</a:t>
-            </a:r>
-            <a:r>
-              <a:rPr lang="zh-CN" altLang="en-US" sz="1400">
-                <a:latin typeface="Arial" panose="020B0604020202020204" pitchFamily="34" charset="0"/>
-                <a:ea typeface="微软雅黑" panose="020B0503020204020204" pitchFamily="34" charset="-122"/>
-              </a:rPr>
-              <a:t>都可以叫做“</a:t>
-            </a:r>
-            <a:r>
-              <a:rPr lang="en-US" altLang="zh-CN" sz="1400">
-                <a:latin typeface="Arial" panose="020B0604020202020204" pitchFamily="34" charset="0"/>
-                <a:ea typeface="微软雅黑" panose="020B0503020204020204" pitchFamily="34" charset="-122"/>
-              </a:rPr>
-              <a:t>SDK”</a:t>
-            </a:r>
-            <a:r>
-              <a:rPr lang="zh-CN" altLang="en-US" sz="1400">
-                <a:latin typeface="Arial" panose="020B0604020202020204" pitchFamily="34" charset="0"/>
-                <a:ea typeface="微软雅黑" panose="020B0503020204020204" pitchFamily="34" charset="-122"/>
-              </a:rPr>
-              <a:t>。</a:t>
-            </a:r>
-          </a:p>
-        </p:txBody>
-      </p:sp>
-      <p:sp>
-        <p:nvSpPr>
-          <p:cNvPr id="10" name="矩形 9">
-            <a:extLst>
-              <a:ext uri="{FF2B5EF4-FFF2-40B4-BE49-F238E27FC236}">
-                <a16:creationId xmlns:a16="http://schemas.microsoft.com/office/drawing/2014/main" id="{5A98675E-0558-4C13-98B3-967A877C7EC5}"/>
-              </a:ext>
-            </a:extLst>
-          </p:cNvPr>
-          <p:cNvSpPr/>
-          <p:nvPr/>
-        </p:nvSpPr>
-        <p:spPr>
-          <a:xfrm>
-            <a:off x="950374" y="3633680"/>
-            <a:ext cx="1345240" cy="769441"/>
-          </a:xfrm>
-          <a:prstGeom prst="rect">
-            <a:avLst/>
-          </a:prstGeom>
-        </p:spPr>
-        <p:txBody>
-          <a:bodyPr wrap="none">
-            <a:spAutoFit/>
-          </a:bodyPr>
-          <a:lstStyle/>
-          <a:p>
-            <a:r>
-              <a:rPr lang="en-US" altLang="zh-CN" sz="4400">
-                <a:latin typeface="Arial" panose="020B0604020202020204" pitchFamily="34" charset="0"/>
-                <a:ea typeface="微软雅黑" panose="020B0503020204020204" pitchFamily="34" charset="-122"/>
-                <a:sym typeface="Arial" panose="020B0604020202020204" pitchFamily="34" charset="0"/>
-              </a:rPr>
-              <a:t>SDK</a:t>
-            </a:r>
-            <a:endParaRPr lang="en-US" altLang="zh-CN" sz="4400" dirty="0">
-              <a:latin typeface="Arial" panose="020B0604020202020204" pitchFamily="34" charset="0"/>
-              <a:ea typeface="微软雅黑" panose="020B0503020204020204" pitchFamily="34" charset="-122"/>
-              <a:sym typeface="Arial" panose="020B0604020202020204" pitchFamily="34" charset="0"/>
-            </a:endParaRPr>
-          </a:p>
-        </p:txBody>
-      </p:sp>
-      <p:sp>
-        <p:nvSpPr>
-          <p:cNvPr id="11" name="椭圆 10">
-            <a:extLst>
-              <a:ext uri="{FF2B5EF4-FFF2-40B4-BE49-F238E27FC236}">
-                <a16:creationId xmlns:a16="http://schemas.microsoft.com/office/drawing/2014/main" id="{0BEAAA92-446E-44B5-85A6-686FF27E81EC}"/>
-              </a:ext>
-            </a:extLst>
-          </p:cNvPr>
-          <p:cNvSpPr/>
-          <p:nvPr/>
-        </p:nvSpPr>
-        <p:spPr>
-          <a:xfrm>
-            <a:off x="2448594" y="548265"/>
-            <a:ext cx="130917" cy="113341"/>
-          </a:xfrm>
-          <a:prstGeom prst="ellipse">
-            <a:avLst/>
-          </a:prstGeom>
-          <a:solidFill>
-            <a:srgbClr val="92D050"/>
-          </a:solidFill>
-          <a:ln>
-            <a:noFill/>
-          </a:ln>
-        </p:spPr>
-        <p:style>
-          <a:lnRef idx="2">
-            <a:schemeClr val="accent1">
-              <a:shade val="50000"/>
-            </a:schemeClr>
-          </a:lnRef>
-          <a:fillRef idx="1">
-            <a:schemeClr val="accent1"/>
-          </a:fillRef>
-          <a:effectRef idx="0">
-            <a:schemeClr val="accent1"/>
-          </a:effectRef>
-          <a:fontRef idx="minor">
-            <a:schemeClr val="lt1"/>
-          </a:fontRef>
-        </p:style>
-        <p:txBody>
-          <a:bodyPr rot="0" spcFirstLastPara="0" vertOverflow="overflow" horzOverflow="overflow" vert="horz" wrap="square" lIns="91440" tIns="45720" rIns="91440" bIns="45720" numCol="1" spcCol="0" rtlCol="0" fromWordArt="0" anchor="ctr" anchorCtr="0" forceAA="0" compatLnSpc="1">
-            <a:prstTxWarp prst="textNoShape">
-              <a:avLst/>
-            </a:prstTxWarp>
-            <a:noAutofit/>
-          </a:bodyPr>
-          <a:lstStyle/>
-          <a:p>
-            <a:pPr algn="ctr"/>
-            <a:endParaRPr lang="zh-CN" altLang="en-US" sz="4400">
-              <a:latin typeface="Arial" panose="020B0604020202020204" pitchFamily="34" charset="0"/>
-              <a:ea typeface="微软雅黑" panose="020B0503020204020204" pitchFamily="34" charset="-122"/>
-              <a:sym typeface="Arial" panose="020B0604020202020204" pitchFamily="34" charset="0"/>
-            </a:endParaRPr>
-          </a:p>
-        </p:txBody>
-      </p:sp>
-    </p:spTree>
-    <p:extLst>
-      <p:ext uri="{BB962C8B-B14F-4D97-AF65-F5344CB8AC3E}">
-        <p14:creationId xmlns:p14="http://schemas.microsoft.com/office/powerpoint/2010/main" val="2791753789"/>
-      </p:ext>
-    </p:extLst>
-  </p:cSld>
-  <p:clrMapOvr>
-    <a:masterClrMapping/>
-  </p:clrMapOvr>
-  <mc:AlternateContent xmlns:mc="http://schemas.openxmlformats.org/markup-compatibility/2006" xmlns:p14="http://schemas.microsoft.com/office/powerpoint/2010/main">
-    <mc:Choice Requires="p14">
-      <p:transition spd="med" p14:dur="700">
-        <p:fade/>
-      </p:transition>
-    </mc:Choice>
-    <mc:Fallback xmlns="">
-      <p:transition spd="med">
-        <p:fade/>
-      </p:transition>
-    </mc:Fallback>
-  </mc:AlternateContent>
-</p:sld>
-</file>
-
-<file path=ppt/slides/slide13.xml><?xml version="1.0" encoding="utf-8"?>
 <p:sld xmlns:a="http://schemas.openxmlformats.org/drawingml/2006/main" xmlns:r="http://schemas.openxmlformats.org/officeDocument/2006/relationships" xmlns:p="http://schemas.openxmlformats.org/presentationml/2006/main">
   <p:cSld>
     <p:spTree>
@@ -5987,7 +5636,7 @@
 </p:sld>
 </file>
 
-<file path=ppt/slides/slide14.xml><?xml version="1.0" encoding="utf-8"?>
+<file path=ppt/slides/slide13.xml><?xml version="1.0" encoding="utf-8"?>
 <p:sld xmlns:a="http://schemas.openxmlformats.org/drawingml/2006/main" xmlns:r="http://schemas.openxmlformats.org/officeDocument/2006/relationships" xmlns:p="http://schemas.openxmlformats.org/presentationml/2006/main">
   <p:cSld>
     <p:spTree>
@@ -6067,7 +5716,7 @@
 </p:sld>
 </file>
 
-<file path=ppt/slides/slide15.xml><?xml version="1.0" encoding="utf-8"?>
+<file path=ppt/slides/slide14.xml><?xml version="1.0" encoding="utf-8"?>
 <p:sld xmlns:a="http://schemas.openxmlformats.org/drawingml/2006/main" xmlns:r="http://schemas.openxmlformats.org/officeDocument/2006/relationships" xmlns:p="http://schemas.openxmlformats.org/presentationml/2006/main">
   <p:cSld>
     <p:spTree>
@@ -6236,7 +5885,7 @@
 </p:sld>
 </file>
 
-<file path=ppt/slides/slide16.xml><?xml version="1.0" encoding="utf-8"?>
+<file path=ppt/slides/slide15.xml><?xml version="1.0" encoding="utf-8"?>
 <p:sld xmlns:a="http://schemas.openxmlformats.org/drawingml/2006/main" xmlns:r="http://schemas.openxmlformats.org/officeDocument/2006/relationships" xmlns:p="http://schemas.openxmlformats.org/presentationml/2006/main">
   <p:cSld>
     <p:spTree>
@@ -6937,7 +6586,7 @@
 </p:sld>
 </file>
 
-<file path=ppt/slides/slide17.xml><?xml version="1.0" encoding="utf-8"?>
+<file path=ppt/slides/slide16.xml><?xml version="1.0" encoding="utf-8"?>
 <p:sld xmlns:a="http://schemas.openxmlformats.org/drawingml/2006/main" xmlns:r="http://schemas.openxmlformats.org/officeDocument/2006/relationships" xmlns:p="http://schemas.openxmlformats.org/presentationml/2006/main">
   <p:cSld>
     <p:spTree>
@@ -7105,7 +6754,7 @@
         </p:nvSpPr>
         <p:spPr>
           <a:xfrm>
-            <a:off x="5101059" y="965935"/>
+            <a:off x="5101059" y="743743"/>
             <a:ext cx="1723549" cy="1384995"/>
           </a:xfrm>
           <a:prstGeom prst="rect">
@@ -7160,7 +6809,7 @@
         </p:nvGrpSpPr>
         <p:grpSpPr>
           <a:xfrm>
-            <a:off x="3349261" y="2768635"/>
+            <a:off x="2990335" y="2546440"/>
             <a:ext cx="1751798" cy="1053382"/>
             <a:chOff x="3349261" y="2768635"/>
             <a:chExt cx="1751798" cy="1053382"/>
@@ -7338,7 +6987,7 @@
         </p:nvGrpSpPr>
         <p:grpSpPr>
           <a:xfrm>
-            <a:off x="6627135" y="2768635"/>
+            <a:off x="7054426" y="2546440"/>
             <a:ext cx="1779814" cy="1053382"/>
             <a:chOff x="6627135" y="2768635"/>
             <a:chExt cx="1779814" cy="1053382"/>
@@ -7516,7 +7165,7 @@
         </p:nvGrpSpPr>
         <p:grpSpPr>
           <a:xfrm>
-            <a:off x="3329816" y="4507071"/>
+            <a:off x="2970890" y="4284876"/>
             <a:ext cx="1751798" cy="1053382"/>
             <a:chOff x="3345094" y="4252448"/>
             <a:chExt cx="1751798" cy="1053382"/>
@@ -7694,10 +7343,10 @@
         </p:nvGrpSpPr>
         <p:grpSpPr>
           <a:xfrm>
-            <a:off x="6655339" y="4507071"/>
-            <a:ext cx="1751798" cy="1053382"/>
-            <a:chOff x="6670617" y="4252448"/>
-            <a:chExt cx="1751798" cy="1053382"/>
+            <a:off x="7082630" y="4259238"/>
+            <a:ext cx="1751798" cy="1079020"/>
+            <a:chOff x="6670617" y="4226810"/>
+            <a:chExt cx="1751798" cy="1079020"/>
           </a:xfrm>
         </p:grpSpPr>
         <p:sp>
@@ -7767,8 +7416,8 @@
           </p:nvSpPr>
           <p:spPr>
             <a:xfrm>
-              <a:off x="6670617" y="4252448"/>
-              <a:ext cx="1751798" cy="597087"/>
+              <a:off x="6670617" y="4226810"/>
+              <a:ext cx="1751798" cy="594202"/>
             </a:xfrm>
             <a:prstGeom prst="rect">
               <a:avLst/>
@@ -7792,7 +7441,7 @@
                   <a:ea typeface="微软雅黑" panose="020B0503020204020204" pitchFamily="34" charset="-122"/>
                   <a:sym typeface="Arial" panose="020B0604020202020204" pitchFamily="34" charset="0"/>
                 </a:rPr>
-                <a:t>体会</a:t>
+                <a:t>展示</a:t>
               </a:r>
               <a:endParaRPr kumimoji="1" lang="zh-CN" altLang="en-US" sz="2800" b="1" dirty="0">
                 <a:latin typeface="Arial" panose="020B0604020202020204" pitchFamily="34" charset="0"/>
@@ -7858,6 +7507,181 @@
           </p:txBody>
         </p:sp>
       </p:grpSp>
+      <p:sp>
+        <p:nvSpPr>
+          <p:cNvPr id="20" name="矩形 19">
+            <a:extLst>
+              <a:ext uri="{FF2B5EF4-FFF2-40B4-BE49-F238E27FC236}">
+                <a16:creationId xmlns:a16="http://schemas.microsoft.com/office/drawing/2014/main" id="{F11648D7-75CE-45D3-927E-A182E978DD49}"/>
+              </a:ext>
+            </a:extLst>
+          </p:cNvPr>
+          <p:cNvSpPr/>
+          <p:nvPr/>
+        </p:nvSpPr>
+        <p:spPr>
+          <a:xfrm>
+            <a:off x="5161636" y="4340531"/>
+            <a:ext cx="1638300" cy="113341"/>
+          </a:xfrm>
+          <a:prstGeom prst="rect">
+            <a:avLst/>
+          </a:prstGeom>
+          <a:solidFill>
+            <a:srgbClr val="00B0F0"/>
+          </a:solidFill>
+          <a:ln>
+            <a:noFill/>
+          </a:ln>
+        </p:spPr>
+        <p:style>
+          <a:lnRef idx="2">
+            <a:schemeClr val="accent1">
+              <a:shade val="50000"/>
+            </a:schemeClr>
+          </a:lnRef>
+          <a:fillRef idx="1">
+            <a:schemeClr val="accent1"/>
+          </a:fillRef>
+          <a:effectRef idx="0">
+            <a:schemeClr val="accent1"/>
+          </a:effectRef>
+          <a:fontRef idx="minor">
+            <a:schemeClr val="lt1"/>
+          </a:fontRef>
+        </p:style>
+        <p:txBody>
+          <a:bodyPr rot="0" spcFirstLastPara="0" vertOverflow="overflow" horzOverflow="overflow" vert="horz" wrap="square" lIns="91440" tIns="45720" rIns="91440" bIns="45720" numCol="1" spcCol="0" rtlCol="0" fromWordArt="0" anchor="ctr" anchorCtr="0" forceAA="0" compatLnSpc="1">
+            <a:prstTxWarp prst="textNoShape">
+              <a:avLst/>
+            </a:prstTxWarp>
+            <a:noAutofit/>
+          </a:bodyPr>
+          <a:lstStyle/>
+          <a:p>
+            <a:pPr algn="ctr"/>
+            <a:endParaRPr lang="zh-CN" altLang="en-US">
+              <a:latin typeface="Arial" panose="020B0604020202020204" pitchFamily="34" charset="0"/>
+              <a:ea typeface="微软雅黑" panose="020B0503020204020204" pitchFamily="34" charset="-122"/>
+              <a:sym typeface="Arial" panose="020B0604020202020204" pitchFamily="34" charset="0"/>
+            </a:endParaRPr>
+          </a:p>
+        </p:txBody>
+      </p:sp>
+      <p:sp>
+        <p:nvSpPr>
+          <p:cNvPr id="21" name="文本框 20">
+            <a:extLst>
+              <a:ext uri="{FF2B5EF4-FFF2-40B4-BE49-F238E27FC236}">
+                <a16:creationId xmlns:a16="http://schemas.microsoft.com/office/drawing/2014/main" id="{0F05AD6F-E948-4AB6-BCAE-E1818A8D5EAA}"/>
+              </a:ext>
+            </a:extLst>
+          </p:cNvPr>
+          <p:cNvSpPr txBox="1"/>
+          <p:nvPr/>
+        </p:nvSpPr>
+        <p:spPr>
+          <a:xfrm>
+            <a:off x="5098578" y="3927896"/>
+            <a:ext cx="1751797" cy="414985"/>
+          </a:xfrm>
+          <a:prstGeom prst="rect">
+            <a:avLst/>
+          </a:prstGeom>
+          <a:noFill/>
+        </p:spPr>
+        <p:txBody>
+          <a:bodyPr wrap="square" rtlCol="0">
+            <a:spAutoFit/>
+          </a:bodyPr>
+          <a:lstStyle/>
+          <a:p>
+            <a:pPr algn="ctr" defTabSz="609585">
+              <a:lnSpc>
+                <a:spcPct val="130000"/>
+              </a:lnSpc>
+            </a:pPr>
+            <a:r>
+              <a:rPr lang="en-US" altLang="zh-CN">
+                <a:latin typeface="Arial" panose="020B0604020202020204" pitchFamily="34" charset="0"/>
+                <a:ea typeface="微软雅黑" panose="020B0503020204020204" pitchFamily="34" charset="-122"/>
+                <a:sym typeface="Arial" panose="020B0604020202020204" pitchFamily="34" charset="0"/>
+              </a:rPr>
+              <a:t>PART</a:t>
+            </a:r>
+            <a:r>
+              <a:rPr lang="zh-CN" altLang="en-US">
+                <a:latin typeface="Arial" panose="020B0604020202020204" pitchFamily="34" charset="0"/>
+                <a:ea typeface="微软雅黑" panose="020B0503020204020204" pitchFamily="34" charset="-122"/>
+                <a:sym typeface="Arial" panose="020B0604020202020204" pitchFamily="34" charset="0"/>
+              </a:rPr>
+              <a:t> </a:t>
+            </a:r>
+            <a:r>
+              <a:rPr lang="en-US" altLang="zh-CN">
+                <a:latin typeface="Arial" panose="020B0604020202020204" pitchFamily="34" charset="0"/>
+                <a:ea typeface="微软雅黑" panose="020B0503020204020204" pitchFamily="34" charset="-122"/>
+                <a:sym typeface="Arial" panose="020B0604020202020204" pitchFamily="34" charset="0"/>
+              </a:rPr>
+              <a:t>FIVE</a:t>
+            </a:r>
+            <a:endParaRPr kumimoji="1" lang="zh-CN" altLang="en-US" dirty="0">
+              <a:latin typeface="Arial" panose="020B0604020202020204" pitchFamily="34" charset="0"/>
+              <a:ea typeface="微软雅黑" panose="020B0503020204020204" pitchFamily="34" charset="-122"/>
+              <a:sym typeface="Arial" panose="020B0604020202020204" pitchFamily="34" charset="0"/>
+            </a:endParaRPr>
+          </a:p>
+        </p:txBody>
+      </p:sp>
+      <p:sp>
+        <p:nvSpPr>
+          <p:cNvPr id="26" name="文本框 25">
+            <a:extLst>
+              <a:ext uri="{FF2B5EF4-FFF2-40B4-BE49-F238E27FC236}">
+                <a16:creationId xmlns:a16="http://schemas.microsoft.com/office/drawing/2014/main" id="{77C802C6-3F2D-4319-85F2-95ACE0B419B3}"/>
+              </a:ext>
+            </a:extLst>
+          </p:cNvPr>
+          <p:cNvSpPr txBox="1"/>
+          <p:nvPr/>
+        </p:nvSpPr>
+        <p:spPr>
+          <a:xfrm>
+            <a:off x="5090031" y="3428873"/>
+            <a:ext cx="1751798" cy="597087"/>
+          </a:xfrm>
+          <a:prstGeom prst="rect">
+            <a:avLst/>
+          </a:prstGeom>
+          <a:noFill/>
+        </p:spPr>
+        <p:txBody>
+          <a:bodyPr wrap="square" rtlCol="0">
+            <a:spAutoFit/>
+          </a:bodyPr>
+          <a:lstStyle/>
+          <a:p>
+            <a:pPr algn="ctr" defTabSz="609585">
+              <a:lnSpc>
+                <a:spcPct val="130000"/>
+              </a:lnSpc>
+            </a:pPr>
+            <a:r>
+              <a:rPr kumimoji="1" lang="zh-CN" altLang="en-US" sz="2800" b="1">
+                <a:latin typeface="Arial" panose="020B0604020202020204" pitchFamily="34" charset="0"/>
+                <a:ea typeface="微软雅黑" panose="020B0503020204020204" pitchFamily="34" charset="-122"/>
+                <a:sym typeface="Arial" panose="020B0604020202020204" pitchFamily="34" charset="0"/>
+              </a:rPr>
+              <a:t>体会</a:t>
+            </a:r>
+            <a:endParaRPr kumimoji="1" lang="zh-CN" altLang="en-US" sz="2800" b="1" dirty="0">
+              <a:latin typeface="Arial" panose="020B0604020202020204" pitchFamily="34" charset="0"/>
+              <a:ea typeface="微软雅黑" panose="020B0503020204020204" pitchFamily="34" charset="-122"/>
+              <a:sym typeface="Arial" panose="020B0604020202020204" pitchFamily="34" charset="0"/>
+            </a:endParaRPr>
+          </a:p>
+        </p:txBody>
+      </p:sp>
     </p:spTree>
     <p:extLst>
       <p:ext uri="{BB962C8B-B14F-4D97-AF65-F5344CB8AC3E}">

--- a/Everything（TOOLS）.pptx
+++ b/Everything（TOOLS）.pptx
@@ -847,13 +847,10 @@
                         <a:cs typeface="+mn-cs"/>
                       </a:rPr>
                       <a:pPr>
-                        <a:defRPr lang="zh-CN" altLang="en-US" sz="2400" b="1" i="0" u="none" strike="noStrike" kern="1200" spc="0" baseline="0">
+                        <a:defRPr lang="zh-CN" altLang="en-US" sz="2400">
                           <a:solidFill>
                             <a:srgbClr val="FBBD00"/>
                           </a:solidFill>
-                          <a:latin typeface="+mn-lt"/>
-                          <a:ea typeface="+mn-ea"/>
-                          <a:cs typeface="+mn-cs"/>
                         </a:defRPr>
                       </a:pPr>
                       <a:t>[类别名称]</a:t>
@@ -880,13 +877,10 @@
                         <a:cs typeface="+mn-cs"/>
                       </a:rPr>
                       <a:pPr>
-                        <a:defRPr lang="zh-CN" altLang="en-US" sz="2400" b="1" i="0" u="none" strike="noStrike" kern="1200" spc="0" baseline="0">
+                        <a:defRPr lang="zh-CN" altLang="en-US" sz="2400">
                           <a:solidFill>
                             <a:srgbClr val="FBBD00"/>
                           </a:solidFill>
-                          <a:latin typeface="+mn-lt"/>
-                          <a:ea typeface="+mn-ea"/>
-                          <a:cs typeface="+mn-cs"/>
                         </a:defRPr>
                       </a:pPr>
                       <a:t>[百分比]</a:t>
@@ -2594,6 +2588,320 @@
           <a:bodyPr/>
           <a:lstStyle/>
           <a:p>
+            <a:r>
+              <a:rPr lang="en-US" altLang="zh-CN"/>
+              <a:t>1.</a:t>
+            </a:r>
+            <a:r>
+              <a:rPr lang="zh-CN" altLang="en-US"/>
+              <a:t>介绍自己</a:t>
+            </a:r>
+            <a:endParaRPr lang="en-US" altLang="zh-CN"/>
+          </a:p>
+          <a:p>
+            <a:r>
+              <a:rPr lang="en-US" altLang="zh-CN"/>
+              <a:t>2.</a:t>
+            </a:r>
+            <a:r>
+              <a:rPr lang="zh-CN" altLang="en-US"/>
+              <a:t>介绍项目名字</a:t>
+            </a:r>
+          </a:p>
+        </p:txBody>
+      </p:sp>
+      <p:sp>
+        <p:nvSpPr>
+          <p:cNvPr id="4" name="灯片编号占位符 3"/>
+          <p:cNvSpPr>
+            <a:spLocks noGrp="1"/>
+          </p:cNvSpPr>
+          <p:nvPr>
+            <p:ph type="sldNum" sz="quarter" idx="5"/>
+          </p:nvPr>
+        </p:nvSpPr>
+        <p:spPr/>
+        <p:txBody>
+          <a:bodyPr/>
+          <a:lstStyle/>
+          <a:p>
+            <a:fld id="{FF808F66-E2C3-4E39-981E-A5C58C5AB608}" type="slidenum">
+              <a:rPr lang="zh-CN" altLang="en-US" smtClean="0"/>
+              <a:t>1</a:t>
+            </a:fld>
+            <a:endParaRPr lang="zh-CN" altLang="en-US"/>
+          </a:p>
+        </p:txBody>
+      </p:sp>
+    </p:spTree>
+    <p:extLst>
+      <p:ext uri="{BB962C8B-B14F-4D97-AF65-F5344CB8AC3E}">
+        <p14:creationId xmlns:p14="http://schemas.microsoft.com/office/powerpoint/2010/main" val="2036554746"/>
+      </p:ext>
+    </p:extLst>
+  </p:cSld>
+  <p:clrMapOvr>
+    <a:masterClrMapping/>
+  </p:clrMapOvr>
+</p:notes>
+</file>
+
+<file path=ppt/notesSlides/notesSlide2.xml><?xml version="1.0" encoding="utf-8"?>
+<p:notes xmlns:a="http://schemas.openxmlformats.org/drawingml/2006/main" xmlns:r="http://schemas.openxmlformats.org/officeDocument/2006/relationships" xmlns:p="http://schemas.openxmlformats.org/presentationml/2006/main">
+  <p:cSld>
+    <p:spTree>
+      <p:nvGrpSpPr>
+        <p:cNvPr id="1" name=""/>
+        <p:cNvGrpSpPr/>
+        <p:nvPr/>
+      </p:nvGrpSpPr>
+      <p:grpSpPr>
+        <a:xfrm>
+          <a:off x="0" y="0"/>
+          <a:ext cx="0" cy="0"/>
+          <a:chOff x="0" y="0"/>
+          <a:chExt cx="0" cy="0"/>
+        </a:xfrm>
+      </p:grpSpPr>
+      <p:sp>
+        <p:nvSpPr>
+          <p:cNvPr id="2" name="幻灯片图像占位符 1"/>
+          <p:cNvSpPr>
+            <a:spLocks noGrp="1" noRot="1" noChangeAspect="1"/>
+          </p:cNvSpPr>
+          <p:nvPr>
+            <p:ph type="sldImg"/>
+          </p:nvPr>
+        </p:nvSpPr>
+        <p:spPr/>
+      </p:sp>
+      <p:sp>
+        <p:nvSpPr>
+          <p:cNvPr id="3" name="备注占位符 2"/>
+          <p:cNvSpPr>
+            <a:spLocks noGrp="1"/>
+          </p:cNvSpPr>
+          <p:nvPr>
+            <p:ph type="body" idx="1"/>
+          </p:nvPr>
+        </p:nvSpPr>
+        <p:spPr/>
+        <p:txBody>
+          <a:bodyPr/>
+          <a:lstStyle/>
+          <a:p>
+            <a:r>
+              <a:rPr lang="en-US" altLang="zh-CN"/>
+              <a:t>1.</a:t>
+            </a:r>
+            <a:r>
+              <a:rPr lang="zh-CN" altLang="en-US"/>
+              <a:t>发现各种工具过于分散，不利于用户的使用</a:t>
+            </a:r>
+            <a:endParaRPr lang="en-US" altLang="zh-CN"/>
+          </a:p>
+          <a:p>
+            <a:r>
+              <a:rPr lang="en-US" altLang="zh-CN"/>
+              <a:t>2.</a:t>
+            </a:r>
+            <a:r>
+              <a:rPr lang="zh-CN" altLang="en-US"/>
+              <a:t>我们这个网站解决了这一现象</a:t>
+            </a:r>
+            <a:endParaRPr lang="en-US" altLang="zh-CN"/>
+          </a:p>
+          <a:p>
+            <a:r>
+              <a:rPr lang="en-US" altLang="zh-CN"/>
+              <a:t>3.</a:t>
+            </a:r>
+            <a:r>
+              <a:rPr lang="zh-CN" altLang="en-US"/>
+              <a:t>特点</a:t>
+            </a:r>
+            <a:endParaRPr lang="en-US" altLang="zh-CN"/>
+          </a:p>
+          <a:p>
+            <a:endParaRPr lang="zh-CN" altLang="en-US"/>
+          </a:p>
+        </p:txBody>
+      </p:sp>
+      <p:sp>
+        <p:nvSpPr>
+          <p:cNvPr id="4" name="灯片编号占位符 3"/>
+          <p:cNvSpPr>
+            <a:spLocks noGrp="1"/>
+          </p:cNvSpPr>
+          <p:nvPr>
+            <p:ph type="sldNum" sz="quarter" idx="5"/>
+          </p:nvPr>
+        </p:nvSpPr>
+        <p:spPr/>
+        <p:txBody>
+          <a:bodyPr/>
+          <a:lstStyle/>
+          <a:p>
+            <a:fld id="{FF808F66-E2C3-4E39-981E-A5C58C5AB608}" type="slidenum">
+              <a:rPr lang="zh-CN" altLang="en-US" smtClean="0"/>
+              <a:t>4</a:t>
+            </a:fld>
+            <a:endParaRPr lang="zh-CN" altLang="en-US"/>
+          </a:p>
+        </p:txBody>
+      </p:sp>
+    </p:spTree>
+    <p:extLst>
+      <p:ext uri="{BB962C8B-B14F-4D97-AF65-F5344CB8AC3E}">
+        <p14:creationId xmlns:p14="http://schemas.microsoft.com/office/powerpoint/2010/main" val="2230954098"/>
+      </p:ext>
+    </p:extLst>
+  </p:cSld>
+  <p:clrMapOvr>
+    <a:masterClrMapping/>
+  </p:clrMapOvr>
+</p:notes>
+</file>
+
+<file path=ppt/notesSlides/notesSlide3.xml><?xml version="1.0" encoding="utf-8"?>
+<p:notes xmlns:a="http://schemas.openxmlformats.org/drawingml/2006/main" xmlns:r="http://schemas.openxmlformats.org/officeDocument/2006/relationships" xmlns:p="http://schemas.openxmlformats.org/presentationml/2006/main">
+  <p:cSld>
+    <p:spTree>
+      <p:nvGrpSpPr>
+        <p:cNvPr id="1" name=""/>
+        <p:cNvGrpSpPr/>
+        <p:nvPr/>
+      </p:nvGrpSpPr>
+      <p:grpSpPr>
+        <a:xfrm>
+          <a:off x="0" y="0"/>
+          <a:ext cx="0" cy="0"/>
+          <a:chOff x="0" y="0"/>
+          <a:chExt cx="0" cy="0"/>
+        </a:xfrm>
+      </p:grpSpPr>
+      <p:sp>
+        <p:nvSpPr>
+          <p:cNvPr id="2" name="幻灯片图像占位符 1"/>
+          <p:cNvSpPr>
+            <a:spLocks noGrp="1" noRot="1" noChangeAspect="1"/>
+          </p:cNvSpPr>
+          <p:nvPr>
+            <p:ph type="sldImg"/>
+          </p:nvPr>
+        </p:nvSpPr>
+        <p:spPr/>
+      </p:sp>
+      <p:sp>
+        <p:nvSpPr>
+          <p:cNvPr id="3" name="备注占位符 2"/>
+          <p:cNvSpPr>
+            <a:spLocks noGrp="1"/>
+          </p:cNvSpPr>
+          <p:nvPr>
+            <p:ph type="body" idx="1"/>
+          </p:nvPr>
+        </p:nvSpPr>
+        <p:spPr/>
+        <p:txBody>
+          <a:bodyPr/>
+          <a:lstStyle/>
+          <a:p>
+            <a:r>
+              <a:rPr lang="en-US" altLang="zh-CN"/>
+              <a:t>1.</a:t>
+            </a:r>
+            <a:r>
+              <a:rPr lang="zh-CN" altLang="en-US"/>
+              <a:t>项目分两大类</a:t>
+            </a:r>
+            <a:endParaRPr lang="en-US" altLang="zh-CN"/>
+          </a:p>
+          <a:p>
+            <a:endParaRPr lang="zh-CN" altLang="en-US"/>
+          </a:p>
+        </p:txBody>
+      </p:sp>
+      <p:sp>
+        <p:nvSpPr>
+          <p:cNvPr id="4" name="灯片编号占位符 3"/>
+          <p:cNvSpPr>
+            <a:spLocks noGrp="1"/>
+          </p:cNvSpPr>
+          <p:nvPr>
+            <p:ph type="sldNum" sz="quarter" idx="5"/>
+          </p:nvPr>
+        </p:nvSpPr>
+        <p:spPr/>
+        <p:txBody>
+          <a:bodyPr/>
+          <a:lstStyle/>
+          <a:p>
+            <a:fld id="{FF808F66-E2C3-4E39-981E-A5C58C5AB608}" type="slidenum">
+              <a:rPr lang="zh-CN" altLang="en-US" smtClean="0"/>
+              <a:t>6</a:t>
+            </a:fld>
+            <a:endParaRPr lang="zh-CN" altLang="en-US"/>
+          </a:p>
+        </p:txBody>
+      </p:sp>
+    </p:spTree>
+    <p:extLst>
+      <p:ext uri="{BB962C8B-B14F-4D97-AF65-F5344CB8AC3E}">
+        <p14:creationId xmlns:p14="http://schemas.microsoft.com/office/powerpoint/2010/main" val="3985537057"/>
+      </p:ext>
+    </p:extLst>
+  </p:cSld>
+  <p:clrMapOvr>
+    <a:masterClrMapping/>
+  </p:clrMapOvr>
+</p:notes>
+</file>
+
+<file path=ppt/notesSlides/notesSlide4.xml><?xml version="1.0" encoding="utf-8"?>
+<p:notes xmlns:a="http://schemas.openxmlformats.org/drawingml/2006/main" xmlns:r="http://schemas.openxmlformats.org/officeDocument/2006/relationships" xmlns:p="http://schemas.openxmlformats.org/presentationml/2006/main">
+  <p:cSld>
+    <p:spTree>
+      <p:nvGrpSpPr>
+        <p:cNvPr id="1" name=""/>
+        <p:cNvGrpSpPr/>
+        <p:nvPr/>
+      </p:nvGrpSpPr>
+      <p:grpSpPr>
+        <a:xfrm>
+          <a:off x="0" y="0"/>
+          <a:ext cx="0" cy="0"/>
+          <a:chOff x="0" y="0"/>
+          <a:chExt cx="0" cy="0"/>
+        </a:xfrm>
+      </p:grpSpPr>
+      <p:sp>
+        <p:nvSpPr>
+          <p:cNvPr id="2" name="幻灯片图像占位符 1"/>
+          <p:cNvSpPr>
+            <a:spLocks noGrp="1" noRot="1" noChangeAspect="1"/>
+          </p:cNvSpPr>
+          <p:nvPr>
+            <p:ph type="sldImg"/>
+          </p:nvPr>
+        </p:nvSpPr>
+        <p:spPr/>
+      </p:sp>
+      <p:sp>
+        <p:nvSpPr>
+          <p:cNvPr id="3" name="备注占位符 2"/>
+          <p:cNvSpPr>
+            <a:spLocks noGrp="1"/>
+          </p:cNvSpPr>
+          <p:nvPr>
+            <p:ph type="body" idx="1"/>
+          </p:nvPr>
+        </p:nvSpPr>
+        <p:spPr/>
+        <p:txBody>
+          <a:bodyPr/>
+          <a:lstStyle/>
+          <a:p>
             <a:endParaRPr lang="zh-CN" altLang="en-US"/>
           </a:p>
         </p:txBody>
@@ -2625,6 +2933,411 @@
     <p:extLst>
       <p:ext uri="{BB962C8B-B14F-4D97-AF65-F5344CB8AC3E}">
         <p14:creationId xmlns:p14="http://schemas.microsoft.com/office/powerpoint/2010/main" val="2670896034"/>
+      </p:ext>
+    </p:extLst>
+  </p:cSld>
+  <p:clrMapOvr>
+    <a:masterClrMapping/>
+  </p:clrMapOvr>
+</p:notes>
+</file>
+
+<file path=ppt/notesSlides/notesSlide5.xml><?xml version="1.0" encoding="utf-8"?>
+<p:notes xmlns:a="http://schemas.openxmlformats.org/drawingml/2006/main" xmlns:r="http://schemas.openxmlformats.org/officeDocument/2006/relationships" xmlns:p="http://schemas.openxmlformats.org/presentationml/2006/main">
+  <p:cSld>
+    <p:spTree>
+      <p:nvGrpSpPr>
+        <p:cNvPr id="1" name=""/>
+        <p:cNvGrpSpPr/>
+        <p:nvPr/>
+      </p:nvGrpSpPr>
+      <p:grpSpPr>
+        <a:xfrm>
+          <a:off x="0" y="0"/>
+          <a:ext cx="0" cy="0"/>
+          <a:chOff x="0" y="0"/>
+          <a:chExt cx="0" cy="0"/>
+        </a:xfrm>
+      </p:grpSpPr>
+      <p:sp>
+        <p:nvSpPr>
+          <p:cNvPr id="2" name="幻灯片图像占位符 1"/>
+          <p:cNvSpPr>
+            <a:spLocks noGrp="1" noRot="1" noChangeAspect="1"/>
+          </p:cNvSpPr>
+          <p:nvPr>
+            <p:ph type="sldImg"/>
+          </p:nvPr>
+        </p:nvSpPr>
+        <p:spPr/>
+      </p:sp>
+      <p:sp>
+        <p:nvSpPr>
+          <p:cNvPr id="3" name="备注占位符 2"/>
+          <p:cNvSpPr>
+            <a:spLocks noGrp="1"/>
+          </p:cNvSpPr>
+          <p:nvPr>
+            <p:ph type="body" idx="1"/>
+          </p:nvPr>
+        </p:nvSpPr>
+        <p:spPr/>
+        <p:txBody>
+          <a:bodyPr/>
+          <a:lstStyle/>
+          <a:p>
+            <a:r>
+              <a:rPr lang="zh-CN" altLang="en-US"/>
+              <a:t>说到技术，首先先说明我们这个项目所用的语言以及语言占用比例</a:t>
+            </a:r>
+            <a:endParaRPr lang="en-US" altLang="zh-CN"/>
+          </a:p>
+        </p:txBody>
+      </p:sp>
+      <p:sp>
+        <p:nvSpPr>
+          <p:cNvPr id="4" name="灯片编号占位符 3"/>
+          <p:cNvSpPr>
+            <a:spLocks noGrp="1"/>
+          </p:cNvSpPr>
+          <p:nvPr>
+            <p:ph type="sldNum" sz="quarter" idx="5"/>
+          </p:nvPr>
+        </p:nvSpPr>
+        <p:spPr/>
+        <p:txBody>
+          <a:bodyPr/>
+          <a:lstStyle/>
+          <a:p>
+            <a:fld id="{FF808F66-E2C3-4E39-981E-A5C58C5AB608}" type="slidenum">
+              <a:rPr lang="zh-CN" altLang="en-US" smtClean="0"/>
+              <a:t>11</a:t>
+            </a:fld>
+            <a:endParaRPr lang="zh-CN" altLang="en-US"/>
+          </a:p>
+        </p:txBody>
+      </p:sp>
+    </p:spTree>
+    <p:extLst>
+      <p:ext uri="{BB962C8B-B14F-4D97-AF65-F5344CB8AC3E}">
+        <p14:creationId xmlns:p14="http://schemas.microsoft.com/office/powerpoint/2010/main" val="3866961982"/>
+      </p:ext>
+    </p:extLst>
+  </p:cSld>
+  <p:clrMapOvr>
+    <a:masterClrMapping/>
+  </p:clrMapOvr>
+</p:notes>
+</file>
+
+<file path=ppt/notesSlides/notesSlide6.xml><?xml version="1.0" encoding="utf-8"?>
+<p:notes xmlns:a="http://schemas.openxmlformats.org/drawingml/2006/main" xmlns:r="http://schemas.openxmlformats.org/officeDocument/2006/relationships" xmlns:p="http://schemas.openxmlformats.org/presentationml/2006/main">
+  <p:cSld>
+    <p:spTree>
+      <p:nvGrpSpPr>
+        <p:cNvPr id="1" name=""/>
+        <p:cNvGrpSpPr/>
+        <p:nvPr/>
+      </p:nvGrpSpPr>
+      <p:grpSpPr>
+        <a:xfrm>
+          <a:off x="0" y="0"/>
+          <a:ext cx="0" cy="0"/>
+          <a:chOff x="0" y="0"/>
+          <a:chExt cx="0" cy="0"/>
+        </a:xfrm>
+      </p:grpSpPr>
+      <p:sp>
+        <p:nvSpPr>
+          <p:cNvPr id="2" name="幻灯片图像占位符 1"/>
+          <p:cNvSpPr>
+            <a:spLocks noGrp="1" noRot="1" noChangeAspect="1"/>
+          </p:cNvSpPr>
+          <p:nvPr>
+            <p:ph type="sldImg"/>
+          </p:nvPr>
+        </p:nvSpPr>
+        <p:spPr/>
+      </p:sp>
+      <p:sp>
+        <p:nvSpPr>
+          <p:cNvPr id="3" name="备注占位符 2"/>
+          <p:cNvSpPr>
+            <a:spLocks noGrp="1"/>
+          </p:cNvSpPr>
+          <p:nvPr>
+            <p:ph type="body" idx="1"/>
+          </p:nvPr>
+        </p:nvSpPr>
+        <p:spPr/>
+        <p:txBody>
+          <a:bodyPr/>
+          <a:lstStyle/>
+          <a:p>
+            <a:r>
+              <a:rPr lang="en-US" altLang="zh-CN"/>
+              <a:t>1.Bootstrap</a:t>
+            </a:r>
+            <a:r>
+              <a:rPr lang="zh-CN" altLang="en-US"/>
+              <a:t>框架，主要用于页面响应式的布局以及组件的使用</a:t>
+            </a:r>
+            <a:endParaRPr lang="en-US" altLang="zh-CN"/>
+          </a:p>
+          <a:p>
+            <a:r>
+              <a:rPr lang="en-US" altLang="zh-CN"/>
+              <a:t>2.Animate</a:t>
+            </a:r>
+            <a:r>
+              <a:rPr lang="zh-CN" altLang="en-US"/>
+              <a:t>插件，主要用于页面元素的动画效果</a:t>
+            </a:r>
+            <a:endParaRPr lang="en-US" altLang="zh-CN"/>
+          </a:p>
+          <a:p>
+            <a:r>
+              <a:rPr lang="en-US" altLang="zh-CN"/>
+              <a:t>3.Jquery</a:t>
+            </a:r>
+            <a:r>
+              <a:rPr lang="zh-CN" altLang="en-US"/>
+              <a:t>，主要用于</a:t>
+            </a:r>
+            <a:r>
+              <a:rPr lang="en-US" altLang="zh-CN"/>
+              <a:t>ajax</a:t>
+            </a:r>
+            <a:r>
+              <a:rPr lang="zh-CN" altLang="en-US"/>
+              <a:t>请求</a:t>
+            </a:r>
+            <a:r>
+              <a:rPr lang="en-US" altLang="zh-CN"/>
+              <a:t>php</a:t>
+            </a:r>
+            <a:r>
+              <a:rPr lang="zh-CN" altLang="en-US"/>
+              <a:t>文件及获取返回的数据</a:t>
+            </a:r>
+            <a:endParaRPr lang="en-US" altLang="zh-CN"/>
+          </a:p>
+          <a:p>
+            <a:r>
+              <a:rPr lang="en-US" altLang="zh-CN"/>
+              <a:t>4.API</a:t>
+            </a:r>
+            <a:r>
+              <a:rPr lang="zh-CN" altLang="en-US"/>
+              <a:t>，我们项目是基于</a:t>
+            </a:r>
+            <a:r>
+              <a:rPr lang="en-US" altLang="zh-CN"/>
+              <a:t>API</a:t>
+            </a:r>
+            <a:r>
+              <a:rPr lang="zh-CN" altLang="en-US"/>
+              <a:t>接口开发，所有数据都是实时的。</a:t>
+            </a:r>
+            <a:endParaRPr lang="en-US" altLang="zh-CN"/>
+          </a:p>
+          <a:p>
+            <a:r>
+              <a:rPr lang="en-US" altLang="zh-CN"/>
+              <a:t>5.PHP</a:t>
+            </a:r>
+            <a:r>
+              <a:rPr lang="zh-CN" altLang="en-US"/>
+              <a:t>，配合阿里及百度接口获取数据</a:t>
+            </a:r>
+            <a:endParaRPr lang="en-US" altLang="zh-CN"/>
+          </a:p>
+          <a:p>
+            <a:r>
+              <a:rPr lang="en-US" altLang="zh-CN"/>
+              <a:t>6.SDK</a:t>
+            </a:r>
+            <a:r>
+              <a:rPr lang="zh-CN" altLang="en-US"/>
+              <a:t>，接口范例的工具包，同样是用来获取数据。</a:t>
+            </a:r>
+            <a:endParaRPr lang="en-US" altLang="zh-CN"/>
+          </a:p>
+          <a:p>
+            <a:endParaRPr lang="zh-CN" altLang="en-US"/>
+          </a:p>
+        </p:txBody>
+      </p:sp>
+      <p:sp>
+        <p:nvSpPr>
+          <p:cNvPr id="4" name="灯片编号占位符 3"/>
+          <p:cNvSpPr>
+            <a:spLocks noGrp="1"/>
+          </p:cNvSpPr>
+          <p:nvPr>
+            <p:ph type="sldNum" sz="quarter" idx="5"/>
+          </p:nvPr>
+        </p:nvSpPr>
+        <p:spPr/>
+        <p:txBody>
+          <a:bodyPr/>
+          <a:lstStyle/>
+          <a:p>
+            <a:fld id="{FF808F66-E2C3-4E39-981E-A5C58C5AB608}" type="slidenum">
+              <a:rPr lang="zh-CN" altLang="en-US" smtClean="0"/>
+              <a:t>12</a:t>
+            </a:fld>
+            <a:endParaRPr lang="zh-CN" altLang="en-US"/>
+          </a:p>
+        </p:txBody>
+      </p:sp>
+    </p:spTree>
+    <p:extLst>
+      <p:ext uri="{BB962C8B-B14F-4D97-AF65-F5344CB8AC3E}">
+        <p14:creationId xmlns:p14="http://schemas.microsoft.com/office/powerpoint/2010/main" val="1542153981"/>
+      </p:ext>
+    </p:extLst>
+  </p:cSld>
+  <p:clrMapOvr>
+    <a:masterClrMapping/>
+  </p:clrMapOvr>
+</p:notes>
+</file>
+
+<file path=ppt/notesSlides/notesSlide7.xml><?xml version="1.0" encoding="utf-8"?>
+<p:notes xmlns:a="http://schemas.openxmlformats.org/drawingml/2006/main" xmlns:r="http://schemas.openxmlformats.org/officeDocument/2006/relationships" xmlns:p="http://schemas.openxmlformats.org/presentationml/2006/main">
+  <p:cSld>
+    <p:spTree>
+      <p:nvGrpSpPr>
+        <p:cNvPr id="1" name=""/>
+        <p:cNvGrpSpPr/>
+        <p:nvPr/>
+      </p:nvGrpSpPr>
+      <p:grpSpPr>
+        <a:xfrm>
+          <a:off x="0" y="0"/>
+          <a:ext cx="0" cy="0"/>
+          <a:chOff x="0" y="0"/>
+          <a:chExt cx="0" cy="0"/>
+        </a:xfrm>
+      </p:grpSpPr>
+      <p:sp>
+        <p:nvSpPr>
+          <p:cNvPr id="2" name="幻灯片图像占位符 1"/>
+          <p:cNvSpPr>
+            <a:spLocks noGrp="1" noRot="1" noChangeAspect="1"/>
+          </p:cNvSpPr>
+          <p:nvPr>
+            <p:ph type="sldImg"/>
+          </p:nvPr>
+        </p:nvSpPr>
+        <p:spPr/>
+      </p:sp>
+      <p:sp>
+        <p:nvSpPr>
+          <p:cNvPr id="3" name="备注占位符 2"/>
+          <p:cNvSpPr>
+            <a:spLocks noGrp="1"/>
+          </p:cNvSpPr>
+          <p:nvPr>
+            <p:ph type="body" idx="1"/>
+          </p:nvPr>
+        </p:nvSpPr>
+        <p:spPr/>
+        <p:txBody>
+          <a:bodyPr/>
+          <a:lstStyle/>
+          <a:p>
+            <a:r>
+              <a:rPr lang="en-US" altLang="zh-CN"/>
+              <a:t>1.</a:t>
+            </a:r>
+            <a:r>
+              <a:rPr lang="zh-CN" altLang="en-US"/>
+              <a:t>无论做任何项目，都要先整理项目实现的思路，比如实现这个项目需要用到什么技术，什么语言，以及项目进度安排</a:t>
+            </a:r>
+            <a:endParaRPr lang="en-US" altLang="zh-CN"/>
+          </a:p>
+          <a:p>
+            <a:r>
+              <a:rPr lang="en-US" altLang="zh-CN"/>
+              <a:t>2.</a:t>
+            </a:r>
+            <a:r>
+              <a:rPr lang="zh-CN" altLang="en-US"/>
+              <a:t>由于我是技术组长，思路整理好之后，必定要进行项目分工，因为组员的技术能力的参差不一，所以我要根据项目模块的难易程度进行合理的分工</a:t>
+            </a:r>
+            <a:endParaRPr lang="en-US" altLang="zh-CN"/>
+          </a:p>
+          <a:p>
+            <a:r>
+              <a:rPr lang="en-US" altLang="zh-CN"/>
+              <a:t>3.</a:t>
+            </a:r>
+            <a:r>
+              <a:rPr lang="zh-CN" altLang="en-US"/>
+              <a:t>在项目实现的过程中，必定会遇到各种各样的问题，说到这里，就要感谢宋，感谢她不厌其烦的帮助我们解决问题。但是我们遇到问题一定不能退缩，一定要想办发去解决它</a:t>
+            </a:r>
+            <a:endParaRPr lang="en-US" altLang="zh-CN"/>
+          </a:p>
+          <a:p>
+            <a:r>
+              <a:rPr lang="en-US" altLang="zh-CN"/>
+              <a:t>4.</a:t>
+            </a:r>
+            <a:r>
+              <a:rPr lang="zh-CN" altLang="en-US"/>
+              <a:t>其次感谢我的组员们，每天加班加点的完成我们这个项目</a:t>
+            </a:r>
+            <a:endParaRPr lang="en-US" altLang="zh-CN"/>
+          </a:p>
+          <a:p>
+            <a:r>
+              <a:rPr lang="en-US" altLang="zh-CN"/>
+              <a:t>5.</a:t>
+            </a:r>
+            <a:r>
+              <a:rPr lang="zh-CN" altLang="en-US"/>
+              <a:t>最后感谢各位老师，给予我们这个优质的学习环境。</a:t>
+            </a:r>
+            <a:endParaRPr lang="en-US" altLang="zh-CN"/>
+          </a:p>
+          <a:p>
+            <a:r>
+              <a:rPr lang="zh-CN" altLang="en-US"/>
+              <a:t>谢谢大家。</a:t>
+            </a:r>
+            <a:endParaRPr lang="en-US" altLang="zh-CN"/>
+          </a:p>
+        </p:txBody>
+      </p:sp>
+      <p:sp>
+        <p:nvSpPr>
+          <p:cNvPr id="4" name="灯片编号占位符 3"/>
+          <p:cNvSpPr>
+            <a:spLocks noGrp="1"/>
+          </p:cNvSpPr>
+          <p:nvPr>
+            <p:ph type="sldNum" sz="quarter" idx="5"/>
+          </p:nvPr>
+        </p:nvSpPr>
+        <p:spPr/>
+        <p:txBody>
+          <a:bodyPr/>
+          <a:lstStyle/>
+          <a:p>
+            <a:fld id="{FF808F66-E2C3-4E39-981E-A5C58C5AB608}" type="slidenum">
+              <a:rPr lang="zh-CN" altLang="en-US" smtClean="0"/>
+              <a:t>15</a:t>
+            </a:fld>
+            <a:endParaRPr lang="zh-CN" altLang="en-US"/>
+          </a:p>
+        </p:txBody>
+      </p:sp>
+    </p:spTree>
+    <p:extLst>
+      <p:ext uri="{BB962C8B-B14F-4D97-AF65-F5344CB8AC3E}">
+        <p14:creationId xmlns:p14="http://schemas.microsoft.com/office/powerpoint/2010/main" val="2891433426"/>
       </p:ext>
     </p:extLst>
   </p:cSld>
@@ -4181,7 +4894,7 @@
                 <a:ea typeface="微软雅黑" panose="020B0503020204020204" pitchFamily="34" charset="-122"/>
                 <a:sym typeface="Arial" panose="020B0604020202020204" pitchFamily="34" charset="0"/>
               </a:rPr>
-              <a:t>主演讲人：龚烁宇</a:t>
+              <a:t>演讲人：龚烁宇</a:t>
             </a:r>
             <a:endParaRPr lang="en-US" altLang="zh-CN" sz="1400" dirty="0">
               <a:solidFill>
@@ -4581,7 +5294,7 @@
         </p:xfrm>
         <a:graphic>
           <a:graphicData uri="http://schemas.openxmlformats.org/drawingml/2006/chart">
-            <c:chart xmlns:c="http://schemas.openxmlformats.org/drawingml/2006/chart" xmlns:r="http://schemas.openxmlformats.org/officeDocument/2006/relationships" r:id="rId2"/>
+            <c:chart xmlns:c="http://schemas.openxmlformats.org/drawingml/2006/chart" xmlns:r="http://schemas.openxmlformats.org/officeDocument/2006/relationships" r:id="rId3"/>
           </a:graphicData>
         </a:graphic>
       </p:graphicFrame>
@@ -5911,7 +6624,7 @@
           <p:nvPr/>
         </p:nvPicPr>
         <p:blipFill rotWithShape="1">
-          <a:blip r:embed="rId2"/>
+          <a:blip r:embed="rId3"/>
           <a:srcRect l="48897"/>
           <a:stretch/>
         </p:blipFill>
@@ -5979,7 +6692,7 @@
           <p:nvPr/>
         </p:nvPicPr>
         <p:blipFill rotWithShape="1">
-          <a:blip r:embed="rId3"/>
+          <a:blip r:embed="rId4"/>
           <a:srcRect l="49574"/>
           <a:stretch/>
         </p:blipFill>
@@ -6069,7 +6782,7 @@
           <p:nvPr/>
         </p:nvPicPr>
         <p:blipFill>
-          <a:blip r:embed="rId4"/>
+          <a:blip r:embed="rId5"/>
           <a:stretch>
             <a:fillRect/>
           </a:stretch>
@@ -6700,7 +7413,7 @@
                 <a:ea typeface="微软雅黑" panose="020B0503020204020204" pitchFamily="34" charset="-122"/>
                 <a:sym typeface="Arial" panose="020B0604020202020204" pitchFamily="34" charset="0"/>
               </a:rPr>
-              <a:t>主演讲人：龚烁宇</a:t>
+              <a:t>演讲人：龚烁宇</a:t>
             </a:r>
             <a:endParaRPr lang="en-US" altLang="zh-CN" sz="1400" dirty="0">
               <a:solidFill>
@@ -8134,13 +8847,13 @@
         </p:nvGrpSpPr>
         <p:grpSpPr bwMode="auto">
           <a:xfrm>
-            <a:off x="5360201" y="2168217"/>
+            <a:off x="5112551" y="2644467"/>
             <a:ext cx="515028" cy="515938"/>
             <a:chOff x="611" y="1151"/>
             <a:chExt cx="566" cy="567"/>
           </a:xfrm>
           <a:blipFill dpi="0" rotWithShape="1">
-            <a:blip r:embed="rId2">
+            <a:blip r:embed="rId3">
               <a:extLst>
                 <a:ext uri="{28A0092B-C50C-407E-A947-70E740481C1C}">
                   <a14:useLocalDpi xmlns:a14="http://schemas.microsoft.com/office/drawing/2010/main" val="0"/>
@@ -8728,1056 +9441,6 @@
       </p:grpSp>
       <p:grpSp>
         <p:nvGrpSpPr>
-          <p:cNvPr id="15" name="Group 24"/>
-          <p:cNvGrpSpPr>
-            <a:grpSpLocks noChangeAspect="1"/>
-          </p:cNvGrpSpPr>
-          <p:nvPr/>
-        </p:nvGrpSpPr>
-        <p:grpSpPr bwMode="auto">
-          <a:xfrm>
-            <a:off x="7351374" y="4333602"/>
-            <a:ext cx="515028" cy="515938"/>
-            <a:chOff x="4516" y="1151"/>
-            <a:chExt cx="566" cy="567"/>
-          </a:xfrm>
-          <a:blipFill dpi="0" rotWithShape="1">
-            <a:blip r:embed="rId3">
-              <a:extLst>
-                <a:ext uri="{28A0092B-C50C-407E-A947-70E740481C1C}">
-                  <a14:useLocalDpi xmlns:a14="http://schemas.microsoft.com/office/drawing/2010/main" val="0"/>
-                </a:ext>
-              </a:extLst>
-            </a:blip>
-            <a:srcRect/>
-            <a:stretch>
-              <a:fillRect/>
-            </a:stretch>
-          </a:blipFill>
-        </p:grpSpPr>
-        <p:sp>
-          <p:nvSpPr>
-            <p:cNvPr id="16" name="Oval 25"/>
-            <p:cNvSpPr>
-              <a:spLocks noChangeArrowheads="1"/>
-            </p:cNvSpPr>
-            <p:nvPr/>
-          </p:nvSpPr>
-          <p:spPr bwMode="auto">
-            <a:xfrm>
-              <a:off x="4516" y="1151"/>
-              <a:ext cx="566" cy="567"/>
-            </a:xfrm>
-            <a:prstGeom prst="ellipse">
-              <a:avLst/>
-            </a:prstGeom>
-            <a:grpFill/>
-            <a:ln>
-              <a:noFill/>
-            </a:ln>
-            <a:extLst>
-              <a:ext uri="{91240B29-F687-4F45-9708-019B960494DF}">
-                <a14:hiddenLine xmlns:a14="http://schemas.microsoft.com/office/drawing/2010/main" w="9525">
-                  <a:solidFill>
-                    <a:srgbClr val="000000"/>
-                  </a:solidFill>
-                  <a:round/>
-                  <a:headEnd/>
-                  <a:tailEnd/>
-                </a14:hiddenLine>
-              </a:ext>
-            </a:extLst>
-          </p:spPr>
-          <p:txBody>
-            <a:bodyPr vert="horz" wrap="square" lIns="91440" tIns="45720" rIns="91440" bIns="45720" numCol="1" anchor="t" anchorCtr="0" compatLnSpc="1">
-              <a:prstTxWarp prst="textNoShape">
-                <a:avLst/>
-              </a:prstTxWarp>
-            </a:bodyPr>
-            <a:lstStyle/>
-            <a:p>
-              <a:endParaRPr lang="zh-CN" altLang="en-US">
-                <a:latin typeface="Arial" panose="020B0604020202020204" pitchFamily="34" charset="0"/>
-                <a:ea typeface="微软雅黑" panose="020B0503020204020204" pitchFamily="34" charset="-122"/>
-                <a:sym typeface="Arial" panose="020B0604020202020204" pitchFamily="34" charset="0"/>
-              </a:endParaRPr>
-            </a:p>
-          </p:txBody>
-        </p:sp>
-        <p:sp>
-          <p:nvSpPr>
-            <p:cNvPr id="17" name="Freeform 26"/>
-            <p:cNvSpPr>
-              <a:spLocks noEditPoints="1"/>
-            </p:cNvSpPr>
-            <p:nvPr/>
-          </p:nvSpPr>
-          <p:spPr bwMode="auto">
-            <a:xfrm>
-              <a:off x="4625" y="1260"/>
-              <a:ext cx="349" cy="349"/>
-            </a:xfrm>
-            <a:custGeom>
-              <a:avLst/>
-              <a:gdLst>
-                <a:gd name="T0" fmla="*/ 0 w 148"/>
-                <a:gd name="T1" fmla="*/ 95 h 148"/>
-                <a:gd name="T2" fmla="*/ 121 w 148"/>
-                <a:gd name="T3" fmla="*/ 148 h 148"/>
-                <a:gd name="T4" fmla="*/ 121 w 148"/>
-                <a:gd name="T5" fmla="*/ 69 h 148"/>
-                <a:gd name="T6" fmla="*/ 36 w 148"/>
-                <a:gd name="T7" fmla="*/ 132 h 148"/>
-                <a:gd name="T8" fmla="*/ 19 w 148"/>
-                <a:gd name="T9" fmla="*/ 90 h 148"/>
-                <a:gd name="T10" fmla="*/ 46 w 148"/>
-                <a:gd name="T11" fmla="*/ 90 h 148"/>
-                <a:gd name="T12" fmla="*/ 61 w 148"/>
-                <a:gd name="T13" fmla="*/ 130 h 148"/>
-                <a:gd name="T14" fmla="*/ 48 w 148"/>
-                <a:gd name="T15" fmla="*/ 133 h 148"/>
-                <a:gd name="T16" fmla="*/ 54 w 148"/>
-                <a:gd name="T17" fmla="*/ 98 h 148"/>
-                <a:gd name="T18" fmla="*/ 56 w 148"/>
-                <a:gd name="T19" fmla="*/ 128 h 148"/>
-                <a:gd name="T20" fmla="*/ 61 w 148"/>
-                <a:gd name="T21" fmla="*/ 98 h 148"/>
-                <a:gd name="T22" fmla="*/ 101 w 148"/>
-                <a:gd name="T23" fmla="*/ 126 h 148"/>
-                <a:gd name="T24" fmla="*/ 88 w 148"/>
-                <a:gd name="T25" fmla="*/ 134 h 148"/>
-                <a:gd name="T26" fmla="*/ 77 w 148"/>
-                <a:gd name="T27" fmla="*/ 134 h 148"/>
-                <a:gd name="T28" fmla="*/ 85 w 148"/>
-                <a:gd name="T29" fmla="*/ 101 h 148"/>
-                <a:gd name="T30" fmla="*/ 99 w 148"/>
-                <a:gd name="T31" fmla="*/ 99 h 148"/>
-                <a:gd name="T32" fmla="*/ 129 w 148"/>
-                <a:gd name="T33" fmla="*/ 116 h 148"/>
-                <a:gd name="T34" fmla="*/ 115 w 148"/>
-                <a:gd name="T35" fmla="*/ 127 h 148"/>
-                <a:gd name="T36" fmla="*/ 121 w 148"/>
-                <a:gd name="T37" fmla="*/ 123 h 148"/>
-                <a:gd name="T38" fmla="*/ 129 w 148"/>
-                <a:gd name="T39" fmla="*/ 123 h 148"/>
-                <a:gd name="T40" fmla="*/ 110 w 148"/>
-                <a:gd name="T41" fmla="*/ 131 h 148"/>
-                <a:gd name="T42" fmla="*/ 110 w 148"/>
-                <a:gd name="T43" fmla="*/ 99 h 148"/>
-                <a:gd name="T44" fmla="*/ 129 w 148"/>
-                <a:gd name="T45" fmla="*/ 107 h 148"/>
-                <a:gd name="T46" fmla="*/ 115 w 148"/>
-                <a:gd name="T47" fmla="*/ 104 h 148"/>
-                <a:gd name="T48" fmla="*/ 121 w 148"/>
-                <a:gd name="T49" fmla="*/ 111 h 148"/>
-                <a:gd name="T50" fmla="*/ 118 w 148"/>
-                <a:gd name="T51" fmla="*/ 103 h 148"/>
-                <a:gd name="T52" fmla="*/ 85 w 148"/>
-                <a:gd name="T53" fmla="*/ 105 h 148"/>
-                <a:gd name="T54" fmla="*/ 88 w 148"/>
-                <a:gd name="T55" fmla="*/ 129 h 148"/>
-                <a:gd name="T56" fmla="*/ 93 w 148"/>
-                <a:gd name="T57" fmla="*/ 107 h 148"/>
-                <a:gd name="T58" fmla="*/ 97 w 148"/>
-                <a:gd name="T59" fmla="*/ 60 h 148"/>
-                <a:gd name="T60" fmla="*/ 107 w 148"/>
-                <a:gd name="T61" fmla="*/ 60 h 148"/>
-                <a:gd name="T62" fmla="*/ 107 w 148"/>
-                <a:gd name="T63" fmla="*/ 18 h 148"/>
-                <a:gd name="T64" fmla="*/ 102 w 148"/>
-                <a:gd name="T65" fmla="*/ 53 h 148"/>
-                <a:gd name="T66" fmla="*/ 100 w 148"/>
-                <a:gd name="T67" fmla="*/ 18 h 148"/>
-                <a:gd name="T68" fmla="*/ 93 w 148"/>
-                <a:gd name="T69" fmla="*/ 59 h 148"/>
-                <a:gd name="T70" fmla="*/ 82 w 148"/>
-                <a:gd name="T71" fmla="*/ 58 h 148"/>
-                <a:gd name="T72" fmla="*/ 82 w 148"/>
-                <a:gd name="T73" fmla="*/ 20 h 148"/>
-                <a:gd name="T74" fmla="*/ 61 w 148"/>
-                <a:gd name="T75" fmla="*/ 28 h 148"/>
-                <a:gd name="T76" fmla="*/ 73 w 148"/>
-                <a:gd name="T77" fmla="*/ 61 h 148"/>
-                <a:gd name="T78" fmla="*/ 73 w 148"/>
-                <a:gd name="T79" fmla="*/ 24 h 148"/>
-                <a:gd name="T80" fmla="*/ 76 w 148"/>
-                <a:gd name="T81" fmla="*/ 50 h 148"/>
-                <a:gd name="T82" fmla="*/ 70 w 148"/>
-                <a:gd name="T83" fmla="*/ 53 h 148"/>
-                <a:gd name="T84" fmla="*/ 39 w 148"/>
-                <a:gd name="T85" fmla="*/ 60 h 148"/>
-                <a:gd name="T86" fmla="*/ 60 w 148"/>
-                <a:gd name="T87" fmla="*/ 0 h 148"/>
-                <a:gd name="T88" fmla="*/ 44 w 148"/>
-                <a:gd name="T89" fmla="*/ 23 h 148"/>
-                <a:gd name="T90" fmla="*/ 39 w 148"/>
-                <a:gd name="T91" fmla="*/ 34 h 148"/>
-              </a:gdLst>
-              <a:ahLst/>
-              <a:cxnLst>
-                <a:cxn ang="0">
-                  <a:pos x="T0" y="T1"/>
-                </a:cxn>
-                <a:cxn ang="0">
-                  <a:pos x="T2" y="T3"/>
-                </a:cxn>
-                <a:cxn ang="0">
-                  <a:pos x="T4" y="T5"/>
-                </a:cxn>
-                <a:cxn ang="0">
-                  <a:pos x="T6" y="T7"/>
-                </a:cxn>
-                <a:cxn ang="0">
-                  <a:pos x="T8" y="T9"/>
-                </a:cxn>
-                <a:cxn ang="0">
-                  <a:pos x="T10" y="T11"/>
-                </a:cxn>
-                <a:cxn ang="0">
-                  <a:pos x="T12" y="T13"/>
-                </a:cxn>
-                <a:cxn ang="0">
-                  <a:pos x="T14" y="T15"/>
-                </a:cxn>
-                <a:cxn ang="0">
-                  <a:pos x="T16" y="T17"/>
-                </a:cxn>
-                <a:cxn ang="0">
-                  <a:pos x="T18" y="T19"/>
-                </a:cxn>
-                <a:cxn ang="0">
-                  <a:pos x="T20" y="T21"/>
-                </a:cxn>
-                <a:cxn ang="0">
-                  <a:pos x="T22" y="T23"/>
-                </a:cxn>
-                <a:cxn ang="0">
-                  <a:pos x="T24" y="T25"/>
-                </a:cxn>
-                <a:cxn ang="0">
-                  <a:pos x="T26" y="T27"/>
-                </a:cxn>
-                <a:cxn ang="0">
-                  <a:pos x="T28" y="T29"/>
-                </a:cxn>
-                <a:cxn ang="0">
-                  <a:pos x="T30" y="T31"/>
-                </a:cxn>
-                <a:cxn ang="0">
-                  <a:pos x="T32" y="T33"/>
-                </a:cxn>
-                <a:cxn ang="0">
-                  <a:pos x="T34" y="T35"/>
-                </a:cxn>
-                <a:cxn ang="0">
-                  <a:pos x="T36" y="T37"/>
-                </a:cxn>
-                <a:cxn ang="0">
-                  <a:pos x="T38" y="T39"/>
-                </a:cxn>
-                <a:cxn ang="0">
-                  <a:pos x="T40" y="T41"/>
-                </a:cxn>
-                <a:cxn ang="0">
-                  <a:pos x="T42" y="T43"/>
-                </a:cxn>
-                <a:cxn ang="0">
-                  <a:pos x="T44" y="T45"/>
-                </a:cxn>
-                <a:cxn ang="0">
-                  <a:pos x="T46" y="T47"/>
-                </a:cxn>
-                <a:cxn ang="0">
-                  <a:pos x="T48" y="T49"/>
-                </a:cxn>
-                <a:cxn ang="0">
-                  <a:pos x="T50" y="T51"/>
-                </a:cxn>
-                <a:cxn ang="0">
-                  <a:pos x="T52" y="T53"/>
-                </a:cxn>
-                <a:cxn ang="0">
-                  <a:pos x="T54" y="T55"/>
-                </a:cxn>
-                <a:cxn ang="0">
-                  <a:pos x="T56" y="T57"/>
-                </a:cxn>
-                <a:cxn ang="0">
-                  <a:pos x="T58" y="T59"/>
-                </a:cxn>
-                <a:cxn ang="0">
-                  <a:pos x="T60" y="T61"/>
-                </a:cxn>
-                <a:cxn ang="0">
-                  <a:pos x="T62" y="T63"/>
-                </a:cxn>
-                <a:cxn ang="0">
-                  <a:pos x="T64" y="T65"/>
-                </a:cxn>
-                <a:cxn ang="0">
-                  <a:pos x="T66" y="T67"/>
-                </a:cxn>
-                <a:cxn ang="0">
-                  <a:pos x="T68" y="T69"/>
-                </a:cxn>
-                <a:cxn ang="0">
-                  <a:pos x="T70" y="T71"/>
-                </a:cxn>
-                <a:cxn ang="0">
-                  <a:pos x="T72" y="T73"/>
-                </a:cxn>
-                <a:cxn ang="0">
-                  <a:pos x="T74" y="T75"/>
-                </a:cxn>
-                <a:cxn ang="0">
-                  <a:pos x="T76" y="T77"/>
-                </a:cxn>
-                <a:cxn ang="0">
-                  <a:pos x="T78" y="T79"/>
-                </a:cxn>
-                <a:cxn ang="0">
-                  <a:pos x="T80" y="T81"/>
-                </a:cxn>
-                <a:cxn ang="0">
-                  <a:pos x="T82" y="T83"/>
-                </a:cxn>
-                <a:cxn ang="0">
-                  <a:pos x="T84" y="T85"/>
-                </a:cxn>
-                <a:cxn ang="0">
-                  <a:pos x="T86" y="T87"/>
-                </a:cxn>
-                <a:cxn ang="0">
-                  <a:pos x="T88" y="T89"/>
-                </a:cxn>
-                <a:cxn ang="0">
-                  <a:pos x="T90" y="T91"/>
-                </a:cxn>
-              </a:cxnLst>
-              <a:rect l="0" t="0" r="r" b="b"/>
-              <a:pathLst>
-                <a:path w="148" h="148">
-                  <a:moveTo>
-                    <a:pt x="121" y="69"/>
-                  </a:moveTo>
-                  <a:cubicBezTo>
-                    <a:pt x="27" y="69"/>
-                    <a:pt x="27" y="69"/>
-                    <a:pt x="27" y="69"/>
-                  </a:cubicBezTo>
-                  <a:cubicBezTo>
-                    <a:pt x="12" y="69"/>
-                    <a:pt x="0" y="80"/>
-                    <a:pt x="0" y="95"/>
-                  </a:cubicBezTo>
-                  <a:cubicBezTo>
-                    <a:pt x="0" y="121"/>
-                    <a:pt x="0" y="121"/>
-                    <a:pt x="0" y="121"/>
-                  </a:cubicBezTo>
-                  <a:cubicBezTo>
-                    <a:pt x="0" y="136"/>
-                    <a:pt x="12" y="148"/>
-                    <a:pt x="27" y="148"/>
-                  </a:cubicBezTo>
-                  <a:cubicBezTo>
-                    <a:pt x="121" y="148"/>
-                    <a:pt x="121" y="148"/>
-                    <a:pt x="121" y="148"/>
-                  </a:cubicBezTo>
-                  <a:cubicBezTo>
-                    <a:pt x="136" y="148"/>
-                    <a:pt x="148" y="136"/>
-                    <a:pt x="148" y="121"/>
-                  </a:cubicBezTo>
-                  <a:cubicBezTo>
-                    <a:pt x="148" y="95"/>
-                    <a:pt x="148" y="95"/>
-                    <a:pt x="148" y="95"/>
-                  </a:cubicBezTo>
-                  <a:cubicBezTo>
-                    <a:pt x="148" y="81"/>
-                    <a:pt x="136" y="69"/>
-                    <a:pt x="121" y="69"/>
-                  </a:cubicBezTo>
-                  <a:close/>
-                  <a:moveTo>
-                    <a:pt x="46" y="90"/>
-                  </a:moveTo>
-                  <a:cubicBezTo>
-                    <a:pt x="36" y="90"/>
-                    <a:pt x="36" y="90"/>
-                    <a:pt x="36" y="90"/>
-                  </a:cubicBezTo>
-                  <a:cubicBezTo>
-                    <a:pt x="36" y="132"/>
-                    <a:pt x="36" y="132"/>
-                    <a:pt x="36" y="132"/>
-                  </a:cubicBezTo>
-                  <a:cubicBezTo>
-                    <a:pt x="28" y="132"/>
-                    <a:pt x="28" y="132"/>
-                    <a:pt x="28" y="132"/>
-                  </a:cubicBezTo>
-                  <a:cubicBezTo>
-                    <a:pt x="28" y="90"/>
-                    <a:pt x="28" y="90"/>
-                    <a:pt x="28" y="90"/>
-                  </a:cubicBezTo>
-                  <a:cubicBezTo>
-                    <a:pt x="19" y="90"/>
-                    <a:pt x="19" y="90"/>
-                    <a:pt x="19" y="90"/>
-                  </a:cubicBezTo>
-                  <a:cubicBezTo>
-                    <a:pt x="19" y="83"/>
-                    <a:pt x="19" y="83"/>
-                    <a:pt x="19" y="83"/>
-                  </a:cubicBezTo>
-                  <a:cubicBezTo>
-                    <a:pt x="46" y="83"/>
-                    <a:pt x="46" y="83"/>
-                    <a:pt x="46" y="83"/>
-                  </a:cubicBezTo>
-                  <a:lnTo>
-                    <a:pt x="46" y="90"/>
-                  </a:lnTo>
-                  <a:close/>
-                  <a:moveTo>
-                    <a:pt x="69" y="134"/>
-                  </a:moveTo>
-                  <a:cubicBezTo>
-                    <a:pt x="61" y="134"/>
-                    <a:pt x="61" y="134"/>
-                    <a:pt x="61" y="134"/>
-                  </a:cubicBezTo>
-                  <a:cubicBezTo>
-                    <a:pt x="61" y="130"/>
-                    <a:pt x="61" y="130"/>
-                    <a:pt x="61" y="130"/>
-                  </a:cubicBezTo>
-                  <a:cubicBezTo>
-                    <a:pt x="59" y="131"/>
-                    <a:pt x="58" y="133"/>
-                    <a:pt x="56" y="133"/>
-                  </a:cubicBezTo>
-                  <a:cubicBezTo>
-                    <a:pt x="55" y="134"/>
-                    <a:pt x="53" y="134"/>
-                    <a:pt x="52" y="134"/>
-                  </a:cubicBezTo>
-                  <a:cubicBezTo>
-                    <a:pt x="50" y="134"/>
-                    <a:pt x="49" y="134"/>
-                    <a:pt x="48" y="133"/>
-                  </a:cubicBezTo>
-                  <a:cubicBezTo>
-                    <a:pt x="47" y="132"/>
-                    <a:pt x="47" y="130"/>
-                    <a:pt x="47" y="128"/>
-                  </a:cubicBezTo>
-                  <a:cubicBezTo>
-                    <a:pt x="47" y="98"/>
-                    <a:pt x="47" y="98"/>
-                    <a:pt x="47" y="98"/>
-                  </a:cubicBezTo>
-                  <a:cubicBezTo>
-                    <a:pt x="54" y="98"/>
-                    <a:pt x="54" y="98"/>
-                    <a:pt x="54" y="98"/>
-                  </a:cubicBezTo>
-                  <a:cubicBezTo>
-                    <a:pt x="54" y="126"/>
-                    <a:pt x="54" y="126"/>
-                    <a:pt x="54" y="126"/>
-                  </a:cubicBezTo>
-                  <a:cubicBezTo>
-                    <a:pt x="54" y="126"/>
-                    <a:pt x="54" y="127"/>
-                    <a:pt x="55" y="127"/>
-                  </a:cubicBezTo>
-                  <a:cubicBezTo>
-                    <a:pt x="55" y="128"/>
-                    <a:pt x="56" y="128"/>
-                    <a:pt x="56" y="128"/>
-                  </a:cubicBezTo>
-                  <a:cubicBezTo>
-                    <a:pt x="57" y="128"/>
-                    <a:pt x="58" y="128"/>
-                    <a:pt x="59" y="127"/>
-                  </a:cubicBezTo>
-                  <a:cubicBezTo>
-                    <a:pt x="59" y="127"/>
-                    <a:pt x="60" y="126"/>
-                    <a:pt x="61" y="125"/>
-                  </a:cubicBezTo>
-                  <a:cubicBezTo>
-                    <a:pt x="61" y="98"/>
-                    <a:pt x="61" y="98"/>
-                    <a:pt x="61" y="98"/>
-                  </a:cubicBezTo>
-                  <a:cubicBezTo>
-                    <a:pt x="69" y="98"/>
-                    <a:pt x="69" y="98"/>
-                    <a:pt x="69" y="98"/>
-                  </a:cubicBezTo>
-                  <a:cubicBezTo>
-                    <a:pt x="69" y="134"/>
-                    <a:pt x="69" y="134"/>
-                    <a:pt x="69" y="134"/>
-                  </a:cubicBezTo>
-                  <a:close/>
-                  <a:moveTo>
-                    <a:pt x="101" y="126"/>
-                  </a:moveTo>
-                  <a:cubicBezTo>
-                    <a:pt x="101" y="128"/>
-                    <a:pt x="101" y="130"/>
-                    <a:pt x="99" y="131"/>
-                  </a:cubicBezTo>
-                  <a:cubicBezTo>
-                    <a:pt x="98" y="133"/>
-                    <a:pt x="96" y="134"/>
-                    <a:pt x="94" y="134"/>
-                  </a:cubicBezTo>
-                  <a:cubicBezTo>
-                    <a:pt x="93" y="134"/>
-                    <a:pt x="89" y="134"/>
-                    <a:pt x="88" y="134"/>
-                  </a:cubicBezTo>
-                  <a:cubicBezTo>
-                    <a:pt x="87" y="133"/>
-                    <a:pt x="86" y="132"/>
-                    <a:pt x="85" y="131"/>
-                  </a:cubicBezTo>
-                  <a:cubicBezTo>
-                    <a:pt x="85" y="134"/>
-                    <a:pt x="85" y="134"/>
-                    <a:pt x="85" y="134"/>
-                  </a:cubicBezTo>
-                  <a:cubicBezTo>
-                    <a:pt x="77" y="134"/>
-                    <a:pt x="77" y="134"/>
-                    <a:pt x="77" y="134"/>
-                  </a:cubicBezTo>
-                  <a:cubicBezTo>
-                    <a:pt x="77" y="84"/>
-                    <a:pt x="77" y="84"/>
-                    <a:pt x="77" y="84"/>
-                  </a:cubicBezTo>
-                  <a:cubicBezTo>
-                    <a:pt x="85" y="84"/>
-                    <a:pt x="85" y="84"/>
-                    <a:pt x="85" y="84"/>
-                  </a:cubicBezTo>
-                  <a:cubicBezTo>
-                    <a:pt x="85" y="101"/>
-                    <a:pt x="85" y="101"/>
-                    <a:pt x="85" y="101"/>
-                  </a:cubicBezTo>
-                  <a:cubicBezTo>
-                    <a:pt x="86" y="100"/>
-                    <a:pt x="87" y="99"/>
-                    <a:pt x="88" y="98"/>
-                  </a:cubicBezTo>
-                  <a:cubicBezTo>
-                    <a:pt x="89" y="98"/>
-                    <a:pt x="92" y="97"/>
-                    <a:pt x="94" y="97"/>
-                  </a:cubicBezTo>
-                  <a:cubicBezTo>
-                    <a:pt x="96" y="97"/>
-                    <a:pt x="98" y="97"/>
-                    <a:pt x="99" y="99"/>
-                  </a:cubicBezTo>
-                  <a:cubicBezTo>
-                    <a:pt x="100" y="100"/>
-                    <a:pt x="101" y="103"/>
-                    <a:pt x="101" y="106"/>
-                  </a:cubicBezTo>
-                  <a:cubicBezTo>
-                    <a:pt x="101" y="126"/>
-                    <a:pt x="101" y="126"/>
-                    <a:pt x="101" y="126"/>
-                  </a:cubicBezTo>
-                  <a:close/>
-                  <a:moveTo>
-                    <a:pt x="129" y="116"/>
-                  </a:moveTo>
-                  <a:cubicBezTo>
-                    <a:pt x="115" y="116"/>
-                    <a:pt x="115" y="116"/>
-                    <a:pt x="115" y="116"/>
-                  </a:cubicBezTo>
-                  <a:cubicBezTo>
-                    <a:pt x="115" y="123"/>
-                    <a:pt x="115" y="123"/>
-                    <a:pt x="115" y="123"/>
-                  </a:cubicBezTo>
-                  <a:cubicBezTo>
-                    <a:pt x="115" y="125"/>
-                    <a:pt x="115" y="126"/>
-                    <a:pt x="115" y="127"/>
-                  </a:cubicBezTo>
-                  <a:cubicBezTo>
-                    <a:pt x="116" y="128"/>
-                    <a:pt x="117" y="128"/>
-                    <a:pt x="118" y="128"/>
-                  </a:cubicBezTo>
-                  <a:cubicBezTo>
-                    <a:pt x="119" y="128"/>
-                    <a:pt x="120" y="128"/>
-                    <a:pt x="121" y="127"/>
-                  </a:cubicBezTo>
-                  <a:cubicBezTo>
-                    <a:pt x="121" y="126"/>
-                    <a:pt x="121" y="125"/>
-                    <a:pt x="121" y="123"/>
-                  </a:cubicBezTo>
-                  <a:cubicBezTo>
-                    <a:pt x="121" y="121"/>
-                    <a:pt x="121" y="121"/>
-                    <a:pt x="121" y="121"/>
-                  </a:cubicBezTo>
-                  <a:cubicBezTo>
-                    <a:pt x="129" y="121"/>
-                    <a:pt x="129" y="121"/>
-                    <a:pt x="129" y="121"/>
-                  </a:cubicBezTo>
-                  <a:cubicBezTo>
-                    <a:pt x="129" y="123"/>
-                    <a:pt x="129" y="123"/>
-                    <a:pt x="129" y="123"/>
-                  </a:cubicBezTo>
-                  <a:cubicBezTo>
-                    <a:pt x="129" y="127"/>
-                    <a:pt x="128" y="130"/>
-                    <a:pt x="126" y="132"/>
-                  </a:cubicBezTo>
-                  <a:cubicBezTo>
-                    <a:pt x="124" y="133"/>
-                    <a:pt x="122" y="134"/>
-                    <a:pt x="118" y="134"/>
-                  </a:cubicBezTo>
-                  <a:cubicBezTo>
-                    <a:pt x="114" y="134"/>
-                    <a:pt x="111" y="133"/>
-                    <a:pt x="110" y="131"/>
-                  </a:cubicBezTo>
-                  <a:cubicBezTo>
-                    <a:pt x="108" y="129"/>
-                    <a:pt x="107" y="127"/>
-                    <a:pt x="107" y="123"/>
-                  </a:cubicBezTo>
-                  <a:cubicBezTo>
-                    <a:pt x="107" y="107"/>
-                    <a:pt x="107" y="107"/>
-                    <a:pt x="107" y="107"/>
-                  </a:cubicBezTo>
-                  <a:cubicBezTo>
-                    <a:pt x="107" y="104"/>
-                    <a:pt x="108" y="101"/>
-                    <a:pt x="110" y="99"/>
-                  </a:cubicBezTo>
-                  <a:cubicBezTo>
-                    <a:pt x="112" y="97"/>
-                    <a:pt x="115" y="96"/>
-                    <a:pt x="118" y="96"/>
-                  </a:cubicBezTo>
-                  <a:cubicBezTo>
-                    <a:pt x="122" y="96"/>
-                    <a:pt x="125" y="97"/>
-                    <a:pt x="126" y="99"/>
-                  </a:cubicBezTo>
-                  <a:cubicBezTo>
-                    <a:pt x="128" y="101"/>
-                    <a:pt x="129" y="104"/>
-                    <a:pt x="129" y="107"/>
-                  </a:cubicBezTo>
-                  <a:cubicBezTo>
-                    <a:pt x="129" y="116"/>
-                    <a:pt x="129" y="116"/>
-                    <a:pt x="129" y="116"/>
-                  </a:cubicBezTo>
-                  <a:close/>
-                  <a:moveTo>
-                    <a:pt x="118" y="103"/>
-                  </a:moveTo>
-                  <a:cubicBezTo>
-                    <a:pt x="117" y="103"/>
-                    <a:pt x="116" y="103"/>
-                    <a:pt x="115" y="104"/>
-                  </a:cubicBezTo>
-                  <a:cubicBezTo>
-                    <a:pt x="115" y="104"/>
-                    <a:pt x="115" y="105"/>
-                    <a:pt x="115" y="107"/>
-                  </a:cubicBezTo>
-                  <a:cubicBezTo>
-                    <a:pt x="115" y="111"/>
-                    <a:pt x="115" y="111"/>
-                    <a:pt x="115" y="111"/>
-                  </a:cubicBezTo>
-                  <a:cubicBezTo>
-                    <a:pt x="121" y="111"/>
-                    <a:pt x="121" y="111"/>
-                    <a:pt x="121" y="111"/>
-                  </a:cubicBezTo>
-                  <a:cubicBezTo>
-                    <a:pt x="121" y="107"/>
-                    <a:pt x="121" y="107"/>
-                    <a:pt x="121" y="107"/>
-                  </a:cubicBezTo>
-                  <a:cubicBezTo>
-                    <a:pt x="121" y="105"/>
-                    <a:pt x="121" y="104"/>
-                    <a:pt x="121" y="104"/>
-                  </a:cubicBezTo>
-                  <a:cubicBezTo>
-                    <a:pt x="120" y="103"/>
-                    <a:pt x="119" y="103"/>
-                    <a:pt x="118" y="103"/>
-                  </a:cubicBezTo>
-                  <a:close/>
-                  <a:moveTo>
-                    <a:pt x="88" y="103"/>
-                  </a:moveTo>
-                  <a:cubicBezTo>
-                    <a:pt x="87" y="103"/>
-                    <a:pt x="87" y="103"/>
-                    <a:pt x="86" y="104"/>
-                  </a:cubicBezTo>
-                  <a:cubicBezTo>
-                    <a:pt x="86" y="104"/>
-                    <a:pt x="85" y="104"/>
-                    <a:pt x="85" y="105"/>
-                  </a:cubicBezTo>
-                  <a:cubicBezTo>
-                    <a:pt x="85" y="127"/>
-                    <a:pt x="85" y="127"/>
-                    <a:pt x="85" y="127"/>
-                  </a:cubicBezTo>
-                  <a:cubicBezTo>
-                    <a:pt x="85" y="128"/>
-                    <a:pt x="86" y="128"/>
-                    <a:pt x="86" y="128"/>
-                  </a:cubicBezTo>
-                  <a:cubicBezTo>
-                    <a:pt x="87" y="129"/>
-                    <a:pt x="88" y="129"/>
-                    <a:pt x="88" y="129"/>
-                  </a:cubicBezTo>
-                  <a:cubicBezTo>
-                    <a:pt x="89" y="129"/>
-                    <a:pt x="92" y="129"/>
-                    <a:pt x="92" y="128"/>
-                  </a:cubicBezTo>
-                  <a:cubicBezTo>
-                    <a:pt x="93" y="127"/>
-                    <a:pt x="93" y="127"/>
-                    <a:pt x="93" y="126"/>
-                  </a:cubicBezTo>
-                  <a:cubicBezTo>
-                    <a:pt x="93" y="107"/>
-                    <a:pt x="93" y="107"/>
-                    <a:pt x="93" y="107"/>
-                  </a:cubicBezTo>
-                  <a:cubicBezTo>
-                    <a:pt x="93" y="106"/>
-                    <a:pt x="93" y="105"/>
-                    <a:pt x="92" y="104"/>
-                  </a:cubicBezTo>
-                  <a:cubicBezTo>
-                    <a:pt x="92" y="103"/>
-                    <a:pt x="89" y="103"/>
-                    <a:pt x="88" y="103"/>
-                  </a:cubicBezTo>
-                  <a:close/>
-                  <a:moveTo>
-                    <a:pt x="97" y="60"/>
-                  </a:moveTo>
-                  <a:cubicBezTo>
-                    <a:pt x="99" y="60"/>
-                    <a:pt x="101" y="60"/>
-                    <a:pt x="102" y="59"/>
-                  </a:cubicBezTo>
-                  <a:cubicBezTo>
-                    <a:pt x="104" y="58"/>
-                    <a:pt x="106" y="57"/>
-                    <a:pt x="107" y="55"/>
-                  </a:cubicBezTo>
-                  <a:cubicBezTo>
-                    <a:pt x="107" y="60"/>
-                    <a:pt x="107" y="60"/>
-                    <a:pt x="107" y="60"/>
-                  </a:cubicBezTo>
-                  <a:cubicBezTo>
-                    <a:pt x="116" y="60"/>
-                    <a:pt x="116" y="60"/>
-                    <a:pt x="116" y="60"/>
-                  </a:cubicBezTo>
-                  <a:cubicBezTo>
-                    <a:pt x="116" y="18"/>
-                    <a:pt x="116" y="18"/>
-                    <a:pt x="116" y="18"/>
-                  </a:cubicBezTo>
-                  <a:cubicBezTo>
-                    <a:pt x="107" y="18"/>
-                    <a:pt x="107" y="18"/>
-                    <a:pt x="107" y="18"/>
-                  </a:cubicBezTo>
-                  <a:cubicBezTo>
-                    <a:pt x="107" y="50"/>
-                    <a:pt x="107" y="50"/>
-                    <a:pt x="107" y="50"/>
-                  </a:cubicBezTo>
-                  <a:cubicBezTo>
-                    <a:pt x="106" y="51"/>
-                    <a:pt x="106" y="51"/>
-                    <a:pt x="105" y="52"/>
-                  </a:cubicBezTo>
-                  <a:cubicBezTo>
-                    <a:pt x="104" y="53"/>
-                    <a:pt x="103" y="53"/>
-                    <a:pt x="102" y="53"/>
-                  </a:cubicBezTo>
-                  <a:cubicBezTo>
-                    <a:pt x="101" y="53"/>
-                    <a:pt x="101" y="53"/>
-                    <a:pt x="101" y="52"/>
-                  </a:cubicBezTo>
-                  <a:cubicBezTo>
-                    <a:pt x="100" y="52"/>
-                    <a:pt x="100" y="51"/>
-                    <a:pt x="100" y="50"/>
-                  </a:cubicBezTo>
-                  <a:cubicBezTo>
-                    <a:pt x="100" y="18"/>
-                    <a:pt x="100" y="18"/>
-                    <a:pt x="100" y="18"/>
-                  </a:cubicBezTo>
-                  <a:cubicBezTo>
-                    <a:pt x="92" y="18"/>
-                    <a:pt x="92" y="18"/>
-                    <a:pt x="92" y="18"/>
-                  </a:cubicBezTo>
-                  <a:cubicBezTo>
-                    <a:pt x="92" y="53"/>
-                    <a:pt x="92" y="53"/>
-                    <a:pt x="92" y="53"/>
-                  </a:cubicBezTo>
-                  <a:cubicBezTo>
-                    <a:pt x="92" y="55"/>
-                    <a:pt x="92" y="57"/>
-                    <a:pt x="93" y="59"/>
-                  </a:cubicBezTo>
-                  <a:cubicBezTo>
-                    <a:pt x="94" y="60"/>
-                    <a:pt x="96" y="60"/>
-                    <a:pt x="97" y="60"/>
-                  </a:cubicBezTo>
-                  <a:close/>
-                  <a:moveTo>
-                    <a:pt x="73" y="61"/>
-                  </a:moveTo>
-                  <a:cubicBezTo>
-                    <a:pt x="77" y="61"/>
-                    <a:pt x="80" y="60"/>
-                    <a:pt x="82" y="58"/>
-                  </a:cubicBezTo>
-                  <a:cubicBezTo>
-                    <a:pt x="84" y="56"/>
-                    <a:pt x="85" y="53"/>
-                    <a:pt x="85" y="49"/>
-                  </a:cubicBezTo>
-                  <a:cubicBezTo>
-                    <a:pt x="85" y="28"/>
-                    <a:pt x="85" y="28"/>
-                    <a:pt x="85" y="28"/>
-                  </a:cubicBezTo>
-                  <a:cubicBezTo>
-                    <a:pt x="85" y="25"/>
-                    <a:pt x="84" y="22"/>
-                    <a:pt x="82" y="20"/>
-                  </a:cubicBezTo>
-                  <a:cubicBezTo>
-                    <a:pt x="79" y="18"/>
-                    <a:pt x="77" y="17"/>
-                    <a:pt x="73" y="17"/>
-                  </a:cubicBezTo>
-                  <a:cubicBezTo>
-                    <a:pt x="69" y="17"/>
-                    <a:pt x="66" y="18"/>
-                    <a:pt x="64" y="20"/>
-                  </a:cubicBezTo>
-                  <a:cubicBezTo>
-                    <a:pt x="62" y="22"/>
-                    <a:pt x="61" y="25"/>
-                    <a:pt x="61" y="28"/>
-                  </a:cubicBezTo>
-                  <a:cubicBezTo>
-                    <a:pt x="61" y="49"/>
-                    <a:pt x="61" y="49"/>
-                    <a:pt x="61" y="49"/>
-                  </a:cubicBezTo>
-                  <a:cubicBezTo>
-                    <a:pt x="61" y="53"/>
-                    <a:pt x="62" y="56"/>
-                    <a:pt x="64" y="58"/>
-                  </a:cubicBezTo>
-                  <a:cubicBezTo>
-                    <a:pt x="66" y="60"/>
-                    <a:pt x="69" y="61"/>
-                    <a:pt x="73" y="61"/>
-                  </a:cubicBezTo>
-                  <a:close/>
-                  <a:moveTo>
-                    <a:pt x="69" y="27"/>
-                  </a:moveTo>
-                  <a:cubicBezTo>
-                    <a:pt x="69" y="27"/>
-                    <a:pt x="70" y="26"/>
-                    <a:pt x="70" y="25"/>
-                  </a:cubicBezTo>
-                  <a:cubicBezTo>
-                    <a:pt x="71" y="25"/>
-                    <a:pt x="72" y="24"/>
-                    <a:pt x="73" y="24"/>
-                  </a:cubicBezTo>
-                  <a:cubicBezTo>
-                    <a:pt x="74" y="24"/>
-                    <a:pt x="75" y="25"/>
-                    <a:pt x="75" y="25"/>
-                  </a:cubicBezTo>
-                  <a:cubicBezTo>
-                    <a:pt x="76" y="26"/>
-                    <a:pt x="76" y="27"/>
-                    <a:pt x="76" y="27"/>
-                  </a:cubicBezTo>
-                  <a:cubicBezTo>
-                    <a:pt x="76" y="50"/>
-                    <a:pt x="76" y="50"/>
-                    <a:pt x="76" y="50"/>
-                  </a:cubicBezTo>
-                  <a:cubicBezTo>
-                    <a:pt x="76" y="51"/>
-                    <a:pt x="76" y="52"/>
-                    <a:pt x="75" y="53"/>
-                  </a:cubicBezTo>
-                  <a:cubicBezTo>
-                    <a:pt x="75" y="53"/>
-                    <a:pt x="74" y="54"/>
-                    <a:pt x="73" y="54"/>
-                  </a:cubicBezTo>
-                  <a:cubicBezTo>
-                    <a:pt x="72" y="54"/>
-                    <a:pt x="71" y="53"/>
-                    <a:pt x="70" y="53"/>
-                  </a:cubicBezTo>
-                  <a:cubicBezTo>
-                    <a:pt x="70" y="52"/>
-                    <a:pt x="69" y="51"/>
-                    <a:pt x="69" y="50"/>
-                  </a:cubicBezTo>
-                  <a:cubicBezTo>
-                    <a:pt x="69" y="27"/>
-                    <a:pt x="69" y="27"/>
-                    <a:pt x="69" y="27"/>
-                  </a:cubicBezTo>
-                  <a:close/>
-                  <a:moveTo>
-                    <a:pt x="39" y="60"/>
-                  </a:moveTo>
-                  <a:cubicBezTo>
-                    <a:pt x="49" y="60"/>
-                    <a:pt x="49" y="60"/>
-                    <a:pt x="49" y="60"/>
-                  </a:cubicBezTo>
-                  <a:cubicBezTo>
-                    <a:pt x="49" y="33"/>
-                    <a:pt x="49" y="33"/>
-                    <a:pt x="49" y="33"/>
-                  </a:cubicBezTo>
-                  <a:cubicBezTo>
-                    <a:pt x="60" y="0"/>
-                    <a:pt x="60" y="0"/>
-                    <a:pt x="60" y="0"/>
-                  </a:cubicBezTo>
-                  <a:cubicBezTo>
-                    <a:pt x="50" y="0"/>
-                    <a:pt x="50" y="0"/>
-                    <a:pt x="50" y="0"/>
-                  </a:cubicBezTo>
-                  <a:cubicBezTo>
-                    <a:pt x="44" y="23"/>
-                    <a:pt x="44" y="23"/>
-                    <a:pt x="44" y="23"/>
-                  </a:cubicBezTo>
-                  <a:cubicBezTo>
-                    <a:pt x="44" y="23"/>
-                    <a:pt x="44" y="23"/>
-                    <a:pt x="44" y="23"/>
-                  </a:cubicBezTo>
-                  <a:cubicBezTo>
-                    <a:pt x="38" y="0"/>
-                    <a:pt x="38" y="0"/>
-                    <a:pt x="38" y="0"/>
-                  </a:cubicBezTo>
-                  <a:cubicBezTo>
-                    <a:pt x="28" y="0"/>
-                    <a:pt x="28" y="0"/>
-                    <a:pt x="28" y="0"/>
-                  </a:cubicBezTo>
-                  <a:cubicBezTo>
-                    <a:pt x="39" y="34"/>
-                    <a:pt x="39" y="34"/>
-                    <a:pt x="39" y="34"/>
-                  </a:cubicBezTo>
-                  <a:cubicBezTo>
-                    <a:pt x="39" y="60"/>
-                    <a:pt x="39" y="60"/>
-                    <a:pt x="39" y="60"/>
-                  </a:cubicBezTo>
-                  <a:close/>
-                </a:path>
-              </a:pathLst>
-            </a:custGeom>
-            <a:grpFill/>
-            <a:ln>
-              <a:noFill/>
-            </a:ln>
-            <a:extLst>
-              <a:ext uri="{91240B29-F687-4F45-9708-019B960494DF}">
-                <a14:hiddenLine xmlns:a14="http://schemas.microsoft.com/office/drawing/2010/main" w="9525">
-                  <a:solidFill>
-                    <a:srgbClr val="000000"/>
-                  </a:solidFill>
-                  <a:round/>
-                  <a:headEnd/>
-                  <a:tailEnd/>
-                </a14:hiddenLine>
-              </a:ext>
-            </a:extLst>
-          </p:spPr>
-          <p:txBody>
-            <a:bodyPr vert="horz" wrap="square" lIns="91440" tIns="45720" rIns="91440" bIns="45720" numCol="1" anchor="t" anchorCtr="0" compatLnSpc="1">
-              <a:prstTxWarp prst="textNoShape">
-                <a:avLst/>
-              </a:prstTxWarp>
-            </a:bodyPr>
-            <a:lstStyle/>
-            <a:p>
-              <a:endParaRPr lang="zh-CN" altLang="en-US">
-                <a:latin typeface="Arial" panose="020B0604020202020204" pitchFamily="34" charset="0"/>
-                <a:ea typeface="微软雅黑" panose="020B0503020204020204" pitchFamily="34" charset="-122"/>
-                <a:sym typeface="Arial" panose="020B0604020202020204" pitchFamily="34" charset="0"/>
-              </a:endParaRPr>
-            </a:p>
-          </p:txBody>
-        </p:sp>
-      </p:grpSp>
-      <p:grpSp>
-        <p:nvGrpSpPr>
           <p:cNvPr id="18" name="Group 34"/>
           <p:cNvGrpSpPr>
             <a:grpSpLocks noChangeAspect="1"/>
@@ -9786,7 +9449,7 @@
         </p:nvGrpSpPr>
         <p:grpSpPr bwMode="auto">
           <a:xfrm>
-            <a:off x="9272204" y="2205694"/>
+            <a:off x="9024554" y="2681944"/>
             <a:ext cx="515028" cy="515938"/>
             <a:chOff x="6469" y="1151"/>
             <a:chExt cx="566" cy="567"/>
@@ -10141,7 +9804,7 @@
         </p:nvSpPr>
         <p:spPr>
           <a:xfrm>
-            <a:off x="5200342" y="2783813"/>
+            <a:off x="4952692" y="3260063"/>
             <a:ext cx="902811" cy="307777"/>
           </a:xfrm>
           <a:prstGeom prst="rect">
@@ -10178,7 +9841,7 @@
         </p:nvSpPr>
         <p:spPr>
           <a:xfrm>
-            <a:off x="4320511" y="3066437"/>
+            <a:off x="4072861" y="3542687"/>
             <a:ext cx="2594406" cy="730777"/>
           </a:xfrm>
           <a:prstGeom prst="rect">
@@ -10224,102 +9887,13 @@
       </p:sp>
       <p:sp>
         <p:nvSpPr>
-          <p:cNvPr id="25" name="矩形 24"/>
-          <p:cNvSpPr/>
-          <p:nvPr/>
-        </p:nvSpPr>
-        <p:spPr>
-          <a:xfrm>
-            <a:off x="7200061" y="4923567"/>
-            <a:ext cx="902811" cy="307777"/>
-          </a:xfrm>
-          <a:prstGeom prst="rect">
-            <a:avLst/>
-          </a:prstGeom>
-        </p:spPr>
-        <p:txBody>
-          <a:bodyPr wrap="none">
-            <a:spAutoFit/>
-          </a:bodyPr>
-          <a:lstStyle/>
-          <a:p>
-            <a:r>
-              <a:rPr lang="zh-CN" altLang="en-US" sz="1400" b="1">
-                <a:latin typeface="Arial" panose="020B0604020202020204" pitchFamily="34" charset="0"/>
-                <a:ea typeface="微软雅黑" panose="020B0503020204020204" pitchFamily="34" charset="-122"/>
-                <a:sym typeface="Arial" panose="020B0604020202020204" pitchFamily="34" charset="0"/>
-              </a:rPr>
-              <a:t>方便快捷</a:t>
-            </a:r>
-            <a:endParaRPr lang="zh-CN" altLang="en-US" sz="1400" b="1" dirty="0">
-              <a:latin typeface="Arial" panose="020B0604020202020204" pitchFamily="34" charset="0"/>
-              <a:ea typeface="微软雅黑" panose="020B0503020204020204" pitchFamily="34" charset="-122"/>
-              <a:sym typeface="Arial" panose="020B0604020202020204" pitchFamily="34" charset="0"/>
-            </a:endParaRPr>
-          </a:p>
-        </p:txBody>
-      </p:sp>
-      <p:sp>
-        <p:nvSpPr>
-          <p:cNvPr id="26" name="矩形 25"/>
-          <p:cNvSpPr/>
-          <p:nvPr/>
-        </p:nvSpPr>
-        <p:spPr>
-          <a:xfrm>
-            <a:off x="6311684" y="5234766"/>
-            <a:ext cx="2594406" cy="730777"/>
-          </a:xfrm>
-          <a:prstGeom prst="rect">
-            <a:avLst/>
-          </a:prstGeom>
-        </p:spPr>
-        <p:txBody>
-          <a:bodyPr wrap="square">
-            <a:spAutoFit/>
-          </a:bodyPr>
-          <a:lstStyle/>
-          <a:p>
-            <a:pPr lvl="0" algn="just">
-              <a:lnSpc>
-                <a:spcPct val="130000"/>
-              </a:lnSpc>
-            </a:pPr>
-            <a:r>
-              <a:rPr lang="zh-CN" altLang="en-US" sz="1100">
-                <a:solidFill>
-                  <a:schemeClr val="bg1">
-                    <a:lumMod val="50000"/>
-                  </a:schemeClr>
-                </a:solidFill>
-                <a:latin typeface="Arial" panose="020B0604020202020204" pitchFamily="34" charset="0"/>
-                <a:ea typeface="微软雅黑" panose="020B0503020204020204" pitchFamily="34" charset="-122"/>
-                <a:sym typeface="Arial" panose="020B0604020202020204" pitchFamily="34" charset="0"/>
-              </a:rPr>
-              <a:t>方便于用户查询，获取信息等操作，同时开发者也能获取用户的使用习惯，进而进行数据分析用户的操作习惯。</a:t>
-            </a:r>
-            <a:endParaRPr lang="zh-CN" altLang="en-US" sz="1100" dirty="0">
-              <a:solidFill>
-                <a:schemeClr val="bg1">
-                  <a:lumMod val="50000"/>
-                </a:schemeClr>
-              </a:solidFill>
-              <a:latin typeface="Arial" panose="020B0604020202020204" pitchFamily="34" charset="0"/>
-              <a:ea typeface="微软雅黑" panose="020B0503020204020204" pitchFamily="34" charset="-122"/>
-              <a:sym typeface="Arial" panose="020B0604020202020204" pitchFamily="34" charset="0"/>
-            </a:endParaRPr>
-          </a:p>
-        </p:txBody>
-      </p:sp>
-      <p:sp>
-        <p:nvSpPr>
           <p:cNvPr id="27" name="矩形 26"/>
           <p:cNvSpPr/>
           <p:nvPr/>
         </p:nvSpPr>
         <p:spPr>
           <a:xfrm>
-            <a:off x="9112586" y="2795659"/>
+            <a:off x="8864936" y="3271909"/>
             <a:ext cx="902811" cy="307777"/>
           </a:xfrm>
           <a:prstGeom prst="rect">
@@ -10356,7 +9930,7 @@
         </p:nvSpPr>
         <p:spPr>
           <a:xfrm>
-            <a:off x="8241297" y="3106858"/>
+            <a:off x="7993647" y="3583108"/>
             <a:ext cx="2594406" cy="730777"/>
           </a:xfrm>
           <a:prstGeom prst="rect">
@@ -10728,13 +10302,13 @@
           <p:nvPr/>
         </p:nvPicPr>
         <p:blipFill rotWithShape="1">
-          <a:blip r:embed="rId2"/>
+          <a:blip r:embed="rId3"/>
           <a:srcRect l="68830" t="39363" r="20020" b="39553"/>
           <a:stretch/>
         </p:blipFill>
         <p:spPr>
           <a:xfrm>
-            <a:off x="7346786" y="1368423"/>
+            <a:off x="7051511" y="1368423"/>
             <a:ext cx="2534710" cy="2534710"/>
           </a:xfrm>
           <a:prstGeom prst="ellipse">
@@ -10751,13 +10325,13 @@
           <p:nvPr/>
         </p:nvPicPr>
         <p:blipFill rotWithShape="1">
-          <a:blip r:embed="rId2"/>
+          <a:blip r:embed="rId3"/>
           <a:srcRect l="68830" t="39363" r="20020" b="39553"/>
           <a:stretch/>
         </p:blipFill>
         <p:spPr>
           <a:xfrm>
-            <a:off x="2009513" y="1368423"/>
+            <a:off x="2361938" y="1368423"/>
             <a:ext cx="2534710" cy="2534710"/>
           </a:xfrm>
           <a:prstGeom prst="ellipse">
@@ -10773,7 +10347,7 @@
         </p:nvSpPr>
         <p:spPr>
           <a:xfrm>
-            <a:off x="8205705" y="4055548"/>
+            <a:off x="7910430" y="4055548"/>
             <a:ext cx="723275" cy="307777"/>
           </a:xfrm>
           <a:prstGeom prst="rect">
@@ -10810,7 +10384,7 @@
         </p:nvSpPr>
         <p:spPr>
           <a:xfrm>
-            <a:off x="7294937" y="4300072"/>
+            <a:off x="6999662" y="4300072"/>
             <a:ext cx="2594406" cy="729623"/>
           </a:xfrm>
           <a:prstGeom prst="rect">
@@ -10922,7 +10496,7 @@
         </p:nvSpPr>
         <p:spPr>
           <a:xfrm>
-            <a:off x="2871594" y="4055548"/>
+            <a:off x="3224019" y="4055548"/>
             <a:ext cx="723275" cy="307777"/>
           </a:xfrm>
           <a:prstGeom prst="rect">
@@ -10959,7 +10533,7 @@
         </p:nvSpPr>
         <p:spPr>
           <a:xfrm>
-            <a:off x="1970139" y="4300072"/>
+            <a:off x="2322564" y="4300072"/>
             <a:ext cx="2594406" cy="729623"/>
           </a:xfrm>
           <a:prstGeom prst="rect">
@@ -11079,7 +10653,7 @@
         </p:nvSpPr>
         <p:spPr bwMode="auto">
           <a:xfrm>
-            <a:off x="8117848" y="2203598"/>
+            <a:off x="7822573" y="2203598"/>
             <a:ext cx="948584" cy="906542"/>
           </a:xfrm>
           <a:custGeom>
@@ -11497,7 +11071,7 @@
         </p:nvGrpSpPr>
         <p:grpSpPr>
           <a:xfrm>
-            <a:off x="2810344" y="2185634"/>
+            <a:off x="3162769" y="2185634"/>
             <a:ext cx="952096" cy="952096"/>
             <a:chOff x="5700251" y="2185634"/>
             <a:chExt cx="952096" cy="952096"/>
